--- a/최종 정리본/etc/컨퍼런스 논문 구조도에 쓰인 사진/컨퍼런스 구조도.pptx
+++ b/최종 정리본/etc/컨퍼런스 논문 구조도에 쓰인 사진/컨퍼런스 구조도.pptx
@@ -2,12 +2,13 @@
 <file path=ppt/presentation.xml><?xml version="1.0" encoding="utf-8"?>
 <p:presentation xmlns:a="http://schemas.openxmlformats.org/drawingml/2006/main" xmlns:r="http://schemas.openxmlformats.org/officeDocument/2006/relationships" xmlns:p="http://schemas.openxmlformats.org/presentationml/2006/main" saveSubsetFonts="1">
   <p:sldMasterIdLst>
-    <p:sldMasterId id="2147483660" r:id="rId1"/>
+    <p:sldMasterId id="2147483672" r:id="rId1"/>
   </p:sldMasterIdLst>
   <p:sldIdLst>
     <p:sldId id="256" r:id="rId2"/>
+    <p:sldId id="257" r:id="rId3"/>
   </p:sldIdLst>
-  <p:sldSz cx="35999738" cy="6858000"/>
+  <p:sldSz cx="35999738" cy="14400213"/>
   <p:notesSz cx="6858000" cy="9144000"/>
   <p:defaultTextStyle>
     <a:defPPr>
@@ -104,6 +105,11 @@
       </a:defRPr>
     </a:lvl9pPr>
   </p:defaultTextStyle>
+  <p:extLst>
+    <p:ext uri="{EFAFB233-063F-42B5-8137-9DF3F51BA10A}">
+      <p15:sldGuideLst xmlns:p15="http://schemas.microsoft.com/office/powerpoint/2012/main"/>
+    </p:ext>
+  </p:extLst>
 </p:presentation>
 </file>
 
@@ -136,15 +142,15 @@
         </p:nvSpPr>
         <p:spPr>
           <a:xfrm>
-            <a:off x="4499967" y="1122363"/>
-            <a:ext cx="26999804" cy="2387600"/>
+            <a:off x="4499967" y="2356703"/>
+            <a:ext cx="26999804" cy="5013407"/>
           </a:xfrm>
         </p:spPr>
         <p:txBody>
           <a:bodyPr anchor="b"/>
           <a:lstStyle>
             <a:lvl1pPr algn="ctr">
-              <a:defRPr sz="6000"/>
+              <a:defRPr sz="12599"/>
             </a:lvl1pPr>
           </a:lstStyle>
           <a:p>
@@ -168,8 +174,8 @@
         </p:nvSpPr>
         <p:spPr>
           <a:xfrm>
-            <a:off x="4499967" y="3602038"/>
-            <a:ext cx="26999804" cy="1655762"/>
+            <a:off x="4499967" y="7563446"/>
+            <a:ext cx="26999804" cy="3476717"/>
           </a:xfrm>
         </p:spPr>
         <p:txBody>
@@ -177,39 +183,39 @@
           <a:lstStyle>
             <a:lvl1pPr marL="0" indent="0" algn="ctr">
               <a:buNone/>
-              <a:defRPr sz="2400"/>
+              <a:defRPr sz="5040"/>
             </a:lvl1pPr>
-            <a:lvl2pPr marL="457200" indent="0" algn="ctr">
-              <a:buNone/>
-              <a:defRPr sz="2000"/>
+            <a:lvl2pPr marL="960029" indent="0" algn="ctr">
+              <a:buNone/>
+              <a:defRPr sz="4200"/>
             </a:lvl2pPr>
-            <a:lvl3pPr marL="914400" indent="0" algn="ctr">
-              <a:buNone/>
-              <a:defRPr sz="1800"/>
+            <a:lvl3pPr marL="1920057" indent="0" algn="ctr">
+              <a:buNone/>
+              <a:defRPr sz="3780"/>
             </a:lvl3pPr>
-            <a:lvl4pPr marL="1371600" indent="0" algn="ctr">
-              <a:buNone/>
-              <a:defRPr sz="1600"/>
+            <a:lvl4pPr marL="2880086" indent="0" algn="ctr">
+              <a:buNone/>
+              <a:defRPr sz="3360"/>
             </a:lvl4pPr>
-            <a:lvl5pPr marL="1828800" indent="0" algn="ctr">
-              <a:buNone/>
-              <a:defRPr sz="1600"/>
+            <a:lvl5pPr marL="3840114" indent="0" algn="ctr">
+              <a:buNone/>
+              <a:defRPr sz="3360"/>
             </a:lvl5pPr>
-            <a:lvl6pPr marL="2286000" indent="0" algn="ctr">
-              <a:buNone/>
-              <a:defRPr sz="1600"/>
+            <a:lvl6pPr marL="4800143" indent="0" algn="ctr">
+              <a:buNone/>
+              <a:defRPr sz="3360"/>
             </a:lvl6pPr>
-            <a:lvl7pPr marL="2743200" indent="0" algn="ctr">
-              <a:buNone/>
-              <a:defRPr sz="1600"/>
+            <a:lvl7pPr marL="5760171" indent="0" algn="ctr">
+              <a:buNone/>
+              <a:defRPr sz="3360"/>
             </a:lvl7pPr>
-            <a:lvl8pPr marL="3200400" indent="0" algn="ctr">
-              <a:buNone/>
-              <a:defRPr sz="1600"/>
+            <a:lvl8pPr marL="6720200" indent="0" algn="ctr">
+              <a:buNone/>
+              <a:defRPr sz="3360"/>
             </a:lvl8pPr>
-            <a:lvl9pPr marL="3657600" indent="0" algn="ctr">
-              <a:buNone/>
-              <a:defRPr sz="1600"/>
+            <a:lvl9pPr marL="7680228" indent="0" algn="ctr">
+              <a:buNone/>
+              <a:defRPr sz="3360"/>
             </a:lvl9pPr>
           </a:lstStyle>
           <a:p>
@@ -238,7 +244,7 @@
           <a:p>
             <a:fld id="{88CA5724-AAEB-4004-8D3F-C05D4DBBD399}" type="datetimeFigureOut">
               <a:rPr lang="ko-KR" altLang="en-US" smtClean="0"/>
-              <a:t>2022-05-26</a:t>
+              <a:t>2022-05-30</a:t>
             </a:fld>
             <a:endParaRPr lang="ko-KR" altLang="en-US"/>
           </a:p>
@@ -289,7 +295,7 @@
     </p:spTree>
     <p:extLst>
       <p:ext uri="{BB962C8B-B14F-4D97-AF65-F5344CB8AC3E}">
-        <p14:creationId xmlns:p14="http://schemas.microsoft.com/office/powerpoint/2010/main" val="3040693527"/>
+        <p14:creationId xmlns:p14="http://schemas.microsoft.com/office/powerpoint/2010/main" val="1807991586"/>
       </p:ext>
     </p:extLst>
   </p:cSld>
@@ -408,7 +414,7 @@
           <a:p>
             <a:fld id="{88CA5724-AAEB-4004-8D3F-C05D4DBBD399}" type="datetimeFigureOut">
               <a:rPr lang="ko-KR" altLang="en-US" smtClean="0"/>
-              <a:t>2022-05-26</a:t>
+              <a:t>2022-05-30</a:t>
             </a:fld>
             <a:endParaRPr lang="ko-KR" altLang="en-US"/>
           </a:p>
@@ -459,7 +465,7 @@
     </p:spTree>
     <p:extLst>
       <p:ext uri="{BB962C8B-B14F-4D97-AF65-F5344CB8AC3E}">
-        <p14:creationId xmlns:p14="http://schemas.microsoft.com/office/powerpoint/2010/main" val="1195356058"/>
+        <p14:creationId xmlns:p14="http://schemas.microsoft.com/office/powerpoint/2010/main" val="2642942964"/>
       </p:ext>
     </p:extLst>
   </p:cSld>
@@ -498,8 +504,8 @@
         </p:nvSpPr>
         <p:spPr>
           <a:xfrm>
-            <a:off x="25762312" y="365125"/>
-            <a:ext cx="7762444" cy="5811838"/>
+            <a:off x="25762312" y="766678"/>
+            <a:ext cx="7762444" cy="12203515"/>
           </a:xfrm>
         </p:spPr>
         <p:txBody>
@@ -526,8 +532,8 @@
         </p:nvSpPr>
         <p:spPr>
           <a:xfrm>
-            <a:off x="2474982" y="365125"/>
-            <a:ext cx="22837334" cy="5811838"/>
+            <a:off x="2474982" y="766678"/>
+            <a:ext cx="22837334" cy="12203515"/>
           </a:xfrm>
         </p:spPr>
         <p:txBody>
@@ -588,7 +594,7 @@
           <a:p>
             <a:fld id="{88CA5724-AAEB-4004-8D3F-C05D4DBBD399}" type="datetimeFigureOut">
               <a:rPr lang="ko-KR" altLang="en-US" smtClean="0"/>
-              <a:t>2022-05-26</a:t>
+              <a:t>2022-05-30</a:t>
             </a:fld>
             <a:endParaRPr lang="ko-KR" altLang="en-US"/>
           </a:p>
@@ -639,7 +645,7 @@
     </p:spTree>
     <p:extLst>
       <p:ext uri="{BB962C8B-B14F-4D97-AF65-F5344CB8AC3E}">
-        <p14:creationId xmlns:p14="http://schemas.microsoft.com/office/powerpoint/2010/main" val="3826705672"/>
+        <p14:creationId xmlns:p14="http://schemas.microsoft.com/office/powerpoint/2010/main" val="1998832948"/>
       </p:ext>
     </p:extLst>
   </p:cSld>
@@ -758,7 +764,7 @@
           <a:p>
             <a:fld id="{88CA5724-AAEB-4004-8D3F-C05D4DBBD399}" type="datetimeFigureOut">
               <a:rPr lang="ko-KR" altLang="en-US" smtClean="0"/>
-              <a:t>2022-05-26</a:t>
+              <a:t>2022-05-30</a:t>
             </a:fld>
             <a:endParaRPr lang="ko-KR" altLang="en-US"/>
           </a:p>
@@ -809,7 +815,7 @@
     </p:spTree>
     <p:extLst>
       <p:ext uri="{BB962C8B-B14F-4D97-AF65-F5344CB8AC3E}">
-        <p14:creationId xmlns:p14="http://schemas.microsoft.com/office/powerpoint/2010/main" val="72042350"/>
+        <p14:creationId xmlns:p14="http://schemas.microsoft.com/office/powerpoint/2010/main" val="203341597"/>
       </p:ext>
     </p:extLst>
   </p:cSld>
@@ -848,15 +854,15 @@
         </p:nvSpPr>
         <p:spPr>
           <a:xfrm>
-            <a:off x="2456232" y="1709739"/>
-            <a:ext cx="31049774" cy="2852737"/>
+            <a:off x="2456232" y="3590055"/>
+            <a:ext cx="31049774" cy="5990088"/>
           </a:xfrm>
         </p:spPr>
         <p:txBody>
           <a:bodyPr anchor="b"/>
           <a:lstStyle>
             <a:lvl1pPr>
-              <a:defRPr sz="6000"/>
+              <a:defRPr sz="12599"/>
             </a:lvl1pPr>
           </a:lstStyle>
           <a:p>
@@ -880,8 +886,8 @@
         </p:nvSpPr>
         <p:spPr>
           <a:xfrm>
-            <a:off x="2456232" y="4589464"/>
-            <a:ext cx="31049774" cy="1500187"/>
+            <a:off x="2456232" y="9636811"/>
+            <a:ext cx="31049774" cy="3150046"/>
           </a:xfrm>
         </p:spPr>
         <p:txBody>
@@ -889,7 +895,7 @@
           <a:lstStyle>
             <a:lvl1pPr marL="0" indent="0">
               <a:buNone/>
-              <a:defRPr sz="2400">
+              <a:defRPr sz="5040">
                 <a:solidFill>
                   <a:schemeClr val="tx1">
                     <a:tint val="75000"/>
@@ -897,9 +903,9 @@
                 </a:solidFill>
               </a:defRPr>
             </a:lvl1pPr>
-            <a:lvl2pPr marL="457200" indent="0">
-              <a:buNone/>
-              <a:defRPr sz="2000">
+            <a:lvl2pPr marL="960029" indent="0">
+              <a:buNone/>
+              <a:defRPr sz="4200">
                 <a:solidFill>
                   <a:schemeClr val="tx1">
                     <a:tint val="75000"/>
@@ -907,9 +913,9 @@
                 </a:solidFill>
               </a:defRPr>
             </a:lvl2pPr>
-            <a:lvl3pPr marL="914400" indent="0">
-              <a:buNone/>
-              <a:defRPr sz="1800">
+            <a:lvl3pPr marL="1920057" indent="0">
+              <a:buNone/>
+              <a:defRPr sz="3780">
                 <a:solidFill>
                   <a:schemeClr val="tx1">
                     <a:tint val="75000"/>
@@ -917,9 +923,9 @@
                 </a:solidFill>
               </a:defRPr>
             </a:lvl3pPr>
-            <a:lvl4pPr marL="1371600" indent="0">
-              <a:buNone/>
-              <a:defRPr sz="1600">
+            <a:lvl4pPr marL="2880086" indent="0">
+              <a:buNone/>
+              <a:defRPr sz="3360">
                 <a:solidFill>
                   <a:schemeClr val="tx1">
                     <a:tint val="75000"/>
@@ -927,9 +933,9 @@
                 </a:solidFill>
               </a:defRPr>
             </a:lvl4pPr>
-            <a:lvl5pPr marL="1828800" indent="0">
-              <a:buNone/>
-              <a:defRPr sz="1600">
+            <a:lvl5pPr marL="3840114" indent="0">
+              <a:buNone/>
+              <a:defRPr sz="3360">
                 <a:solidFill>
                   <a:schemeClr val="tx1">
                     <a:tint val="75000"/>
@@ -937,9 +943,9 @@
                 </a:solidFill>
               </a:defRPr>
             </a:lvl5pPr>
-            <a:lvl6pPr marL="2286000" indent="0">
-              <a:buNone/>
-              <a:defRPr sz="1600">
+            <a:lvl6pPr marL="4800143" indent="0">
+              <a:buNone/>
+              <a:defRPr sz="3360">
                 <a:solidFill>
                   <a:schemeClr val="tx1">
                     <a:tint val="75000"/>
@@ -947,9 +953,9 @@
                 </a:solidFill>
               </a:defRPr>
             </a:lvl6pPr>
-            <a:lvl7pPr marL="2743200" indent="0">
-              <a:buNone/>
-              <a:defRPr sz="1600">
+            <a:lvl7pPr marL="5760171" indent="0">
+              <a:buNone/>
+              <a:defRPr sz="3360">
                 <a:solidFill>
                   <a:schemeClr val="tx1">
                     <a:tint val="75000"/>
@@ -957,9 +963,9 @@
                 </a:solidFill>
               </a:defRPr>
             </a:lvl7pPr>
-            <a:lvl8pPr marL="3200400" indent="0">
-              <a:buNone/>
-              <a:defRPr sz="1600">
+            <a:lvl8pPr marL="6720200" indent="0">
+              <a:buNone/>
+              <a:defRPr sz="3360">
                 <a:solidFill>
                   <a:schemeClr val="tx1">
                     <a:tint val="75000"/>
@@ -967,9 +973,9 @@
                 </a:solidFill>
               </a:defRPr>
             </a:lvl8pPr>
-            <a:lvl9pPr marL="3657600" indent="0">
-              <a:buNone/>
-              <a:defRPr sz="1600">
+            <a:lvl9pPr marL="7680228" indent="0">
+              <a:buNone/>
+              <a:defRPr sz="3360">
                 <a:solidFill>
                   <a:schemeClr val="tx1">
                     <a:tint val="75000"/>
@@ -1004,7 +1010,7 @@
           <a:p>
             <a:fld id="{88CA5724-AAEB-4004-8D3F-C05D4DBBD399}" type="datetimeFigureOut">
               <a:rPr lang="ko-KR" altLang="en-US" smtClean="0"/>
-              <a:t>2022-05-26</a:t>
+              <a:t>2022-05-30</a:t>
             </a:fld>
             <a:endParaRPr lang="ko-KR" altLang="en-US"/>
           </a:p>
@@ -1055,7 +1061,7 @@
     </p:spTree>
     <p:extLst>
       <p:ext uri="{BB962C8B-B14F-4D97-AF65-F5344CB8AC3E}">
-        <p14:creationId xmlns:p14="http://schemas.microsoft.com/office/powerpoint/2010/main" val="3834637008"/>
+        <p14:creationId xmlns:p14="http://schemas.microsoft.com/office/powerpoint/2010/main" val="1653022438"/>
       </p:ext>
     </p:extLst>
   </p:cSld>
@@ -1117,8 +1123,8 @@
         </p:nvSpPr>
         <p:spPr>
           <a:xfrm>
-            <a:off x="2474982" y="1825625"/>
-            <a:ext cx="15299889" cy="4351338"/>
+            <a:off x="2474982" y="3833390"/>
+            <a:ext cx="15299889" cy="9136803"/>
           </a:xfrm>
         </p:spPr>
         <p:txBody>
@@ -1174,8 +1180,8 @@
         </p:nvSpPr>
         <p:spPr>
           <a:xfrm>
-            <a:off x="18224867" y="1825625"/>
-            <a:ext cx="15299889" cy="4351338"/>
+            <a:off x="18224867" y="3833390"/>
+            <a:ext cx="15299889" cy="9136803"/>
           </a:xfrm>
         </p:spPr>
         <p:txBody>
@@ -1236,7 +1242,7 @@
           <a:p>
             <a:fld id="{88CA5724-AAEB-4004-8D3F-C05D4DBBD399}" type="datetimeFigureOut">
               <a:rPr lang="ko-KR" altLang="en-US" smtClean="0"/>
-              <a:t>2022-05-26</a:t>
+              <a:t>2022-05-30</a:t>
             </a:fld>
             <a:endParaRPr lang="ko-KR" altLang="en-US"/>
           </a:p>
@@ -1287,7 +1293,7 @@
     </p:spTree>
     <p:extLst>
       <p:ext uri="{BB962C8B-B14F-4D97-AF65-F5344CB8AC3E}">
-        <p14:creationId xmlns:p14="http://schemas.microsoft.com/office/powerpoint/2010/main" val="590639544"/>
+        <p14:creationId xmlns:p14="http://schemas.microsoft.com/office/powerpoint/2010/main" val="1042790489"/>
       </p:ext>
     </p:extLst>
   </p:cSld>
@@ -1326,8 +1332,8 @@
         </p:nvSpPr>
         <p:spPr>
           <a:xfrm>
-            <a:off x="2479671" y="365126"/>
-            <a:ext cx="31049774" cy="1325563"/>
+            <a:off x="2479671" y="766679"/>
+            <a:ext cx="31049774" cy="2783376"/>
           </a:xfrm>
         </p:spPr>
         <p:txBody>
@@ -1354,8 +1360,8 @@
         </p:nvSpPr>
         <p:spPr>
           <a:xfrm>
-            <a:off x="2479672" y="1681163"/>
-            <a:ext cx="15229575" cy="823912"/>
+            <a:off x="2479672" y="3530053"/>
+            <a:ext cx="15229575" cy="1730025"/>
           </a:xfrm>
         </p:spPr>
         <p:txBody>
@@ -1363,39 +1369,39 @@
           <a:lstStyle>
             <a:lvl1pPr marL="0" indent="0">
               <a:buNone/>
-              <a:defRPr sz="2400" b="1"/>
+              <a:defRPr sz="5040" b="1"/>
             </a:lvl1pPr>
-            <a:lvl2pPr marL="457200" indent="0">
-              <a:buNone/>
-              <a:defRPr sz="2000" b="1"/>
+            <a:lvl2pPr marL="960029" indent="0">
+              <a:buNone/>
+              <a:defRPr sz="4200" b="1"/>
             </a:lvl2pPr>
-            <a:lvl3pPr marL="914400" indent="0">
-              <a:buNone/>
-              <a:defRPr sz="1800" b="1"/>
+            <a:lvl3pPr marL="1920057" indent="0">
+              <a:buNone/>
+              <a:defRPr sz="3780" b="1"/>
             </a:lvl3pPr>
-            <a:lvl4pPr marL="1371600" indent="0">
-              <a:buNone/>
-              <a:defRPr sz="1600" b="1"/>
+            <a:lvl4pPr marL="2880086" indent="0">
+              <a:buNone/>
+              <a:defRPr sz="3360" b="1"/>
             </a:lvl4pPr>
-            <a:lvl5pPr marL="1828800" indent="0">
-              <a:buNone/>
-              <a:defRPr sz="1600" b="1"/>
+            <a:lvl5pPr marL="3840114" indent="0">
+              <a:buNone/>
+              <a:defRPr sz="3360" b="1"/>
             </a:lvl5pPr>
-            <a:lvl6pPr marL="2286000" indent="0">
-              <a:buNone/>
-              <a:defRPr sz="1600" b="1"/>
+            <a:lvl6pPr marL="4800143" indent="0">
+              <a:buNone/>
+              <a:defRPr sz="3360" b="1"/>
             </a:lvl6pPr>
-            <a:lvl7pPr marL="2743200" indent="0">
-              <a:buNone/>
-              <a:defRPr sz="1600" b="1"/>
+            <a:lvl7pPr marL="5760171" indent="0">
+              <a:buNone/>
+              <a:defRPr sz="3360" b="1"/>
             </a:lvl7pPr>
-            <a:lvl8pPr marL="3200400" indent="0">
-              <a:buNone/>
-              <a:defRPr sz="1600" b="1"/>
+            <a:lvl8pPr marL="6720200" indent="0">
+              <a:buNone/>
+              <a:defRPr sz="3360" b="1"/>
             </a:lvl8pPr>
-            <a:lvl9pPr marL="3657600" indent="0">
-              <a:buNone/>
-              <a:defRPr sz="1600" b="1"/>
+            <a:lvl9pPr marL="7680228" indent="0">
+              <a:buNone/>
+              <a:defRPr sz="3360" b="1"/>
             </a:lvl9pPr>
           </a:lstStyle>
           <a:p>
@@ -1419,8 +1425,8 @@
         </p:nvSpPr>
         <p:spPr>
           <a:xfrm>
-            <a:off x="2479672" y="2505075"/>
-            <a:ext cx="15229575" cy="3684588"/>
+            <a:off x="2479672" y="5260078"/>
+            <a:ext cx="15229575" cy="7736782"/>
           </a:xfrm>
         </p:spPr>
         <p:txBody>
@@ -1476,8 +1482,8 @@
         </p:nvSpPr>
         <p:spPr>
           <a:xfrm>
-            <a:off x="18224867" y="1681163"/>
-            <a:ext cx="15304578" cy="823912"/>
+            <a:off x="18224867" y="3530053"/>
+            <a:ext cx="15304578" cy="1730025"/>
           </a:xfrm>
         </p:spPr>
         <p:txBody>
@@ -1485,39 +1491,39 @@
           <a:lstStyle>
             <a:lvl1pPr marL="0" indent="0">
               <a:buNone/>
-              <a:defRPr sz="2400" b="1"/>
+              <a:defRPr sz="5040" b="1"/>
             </a:lvl1pPr>
-            <a:lvl2pPr marL="457200" indent="0">
-              <a:buNone/>
-              <a:defRPr sz="2000" b="1"/>
+            <a:lvl2pPr marL="960029" indent="0">
+              <a:buNone/>
+              <a:defRPr sz="4200" b="1"/>
             </a:lvl2pPr>
-            <a:lvl3pPr marL="914400" indent="0">
-              <a:buNone/>
-              <a:defRPr sz="1800" b="1"/>
+            <a:lvl3pPr marL="1920057" indent="0">
+              <a:buNone/>
+              <a:defRPr sz="3780" b="1"/>
             </a:lvl3pPr>
-            <a:lvl4pPr marL="1371600" indent="0">
-              <a:buNone/>
-              <a:defRPr sz="1600" b="1"/>
+            <a:lvl4pPr marL="2880086" indent="0">
+              <a:buNone/>
+              <a:defRPr sz="3360" b="1"/>
             </a:lvl4pPr>
-            <a:lvl5pPr marL="1828800" indent="0">
-              <a:buNone/>
-              <a:defRPr sz="1600" b="1"/>
+            <a:lvl5pPr marL="3840114" indent="0">
+              <a:buNone/>
+              <a:defRPr sz="3360" b="1"/>
             </a:lvl5pPr>
-            <a:lvl6pPr marL="2286000" indent="0">
-              <a:buNone/>
-              <a:defRPr sz="1600" b="1"/>
+            <a:lvl6pPr marL="4800143" indent="0">
+              <a:buNone/>
+              <a:defRPr sz="3360" b="1"/>
             </a:lvl6pPr>
-            <a:lvl7pPr marL="2743200" indent="0">
-              <a:buNone/>
-              <a:defRPr sz="1600" b="1"/>
+            <a:lvl7pPr marL="5760171" indent="0">
+              <a:buNone/>
+              <a:defRPr sz="3360" b="1"/>
             </a:lvl7pPr>
-            <a:lvl8pPr marL="3200400" indent="0">
-              <a:buNone/>
-              <a:defRPr sz="1600" b="1"/>
+            <a:lvl8pPr marL="6720200" indent="0">
+              <a:buNone/>
+              <a:defRPr sz="3360" b="1"/>
             </a:lvl8pPr>
-            <a:lvl9pPr marL="3657600" indent="0">
-              <a:buNone/>
-              <a:defRPr sz="1600" b="1"/>
+            <a:lvl9pPr marL="7680228" indent="0">
+              <a:buNone/>
+              <a:defRPr sz="3360" b="1"/>
             </a:lvl9pPr>
           </a:lstStyle>
           <a:p>
@@ -1541,8 +1547,8 @@
         </p:nvSpPr>
         <p:spPr>
           <a:xfrm>
-            <a:off x="18224867" y="2505075"/>
-            <a:ext cx="15304578" cy="3684588"/>
+            <a:off x="18224867" y="5260078"/>
+            <a:ext cx="15304578" cy="7736782"/>
           </a:xfrm>
         </p:spPr>
         <p:txBody>
@@ -1603,7 +1609,7 @@
           <a:p>
             <a:fld id="{88CA5724-AAEB-4004-8D3F-C05D4DBBD399}" type="datetimeFigureOut">
               <a:rPr lang="ko-KR" altLang="en-US" smtClean="0"/>
-              <a:t>2022-05-26</a:t>
+              <a:t>2022-05-30</a:t>
             </a:fld>
             <a:endParaRPr lang="ko-KR" altLang="en-US"/>
           </a:p>
@@ -1654,7 +1660,7 @@
     </p:spTree>
     <p:extLst>
       <p:ext uri="{BB962C8B-B14F-4D97-AF65-F5344CB8AC3E}">
-        <p14:creationId xmlns:p14="http://schemas.microsoft.com/office/powerpoint/2010/main" val="1854451339"/>
+        <p14:creationId xmlns:p14="http://schemas.microsoft.com/office/powerpoint/2010/main" val="3743933275"/>
       </p:ext>
     </p:extLst>
   </p:cSld>
@@ -1721,7 +1727,7 @@
           <a:p>
             <a:fld id="{88CA5724-AAEB-4004-8D3F-C05D4DBBD399}" type="datetimeFigureOut">
               <a:rPr lang="ko-KR" altLang="en-US" smtClean="0"/>
-              <a:t>2022-05-26</a:t>
+              <a:t>2022-05-30</a:t>
             </a:fld>
             <a:endParaRPr lang="ko-KR" altLang="en-US"/>
           </a:p>
@@ -1772,7 +1778,7 @@
     </p:spTree>
     <p:extLst>
       <p:ext uri="{BB962C8B-B14F-4D97-AF65-F5344CB8AC3E}">
-        <p14:creationId xmlns:p14="http://schemas.microsoft.com/office/powerpoint/2010/main" val="3141123621"/>
+        <p14:creationId xmlns:p14="http://schemas.microsoft.com/office/powerpoint/2010/main" val="1445191147"/>
       </p:ext>
     </p:extLst>
   </p:cSld>
@@ -1816,7 +1822,7 @@
           <a:p>
             <a:fld id="{88CA5724-AAEB-4004-8D3F-C05D4DBBD399}" type="datetimeFigureOut">
               <a:rPr lang="ko-KR" altLang="en-US" smtClean="0"/>
-              <a:t>2022-05-26</a:t>
+              <a:t>2022-05-30</a:t>
             </a:fld>
             <a:endParaRPr lang="ko-KR" altLang="en-US"/>
           </a:p>
@@ -1867,7 +1873,7 @@
     </p:spTree>
     <p:extLst>
       <p:ext uri="{BB962C8B-B14F-4D97-AF65-F5344CB8AC3E}">
-        <p14:creationId xmlns:p14="http://schemas.microsoft.com/office/powerpoint/2010/main" val="2394938799"/>
+        <p14:creationId xmlns:p14="http://schemas.microsoft.com/office/powerpoint/2010/main" val="2810014317"/>
       </p:ext>
     </p:extLst>
   </p:cSld>
@@ -1906,15 +1912,15 @@
         </p:nvSpPr>
         <p:spPr>
           <a:xfrm>
-            <a:off x="2479672" y="457200"/>
-            <a:ext cx="11610852" cy="1600200"/>
+            <a:off x="2479672" y="960014"/>
+            <a:ext cx="11610852" cy="3360050"/>
           </a:xfrm>
         </p:spPr>
         <p:txBody>
           <a:bodyPr anchor="b"/>
           <a:lstStyle>
             <a:lvl1pPr>
-              <a:defRPr sz="3200"/>
+              <a:defRPr sz="6719"/>
             </a:lvl1pPr>
           </a:lstStyle>
           <a:p>
@@ -1938,39 +1944,39 @@
         </p:nvSpPr>
         <p:spPr>
           <a:xfrm>
-            <a:off x="15304578" y="987426"/>
-            <a:ext cx="18224867" cy="4873625"/>
+            <a:off x="15304578" y="2073365"/>
+            <a:ext cx="18224867" cy="10233485"/>
           </a:xfrm>
         </p:spPr>
         <p:txBody>
           <a:bodyPr/>
           <a:lstStyle>
             <a:lvl1pPr>
-              <a:defRPr sz="3200"/>
+              <a:defRPr sz="6719"/>
             </a:lvl1pPr>
             <a:lvl2pPr>
-              <a:defRPr sz="2800"/>
+              <a:defRPr sz="5879"/>
             </a:lvl2pPr>
             <a:lvl3pPr>
-              <a:defRPr sz="2400"/>
+              <a:defRPr sz="5040"/>
             </a:lvl3pPr>
             <a:lvl4pPr>
-              <a:defRPr sz="2000"/>
+              <a:defRPr sz="4200"/>
             </a:lvl4pPr>
             <a:lvl5pPr>
-              <a:defRPr sz="2000"/>
+              <a:defRPr sz="4200"/>
             </a:lvl5pPr>
             <a:lvl6pPr>
-              <a:defRPr sz="2000"/>
+              <a:defRPr sz="4200"/>
             </a:lvl6pPr>
             <a:lvl7pPr>
-              <a:defRPr sz="2000"/>
+              <a:defRPr sz="4200"/>
             </a:lvl7pPr>
             <a:lvl8pPr>
-              <a:defRPr sz="2000"/>
+              <a:defRPr sz="4200"/>
             </a:lvl8pPr>
             <a:lvl9pPr>
-              <a:defRPr sz="2000"/>
+              <a:defRPr sz="4200"/>
             </a:lvl9pPr>
           </a:lstStyle>
           <a:p>
@@ -2023,8 +2029,8 @@
         </p:nvSpPr>
         <p:spPr>
           <a:xfrm>
-            <a:off x="2479672" y="2057400"/>
-            <a:ext cx="11610852" cy="3811588"/>
+            <a:off x="2479672" y="4320064"/>
+            <a:ext cx="11610852" cy="8003453"/>
           </a:xfrm>
         </p:spPr>
         <p:txBody>
@@ -2032,39 +2038,39 @@
           <a:lstStyle>
             <a:lvl1pPr marL="0" indent="0">
               <a:buNone/>
-              <a:defRPr sz="1600"/>
+              <a:defRPr sz="3360"/>
             </a:lvl1pPr>
-            <a:lvl2pPr marL="457200" indent="0">
-              <a:buNone/>
-              <a:defRPr sz="1400"/>
+            <a:lvl2pPr marL="960029" indent="0">
+              <a:buNone/>
+              <a:defRPr sz="2940"/>
             </a:lvl2pPr>
-            <a:lvl3pPr marL="914400" indent="0">
-              <a:buNone/>
-              <a:defRPr sz="1200"/>
+            <a:lvl3pPr marL="1920057" indent="0">
+              <a:buNone/>
+              <a:defRPr sz="2520"/>
             </a:lvl3pPr>
-            <a:lvl4pPr marL="1371600" indent="0">
-              <a:buNone/>
-              <a:defRPr sz="1000"/>
+            <a:lvl4pPr marL="2880086" indent="0">
+              <a:buNone/>
+              <a:defRPr sz="2100"/>
             </a:lvl4pPr>
-            <a:lvl5pPr marL="1828800" indent="0">
-              <a:buNone/>
-              <a:defRPr sz="1000"/>
+            <a:lvl5pPr marL="3840114" indent="0">
+              <a:buNone/>
+              <a:defRPr sz="2100"/>
             </a:lvl5pPr>
-            <a:lvl6pPr marL="2286000" indent="0">
-              <a:buNone/>
-              <a:defRPr sz="1000"/>
+            <a:lvl6pPr marL="4800143" indent="0">
+              <a:buNone/>
+              <a:defRPr sz="2100"/>
             </a:lvl6pPr>
-            <a:lvl7pPr marL="2743200" indent="0">
-              <a:buNone/>
-              <a:defRPr sz="1000"/>
+            <a:lvl7pPr marL="5760171" indent="0">
+              <a:buNone/>
+              <a:defRPr sz="2100"/>
             </a:lvl7pPr>
-            <a:lvl8pPr marL="3200400" indent="0">
-              <a:buNone/>
-              <a:defRPr sz="1000"/>
+            <a:lvl8pPr marL="6720200" indent="0">
+              <a:buNone/>
+              <a:defRPr sz="2100"/>
             </a:lvl8pPr>
-            <a:lvl9pPr marL="3657600" indent="0">
-              <a:buNone/>
-              <a:defRPr sz="1000"/>
+            <a:lvl9pPr marL="7680228" indent="0">
+              <a:buNone/>
+              <a:defRPr sz="2100"/>
             </a:lvl9pPr>
           </a:lstStyle>
           <a:p>
@@ -2093,7 +2099,7 @@
           <a:p>
             <a:fld id="{88CA5724-AAEB-4004-8D3F-C05D4DBBD399}" type="datetimeFigureOut">
               <a:rPr lang="ko-KR" altLang="en-US" smtClean="0"/>
-              <a:t>2022-05-26</a:t>
+              <a:t>2022-05-30</a:t>
             </a:fld>
             <a:endParaRPr lang="ko-KR" altLang="en-US"/>
           </a:p>
@@ -2144,7 +2150,7 @@
     </p:spTree>
     <p:extLst>
       <p:ext uri="{BB962C8B-B14F-4D97-AF65-F5344CB8AC3E}">
-        <p14:creationId xmlns:p14="http://schemas.microsoft.com/office/powerpoint/2010/main" val="2893661240"/>
+        <p14:creationId xmlns:p14="http://schemas.microsoft.com/office/powerpoint/2010/main" val="1385322061"/>
       </p:ext>
     </p:extLst>
   </p:cSld>
@@ -2183,15 +2189,15 @@
         </p:nvSpPr>
         <p:spPr>
           <a:xfrm>
-            <a:off x="2479672" y="457200"/>
-            <a:ext cx="11610852" cy="1600200"/>
+            <a:off x="2479672" y="960014"/>
+            <a:ext cx="11610852" cy="3360050"/>
           </a:xfrm>
         </p:spPr>
         <p:txBody>
           <a:bodyPr anchor="b"/>
           <a:lstStyle>
             <a:lvl1pPr>
-              <a:defRPr sz="3200"/>
+              <a:defRPr sz="6719"/>
             </a:lvl1pPr>
           </a:lstStyle>
           <a:p>
@@ -2215,8 +2221,8 @@
         </p:nvSpPr>
         <p:spPr>
           <a:xfrm>
-            <a:off x="15304578" y="987426"/>
-            <a:ext cx="18224867" cy="4873625"/>
+            <a:off x="15304578" y="2073365"/>
+            <a:ext cx="18224867" cy="10233485"/>
           </a:xfrm>
         </p:spPr>
         <p:txBody>
@@ -2224,39 +2230,39 @@
           <a:lstStyle>
             <a:lvl1pPr marL="0" indent="0">
               <a:buNone/>
-              <a:defRPr sz="3200"/>
+              <a:defRPr sz="6719"/>
             </a:lvl1pPr>
-            <a:lvl2pPr marL="457200" indent="0">
-              <a:buNone/>
-              <a:defRPr sz="2800"/>
+            <a:lvl2pPr marL="960029" indent="0">
+              <a:buNone/>
+              <a:defRPr sz="5879"/>
             </a:lvl2pPr>
-            <a:lvl3pPr marL="914400" indent="0">
-              <a:buNone/>
-              <a:defRPr sz="2400"/>
+            <a:lvl3pPr marL="1920057" indent="0">
+              <a:buNone/>
+              <a:defRPr sz="5040"/>
             </a:lvl3pPr>
-            <a:lvl4pPr marL="1371600" indent="0">
-              <a:buNone/>
-              <a:defRPr sz="2000"/>
+            <a:lvl4pPr marL="2880086" indent="0">
+              <a:buNone/>
+              <a:defRPr sz="4200"/>
             </a:lvl4pPr>
-            <a:lvl5pPr marL="1828800" indent="0">
-              <a:buNone/>
-              <a:defRPr sz="2000"/>
+            <a:lvl5pPr marL="3840114" indent="0">
+              <a:buNone/>
+              <a:defRPr sz="4200"/>
             </a:lvl5pPr>
-            <a:lvl6pPr marL="2286000" indent="0">
-              <a:buNone/>
-              <a:defRPr sz="2000"/>
+            <a:lvl6pPr marL="4800143" indent="0">
+              <a:buNone/>
+              <a:defRPr sz="4200"/>
             </a:lvl6pPr>
-            <a:lvl7pPr marL="2743200" indent="0">
-              <a:buNone/>
-              <a:defRPr sz="2000"/>
+            <a:lvl7pPr marL="5760171" indent="0">
+              <a:buNone/>
+              <a:defRPr sz="4200"/>
             </a:lvl7pPr>
-            <a:lvl8pPr marL="3200400" indent="0">
-              <a:buNone/>
-              <a:defRPr sz="2000"/>
+            <a:lvl8pPr marL="6720200" indent="0">
+              <a:buNone/>
+              <a:defRPr sz="4200"/>
             </a:lvl8pPr>
-            <a:lvl9pPr marL="3657600" indent="0">
-              <a:buNone/>
-              <a:defRPr sz="2000"/>
+            <a:lvl9pPr marL="7680228" indent="0">
+              <a:buNone/>
+              <a:defRPr sz="4200"/>
             </a:lvl9pPr>
           </a:lstStyle>
           <a:p>
@@ -2280,8 +2286,8 @@
         </p:nvSpPr>
         <p:spPr>
           <a:xfrm>
-            <a:off x="2479672" y="2057400"/>
-            <a:ext cx="11610852" cy="3811588"/>
+            <a:off x="2479672" y="4320064"/>
+            <a:ext cx="11610852" cy="8003453"/>
           </a:xfrm>
         </p:spPr>
         <p:txBody>
@@ -2289,39 +2295,39 @@
           <a:lstStyle>
             <a:lvl1pPr marL="0" indent="0">
               <a:buNone/>
-              <a:defRPr sz="1600"/>
+              <a:defRPr sz="3360"/>
             </a:lvl1pPr>
-            <a:lvl2pPr marL="457200" indent="0">
-              <a:buNone/>
-              <a:defRPr sz="1400"/>
+            <a:lvl2pPr marL="960029" indent="0">
+              <a:buNone/>
+              <a:defRPr sz="2940"/>
             </a:lvl2pPr>
-            <a:lvl3pPr marL="914400" indent="0">
-              <a:buNone/>
-              <a:defRPr sz="1200"/>
+            <a:lvl3pPr marL="1920057" indent="0">
+              <a:buNone/>
+              <a:defRPr sz="2520"/>
             </a:lvl3pPr>
-            <a:lvl4pPr marL="1371600" indent="0">
-              <a:buNone/>
-              <a:defRPr sz="1000"/>
+            <a:lvl4pPr marL="2880086" indent="0">
+              <a:buNone/>
+              <a:defRPr sz="2100"/>
             </a:lvl4pPr>
-            <a:lvl5pPr marL="1828800" indent="0">
-              <a:buNone/>
-              <a:defRPr sz="1000"/>
+            <a:lvl5pPr marL="3840114" indent="0">
+              <a:buNone/>
+              <a:defRPr sz="2100"/>
             </a:lvl5pPr>
-            <a:lvl6pPr marL="2286000" indent="0">
-              <a:buNone/>
-              <a:defRPr sz="1000"/>
+            <a:lvl6pPr marL="4800143" indent="0">
+              <a:buNone/>
+              <a:defRPr sz="2100"/>
             </a:lvl6pPr>
-            <a:lvl7pPr marL="2743200" indent="0">
-              <a:buNone/>
-              <a:defRPr sz="1000"/>
+            <a:lvl7pPr marL="5760171" indent="0">
+              <a:buNone/>
+              <a:defRPr sz="2100"/>
             </a:lvl7pPr>
-            <a:lvl8pPr marL="3200400" indent="0">
-              <a:buNone/>
-              <a:defRPr sz="1000"/>
+            <a:lvl8pPr marL="6720200" indent="0">
+              <a:buNone/>
+              <a:defRPr sz="2100"/>
             </a:lvl8pPr>
-            <a:lvl9pPr marL="3657600" indent="0">
-              <a:buNone/>
-              <a:defRPr sz="1000"/>
+            <a:lvl9pPr marL="7680228" indent="0">
+              <a:buNone/>
+              <a:defRPr sz="2100"/>
             </a:lvl9pPr>
           </a:lstStyle>
           <a:p>
@@ -2350,7 +2356,7 @@
           <a:p>
             <a:fld id="{88CA5724-AAEB-4004-8D3F-C05D4DBBD399}" type="datetimeFigureOut">
               <a:rPr lang="ko-KR" altLang="en-US" smtClean="0"/>
-              <a:t>2022-05-26</a:t>
+              <a:t>2022-05-30</a:t>
             </a:fld>
             <a:endParaRPr lang="ko-KR" altLang="en-US"/>
           </a:p>
@@ -2401,7 +2407,7 @@
     </p:spTree>
     <p:extLst>
       <p:ext uri="{BB962C8B-B14F-4D97-AF65-F5344CB8AC3E}">
-        <p14:creationId xmlns:p14="http://schemas.microsoft.com/office/powerpoint/2010/main" val="677889831"/>
+        <p14:creationId xmlns:p14="http://schemas.microsoft.com/office/powerpoint/2010/main" val="589938960"/>
       </p:ext>
     </p:extLst>
   </p:cSld>
@@ -2445,8 +2451,8 @@
         </p:nvSpPr>
         <p:spPr>
           <a:xfrm>
-            <a:off x="2474982" y="365126"/>
-            <a:ext cx="31049774" cy="1325563"/>
+            <a:off x="2474982" y="766679"/>
+            <a:ext cx="31049774" cy="2783376"/>
           </a:xfrm>
           <a:prstGeom prst="rect">
             <a:avLst/>
@@ -2478,8 +2484,8 @@
         </p:nvSpPr>
         <p:spPr>
           <a:xfrm>
-            <a:off x="2474982" y="1825625"/>
-            <a:ext cx="31049774" cy="4351338"/>
+            <a:off x="2474982" y="3833390"/>
+            <a:ext cx="31049774" cy="9136803"/>
           </a:xfrm>
           <a:prstGeom prst="rect">
             <a:avLst/>
@@ -2540,8 +2546,8 @@
         </p:nvSpPr>
         <p:spPr>
           <a:xfrm>
-            <a:off x="2474982" y="6356351"/>
-            <a:ext cx="8099941" cy="365125"/>
+            <a:off x="2474982" y="13346865"/>
+            <a:ext cx="8099941" cy="766678"/>
           </a:xfrm>
           <a:prstGeom prst="rect">
             <a:avLst/>
@@ -2551,7 +2557,7 @@
           <a:bodyPr vert="horz" lIns="91440" tIns="45720" rIns="91440" bIns="45720" rtlCol="0" anchor="ctr"/>
           <a:lstStyle>
             <a:lvl1pPr algn="l">
-              <a:defRPr sz="1200">
+              <a:defRPr sz="2520">
                 <a:solidFill>
                   <a:schemeClr val="tx1">
                     <a:tint val="75000"/>
@@ -2563,7 +2569,7 @@
           <a:p>
             <a:fld id="{88CA5724-AAEB-4004-8D3F-C05D4DBBD399}" type="datetimeFigureOut">
               <a:rPr lang="ko-KR" altLang="en-US" smtClean="0"/>
-              <a:t>2022-05-26</a:t>
+              <a:t>2022-05-30</a:t>
             </a:fld>
             <a:endParaRPr lang="ko-KR" altLang="en-US"/>
           </a:p>
@@ -2581,8 +2587,8 @@
         </p:nvSpPr>
         <p:spPr>
           <a:xfrm>
-            <a:off x="11924913" y="6356351"/>
-            <a:ext cx="12149912" cy="365125"/>
+            <a:off x="11924913" y="13346865"/>
+            <a:ext cx="12149912" cy="766678"/>
           </a:xfrm>
           <a:prstGeom prst="rect">
             <a:avLst/>
@@ -2592,7 +2598,7 @@
           <a:bodyPr vert="horz" lIns="91440" tIns="45720" rIns="91440" bIns="45720" rtlCol="0" anchor="ctr"/>
           <a:lstStyle>
             <a:lvl1pPr algn="ctr">
-              <a:defRPr sz="1200">
+              <a:defRPr sz="2520">
                 <a:solidFill>
                   <a:schemeClr val="tx1">
                     <a:tint val="75000"/>
@@ -2618,8 +2624,8 @@
         </p:nvSpPr>
         <p:spPr>
           <a:xfrm>
-            <a:off x="25424815" y="6356351"/>
-            <a:ext cx="8099941" cy="365125"/>
+            <a:off x="25424815" y="13346865"/>
+            <a:ext cx="8099941" cy="766678"/>
           </a:xfrm>
           <a:prstGeom prst="rect">
             <a:avLst/>
@@ -2629,7 +2635,7 @@
           <a:bodyPr vert="horz" lIns="91440" tIns="45720" rIns="91440" bIns="45720" rtlCol="0" anchor="ctr"/>
           <a:lstStyle>
             <a:lvl1pPr algn="r">
-              <a:defRPr sz="1200">
+              <a:defRPr sz="2520">
                 <a:solidFill>
                   <a:schemeClr val="tx1">
                     <a:tint val="75000"/>
@@ -2650,27 +2656,27 @@
     </p:spTree>
     <p:extLst>
       <p:ext uri="{BB962C8B-B14F-4D97-AF65-F5344CB8AC3E}">
-        <p14:creationId xmlns:p14="http://schemas.microsoft.com/office/powerpoint/2010/main" val="399556917"/>
+        <p14:creationId xmlns:p14="http://schemas.microsoft.com/office/powerpoint/2010/main" val="2121103850"/>
       </p:ext>
     </p:extLst>
   </p:cSld>
   <p:clrMap bg1="lt1" tx1="dk1" bg2="lt2" tx2="dk2" accent1="accent1" accent2="accent2" accent3="accent3" accent4="accent4" accent5="accent5" accent6="accent6" hlink="hlink" folHlink="folHlink"/>
   <p:sldLayoutIdLst>
-    <p:sldLayoutId id="2147483661" r:id="rId1"/>
-    <p:sldLayoutId id="2147483662" r:id="rId2"/>
-    <p:sldLayoutId id="2147483663" r:id="rId3"/>
-    <p:sldLayoutId id="2147483664" r:id="rId4"/>
-    <p:sldLayoutId id="2147483665" r:id="rId5"/>
-    <p:sldLayoutId id="2147483666" r:id="rId6"/>
-    <p:sldLayoutId id="2147483667" r:id="rId7"/>
-    <p:sldLayoutId id="2147483668" r:id="rId8"/>
-    <p:sldLayoutId id="2147483669" r:id="rId9"/>
-    <p:sldLayoutId id="2147483670" r:id="rId10"/>
-    <p:sldLayoutId id="2147483671" r:id="rId11"/>
+    <p:sldLayoutId id="2147483673" r:id="rId1"/>
+    <p:sldLayoutId id="2147483674" r:id="rId2"/>
+    <p:sldLayoutId id="2147483675" r:id="rId3"/>
+    <p:sldLayoutId id="2147483676" r:id="rId4"/>
+    <p:sldLayoutId id="2147483677" r:id="rId5"/>
+    <p:sldLayoutId id="2147483678" r:id="rId6"/>
+    <p:sldLayoutId id="2147483679" r:id="rId7"/>
+    <p:sldLayoutId id="2147483680" r:id="rId8"/>
+    <p:sldLayoutId id="2147483681" r:id="rId9"/>
+    <p:sldLayoutId id="2147483682" r:id="rId10"/>
+    <p:sldLayoutId id="2147483683" r:id="rId11"/>
   </p:sldLayoutIdLst>
   <p:txStyles>
     <p:titleStyle>
-      <a:lvl1pPr algn="l" defTabSz="914400" rtl="0" eaLnBrk="1" latinLnBrk="1" hangingPunct="1">
+      <a:lvl1pPr algn="l" defTabSz="1920057" rtl="0" eaLnBrk="1" latinLnBrk="1" hangingPunct="1">
         <a:lnSpc>
           <a:spcPct val="90000"/>
         </a:lnSpc>
@@ -2678,7 +2684,7 @@
           <a:spcPct val="0"/>
         </a:spcBef>
         <a:buNone/>
-        <a:defRPr sz="4400" kern="1200">
+        <a:defRPr sz="9239" kern="1200">
           <a:solidFill>
             <a:schemeClr val="tx1"/>
           </a:solidFill>
@@ -2689,16 +2695,16 @@
       </a:lvl1pPr>
     </p:titleStyle>
     <p:bodyStyle>
-      <a:lvl1pPr marL="228600" indent="-228600" algn="l" defTabSz="914400" rtl="0" eaLnBrk="1" latinLnBrk="1" hangingPunct="1">
+      <a:lvl1pPr marL="480014" indent="-480014" algn="l" defTabSz="1920057" rtl="0" eaLnBrk="1" latinLnBrk="1" hangingPunct="1">
         <a:lnSpc>
           <a:spcPct val="90000"/>
         </a:lnSpc>
         <a:spcBef>
-          <a:spcPts val="1000"/>
+          <a:spcPts val="2100"/>
         </a:spcBef>
         <a:buFont typeface="Arial" panose="020B0604020202020204" pitchFamily="34" charset="0"/>
         <a:buChar char="•"/>
-        <a:defRPr sz="2800" kern="1200">
+        <a:defRPr sz="5879" kern="1200">
           <a:solidFill>
             <a:schemeClr val="tx1"/>
           </a:solidFill>
@@ -2707,16 +2713,16 @@
           <a:cs typeface="+mn-cs"/>
         </a:defRPr>
       </a:lvl1pPr>
-      <a:lvl2pPr marL="685800" indent="-228600" algn="l" defTabSz="914400" rtl="0" eaLnBrk="1" latinLnBrk="1" hangingPunct="1">
+      <a:lvl2pPr marL="1440043" indent="-480014" algn="l" defTabSz="1920057" rtl="0" eaLnBrk="1" latinLnBrk="1" hangingPunct="1">
         <a:lnSpc>
           <a:spcPct val="90000"/>
         </a:lnSpc>
         <a:spcBef>
-          <a:spcPts val="500"/>
+          <a:spcPts val="1050"/>
         </a:spcBef>
         <a:buFont typeface="Arial" panose="020B0604020202020204" pitchFamily="34" charset="0"/>
         <a:buChar char="•"/>
-        <a:defRPr sz="2400" kern="1200">
+        <a:defRPr sz="5040" kern="1200">
           <a:solidFill>
             <a:schemeClr val="tx1"/>
           </a:solidFill>
@@ -2725,16 +2731,16 @@
           <a:cs typeface="+mn-cs"/>
         </a:defRPr>
       </a:lvl2pPr>
-      <a:lvl3pPr marL="1143000" indent="-228600" algn="l" defTabSz="914400" rtl="0" eaLnBrk="1" latinLnBrk="1" hangingPunct="1">
+      <a:lvl3pPr marL="2400071" indent="-480014" algn="l" defTabSz="1920057" rtl="0" eaLnBrk="1" latinLnBrk="1" hangingPunct="1">
         <a:lnSpc>
           <a:spcPct val="90000"/>
         </a:lnSpc>
         <a:spcBef>
-          <a:spcPts val="500"/>
+          <a:spcPts val="1050"/>
         </a:spcBef>
         <a:buFont typeface="Arial" panose="020B0604020202020204" pitchFamily="34" charset="0"/>
         <a:buChar char="•"/>
-        <a:defRPr sz="2000" kern="1200">
+        <a:defRPr sz="4200" kern="1200">
           <a:solidFill>
             <a:schemeClr val="tx1"/>
           </a:solidFill>
@@ -2743,16 +2749,16 @@
           <a:cs typeface="+mn-cs"/>
         </a:defRPr>
       </a:lvl3pPr>
-      <a:lvl4pPr marL="1600200" indent="-228600" algn="l" defTabSz="914400" rtl="0" eaLnBrk="1" latinLnBrk="1" hangingPunct="1">
+      <a:lvl4pPr marL="3360100" indent="-480014" algn="l" defTabSz="1920057" rtl="0" eaLnBrk="1" latinLnBrk="1" hangingPunct="1">
         <a:lnSpc>
           <a:spcPct val="90000"/>
         </a:lnSpc>
         <a:spcBef>
-          <a:spcPts val="500"/>
+          <a:spcPts val="1050"/>
         </a:spcBef>
         <a:buFont typeface="Arial" panose="020B0604020202020204" pitchFamily="34" charset="0"/>
         <a:buChar char="•"/>
-        <a:defRPr sz="1800" kern="1200">
+        <a:defRPr sz="3780" kern="1200">
           <a:solidFill>
             <a:schemeClr val="tx1"/>
           </a:solidFill>
@@ -2761,16 +2767,16 @@
           <a:cs typeface="+mn-cs"/>
         </a:defRPr>
       </a:lvl4pPr>
-      <a:lvl5pPr marL="2057400" indent="-228600" algn="l" defTabSz="914400" rtl="0" eaLnBrk="1" latinLnBrk="1" hangingPunct="1">
+      <a:lvl5pPr marL="4320129" indent="-480014" algn="l" defTabSz="1920057" rtl="0" eaLnBrk="1" latinLnBrk="1" hangingPunct="1">
         <a:lnSpc>
           <a:spcPct val="90000"/>
         </a:lnSpc>
         <a:spcBef>
-          <a:spcPts val="500"/>
+          <a:spcPts val="1050"/>
         </a:spcBef>
         <a:buFont typeface="Arial" panose="020B0604020202020204" pitchFamily="34" charset="0"/>
         <a:buChar char="•"/>
-        <a:defRPr sz="1800" kern="1200">
+        <a:defRPr sz="3780" kern="1200">
           <a:solidFill>
             <a:schemeClr val="tx1"/>
           </a:solidFill>
@@ -2779,16 +2785,16 @@
           <a:cs typeface="+mn-cs"/>
         </a:defRPr>
       </a:lvl5pPr>
-      <a:lvl6pPr marL="2514600" indent="-228600" algn="l" defTabSz="914400" rtl="0" eaLnBrk="1" latinLnBrk="1" hangingPunct="1">
+      <a:lvl6pPr marL="5280157" indent="-480014" algn="l" defTabSz="1920057" rtl="0" eaLnBrk="1" latinLnBrk="1" hangingPunct="1">
         <a:lnSpc>
           <a:spcPct val="90000"/>
         </a:lnSpc>
         <a:spcBef>
-          <a:spcPts val="500"/>
+          <a:spcPts val="1050"/>
         </a:spcBef>
         <a:buFont typeface="Arial" panose="020B0604020202020204" pitchFamily="34" charset="0"/>
         <a:buChar char="•"/>
-        <a:defRPr sz="1800" kern="1200">
+        <a:defRPr sz="3780" kern="1200">
           <a:solidFill>
             <a:schemeClr val="tx1"/>
           </a:solidFill>
@@ -2797,16 +2803,16 @@
           <a:cs typeface="+mn-cs"/>
         </a:defRPr>
       </a:lvl6pPr>
-      <a:lvl7pPr marL="2971800" indent="-228600" algn="l" defTabSz="914400" rtl="0" eaLnBrk="1" latinLnBrk="1" hangingPunct="1">
+      <a:lvl7pPr marL="6240186" indent="-480014" algn="l" defTabSz="1920057" rtl="0" eaLnBrk="1" latinLnBrk="1" hangingPunct="1">
         <a:lnSpc>
           <a:spcPct val="90000"/>
         </a:lnSpc>
         <a:spcBef>
-          <a:spcPts val="500"/>
+          <a:spcPts val="1050"/>
         </a:spcBef>
         <a:buFont typeface="Arial" panose="020B0604020202020204" pitchFamily="34" charset="0"/>
         <a:buChar char="•"/>
-        <a:defRPr sz="1800" kern="1200">
+        <a:defRPr sz="3780" kern="1200">
           <a:solidFill>
             <a:schemeClr val="tx1"/>
           </a:solidFill>
@@ -2815,16 +2821,16 @@
           <a:cs typeface="+mn-cs"/>
         </a:defRPr>
       </a:lvl7pPr>
-      <a:lvl8pPr marL="3429000" indent="-228600" algn="l" defTabSz="914400" rtl="0" eaLnBrk="1" latinLnBrk="1" hangingPunct="1">
+      <a:lvl8pPr marL="7200214" indent="-480014" algn="l" defTabSz="1920057" rtl="0" eaLnBrk="1" latinLnBrk="1" hangingPunct="1">
         <a:lnSpc>
           <a:spcPct val="90000"/>
         </a:lnSpc>
         <a:spcBef>
-          <a:spcPts val="500"/>
+          <a:spcPts val="1050"/>
         </a:spcBef>
         <a:buFont typeface="Arial" panose="020B0604020202020204" pitchFamily="34" charset="0"/>
         <a:buChar char="•"/>
-        <a:defRPr sz="1800" kern="1200">
+        <a:defRPr sz="3780" kern="1200">
           <a:solidFill>
             <a:schemeClr val="tx1"/>
           </a:solidFill>
@@ -2833,16 +2839,16 @@
           <a:cs typeface="+mn-cs"/>
         </a:defRPr>
       </a:lvl8pPr>
-      <a:lvl9pPr marL="3886200" indent="-228600" algn="l" defTabSz="914400" rtl="0" eaLnBrk="1" latinLnBrk="1" hangingPunct="1">
+      <a:lvl9pPr marL="8160243" indent="-480014" algn="l" defTabSz="1920057" rtl="0" eaLnBrk="1" latinLnBrk="1" hangingPunct="1">
         <a:lnSpc>
           <a:spcPct val="90000"/>
         </a:lnSpc>
         <a:spcBef>
-          <a:spcPts val="500"/>
+          <a:spcPts val="1050"/>
         </a:spcBef>
         <a:buFont typeface="Arial" panose="020B0604020202020204" pitchFamily="34" charset="0"/>
         <a:buChar char="•"/>
-        <a:defRPr sz="1800" kern="1200">
+        <a:defRPr sz="3780" kern="1200">
           <a:solidFill>
             <a:schemeClr val="tx1"/>
           </a:solidFill>
@@ -2856,8 +2862,8 @@
       <a:defPPr>
         <a:defRPr lang="en-US"/>
       </a:defPPr>
-      <a:lvl1pPr marL="0" algn="l" defTabSz="914400" rtl="0" eaLnBrk="1" latinLnBrk="1" hangingPunct="1">
-        <a:defRPr sz="1800" kern="1200">
+      <a:lvl1pPr marL="0" algn="l" defTabSz="1920057" rtl="0" eaLnBrk="1" latinLnBrk="1" hangingPunct="1">
+        <a:defRPr sz="3780" kern="1200">
           <a:solidFill>
             <a:schemeClr val="tx1"/>
           </a:solidFill>
@@ -2866,8 +2872,8 @@
           <a:cs typeface="+mn-cs"/>
         </a:defRPr>
       </a:lvl1pPr>
-      <a:lvl2pPr marL="457200" algn="l" defTabSz="914400" rtl="0" eaLnBrk="1" latinLnBrk="1" hangingPunct="1">
-        <a:defRPr sz="1800" kern="1200">
+      <a:lvl2pPr marL="960029" algn="l" defTabSz="1920057" rtl="0" eaLnBrk="1" latinLnBrk="1" hangingPunct="1">
+        <a:defRPr sz="3780" kern="1200">
           <a:solidFill>
             <a:schemeClr val="tx1"/>
           </a:solidFill>
@@ -2876,8 +2882,8 @@
           <a:cs typeface="+mn-cs"/>
         </a:defRPr>
       </a:lvl2pPr>
-      <a:lvl3pPr marL="914400" algn="l" defTabSz="914400" rtl="0" eaLnBrk="1" latinLnBrk="1" hangingPunct="1">
-        <a:defRPr sz="1800" kern="1200">
+      <a:lvl3pPr marL="1920057" algn="l" defTabSz="1920057" rtl="0" eaLnBrk="1" latinLnBrk="1" hangingPunct="1">
+        <a:defRPr sz="3780" kern="1200">
           <a:solidFill>
             <a:schemeClr val="tx1"/>
           </a:solidFill>
@@ -2886,8 +2892,8 @@
           <a:cs typeface="+mn-cs"/>
         </a:defRPr>
       </a:lvl3pPr>
-      <a:lvl4pPr marL="1371600" algn="l" defTabSz="914400" rtl="0" eaLnBrk="1" latinLnBrk="1" hangingPunct="1">
-        <a:defRPr sz="1800" kern="1200">
+      <a:lvl4pPr marL="2880086" algn="l" defTabSz="1920057" rtl="0" eaLnBrk="1" latinLnBrk="1" hangingPunct="1">
+        <a:defRPr sz="3780" kern="1200">
           <a:solidFill>
             <a:schemeClr val="tx1"/>
           </a:solidFill>
@@ -2896,8 +2902,8 @@
           <a:cs typeface="+mn-cs"/>
         </a:defRPr>
       </a:lvl4pPr>
-      <a:lvl5pPr marL="1828800" algn="l" defTabSz="914400" rtl="0" eaLnBrk="1" latinLnBrk="1" hangingPunct="1">
-        <a:defRPr sz="1800" kern="1200">
+      <a:lvl5pPr marL="3840114" algn="l" defTabSz="1920057" rtl="0" eaLnBrk="1" latinLnBrk="1" hangingPunct="1">
+        <a:defRPr sz="3780" kern="1200">
           <a:solidFill>
             <a:schemeClr val="tx1"/>
           </a:solidFill>
@@ -2906,8 +2912,8 @@
           <a:cs typeface="+mn-cs"/>
         </a:defRPr>
       </a:lvl5pPr>
-      <a:lvl6pPr marL="2286000" algn="l" defTabSz="914400" rtl="0" eaLnBrk="1" latinLnBrk="1" hangingPunct="1">
-        <a:defRPr sz="1800" kern="1200">
+      <a:lvl6pPr marL="4800143" algn="l" defTabSz="1920057" rtl="0" eaLnBrk="1" latinLnBrk="1" hangingPunct="1">
+        <a:defRPr sz="3780" kern="1200">
           <a:solidFill>
             <a:schemeClr val="tx1"/>
           </a:solidFill>
@@ -2916,8 +2922,8 @@
           <a:cs typeface="+mn-cs"/>
         </a:defRPr>
       </a:lvl6pPr>
-      <a:lvl7pPr marL="2743200" algn="l" defTabSz="914400" rtl="0" eaLnBrk="1" latinLnBrk="1" hangingPunct="1">
-        <a:defRPr sz="1800" kern="1200">
+      <a:lvl7pPr marL="5760171" algn="l" defTabSz="1920057" rtl="0" eaLnBrk="1" latinLnBrk="1" hangingPunct="1">
+        <a:defRPr sz="3780" kern="1200">
           <a:solidFill>
             <a:schemeClr val="tx1"/>
           </a:solidFill>
@@ -2926,8 +2932,8 @@
           <a:cs typeface="+mn-cs"/>
         </a:defRPr>
       </a:lvl7pPr>
-      <a:lvl8pPr marL="3200400" algn="l" defTabSz="914400" rtl="0" eaLnBrk="1" latinLnBrk="1" hangingPunct="1">
-        <a:defRPr sz="1800" kern="1200">
+      <a:lvl8pPr marL="6720200" algn="l" defTabSz="1920057" rtl="0" eaLnBrk="1" latinLnBrk="1" hangingPunct="1">
+        <a:defRPr sz="3780" kern="1200">
           <a:solidFill>
             <a:schemeClr val="tx1"/>
           </a:solidFill>
@@ -2936,8 +2942,8 @@
           <a:cs typeface="+mn-cs"/>
         </a:defRPr>
       </a:lvl8pPr>
-      <a:lvl9pPr marL="3657600" algn="l" defTabSz="914400" rtl="0" eaLnBrk="1" latinLnBrk="1" hangingPunct="1">
-        <a:defRPr sz="1800" kern="1200">
+      <a:lvl9pPr marL="7680228" algn="l" defTabSz="1920057" rtl="0" eaLnBrk="1" latinLnBrk="1" hangingPunct="1">
+        <a:defRPr sz="3780" kern="1200">
           <a:solidFill>
             <a:schemeClr val="tx1"/>
           </a:solidFill>
@@ -2996,7 +3002,7 @@
         </p:blipFill>
         <p:spPr>
           <a:xfrm>
-            <a:off x="11084030" y="3875911"/>
+            <a:off x="11084030" y="7647019"/>
             <a:ext cx="1800000" cy="1223841"/>
           </a:xfrm>
           <a:prstGeom prst="rect">
@@ -3036,7 +3042,7 @@
         </p:blipFill>
         <p:spPr>
           <a:xfrm>
-            <a:off x="5936603" y="2817000"/>
+            <a:off x="5961162" y="6520051"/>
             <a:ext cx="1834056" cy="1224000"/>
           </a:xfrm>
           <a:prstGeom prst="rect">
@@ -3077,7 +3083,7 @@
         </p:blipFill>
         <p:spPr>
           <a:xfrm>
-            <a:off x="13728049" y="2817000"/>
+            <a:off x="13728049" y="6511906"/>
             <a:ext cx="1802112" cy="1224000"/>
           </a:xfrm>
           <a:prstGeom prst="rect">
@@ -3118,7 +3124,7 @@
         </p:blipFill>
         <p:spPr>
           <a:xfrm>
-            <a:off x="11084030" y="1766196"/>
+            <a:off x="11084030" y="5537302"/>
             <a:ext cx="1800000" cy="1224000"/>
           </a:xfrm>
           <a:prstGeom prst="rect">
@@ -3145,7 +3151,7 @@
         </p:nvSpPr>
         <p:spPr>
           <a:xfrm>
-            <a:off x="9394300" y="3867806"/>
+            <a:off x="9394301" y="7638912"/>
             <a:ext cx="1006999" cy="1224000"/>
           </a:xfrm>
           <a:prstGeom prst="rect">
@@ -3206,7 +3212,7 @@
         </p:nvSpPr>
         <p:spPr>
           <a:xfrm>
-            <a:off x="9394300" y="1766194"/>
+            <a:off x="9394301" y="5537300"/>
             <a:ext cx="1006999" cy="1224000"/>
           </a:xfrm>
           <a:prstGeom prst="rect">
@@ -3264,8 +3270,8 @@
         </p:nvCxnSpPr>
         <p:spPr>
           <a:xfrm>
-            <a:off x="7770659" y="3429000"/>
-            <a:ext cx="1623641" cy="1050806"/>
+            <a:off x="7795218" y="7132051"/>
+            <a:ext cx="1599083" cy="1118861"/>
           </a:xfrm>
           <a:prstGeom prst="bentConnector3">
             <a:avLst/>
@@ -3307,8 +3313,8 @@
         </p:nvCxnSpPr>
         <p:spPr>
           <a:xfrm flipV="1">
-            <a:off x="7770659" y="2378194"/>
-            <a:ext cx="1623641" cy="1050806"/>
+            <a:off x="7795218" y="6149300"/>
+            <a:ext cx="1599083" cy="982751"/>
           </a:xfrm>
           <a:prstGeom prst="bentConnector3">
             <a:avLst/>
@@ -3349,7 +3355,7 @@
         </p:nvCxnSpPr>
         <p:spPr>
           <a:xfrm>
-            <a:off x="10401299" y="4479806"/>
+            <a:off x="10401301" y="8250912"/>
             <a:ext cx="682731" cy="8026"/>
           </a:xfrm>
           <a:prstGeom prst="straightConnector1">
@@ -3391,7 +3397,7 @@
         </p:nvCxnSpPr>
         <p:spPr>
           <a:xfrm>
-            <a:off x="10401299" y="2378194"/>
+            <a:off x="10401301" y="6149300"/>
             <a:ext cx="682731" cy="2"/>
           </a:xfrm>
           <a:prstGeom prst="straightConnector1">
@@ -3433,8 +3439,8 @@
         </p:nvCxnSpPr>
         <p:spPr>
           <a:xfrm>
-            <a:off x="12884030" y="2378196"/>
-            <a:ext cx="844019" cy="1050804"/>
+            <a:off x="12884030" y="6149302"/>
+            <a:ext cx="844019" cy="974604"/>
           </a:xfrm>
           <a:prstGeom prst="bentConnector3">
             <a:avLst/>
@@ -3475,8 +3481,8 @@
         </p:nvCxnSpPr>
         <p:spPr>
           <a:xfrm flipV="1">
-            <a:off x="12884030" y="3429000"/>
-            <a:ext cx="844019" cy="1058832"/>
+            <a:off x="12884030" y="7123906"/>
+            <a:ext cx="844019" cy="1135034"/>
           </a:xfrm>
           <a:prstGeom prst="bentConnector3">
             <a:avLst/>
@@ -3514,7 +3520,7 @@
         </p:nvSpPr>
         <p:spPr>
           <a:xfrm>
-            <a:off x="16244159" y="2817000"/>
+            <a:off x="16244159" y="7096109"/>
             <a:ext cx="1755710" cy="1224000"/>
           </a:xfrm>
           <a:prstGeom prst="rect">
@@ -3560,48 +3566,6 @@
           </a:p>
         </p:txBody>
       </p:sp>
-      <p:cxnSp>
-        <p:nvCxnSpPr>
-          <p:cNvPr id="49" name="직선 화살표 연결선 48">
-            <a:extLst>
-              <a:ext uri="{FF2B5EF4-FFF2-40B4-BE49-F238E27FC236}">
-                <a16:creationId xmlns:a16="http://schemas.microsoft.com/office/drawing/2014/main" id="{E0684BFE-0D36-4EED-82DB-CA5E397E3B9B}"/>
-              </a:ext>
-            </a:extLst>
-          </p:cNvPr>
-          <p:cNvCxnSpPr>
-            <a:stCxn id="9" idx="3"/>
-            <a:endCxn id="46" idx="1"/>
-          </p:cNvCxnSpPr>
-          <p:nvPr/>
-        </p:nvCxnSpPr>
-        <p:spPr>
-          <a:xfrm>
-            <a:off x="15530161" y="3429000"/>
-            <a:ext cx="713998" cy="0"/>
-          </a:xfrm>
-          <a:prstGeom prst="straightConnector1">
-            <a:avLst/>
-          </a:prstGeom>
-          <a:ln>
-            <a:tailEnd type="triangle"/>
-          </a:ln>
-        </p:spPr>
-        <p:style>
-          <a:lnRef idx="1">
-            <a:schemeClr val="dk1"/>
-          </a:lnRef>
-          <a:fillRef idx="0">
-            <a:schemeClr val="dk1"/>
-          </a:fillRef>
-          <a:effectRef idx="0">
-            <a:schemeClr val="dk1"/>
-          </a:effectRef>
-          <a:fontRef idx="minor">
-            <a:schemeClr val="tx1"/>
-          </a:fontRef>
-        </p:style>
-      </p:cxnSp>
       <p:sp>
         <p:nvSpPr>
           <p:cNvPr id="53" name="왼쪽 중괄호 52">
@@ -3616,7 +3580,7 @@
         </p:nvSpPr>
         <p:spPr>
           <a:xfrm rot="16200000">
-            <a:off x="10865292" y="1046880"/>
+            <a:off x="10865292" y="4817986"/>
             <a:ext cx="314368" cy="9015374"/>
           </a:xfrm>
           <a:prstGeom prst="leftBrace">
@@ -3663,7 +3627,7 @@
         </p:nvSpPr>
         <p:spPr>
           <a:xfrm rot="16200000">
-            <a:off x="16666449" y="4378327"/>
+            <a:off x="16666449" y="8149435"/>
             <a:ext cx="314368" cy="2352477"/>
           </a:xfrm>
           <a:prstGeom prst="leftBrace">
@@ -3710,7 +3674,7 @@
         </p:nvSpPr>
         <p:spPr>
           <a:xfrm>
-            <a:off x="9437516" y="5844215"/>
+            <a:off x="9437516" y="9615321"/>
             <a:ext cx="3169920" cy="369332"/>
           </a:xfrm>
           <a:prstGeom prst="rect">
@@ -3750,7 +3714,7 @@
         </p:nvSpPr>
         <p:spPr>
           <a:xfrm>
-            <a:off x="15238673" y="5844215"/>
+            <a:off x="15238673" y="9615321"/>
             <a:ext cx="3169920" cy="369332"/>
           </a:xfrm>
           <a:prstGeom prst="rect">
@@ -3776,10 +3740,2156 @@
           </a:p>
         </p:txBody>
       </p:sp>
+      <p:sp>
+        <p:nvSpPr>
+          <p:cNvPr id="31" name="직사각형 30">
+            <a:extLst>
+              <a:ext uri="{FF2B5EF4-FFF2-40B4-BE49-F238E27FC236}">
+                <a16:creationId xmlns:a16="http://schemas.microsoft.com/office/drawing/2014/main" id="{AD9956F9-4405-C9F9-1484-E5413CC79900}"/>
+              </a:ext>
+            </a:extLst>
+          </p:cNvPr>
+          <p:cNvSpPr/>
+          <p:nvPr/>
+        </p:nvSpPr>
+        <p:spPr>
+          <a:xfrm>
+            <a:off x="16230158" y="5537300"/>
+            <a:ext cx="1755710" cy="1224000"/>
+          </a:xfrm>
+          <a:prstGeom prst="rect">
+            <a:avLst/>
+          </a:prstGeom>
+        </p:spPr>
+        <p:style>
+          <a:lnRef idx="2">
+            <a:schemeClr val="dk1"/>
+          </a:lnRef>
+          <a:fillRef idx="1">
+            <a:schemeClr val="lt1"/>
+          </a:fillRef>
+          <a:effectRef idx="0">
+            <a:schemeClr val="dk1"/>
+          </a:effectRef>
+          <a:fontRef idx="minor">
+            <a:schemeClr val="dk1"/>
+          </a:fontRef>
+        </p:style>
+        <p:txBody>
+          <a:bodyPr rtlCol="0" anchor="ctr"/>
+          <a:lstStyle/>
+          <a:p>
+            <a:pPr algn="ctr"/>
+            <a:r>
+              <a:rPr lang="en-US" altLang="ko-KR" sz="1200" dirty="0">
+                <a:latin typeface="+mj-ea"/>
+                <a:ea typeface="+mj-ea"/>
+              </a:rPr>
+              <a:t>CNN</a:t>
+            </a:r>
+          </a:p>
+        </p:txBody>
+      </p:sp>
     </p:spTree>
     <p:extLst>
       <p:ext uri="{BB962C8B-B14F-4D97-AF65-F5344CB8AC3E}">
         <p14:creationId xmlns:p14="http://schemas.microsoft.com/office/powerpoint/2010/main" val="382955540"/>
+      </p:ext>
+    </p:extLst>
+  </p:cSld>
+  <p:clrMapOvr>
+    <a:masterClrMapping/>
+  </p:clrMapOvr>
+</p:sld>
+</file>
+
+<file path=ppt/slides/slide2.xml><?xml version="1.0" encoding="utf-8"?>
+<p:sld xmlns:a="http://schemas.openxmlformats.org/drawingml/2006/main" xmlns:r="http://schemas.openxmlformats.org/officeDocument/2006/relationships" xmlns:p="http://schemas.openxmlformats.org/presentationml/2006/main">
+  <p:cSld>
+    <p:spTree>
+      <p:nvGrpSpPr>
+        <p:cNvPr id="1" name=""/>
+        <p:cNvGrpSpPr/>
+        <p:nvPr/>
+      </p:nvGrpSpPr>
+      <p:grpSpPr>
+        <a:xfrm>
+          <a:off x="0" y="0"/>
+          <a:ext cx="0" cy="0"/>
+          <a:chOff x="0" y="0"/>
+          <a:chExt cx="0" cy="0"/>
+        </a:xfrm>
+      </p:grpSpPr>
+      <p:sp>
+        <p:nvSpPr>
+          <p:cNvPr id="8" name="직사각형 7">
+            <a:extLst>
+              <a:ext uri="{FF2B5EF4-FFF2-40B4-BE49-F238E27FC236}">
+                <a16:creationId xmlns:a16="http://schemas.microsoft.com/office/drawing/2014/main" id="{BCD4FD61-78BB-9E99-E946-5F66DF727C3B}"/>
+              </a:ext>
+            </a:extLst>
+          </p:cNvPr>
+          <p:cNvSpPr/>
+          <p:nvPr/>
+        </p:nvSpPr>
+        <p:spPr>
+          <a:xfrm>
+            <a:off x="5749105" y="7636851"/>
+            <a:ext cx="1800000" cy="2160000"/>
+          </a:xfrm>
+          <a:prstGeom prst="rect">
+            <a:avLst/>
+          </a:prstGeom>
+        </p:spPr>
+        <p:style>
+          <a:lnRef idx="2">
+            <a:schemeClr val="dk1"/>
+          </a:lnRef>
+          <a:fillRef idx="1">
+            <a:schemeClr val="lt1"/>
+          </a:fillRef>
+          <a:effectRef idx="0">
+            <a:schemeClr val="dk1"/>
+          </a:effectRef>
+          <a:fontRef idx="minor">
+            <a:schemeClr val="dk1"/>
+          </a:fontRef>
+        </p:style>
+        <p:txBody>
+          <a:bodyPr rtlCol="0" anchor="ctr"/>
+          <a:lstStyle/>
+          <a:p>
+            <a:pPr algn="ctr"/>
+            <a:r>
+              <a:rPr lang="en-US" altLang="ko-KR" sz="2000" dirty="0">
+                <a:latin typeface="Times New Roman" panose="02020603050405020304" pitchFamily="18" charset="0"/>
+                <a:cs typeface="Times New Roman" panose="02020603050405020304" pitchFamily="18" charset="0"/>
+              </a:rPr>
+              <a:t>User</a:t>
+            </a:r>
+          </a:p>
+          <a:p>
+            <a:pPr algn="ctr"/>
+            <a:r>
+              <a:rPr lang="en-US" altLang="ko-KR" sz="2000" dirty="0">
+                <a:latin typeface="Times New Roman" panose="02020603050405020304" pitchFamily="18" charset="0"/>
+                <a:cs typeface="Times New Roman" panose="02020603050405020304" pitchFamily="18" charset="0"/>
+              </a:rPr>
+              <a:t>Direct designation</a:t>
+            </a:r>
+            <a:endParaRPr lang="ko-KR" altLang="en-US" sz="2000" dirty="0">
+              <a:latin typeface="Times New Roman" panose="02020603050405020304" pitchFamily="18" charset="0"/>
+              <a:cs typeface="Times New Roman" panose="02020603050405020304" pitchFamily="18" charset="0"/>
+            </a:endParaRPr>
+          </a:p>
+        </p:txBody>
+      </p:sp>
+      <p:sp>
+        <p:nvSpPr>
+          <p:cNvPr id="9" name="직사각형 8">
+            <a:extLst>
+              <a:ext uri="{FF2B5EF4-FFF2-40B4-BE49-F238E27FC236}">
+                <a16:creationId xmlns:a16="http://schemas.microsoft.com/office/drawing/2014/main" id="{B2BC4338-81BE-7241-4BBB-8F472C725298}"/>
+              </a:ext>
+            </a:extLst>
+          </p:cNvPr>
+          <p:cNvSpPr/>
+          <p:nvPr/>
+        </p:nvSpPr>
+        <p:spPr>
+          <a:xfrm>
+            <a:off x="5749105" y="2561897"/>
+            <a:ext cx="1800000" cy="2160000"/>
+          </a:xfrm>
+          <a:prstGeom prst="rect">
+            <a:avLst/>
+          </a:prstGeom>
+        </p:spPr>
+        <p:style>
+          <a:lnRef idx="2">
+            <a:schemeClr val="dk1"/>
+          </a:lnRef>
+          <a:fillRef idx="1">
+            <a:schemeClr val="lt1"/>
+          </a:fillRef>
+          <a:effectRef idx="0">
+            <a:schemeClr val="dk1"/>
+          </a:effectRef>
+          <a:fontRef idx="minor">
+            <a:schemeClr val="dk1"/>
+          </a:fontRef>
+        </p:style>
+        <p:txBody>
+          <a:bodyPr rtlCol="0" anchor="ctr"/>
+          <a:lstStyle/>
+          <a:p>
+            <a:pPr algn="ctr"/>
+            <a:r>
+              <a:rPr lang="en-US" altLang="ko-KR" sz="2000" dirty="0">
+                <a:latin typeface="Times New Roman" panose="02020603050405020304" pitchFamily="18" charset="0"/>
+                <a:ea typeface="+mj-ea"/>
+                <a:cs typeface="Times New Roman" panose="02020603050405020304" pitchFamily="18" charset="0"/>
+              </a:rPr>
+              <a:t>Mask R-CNN</a:t>
+            </a:r>
+            <a:endParaRPr lang="ko-KR" altLang="en-US" sz="2000" dirty="0">
+              <a:latin typeface="Times New Roman" panose="02020603050405020304" pitchFamily="18" charset="0"/>
+              <a:ea typeface="+mj-ea"/>
+              <a:cs typeface="Times New Roman" panose="02020603050405020304" pitchFamily="18" charset="0"/>
+            </a:endParaRPr>
+          </a:p>
+        </p:txBody>
+      </p:sp>
+      <p:sp>
+        <p:nvSpPr>
+          <p:cNvPr id="16" name="직사각형 15">
+            <a:extLst>
+              <a:ext uri="{FF2B5EF4-FFF2-40B4-BE49-F238E27FC236}">
+                <a16:creationId xmlns:a16="http://schemas.microsoft.com/office/drawing/2014/main" id="{7211992D-7C12-AE53-922B-3DC03E2327FA}"/>
+              </a:ext>
+            </a:extLst>
+          </p:cNvPr>
+          <p:cNvSpPr/>
+          <p:nvPr/>
+        </p:nvSpPr>
+        <p:spPr>
+          <a:xfrm>
+            <a:off x="22271162" y="7636851"/>
+            <a:ext cx="2880000" cy="2160000"/>
+          </a:xfrm>
+          <a:prstGeom prst="rect">
+            <a:avLst/>
+          </a:prstGeom>
+        </p:spPr>
+        <p:style>
+          <a:lnRef idx="2">
+            <a:schemeClr val="dk1"/>
+          </a:lnRef>
+          <a:fillRef idx="1">
+            <a:schemeClr val="lt1"/>
+          </a:fillRef>
+          <a:effectRef idx="0">
+            <a:schemeClr val="dk1"/>
+          </a:effectRef>
+          <a:fontRef idx="minor">
+            <a:schemeClr val="dk1"/>
+          </a:fontRef>
+        </p:style>
+        <p:txBody>
+          <a:bodyPr rtlCol="0" anchor="ctr"/>
+          <a:lstStyle/>
+          <a:p>
+            <a:pPr algn="ctr"/>
+            <a:r>
+              <a:rPr lang="en-US" altLang="ko-KR" sz="2400" dirty="0">
+                <a:latin typeface="Times New Roman" panose="02020603050405020304" pitchFamily="18" charset="0"/>
+                <a:ea typeface="+mj-ea"/>
+                <a:cs typeface="Times New Roman" panose="02020603050405020304" pitchFamily="18" charset="0"/>
+              </a:rPr>
+              <a:t>Predict</a:t>
+            </a:r>
+          </a:p>
+          <a:p>
+            <a:pPr algn="ctr"/>
+            <a:r>
+              <a:rPr lang="en-US" altLang="ko-KR" sz="2400" dirty="0">
+                <a:latin typeface="Times New Roman" panose="02020603050405020304" pitchFamily="18" charset="0"/>
+                <a:ea typeface="+mj-ea"/>
+                <a:cs typeface="Times New Roman" panose="02020603050405020304" pitchFamily="18" charset="0"/>
+              </a:rPr>
+              <a:t>state of the object</a:t>
+            </a:r>
+          </a:p>
+        </p:txBody>
+      </p:sp>
+      <p:sp>
+        <p:nvSpPr>
+          <p:cNvPr id="17" name="왼쪽 중괄호 16">
+            <a:extLst>
+              <a:ext uri="{FF2B5EF4-FFF2-40B4-BE49-F238E27FC236}">
+                <a16:creationId xmlns:a16="http://schemas.microsoft.com/office/drawing/2014/main" id="{B8E62DB0-8E34-5651-4469-775A166707DE}"/>
+              </a:ext>
+            </a:extLst>
+          </p:cNvPr>
+          <p:cNvSpPr/>
+          <p:nvPr/>
+        </p:nvSpPr>
+        <p:spPr>
+          <a:xfrm rot="16200000">
+            <a:off x="9546400" y="3678759"/>
+            <a:ext cx="369332" cy="15270480"/>
+          </a:xfrm>
+          <a:prstGeom prst="leftBrace">
+            <a:avLst>
+              <a:gd name="adj1" fmla="val 235807"/>
+              <a:gd name="adj2" fmla="val 50000"/>
+            </a:avLst>
+          </a:prstGeom>
+        </p:spPr>
+        <p:style>
+          <a:lnRef idx="1">
+            <a:schemeClr val="dk1"/>
+          </a:lnRef>
+          <a:fillRef idx="0">
+            <a:schemeClr val="dk1"/>
+          </a:fillRef>
+          <a:effectRef idx="0">
+            <a:schemeClr val="dk1"/>
+          </a:effectRef>
+          <a:fontRef idx="minor">
+            <a:schemeClr val="tx1"/>
+          </a:fontRef>
+        </p:style>
+        <p:txBody>
+          <a:bodyPr rtlCol="0" anchor="ctr"/>
+          <a:lstStyle/>
+          <a:p>
+            <a:pPr algn="ctr"/>
+            <a:endParaRPr lang="ko-KR" altLang="en-US"/>
+          </a:p>
+        </p:txBody>
+      </p:sp>
+      <p:sp>
+        <p:nvSpPr>
+          <p:cNvPr id="18" name="왼쪽 중괄호 17">
+            <a:extLst>
+              <a:ext uri="{FF2B5EF4-FFF2-40B4-BE49-F238E27FC236}">
+                <a16:creationId xmlns:a16="http://schemas.microsoft.com/office/drawing/2014/main" id="{F9F0E866-307A-7C12-6AA6-08D36458CA8A}"/>
+              </a:ext>
+            </a:extLst>
+          </p:cNvPr>
+          <p:cNvSpPr/>
+          <p:nvPr/>
+        </p:nvSpPr>
+        <p:spPr>
+          <a:xfrm rot="16200000">
+            <a:off x="19349194" y="9567249"/>
+            <a:ext cx="297158" cy="3386900"/>
+          </a:xfrm>
+          <a:prstGeom prst="leftBrace">
+            <a:avLst>
+              <a:gd name="adj1" fmla="val 174544"/>
+              <a:gd name="adj2" fmla="val 50000"/>
+            </a:avLst>
+          </a:prstGeom>
+        </p:spPr>
+        <p:style>
+          <a:lnRef idx="1">
+            <a:schemeClr val="dk1"/>
+          </a:lnRef>
+          <a:fillRef idx="0">
+            <a:schemeClr val="dk1"/>
+          </a:fillRef>
+          <a:effectRef idx="0">
+            <a:schemeClr val="dk1"/>
+          </a:effectRef>
+          <a:fontRef idx="minor">
+            <a:schemeClr val="tx1"/>
+          </a:fontRef>
+        </p:style>
+        <p:txBody>
+          <a:bodyPr rtlCol="0" anchor="ctr"/>
+          <a:lstStyle/>
+          <a:p>
+            <a:pPr algn="ctr"/>
+            <a:endParaRPr lang="ko-KR" altLang="en-US" dirty="0"/>
+          </a:p>
+        </p:txBody>
+      </p:sp>
+      <p:sp>
+        <p:nvSpPr>
+          <p:cNvPr id="19" name="TextBox 18">
+            <a:extLst>
+              <a:ext uri="{FF2B5EF4-FFF2-40B4-BE49-F238E27FC236}">
+                <a16:creationId xmlns:a16="http://schemas.microsoft.com/office/drawing/2014/main" id="{16F14D6A-2417-A0D7-E08E-94DB1DA3DCFE}"/>
+              </a:ext>
+            </a:extLst>
+          </p:cNvPr>
+          <p:cNvSpPr txBox="1"/>
+          <p:nvPr/>
+        </p:nvSpPr>
+        <p:spPr>
+          <a:xfrm>
+            <a:off x="8146106" y="11848204"/>
+            <a:ext cx="3169920" cy="369332"/>
+          </a:xfrm>
+          <a:prstGeom prst="rect">
+            <a:avLst/>
+          </a:prstGeom>
+          <a:noFill/>
+        </p:spPr>
+        <p:txBody>
+          <a:bodyPr wrap="square" rtlCol="0">
+            <a:spAutoFit/>
+          </a:bodyPr>
+          <a:lstStyle/>
+          <a:p>
+            <a:pPr algn="ctr"/>
+            <a:r>
+              <a:rPr lang="en-US" altLang="ko-KR" dirty="0"/>
+              <a:t>Stage 1 : </a:t>
+            </a:r>
+            <a:r>
+              <a:rPr lang="ko-KR" altLang="en-US" dirty="0"/>
+              <a:t>데이터 만들기</a:t>
+            </a:r>
+          </a:p>
+        </p:txBody>
+      </p:sp>
+      <p:sp>
+        <p:nvSpPr>
+          <p:cNvPr id="20" name="TextBox 19">
+            <a:extLst>
+              <a:ext uri="{FF2B5EF4-FFF2-40B4-BE49-F238E27FC236}">
+                <a16:creationId xmlns:a16="http://schemas.microsoft.com/office/drawing/2014/main" id="{5D5ACD37-3ACD-BA30-A0A2-690A60345C3D}"/>
+              </a:ext>
+            </a:extLst>
+          </p:cNvPr>
+          <p:cNvSpPr txBox="1"/>
+          <p:nvPr/>
+        </p:nvSpPr>
+        <p:spPr>
+          <a:xfrm>
+            <a:off x="17912813" y="11848204"/>
+            <a:ext cx="3169920" cy="369332"/>
+          </a:xfrm>
+          <a:prstGeom prst="rect">
+            <a:avLst/>
+          </a:prstGeom>
+          <a:noFill/>
+        </p:spPr>
+        <p:txBody>
+          <a:bodyPr wrap="square" rtlCol="0">
+            <a:spAutoFit/>
+          </a:bodyPr>
+          <a:lstStyle/>
+          <a:p>
+            <a:pPr algn="ctr"/>
+            <a:r>
+              <a:rPr lang="en-US" altLang="ko-KR" dirty="0"/>
+              <a:t>Stage 2 :  </a:t>
+            </a:r>
+            <a:r>
+              <a:rPr lang="ko-KR" altLang="en-US" dirty="0"/>
+              <a:t>학습</a:t>
+            </a:r>
+          </a:p>
+        </p:txBody>
+      </p:sp>
+      <p:sp>
+        <p:nvSpPr>
+          <p:cNvPr id="21" name="직사각형 20">
+            <a:extLst>
+              <a:ext uri="{FF2B5EF4-FFF2-40B4-BE49-F238E27FC236}">
+                <a16:creationId xmlns:a16="http://schemas.microsoft.com/office/drawing/2014/main" id="{7060313C-1E95-F050-D817-8DD73EE591E9}"/>
+              </a:ext>
+            </a:extLst>
+          </p:cNvPr>
+          <p:cNvSpPr/>
+          <p:nvPr/>
+        </p:nvSpPr>
+        <p:spPr>
+          <a:xfrm>
+            <a:off x="19985174" y="2561897"/>
+            <a:ext cx="2880000" cy="2160000"/>
+          </a:xfrm>
+          <a:prstGeom prst="rect">
+            <a:avLst/>
+          </a:prstGeom>
+        </p:spPr>
+        <p:style>
+          <a:lnRef idx="2">
+            <a:schemeClr val="dk1"/>
+          </a:lnRef>
+          <a:fillRef idx="1">
+            <a:schemeClr val="lt1"/>
+          </a:fillRef>
+          <a:effectRef idx="0">
+            <a:schemeClr val="dk1"/>
+          </a:effectRef>
+          <a:fontRef idx="minor">
+            <a:schemeClr val="dk1"/>
+          </a:fontRef>
+        </p:style>
+        <p:txBody>
+          <a:bodyPr rtlCol="0" anchor="ctr"/>
+          <a:lstStyle/>
+          <a:p>
+            <a:pPr algn="ctr"/>
+            <a:r>
+              <a:rPr lang="en-US" altLang="ko-KR" sz="2400" dirty="0">
+                <a:latin typeface="Times New Roman" panose="02020603050405020304" pitchFamily="18" charset="0"/>
+                <a:ea typeface="+mj-ea"/>
+                <a:cs typeface="Times New Roman" panose="02020603050405020304" pitchFamily="18" charset="0"/>
+              </a:rPr>
+              <a:t>CNN Model</a:t>
+            </a:r>
+          </a:p>
+          <a:p>
+            <a:pPr algn="ctr"/>
+            <a:r>
+              <a:rPr lang="en-US" altLang="ko-KR" sz="2400" dirty="0">
+                <a:latin typeface="Times New Roman" panose="02020603050405020304" pitchFamily="18" charset="0"/>
+                <a:ea typeface="+mj-ea"/>
+                <a:cs typeface="Times New Roman" panose="02020603050405020304" pitchFamily="18" charset="0"/>
+              </a:rPr>
+              <a:t>for Prediction</a:t>
+            </a:r>
+          </a:p>
+        </p:txBody>
+      </p:sp>
+      <p:grpSp>
+        <p:nvGrpSpPr>
+          <p:cNvPr id="51" name="그룹 50">
+            <a:extLst>
+              <a:ext uri="{FF2B5EF4-FFF2-40B4-BE49-F238E27FC236}">
+                <a16:creationId xmlns:a16="http://schemas.microsoft.com/office/drawing/2014/main" id="{37525DC2-357B-8BC6-A52C-1A0A32BC28CF}"/>
+              </a:ext>
+            </a:extLst>
+          </p:cNvPr>
+          <p:cNvGrpSpPr/>
+          <p:nvPr/>
+        </p:nvGrpSpPr>
+        <p:grpSpPr>
+          <a:xfrm>
+            <a:off x="1401710" y="4273016"/>
+            <a:ext cx="2364470" cy="3960000"/>
+            <a:chOff x="1889802" y="3361074"/>
+            <a:chExt cx="2364470" cy="3960000"/>
+          </a:xfrm>
+        </p:grpSpPr>
+        <p:sp>
+          <p:nvSpPr>
+            <p:cNvPr id="22" name="직사각형 21">
+              <a:extLst>
+                <a:ext uri="{FF2B5EF4-FFF2-40B4-BE49-F238E27FC236}">
+                  <a16:creationId xmlns:a16="http://schemas.microsoft.com/office/drawing/2014/main" id="{4F548EEE-E842-AB43-5E7E-858A0AC2BCEB}"/>
+                </a:ext>
+              </a:extLst>
+            </p:cNvPr>
+            <p:cNvSpPr>
+              <a:spLocks/>
+            </p:cNvSpPr>
+            <p:nvPr/>
+          </p:nvSpPr>
+          <p:spPr>
+            <a:xfrm>
+              <a:off x="1889802" y="3361074"/>
+              <a:ext cx="2364470" cy="3960000"/>
+            </a:xfrm>
+            <a:prstGeom prst="rect">
+              <a:avLst/>
+            </a:prstGeom>
+          </p:spPr>
+          <p:style>
+            <a:lnRef idx="2">
+              <a:schemeClr val="dk1"/>
+            </a:lnRef>
+            <a:fillRef idx="1">
+              <a:schemeClr val="lt1"/>
+            </a:fillRef>
+            <a:effectRef idx="0">
+              <a:schemeClr val="dk1"/>
+            </a:effectRef>
+            <a:fontRef idx="minor">
+              <a:schemeClr val="dk1"/>
+            </a:fontRef>
+          </p:style>
+          <p:txBody>
+            <a:bodyPr rtlCol="0" anchor="ctr"/>
+            <a:lstStyle/>
+            <a:p>
+              <a:pPr algn="ctr"/>
+              <a:endParaRPr lang="ko-KR" altLang="en-US" dirty="0"/>
+            </a:p>
+          </p:txBody>
+        </p:sp>
+        <p:pic>
+          <p:nvPicPr>
+            <p:cNvPr id="5" name="그림 4" descr="텍스트, 도로, 실외, 건물이(가) 표시된 사진&#10;&#10;자동 생성된 설명">
+              <a:extLst>
+                <a:ext uri="{FF2B5EF4-FFF2-40B4-BE49-F238E27FC236}">
+                  <a16:creationId xmlns:a16="http://schemas.microsoft.com/office/drawing/2014/main" id="{C2DCB5CD-F557-E199-9094-FF6C67098597}"/>
+                </a:ext>
+              </a:extLst>
+            </p:cNvPr>
+            <p:cNvPicPr>
+              <a:picLocks/>
+            </p:cNvPicPr>
+            <p:nvPr/>
+          </p:nvPicPr>
+          <p:blipFill rotWithShape="1">
+            <a:blip r:embed="rId2">
+              <a:extLst>
+                <a:ext uri="{28A0092B-C50C-407E-A947-70E740481C1C}">
+                  <a14:useLocalDpi xmlns:a14="http://schemas.microsoft.com/office/drawing/2010/main" val="0"/>
+                </a:ext>
+              </a:extLst>
+            </a:blip>
+            <a:srcRect l="13523" r="15615"/>
+            <a:stretch/>
+          </p:blipFill>
+          <p:spPr>
+            <a:xfrm>
+              <a:off x="2137797" y="5254496"/>
+              <a:ext cx="1836000" cy="1224000"/>
+            </a:xfrm>
+            <a:prstGeom prst="rect">
+              <a:avLst/>
+            </a:prstGeom>
+            <a:ln>
+              <a:solidFill>
+                <a:schemeClr val="tx1"/>
+              </a:solidFill>
+            </a:ln>
+          </p:spPr>
+        </p:pic>
+        <p:pic>
+          <p:nvPicPr>
+            <p:cNvPr id="24" name="그림 23" descr="텍스트, 도로, 실외, 건물이(가) 표시된 사진&#10;&#10;자동 생성된 설명">
+              <a:extLst>
+                <a:ext uri="{FF2B5EF4-FFF2-40B4-BE49-F238E27FC236}">
+                  <a16:creationId xmlns:a16="http://schemas.microsoft.com/office/drawing/2014/main" id="{DE2FCEBE-9A17-C6FF-DD22-4FB9547030D1}"/>
+                </a:ext>
+              </a:extLst>
+            </p:cNvPr>
+            <p:cNvPicPr>
+              <a:picLocks/>
+            </p:cNvPicPr>
+            <p:nvPr/>
+          </p:nvPicPr>
+          <p:blipFill>
+            <a:blip r:embed="rId3">
+              <a:extLst>
+                <a:ext uri="{28A0092B-C50C-407E-A947-70E740481C1C}">
+                  <a14:useLocalDpi xmlns:a14="http://schemas.microsoft.com/office/drawing/2010/main" val="0"/>
+                </a:ext>
+              </a:extLst>
+            </a:blip>
+            <a:stretch>
+              <a:fillRect/>
+            </a:stretch>
+          </p:blipFill>
+          <p:spPr>
+            <a:xfrm>
+              <a:off x="2154037" y="3695785"/>
+              <a:ext cx="1836000" cy="1224000"/>
+            </a:xfrm>
+            <a:prstGeom prst="rect">
+              <a:avLst/>
+            </a:prstGeom>
+            <a:ln>
+              <a:solidFill>
+                <a:schemeClr val="tx1"/>
+              </a:solidFill>
+            </a:ln>
+          </p:spPr>
+        </p:pic>
+      </p:grpSp>
+      <p:grpSp>
+        <p:nvGrpSpPr>
+          <p:cNvPr id="49" name="그룹 48">
+            <a:extLst>
+              <a:ext uri="{FF2B5EF4-FFF2-40B4-BE49-F238E27FC236}">
+                <a16:creationId xmlns:a16="http://schemas.microsoft.com/office/drawing/2014/main" id="{72A4F2CE-8B4B-691A-5310-173E420B4011}"/>
+              </a:ext>
+            </a:extLst>
+          </p:cNvPr>
+          <p:cNvGrpSpPr/>
+          <p:nvPr/>
+        </p:nvGrpSpPr>
+        <p:grpSpPr>
+          <a:xfrm>
+            <a:off x="10192119" y="1748064"/>
+            <a:ext cx="2364470" cy="3960000"/>
+            <a:chOff x="12607436" y="1638993"/>
+            <a:chExt cx="2364470" cy="3960000"/>
+          </a:xfrm>
+        </p:grpSpPr>
+        <p:sp>
+          <p:nvSpPr>
+            <p:cNvPr id="31" name="직사각형 30">
+              <a:extLst>
+                <a:ext uri="{FF2B5EF4-FFF2-40B4-BE49-F238E27FC236}">
+                  <a16:creationId xmlns:a16="http://schemas.microsoft.com/office/drawing/2014/main" id="{11AACB8E-E994-1766-FD35-06417A23A3AB}"/>
+                </a:ext>
+              </a:extLst>
+            </p:cNvPr>
+            <p:cNvSpPr>
+              <a:spLocks/>
+            </p:cNvSpPr>
+            <p:nvPr/>
+          </p:nvSpPr>
+          <p:spPr>
+            <a:xfrm>
+              <a:off x="12607436" y="1638993"/>
+              <a:ext cx="2364470" cy="3960000"/>
+            </a:xfrm>
+            <a:prstGeom prst="rect">
+              <a:avLst/>
+            </a:prstGeom>
+          </p:spPr>
+          <p:style>
+            <a:lnRef idx="2">
+              <a:schemeClr val="dk1"/>
+            </a:lnRef>
+            <a:fillRef idx="1">
+              <a:schemeClr val="lt1"/>
+            </a:fillRef>
+            <a:effectRef idx="0">
+              <a:schemeClr val="dk1"/>
+            </a:effectRef>
+            <a:fontRef idx="minor">
+              <a:schemeClr val="dk1"/>
+            </a:fontRef>
+          </p:style>
+          <p:txBody>
+            <a:bodyPr rtlCol="0" anchor="ctr"/>
+            <a:lstStyle/>
+            <a:p>
+              <a:pPr algn="ctr"/>
+              <a:endParaRPr lang="ko-KR" altLang="en-US" dirty="0"/>
+            </a:p>
+          </p:txBody>
+        </p:sp>
+        <p:pic>
+          <p:nvPicPr>
+            <p:cNvPr id="7" name="그림 6">
+              <a:extLst>
+                <a:ext uri="{FF2B5EF4-FFF2-40B4-BE49-F238E27FC236}">
+                  <a16:creationId xmlns:a16="http://schemas.microsoft.com/office/drawing/2014/main" id="{A17FE693-1977-5881-4A60-46C4B3022E73}"/>
+                </a:ext>
+              </a:extLst>
+            </p:cNvPr>
+            <p:cNvPicPr>
+              <a:picLocks/>
+            </p:cNvPicPr>
+            <p:nvPr/>
+          </p:nvPicPr>
+          <p:blipFill>
+            <a:blip r:embed="rId4">
+              <a:extLst>
+                <a:ext uri="{28A0092B-C50C-407E-A947-70E740481C1C}">
+                  <a14:useLocalDpi xmlns:a14="http://schemas.microsoft.com/office/drawing/2010/main" val="0"/>
+                </a:ext>
+              </a:extLst>
+            </a:blip>
+            <a:stretch>
+              <a:fillRect/>
+            </a:stretch>
+          </p:blipFill>
+          <p:spPr>
+            <a:xfrm>
+              <a:off x="12855431" y="3532826"/>
+              <a:ext cx="1836000" cy="1224000"/>
+            </a:xfrm>
+            <a:prstGeom prst="rect">
+              <a:avLst/>
+            </a:prstGeom>
+            <a:ln>
+              <a:solidFill>
+                <a:schemeClr val="tx1"/>
+              </a:solidFill>
+            </a:ln>
+          </p:spPr>
+        </p:pic>
+        <p:pic>
+          <p:nvPicPr>
+            <p:cNvPr id="28" name="그림 27">
+              <a:extLst>
+                <a:ext uri="{FF2B5EF4-FFF2-40B4-BE49-F238E27FC236}">
+                  <a16:creationId xmlns:a16="http://schemas.microsoft.com/office/drawing/2014/main" id="{E03BCFCA-74F7-BF58-F6DA-96ED1CC33F3A}"/>
+                </a:ext>
+              </a:extLst>
+            </p:cNvPr>
+            <p:cNvPicPr>
+              <a:picLocks/>
+            </p:cNvPicPr>
+            <p:nvPr/>
+          </p:nvPicPr>
+          <p:blipFill>
+            <a:blip r:embed="rId5">
+              <a:extLst>
+                <a:ext uri="{28A0092B-C50C-407E-A947-70E740481C1C}">
+                  <a14:useLocalDpi xmlns:a14="http://schemas.microsoft.com/office/drawing/2010/main" val="0"/>
+                </a:ext>
+              </a:extLst>
+            </a:blip>
+            <a:stretch>
+              <a:fillRect/>
+            </a:stretch>
+          </p:blipFill>
+          <p:spPr>
+            <a:xfrm>
+              <a:off x="12871333" y="1973293"/>
+              <a:ext cx="1836000" cy="1224000"/>
+            </a:xfrm>
+            <a:prstGeom prst="rect">
+              <a:avLst/>
+            </a:prstGeom>
+            <a:ln>
+              <a:solidFill>
+                <a:schemeClr val="tx1"/>
+              </a:solidFill>
+            </a:ln>
+          </p:spPr>
+        </p:pic>
+      </p:grpSp>
+      <p:grpSp>
+        <p:nvGrpSpPr>
+          <p:cNvPr id="48" name="그룹 47">
+            <a:extLst>
+              <a:ext uri="{FF2B5EF4-FFF2-40B4-BE49-F238E27FC236}">
+                <a16:creationId xmlns:a16="http://schemas.microsoft.com/office/drawing/2014/main" id="{0C062663-47C5-C679-5E40-906EFCE5A07A}"/>
+              </a:ext>
+            </a:extLst>
+          </p:cNvPr>
+          <p:cNvGrpSpPr/>
+          <p:nvPr/>
+        </p:nvGrpSpPr>
+        <p:grpSpPr>
+          <a:xfrm>
+            <a:off x="10192457" y="6815650"/>
+            <a:ext cx="2364470" cy="3960000"/>
+            <a:chOff x="9583239" y="1772553"/>
+            <a:chExt cx="2364470" cy="3960000"/>
+          </a:xfrm>
+        </p:grpSpPr>
+        <p:sp>
+          <p:nvSpPr>
+            <p:cNvPr id="39" name="직사각형 38">
+              <a:extLst>
+                <a:ext uri="{FF2B5EF4-FFF2-40B4-BE49-F238E27FC236}">
+                  <a16:creationId xmlns:a16="http://schemas.microsoft.com/office/drawing/2014/main" id="{DA82B213-9D07-89CA-2936-F00E93C713BC}"/>
+                </a:ext>
+              </a:extLst>
+            </p:cNvPr>
+            <p:cNvSpPr>
+              <a:spLocks/>
+            </p:cNvSpPr>
+            <p:nvPr/>
+          </p:nvSpPr>
+          <p:spPr>
+            <a:xfrm>
+              <a:off x="9583239" y="1772553"/>
+              <a:ext cx="2364470" cy="3960000"/>
+            </a:xfrm>
+            <a:prstGeom prst="rect">
+              <a:avLst/>
+            </a:prstGeom>
+          </p:spPr>
+          <p:style>
+            <a:lnRef idx="2">
+              <a:schemeClr val="dk1"/>
+            </a:lnRef>
+            <a:fillRef idx="1">
+              <a:schemeClr val="lt1"/>
+            </a:fillRef>
+            <a:effectRef idx="0">
+              <a:schemeClr val="dk1"/>
+            </a:effectRef>
+            <a:fontRef idx="minor">
+              <a:schemeClr val="dk1"/>
+            </a:fontRef>
+          </p:style>
+          <p:txBody>
+            <a:bodyPr rtlCol="0" anchor="ctr"/>
+            <a:lstStyle/>
+            <a:p>
+              <a:pPr algn="ctr"/>
+              <a:endParaRPr lang="ko-KR" altLang="en-US" dirty="0"/>
+            </a:p>
+          </p:txBody>
+        </p:sp>
+        <p:pic>
+          <p:nvPicPr>
+            <p:cNvPr id="4" name="그림 3" descr="텍스트이(가) 표시된 사진&#10;&#10;자동 생성된 설명">
+              <a:extLst>
+                <a:ext uri="{FF2B5EF4-FFF2-40B4-BE49-F238E27FC236}">
+                  <a16:creationId xmlns:a16="http://schemas.microsoft.com/office/drawing/2014/main" id="{615A945C-7B1D-DAC0-B86D-8668E2C84C50}"/>
+                </a:ext>
+              </a:extLst>
+            </p:cNvPr>
+            <p:cNvPicPr>
+              <a:picLocks/>
+            </p:cNvPicPr>
+            <p:nvPr/>
+          </p:nvPicPr>
+          <p:blipFill>
+            <a:blip r:embed="rId6">
+              <a:extLst>
+                <a:ext uri="{28A0092B-C50C-407E-A947-70E740481C1C}">
+                  <a14:useLocalDpi xmlns:a14="http://schemas.microsoft.com/office/drawing/2010/main" val="0"/>
+                </a:ext>
+              </a:extLst>
+            </a:blip>
+            <a:stretch>
+              <a:fillRect/>
+            </a:stretch>
+          </p:blipFill>
+          <p:spPr>
+            <a:xfrm>
+              <a:off x="9831234" y="3673754"/>
+              <a:ext cx="1836000" cy="1224000"/>
+            </a:xfrm>
+            <a:prstGeom prst="rect">
+              <a:avLst/>
+            </a:prstGeom>
+            <a:ln>
+              <a:solidFill>
+                <a:schemeClr val="tx1"/>
+              </a:solidFill>
+            </a:ln>
+          </p:spPr>
+        </p:pic>
+        <p:pic>
+          <p:nvPicPr>
+            <p:cNvPr id="26" name="그림 25" descr="화살이(가) 표시된 사진&#10;&#10;자동 생성된 설명">
+              <a:extLst>
+                <a:ext uri="{FF2B5EF4-FFF2-40B4-BE49-F238E27FC236}">
+                  <a16:creationId xmlns:a16="http://schemas.microsoft.com/office/drawing/2014/main" id="{91C82B86-7AA9-F481-A168-EF6832FFBC81}"/>
+                </a:ext>
+              </a:extLst>
+            </p:cNvPr>
+            <p:cNvPicPr>
+              <a:picLocks/>
+            </p:cNvPicPr>
+            <p:nvPr/>
+          </p:nvPicPr>
+          <p:blipFill>
+            <a:blip r:embed="rId7">
+              <a:extLst>
+                <a:ext uri="{28A0092B-C50C-407E-A947-70E740481C1C}">
+                  <a14:useLocalDpi xmlns:a14="http://schemas.microsoft.com/office/drawing/2010/main" val="0"/>
+                </a:ext>
+              </a:extLst>
+            </a:blip>
+            <a:stretch>
+              <a:fillRect/>
+            </a:stretch>
+          </p:blipFill>
+          <p:spPr>
+            <a:xfrm>
+              <a:off x="9847136" y="2099485"/>
+              <a:ext cx="1836000" cy="1224000"/>
+            </a:xfrm>
+            <a:prstGeom prst="rect">
+              <a:avLst/>
+            </a:prstGeom>
+            <a:ln>
+              <a:solidFill>
+                <a:schemeClr val="tx1"/>
+              </a:solidFill>
+            </a:ln>
+          </p:spPr>
+        </p:pic>
+      </p:grpSp>
+      <p:grpSp>
+        <p:nvGrpSpPr>
+          <p:cNvPr id="50" name="그룹 49">
+            <a:extLst>
+              <a:ext uri="{FF2B5EF4-FFF2-40B4-BE49-F238E27FC236}">
+                <a16:creationId xmlns:a16="http://schemas.microsoft.com/office/drawing/2014/main" id="{8C2656C3-C840-CE2E-83FE-E40A8DA9AF27}"/>
+              </a:ext>
+            </a:extLst>
+          </p:cNvPr>
+          <p:cNvGrpSpPr/>
+          <p:nvPr/>
+        </p:nvGrpSpPr>
+        <p:grpSpPr>
+          <a:xfrm>
+            <a:off x="15439852" y="4273016"/>
+            <a:ext cx="2364470" cy="3960000"/>
+            <a:chOff x="14056438" y="5173016"/>
+            <a:chExt cx="2364470" cy="3960000"/>
+          </a:xfrm>
+        </p:grpSpPr>
+        <p:sp>
+          <p:nvSpPr>
+            <p:cNvPr id="44" name="직사각형 43">
+              <a:extLst>
+                <a:ext uri="{FF2B5EF4-FFF2-40B4-BE49-F238E27FC236}">
+                  <a16:creationId xmlns:a16="http://schemas.microsoft.com/office/drawing/2014/main" id="{1948CD5B-9175-32B9-EECF-BF34C9E31059}"/>
+                </a:ext>
+              </a:extLst>
+            </p:cNvPr>
+            <p:cNvSpPr>
+              <a:spLocks/>
+            </p:cNvSpPr>
+            <p:nvPr/>
+          </p:nvSpPr>
+          <p:spPr>
+            <a:xfrm>
+              <a:off x="14056438" y="5173016"/>
+              <a:ext cx="2364470" cy="3960000"/>
+            </a:xfrm>
+            <a:prstGeom prst="rect">
+              <a:avLst/>
+            </a:prstGeom>
+          </p:spPr>
+          <p:style>
+            <a:lnRef idx="2">
+              <a:schemeClr val="dk1"/>
+            </a:lnRef>
+            <a:fillRef idx="1">
+              <a:schemeClr val="lt1"/>
+            </a:fillRef>
+            <a:effectRef idx="0">
+              <a:schemeClr val="dk1"/>
+            </a:effectRef>
+            <a:fontRef idx="minor">
+              <a:schemeClr val="dk1"/>
+            </a:fontRef>
+          </p:style>
+          <p:txBody>
+            <a:bodyPr rtlCol="0" anchor="ctr"/>
+            <a:lstStyle/>
+            <a:p>
+              <a:pPr algn="ctr"/>
+              <a:endParaRPr lang="ko-KR" altLang="en-US" dirty="0"/>
+            </a:p>
+          </p:txBody>
+        </p:sp>
+        <p:pic>
+          <p:nvPicPr>
+            <p:cNvPr id="30" name="그림 29" descr="텍스트이(가) 표시된 사진&#10;&#10;자동 생성된 설명">
+              <a:extLst>
+                <a:ext uri="{FF2B5EF4-FFF2-40B4-BE49-F238E27FC236}">
+                  <a16:creationId xmlns:a16="http://schemas.microsoft.com/office/drawing/2014/main" id="{E75E7799-5680-4995-224D-6A44B45903B0}"/>
+                </a:ext>
+              </a:extLst>
+            </p:cNvPr>
+            <p:cNvPicPr>
+              <a:picLocks/>
+            </p:cNvPicPr>
+            <p:nvPr/>
+          </p:nvPicPr>
+          <p:blipFill>
+            <a:blip r:embed="rId8">
+              <a:extLst>
+                <a:ext uri="{28A0092B-C50C-407E-A947-70E740481C1C}">
+                  <a14:useLocalDpi xmlns:a14="http://schemas.microsoft.com/office/drawing/2010/main" val="0"/>
+                </a:ext>
+              </a:extLst>
+            </a:blip>
+            <a:stretch>
+              <a:fillRect/>
+            </a:stretch>
+          </p:blipFill>
+          <p:spPr>
+            <a:xfrm>
+              <a:off x="14320335" y="5506234"/>
+              <a:ext cx="1836000" cy="1224000"/>
+            </a:xfrm>
+            <a:prstGeom prst="rect">
+              <a:avLst/>
+            </a:prstGeom>
+            <a:ln>
+              <a:solidFill>
+                <a:schemeClr val="tx1"/>
+              </a:solidFill>
+            </a:ln>
+          </p:spPr>
+        </p:pic>
+        <p:pic>
+          <p:nvPicPr>
+            <p:cNvPr id="6" name="그림 5">
+              <a:extLst>
+                <a:ext uri="{FF2B5EF4-FFF2-40B4-BE49-F238E27FC236}">
+                  <a16:creationId xmlns:a16="http://schemas.microsoft.com/office/drawing/2014/main" id="{4E2A604B-105C-AB42-00A2-CA8F8DB77956}"/>
+                </a:ext>
+              </a:extLst>
+            </p:cNvPr>
+            <p:cNvPicPr>
+              <a:picLocks/>
+            </p:cNvPicPr>
+            <p:nvPr/>
+          </p:nvPicPr>
+          <p:blipFill>
+            <a:blip r:embed="rId9">
+              <a:extLst>
+                <a:ext uri="{28A0092B-C50C-407E-A947-70E740481C1C}">
+                  <a14:useLocalDpi xmlns:a14="http://schemas.microsoft.com/office/drawing/2010/main" val="0"/>
+                </a:ext>
+              </a:extLst>
+            </a:blip>
+            <a:stretch>
+              <a:fillRect/>
+            </a:stretch>
+          </p:blipFill>
+          <p:spPr>
+            <a:xfrm>
+              <a:off x="14304433" y="7063452"/>
+              <a:ext cx="1836000" cy="1224000"/>
+            </a:xfrm>
+            <a:prstGeom prst="rect">
+              <a:avLst/>
+            </a:prstGeom>
+            <a:ln>
+              <a:solidFill>
+                <a:schemeClr val="tx1"/>
+              </a:solidFill>
+            </a:ln>
+          </p:spPr>
+        </p:pic>
+      </p:grpSp>
+      <p:sp>
+        <p:nvSpPr>
+          <p:cNvPr id="53" name="왼쪽 중괄호 52">
+            <a:extLst>
+              <a:ext uri="{FF2B5EF4-FFF2-40B4-BE49-F238E27FC236}">
+                <a16:creationId xmlns:a16="http://schemas.microsoft.com/office/drawing/2014/main" id="{8B25E86C-4385-86E8-C0D2-374B2409474E}"/>
+              </a:ext>
+            </a:extLst>
+          </p:cNvPr>
+          <p:cNvSpPr/>
+          <p:nvPr/>
+        </p:nvSpPr>
+        <p:spPr>
+          <a:xfrm rot="16200000">
+            <a:off x="23219206" y="9494533"/>
+            <a:ext cx="297159" cy="3566752"/>
+          </a:xfrm>
+          <a:prstGeom prst="leftBrace">
+            <a:avLst>
+              <a:gd name="adj1" fmla="val 174544"/>
+              <a:gd name="adj2" fmla="val 50000"/>
+            </a:avLst>
+          </a:prstGeom>
+        </p:spPr>
+        <p:style>
+          <a:lnRef idx="1">
+            <a:schemeClr val="dk1"/>
+          </a:lnRef>
+          <a:fillRef idx="0">
+            <a:schemeClr val="dk1"/>
+          </a:fillRef>
+          <a:effectRef idx="0">
+            <a:schemeClr val="dk1"/>
+          </a:effectRef>
+          <a:fontRef idx="minor">
+            <a:schemeClr val="tx1"/>
+          </a:fontRef>
+        </p:style>
+        <p:txBody>
+          <a:bodyPr rtlCol="0" anchor="ctr"/>
+          <a:lstStyle/>
+          <a:p>
+            <a:pPr algn="ctr"/>
+            <a:endParaRPr lang="ko-KR" altLang="en-US" dirty="0"/>
+          </a:p>
+        </p:txBody>
+      </p:sp>
+      <p:sp>
+        <p:nvSpPr>
+          <p:cNvPr id="54" name="TextBox 53">
+            <a:extLst>
+              <a:ext uri="{FF2B5EF4-FFF2-40B4-BE49-F238E27FC236}">
+                <a16:creationId xmlns:a16="http://schemas.microsoft.com/office/drawing/2014/main" id="{A0A48ED3-A6AD-4D5E-66BB-E35FAFEB9F55}"/>
+              </a:ext>
+            </a:extLst>
+          </p:cNvPr>
+          <p:cNvSpPr txBox="1"/>
+          <p:nvPr/>
+        </p:nvSpPr>
+        <p:spPr>
+          <a:xfrm>
+            <a:off x="21782349" y="11848204"/>
+            <a:ext cx="3169920" cy="369332"/>
+          </a:xfrm>
+          <a:prstGeom prst="rect">
+            <a:avLst/>
+          </a:prstGeom>
+          <a:noFill/>
+        </p:spPr>
+        <p:txBody>
+          <a:bodyPr wrap="square" rtlCol="0">
+            <a:spAutoFit/>
+          </a:bodyPr>
+          <a:lstStyle/>
+          <a:p>
+            <a:pPr algn="ctr"/>
+            <a:r>
+              <a:rPr lang="en-US" altLang="ko-KR" dirty="0"/>
+              <a:t>Stage 3 :  </a:t>
+            </a:r>
+            <a:r>
+              <a:rPr lang="ko-KR" altLang="en-US" dirty="0"/>
+              <a:t>테스트</a:t>
+            </a:r>
+          </a:p>
+        </p:txBody>
+      </p:sp>
+      <p:sp>
+        <p:nvSpPr>
+          <p:cNvPr id="55" name="직사각형 54">
+            <a:extLst>
+              <a:ext uri="{FF2B5EF4-FFF2-40B4-BE49-F238E27FC236}">
+                <a16:creationId xmlns:a16="http://schemas.microsoft.com/office/drawing/2014/main" id="{11CA784F-1AEA-6FD2-26E6-CCB7DCB54357}"/>
+              </a:ext>
+            </a:extLst>
+          </p:cNvPr>
+          <p:cNvSpPr/>
+          <p:nvPr/>
+        </p:nvSpPr>
+        <p:spPr>
+          <a:xfrm>
+            <a:off x="1248229" y="776078"/>
+            <a:ext cx="3947885" cy="1306286"/>
+          </a:xfrm>
+          <a:prstGeom prst="rect">
+            <a:avLst/>
+          </a:prstGeom>
+        </p:spPr>
+        <p:style>
+          <a:lnRef idx="2">
+            <a:schemeClr val="dk1"/>
+          </a:lnRef>
+          <a:fillRef idx="1">
+            <a:schemeClr val="lt1"/>
+          </a:fillRef>
+          <a:effectRef idx="0">
+            <a:schemeClr val="dk1"/>
+          </a:effectRef>
+          <a:fontRef idx="minor">
+            <a:schemeClr val="dk1"/>
+          </a:fontRef>
+        </p:style>
+        <p:txBody>
+          <a:bodyPr rtlCol="0" anchor="ctr"/>
+          <a:lstStyle/>
+          <a:p>
+            <a:r>
+              <a:rPr lang="en-US" altLang="ko-KR" dirty="0">
+                <a:latin typeface="Times New Roman" panose="02020603050405020304" pitchFamily="18" charset="0"/>
+                <a:cs typeface="Times New Roman" panose="02020603050405020304" pitchFamily="18" charset="0"/>
+              </a:rPr>
+              <a:t>Learning Data : </a:t>
+            </a:r>
+          </a:p>
+          <a:p>
+            <a:r>
+              <a:rPr lang="en-US" altLang="ko-KR" dirty="0">
+                <a:latin typeface="Times New Roman" panose="02020603050405020304" pitchFamily="18" charset="0"/>
+                <a:cs typeface="Times New Roman" panose="02020603050405020304" pitchFamily="18" charset="0"/>
+              </a:rPr>
+              <a:t>Test Data : </a:t>
+            </a:r>
+            <a:endParaRPr lang="ko-KR" altLang="en-US" dirty="0">
+              <a:latin typeface="Times New Roman" panose="02020603050405020304" pitchFamily="18" charset="0"/>
+              <a:cs typeface="Times New Roman" panose="02020603050405020304" pitchFamily="18" charset="0"/>
+            </a:endParaRPr>
+          </a:p>
+        </p:txBody>
+      </p:sp>
+      <p:cxnSp>
+        <p:nvCxnSpPr>
+          <p:cNvPr id="57" name="직선 연결선 56">
+            <a:extLst>
+              <a:ext uri="{FF2B5EF4-FFF2-40B4-BE49-F238E27FC236}">
+                <a16:creationId xmlns:a16="http://schemas.microsoft.com/office/drawing/2014/main" id="{7AC8A28F-96D2-7DC8-1AA0-A61FB913CE65}"/>
+              </a:ext>
+            </a:extLst>
+          </p:cNvPr>
+          <p:cNvCxnSpPr/>
+          <p:nvPr/>
+        </p:nvCxnSpPr>
+        <p:spPr>
+          <a:xfrm>
+            <a:off x="2801257" y="1306286"/>
+            <a:ext cx="2090057" cy="0"/>
+          </a:xfrm>
+          <a:prstGeom prst="line">
+            <a:avLst/>
+          </a:prstGeom>
+          <a:ln w="28575"/>
+        </p:spPr>
+        <p:style>
+          <a:lnRef idx="1">
+            <a:schemeClr val="accent1"/>
+          </a:lnRef>
+          <a:fillRef idx="0">
+            <a:schemeClr val="accent1"/>
+          </a:fillRef>
+          <a:effectRef idx="0">
+            <a:schemeClr val="accent1"/>
+          </a:effectRef>
+          <a:fontRef idx="minor">
+            <a:schemeClr val="tx1"/>
+          </a:fontRef>
+        </p:style>
+      </p:cxnSp>
+      <p:cxnSp>
+        <p:nvCxnSpPr>
+          <p:cNvPr id="58" name="직선 연결선 57">
+            <a:extLst>
+              <a:ext uri="{FF2B5EF4-FFF2-40B4-BE49-F238E27FC236}">
+                <a16:creationId xmlns:a16="http://schemas.microsoft.com/office/drawing/2014/main" id="{589C5129-E5B8-CE8D-E104-711AD807E0FA}"/>
+              </a:ext>
+            </a:extLst>
+          </p:cNvPr>
+          <p:cNvCxnSpPr>
+            <a:cxnSpLocks/>
+          </p:cNvCxnSpPr>
+          <p:nvPr/>
+        </p:nvCxnSpPr>
+        <p:spPr>
+          <a:xfrm>
+            <a:off x="2394580" y="1603829"/>
+            <a:ext cx="2496734" cy="0"/>
+          </a:xfrm>
+          <a:prstGeom prst="line">
+            <a:avLst/>
+          </a:prstGeom>
+          <a:ln w="28575"/>
+        </p:spPr>
+        <p:style>
+          <a:lnRef idx="3">
+            <a:schemeClr val="accent2"/>
+          </a:lnRef>
+          <a:fillRef idx="0">
+            <a:schemeClr val="accent2"/>
+          </a:fillRef>
+          <a:effectRef idx="2">
+            <a:schemeClr val="accent2"/>
+          </a:effectRef>
+          <a:fontRef idx="minor">
+            <a:schemeClr val="tx1"/>
+          </a:fontRef>
+        </p:style>
+      </p:cxnSp>
+      <p:cxnSp>
+        <p:nvCxnSpPr>
+          <p:cNvPr id="61" name="연결선: 꺾임 60">
+            <a:extLst>
+              <a:ext uri="{FF2B5EF4-FFF2-40B4-BE49-F238E27FC236}">
+                <a16:creationId xmlns:a16="http://schemas.microsoft.com/office/drawing/2014/main" id="{118E3250-82FD-54DE-3F4C-C1CFD3637A24}"/>
+              </a:ext>
+            </a:extLst>
+          </p:cNvPr>
+          <p:cNvCxnSpPr>
+            <a:cxnSpLocks/>
+            <a:stCxn id="24" idx="3"/>
+            <a:endCxn id="9" idx="1"/>
+          </p:cNvCxnSpPr>
+          <p:nvPr/>
+        </p:nvCxnSpPr>
+        <p:spPr>
+          <a:xfrm flipV="1">
+            <a:off x="3501945" y="3641897"/>
+            <a:ext cx="2247160" cy="1577830"/>
+          </a:xfrm>
+          <a:prstGeom prst="bentConnector3">
+            <a:avLst/>
+          </a:prstGeom>
+          <a:ln w="28575">
+            <a:tailEnd type="triangle"/>
+          </a:ln>
+        </p:spPr>
+        <p:style>
+          <a:lnRef idx="1">
+            <a:schemeClr val="accent1"/>
+          </a:lnRef>
+          <a:fillRef idx="0">
+            <a:schemeClr val="accent1"/>
+          </a:fillRef>
+          <a:effectRef idx="0">
+            <a:schemeClr val="accent1"/>
+          </a:effectRef>
+          <a:fontRef idx="minor">
+            <a:schemeClr val="tx1"/>
+          </a:fontRef>
+        </p:style>
+      </p:cxnSp>
+      <p:cxnSp>
+        <p:nvCxnSpPr>
+          <p:cNvPr id="62" name="연결선: 꺾임 61">
+            <a:extLst>
+              <a:ext uri="{FF2B5EF4-FFF2-40B4-BE49-F238E27FC236}">
+                <a16:creationId xmlns:a16="http://schemas.microsoft.com/office/drawing/2014/main" id="{62835B73-99F2-BF8C-B234-EE54260FE6B2}"/>
+              </a:ext>
+            </a:extLst>
+          </p:cNvPr>
+          <p:cNvCxnSpPr>
+            <a:cxnSpLocks/>
+            <a:stCxn id="9" idx="3"/>
+          </p:cNvCxnSpPr>
+          <p:nvPr/>
+        </p:nvCxnSpPr>
+        <p:spPr>
+          <a:xfrm flipV="1">
+            <a:off x="7549105" y="2695186"/>
+            <a:ext cx="2882925" cy="946711"/>
+          </a:xfrm>
+          <a:prstGeom prst="bentConnector3">
+            <a:avLst/>
+          </a:prstGeom>
+          <a:ln w="28575">
+            <a:tailEnd type="triangle"/>
+          </a:ln>
+        </p:spPr>
+        <p:style>
+          <a:lnRef idx="1">
+            <a:schemeClr val="accent1"/>
+          </a:lnRef>
+          <a:fillRef idx="0">
+            <a:schemeClr val="accent1"/>
+          </a:fillRef>
+          <a:effectRef idx="0">
+            <a:schemeClr val="accent1"/>
+          </a:effectRef>
+          <a:fontRef idx="minor">
+            <a:schemeClr val="tx1"/>
+          </a:fontRef>
+        </p:style>
+      </p:cxnSp>
+      <p:cxnSp>
+        <p:nvCxnSpPr>
+          <p:cNvPr id="64" name="연결선: 꺾임 63">
+            <a:extLst>
+              <a:ext uri="{FF2B5EF4-FFF2-40B4-BE49-F238E27FC236}">
+                <a16:creationId xmlns:a16="http://schemas.microsoft.com/office/drawing/2014/main" id="{2CF10004-3F78-344A-FD5B-C17A06A271FA}"/>
+              </a:ext>
+            </a:extLst>
+          </p:cNvPr>
+          <p:cNvCxnSpPr>
+            <a:cxnSpLocks/>
+            <a:stCxn id="24" idx="3"/>
+            <a:endCxn id="8" idx="1"/>
+          </p:cNvCxnSpPr>
+          <p:nvPr/>
+        </p:nvCxnSpPr>
+        <p:spPr>
+          <a:xfrm>
+            <a:off x="3501945" y="5219727"/>
+            <a:ext cx="2247160" cy="3497124"/>
+          </a:xfrm>
+          <a:prstGeom prst="bentConnector3">
+            <a:avLst>
+              <a:gd name="adj1" fmla="val 50000"/>
+            </a:avLst>
+          </a:prstGeom>
+          <a:ln w="28575">
+            <a:tailEnd type="triangle"/>
+          </a:ln>
+        </p:spPr>
+        <p:style>
+          <a:lnRef idx="1">
+            <a:schemeClr val="accent1"/>
+          </a:lnRef>
+          <a:fillRef idx="0">
+            <a:schemeClr val="accent1"/>
+          </a:fillRef>
+          <a:effectRef idx="0">
+            <a:schemeClr val="accent1"/>
+          </a:effectRef>
+          <a:fontRef idx="minor">
+            <a:schemeClr val="tx1"/>
+          </a:fontRef>
+        </p:style>
+      </p:cxnSp>
+      <p:cxnSp>
+        <p:nvCxnSpPr>
+          <p:cNvPr id="68" name="연결선: 꺾임 67">
+            <a:extLst>
+              <a:ext uri="{FF2B5EF4-FFF2-40B4-BE49-F238E27FC236}">
+                <a16:creationId xmlns:a16="http://schemas.microsoft.com/office/drawing/2014/main" id="{01FF20EF-64BC-2432-877E-DAF46D51C522}"/>
+              </a:ext>
+            </a:extLst>
+          </p:cNvPr>
+          <p:cNvCxnSpPr>
+            <a:cxnSpLocks/>
+            <a:stCxn id="8" idx="3"/>
+          </p:cNvCxnSpPr>
+          <p:nvPr/>
+        </p:nvCxnSpPr>
+        <p:spPr>
+          <a:xfrm flipV="1">
+            <a:off x="7549105" y="7754582"/>
+            <a:ext cx="2882925" cy="962269"/>
+          </a:xfrm>
+          <a:prstGeom prst="bentConnector3">
+            <a:avLst>
+              <a:gd name="adj1" fmla="val 50000"/>
+            </a:avLst>
+          </a:prstGeom>
+          <a:ln w="28575">
+            <a:tailEnd type="triangle"/>
+          </a:ln>
+        </p:spPr>
+        <p:style>
+          <a:lnRef idx="1">
+            <a:schemeClr val="accent1"/>
+          </a:lnRef>
+          <a:fillRef idx="0">
+            <a:schemeClr val="accent1"/>
+          </a:fillRef>
+          <a:effectRef idx="0">
+            <a:schemeClr val="accent1"/>
+          </a:effectRef>
+          <a:fontRef idx="minor">
+            <a:schemeClr val="tx1"/>
+          </a:fontRef>
+        </p:style>
+      </p:cxnSp>
+      <p:cxnSp>
+        <p:nvCxnSpPr>
+          <p:cNvPr id="71" name="연결선: 꺾임 70">
+            <a:extLst>
+              <a:ext uri="{FF2B5EF4-FFF2-40B4-BE49-F238E27FC236}">
+                <a16:creationId xmlns:a16="http://schemas.microsoft.com/office/drawing/2014/main" id="{99BEA6EC-1D1E-7127-A360-D8BBE13E96B2}"/>
+              </a:ext>
+            </a:extLst>
+          </p:cNvPr>
+          <p:cNvCxnSpPr>
+            <a:cxnSpLocks/>
+            <a:stCxn id="26" idx="3"/>
+            <a:endCxn id="30" idx="1"/>
+          </p:cNvCxnSpPr>
+          <p:nvPr/>
+        </p:nvCxnSpPr>
+        <p:spPr>
+          <a:xfrm flipV="1">
+            <a:off x="12292354" y="5218234"/>
+            <a:ext cx="3411395" cy="2536348"/>
+          </a:xfrm>
+          <a:prstGeom prst="bentConnector3">
+            <a:avLst/>
+          </a:prstGeom>
+          <a:ln w="28575">
+            <a:tailEnd type="triangle"/>
+          </a:ln>
+        </p:spPr>
+        <p:style>
+          <a:lnRef idx="1">
+            <a:schemeClr val="accent1"/>
+          </a:lnRef>
+          <a:fillRef idx="0">
+            <a:schemeClr val="accent1"/>
+          </a:fillRef>
+          <a:effectRef idx="0">
+            <a:schemeClr val="accent1"/>
+          </a:effectRef>
+          <a:fontRef idx="minor">
+            <a:schemeClr val="tx1"/>
+          </a:fontRef>
+        </p:style>
+      </p:cxnSp>
+      <p:cxnSp>
+        <p:nvCxnSpPr>
+          <p:cNvPr id="74" name="연결선: 꺾임 73">
+            <a:extLst>
+              <a:ext uri="{FF2B5EF4-FFF2-40B4-BE49-F238E27FC236}">
+                <a16:creationId xmlns:a16="http://schemas.microsoft.com/office/drawing/2014/main" id="{67A517BD-AE5C-4112-6A7D-91B4EFBCC7CB}"/>
+              </a:ext>
+            </a:extLst>
+          </p:cNvPr>
+          <p:cNvCxnSpPr>
+            <a:cxnSpLocks/>
+            <a:stCxn id="30" idx="3"/>
+            <a:endCxn id="21" idx="1"/>
+          </p:cNvCxnSpPr>
+          <p:nvPr/>
+        </p:nvCxnSpPr>
+        <p:spPr>
+          <a:xfrm flipV="1">
+            <a:off x="17539749" y="3641897"/>
+            <a:ext cx="2445425" cy="1576337"/>
+          </a:xfrm>
+          <a:prstGeom prst="bentConnector3">
+            <a:avLst/>
+          </a:prstGeom>
+          <a:ln w="28575">
+            <a:tailEnd type="triangle"/>
+          </a:ln>
+        </p:spPr>
+        <p:style>
+          <a:lnRef idx="1">
+            <a:schemeClr val="accent1"/>
+          </a:lnRef>
+          <a:fillRef idx="0">
+            <a:schemeClr val="accent1"/>
+          </a:fillRef>
+          <a:effectRef idx="0">
+            <a:schemeClr val="accent1"/>
+          </a:effectRef>
+          <a:fontRef idx="minor">
+            <a:schemeClr val="tx1"/>
+          </a:fontRef>
+        </p:style>
+      </p:cxnSp>
+      <p:cxnSp>
+        <p:nvCxnSpPr>
+          <p:cNvPr id="79" name="연결선: 꺾임 78">
+            <a:extLst>
+              <a:ext uri="{FF2B5EF4-FFF2-40B4-BE49-F238E27FC236}">
+                <a16:creationId xmlns:a16="http://schemas.microsoft.com/office/drawing/2014/main" id="{2F8905AF-DC2D-AEBB-CDAB-2F7FC99E0B71}"/>
+              </a:ext>
+            </a:extLst>
+          </p:cNvPr>
+          <p:cNvCxnSpPr>
+            <a:cxnSpLocks/>
+            <a:stCxn id="5" idx="3"/>
+            <a:endCxn id="9" idx="1"/>
+          </p:cNvCxnSpPr>
+          <p:nvPr/>
+        </p:nvCxnSpPr>
+        <p:spPr>
+          <a:xfrm flipV="1">
+            <a:off x="3485705" y="3641897"/>
+            <a:ext cx="2263400" cy="3136541"/>
+          </a:xfrm>
+          <a:prstGeom prst="bentConnector3">
+            <a:avLst>
+              <a:gd name="adj1" fmla="val 50000"/>
+            </a:avLst>
+          </a:prstGeom>
+          <a:ln w="28575">
+            <a:tailEnd type="triangle"/>
+          </a:ln>
+        </p:spPr>
+        <p:style>
+          <a:lnRef idx="2">
+            <a:schemeClr val="accent2"/>
+          </a:lnRef>
+          <a:fillRef idx="0">
+            <a:schemeClr val="accent2"/>
+          </a:fillRef>
+          <a:effectRef idx="1">
+            <a:schemeClr val="accent2"/>
+          </a:effectRef>
+          <a:fontRef idx="minor">
+            <a:schemeClr val="tx1"/>
+          </a:fontRef>
+        </p:style>
+      </p:cxnSp>
+      <p:cxnSp>
+        <p:nvCxnSpPr>
+          <p:cNvPr id="82" name="연결선: 꺾임 81">
+            <a:extLst>
+              <a:ext uri="{FF2B5EF4-FFF2-40B4-BE49-F238E27FC236}">
+                <a16:creationId xmlns:a16="http://schemas.microsoft.com/office/drawing/2014/main" id="{56CDA750-726A-E5B8-90FF-6633661F3353}"/>
+              </a:ext>
+            </a:extLst>
+          </p:cNvPr>
+          <p:cNvCxnSpPr>
+            <a:cxnSpLocks/>
+            <a:stCxn id="5" idx="3"/>
+            <a:endCxn id="8" idx="1"/>
+          </p:cNvCxnSpPr>
+          <p:nvPr/>
+        </p:nvCxnSpPr>
+        <p:spPr>
+          <a:xfrm>
+            <a:off x="3485705" y="6778438"/>
+            <a:ext cx="2263400" cy="1938413"/>
+          </a:xfrm>
+          <a:prstGeom prst="bentConnector3">
+            <a:avLst>
+              <a:gd name="adj1" fmla="val 50000"/>
+            </a:avLst>
+          </a:prstGeom>
+          <a:ln w="28575">
+            <a:tailEnd type="triangle"/>
+          </a:ln>
+        </p:spPr>
+        <p:style>
+          <a:lnRef idx="2">
+            <a:schemeClr val="accent2"/>
+          </a:lnRef>
+          <a:fillRef idx="0">
+            <a:schemeClr val="accent2"/>
+          </a:fillRef>
+          <a:effectRef idx="1">
+            <a:schemeClr val="accent2"/>
+          </a:effectRef>
+          <a:fontRef idx="minor">
+            <a:schemeClr val="tx1"/>
+          </a:fontRef>
+        </p:style>
+      </p:cxnSp>
+      <p:cxnSp>
+        <p:nvCxnSpPr>
+          <p:cNvPr id="104" name="직선 연결선 103">
+            <a:extLst>
+              <a:ext uri="{FF2B5EF4-FFF2-40B4-BE49-F238E27FC236}">
+                <a16:creationId xmlns:a16="http://schemas.microsoft.com/office/drawing/2014/main" id="{2C55C61E-494C-9E96-971A-5B9EC2350971}"/>
+              </a:ext>
+            </a:extLst>
+          </p:cNvPr>
+          <p:cNvCxnSpPr>
+            <a:cxnSpLocks/>
+          </p:cNvCxnSpPr>
+          <p:nvPr/>
+        </p:nvCxnSpPr>
+        <p:spPr>
+          <a:xfrm>
+            <a:off x="4617405" y="3641897"/>
+            <a:ext cx="0" cy="5096610"/>
+          </a:xfrm>
+          <a:prstGeom prst="line">
+            <a:avLst/>
+          </a:prstGeom>
+          <a:ln w="38100">
+            <a:solidFill>
+              <a:schemeClr val="tx1"/>
+            </a:solidFill>
+          </a:ln>
+        </p:spPr>
+        <p:style>
+          <a:lnRef idx="1">
+            <a:schemeClr val="dk1"/>
+          </a:lnRef>
+          <a:fillRef idx="0">
+            <a:schemeClr val="dk1"/>
+          </a:fillRef>
+          <a:effectRef idx="0">
+            <a:schemeClr val="dk1"/>
+          </a:effectRef>
+          <a:fontRef idx="minor">
+            <a:schemeClr val="tx1"/>
+          </a:fontRef>
+        </p:style>
+      </p:cxnSp>
+      <p:cxnSp>
+        <p:nvCxnSpPr>
+          <p:cNvPr id="106" name="직선 화살표 연결선 105">
+            <a:extLst>
+              <a:ext uri="{FF2B5EF4-FFF2-40B4-BE49-F238E27FC236}">
+                <a16:creationId xmlns:a16="http://schemas.microsoft.com/office/drawing/2014/main" id="{E03A9C09-5EE9-133D-B56A-8F6C5055AC17}"/>
+              </a:ext>
+            </a:extLst>
+          </p:cNvPr>
+          <p:cNvCxnSpPr>
+            <a:endCxn id="9" idx="1"/>
+          </p:cNvCxnSpPr>
+          <p:nvPr/>
+        </p:nvCxnSpPr>
+        <p:spPr>
+          <a:xfrm>
+            <a:off x="4617405" y="3641897"/>
+            <a:ext cx="1131700" cy="0"/>
+          </a:xfrm>
+          <a:prstGeom prst="straightConnector1">
+            <a:avLst/>
+          </a:prstGeom>
+          <a:ln w="38100">
+            <a:tailEnd type="triangle"/>
+          </a:ln>
+        </p:spPr>
+        <p:style>
+          <a:lnRef idx="1">
+            <a:schemeClr val="dk1"/>
+          </a:lnRef>
+          <a:fillRef idx="0">
+            <a:schemeClr val="dk1"/>
+          </a:fillRef>
+          <a:effectRef idx="0">
+            <a:schemeClr val="dk1"/>
+          </a:effectRef>
+          <a:fontRef idx="minor">
+            <a:schemeClr val="tx1"/>
+          </a:fontRef>
+        </p:style>
+      </p:cxnSp>
+      <p:cxnSp>
+        <p:nvCxnSpPr>
+          <p:cNvPr id="107" name="직선 화살표 연결선 106">
+            <a:extLst>
+              <a:ext uri="{FF2B5EF4-FFF2-40B4-BE49-F238E27FC236}">
+                <a16:creationId xmlns:a16="http://schemas.microsoft.com/office/drawing/2014/main" id="{F0B7853F-F117-957B-FEE9-68830E6432AB}"/>
+              </a:ext>
+            </a:extLst>
+          </p:cNvPr>
+          <p:cNvCxnSpPr>
+            <a:cxnSpLocks/>
+            <a:endCxn id="8" idx="1"/>
+          </p:cNvCxnSpPr>
+          <p:nvPr/>
+        </p:nvCxnSpPr>
+        <p:spPr>
+          <a:xfrm>
+            <a:off x="4617405" y="8716851"/>
+            <a:ext cx="1131700" cy="0"/>
+          </a:xfrm>
+          <a:prstGeom prst="straightConnector1">
+            <a:avLst/>
+          </a:prstGeom>
+          <a:ln w="38100">
+            <a:tailEnd type="triangle"/>
+          </a:ln>
+        </p:spPr>
+        <p:style>
+          <a:lnRef idx="1">
+            <a:schemeClr val="dk1"/>
+          </a:lnRef>
+          <a:fillRef idx="0">
+            <a:schemeClr val="dk1"/>
+          </a:fillRef>
+          <a:effectRef idx="0">
+            <a:schemeClr val="dk1"/>
+          </a:effectRef>
+          <a:fontRef idx="minor">
+            <a:schemeClr val="tx1"/>
+          </a:fontRef>
+        </p:style>
+      </p:cxnSp>
+      <p:cxnSp>
+        <p:nvCxnSpPr>
+          <p:cNvPr id="113" name="연결선: 꺾임 112">
+            <a:extLst>
+              <a:ext uri="{FF2B5EF4-FFF2-40B4-BE49-F238E27FC236}">
+                <a16:creationId xmlns:a16="http://schemas.microsoft.com/office/drawing/2014/main" id="{6712B74B-CD6A-14F0-E60C-92811E976F08}"/>
+              </a:ext>
+            </a:extLst>
+          </p:cNvPr>
+          <p:cNvCxnSpPr>
+            <a:cxnSpLocks/>
+            <a:stCxn id="8" idx="3"/>
+            <a:endCxn id="4" idx="1"/>
+          </p:cNvCxnSpPr>
+          <p:nvPr/>
+        </p:nvCxnSpPr>
+        <p:spPr>
+          <a:xfrm>
+            <a:off x="7549105" y="8716851"/>
+            <a:ext cx="2891347" cy="612000"/>
+          </a:xfrm>
+          <a:prstGeom prst="bentConnector3">
+            <a:avLst>
+              <a:gd name="adj1" fmla="val 50000"/>
+            </a:avLst>
+          </a:prstGeom>
+          <a:ln w="28575">
+            <a:tailEnd type="triangle"/>
+          </a:ln>
+        </p:spPr>
+        <p:style>
+          <a:lnRef idx="2">
+            <a:schemeClr val="accent2"/>
+          </a:lnRef>
+          <a:fillRef idx="0">
+            <a:schemeClr val="accent2"/>
+          </a:fillRef>
+          <a:effectRef idx="1">
+            <a:schemeClr val="accent2"/>
+          </a:effectRef>
+          <a:fontRef idx="minor">
+            <a:schemeClr val="tx1"/>
+          </a:fontRef>
+        </p:style>
+      </p:cxnSp>
+      <p:cxnSp>
+        <p:nvCxnSpPr>
+          <p:cNvPr id="116" name="연결선: 꺾임 115">
+            <a:extLst>
+              <a:ext uri="{FF2B5EF4-FFF2-40B4-BE49-F238E27FC236}">
+                <a16:creationId xmlns:a16="http://schemas.microsoft.com/office/drawing/2014/main" id="{E6E0D712-1132-F883-E931-3A08E0715D5C}"/>
+              </a:ext>
+            </a:extLst>
+          </p:cNvPr>
+          <p:cNvCxnSpPr>
+            <a:cxnSpLocks/>
+            <a:stCxn id="9" idx="3"/>
+            <a:endCxn id="7" idx="1"/>
+          </p:cNvCxnSpPr>
+          <p:nvPr/>
+        </p:nvCxnSpPr>
+        <p:spPr>
+          <a:xfrm>
+            <a:off x="7549105" y="3641897"/>
+            <a:ext cx="2891009" cy="612000"/>
+          </a:xfrm>
+          <a:prstGeom prst="bentConnector3">
+            <a:avLst>
+              <a:gd name="adj1" fmla="val 50000"/>
+            </a:avLst>
+          </a:prstGeom>
+          <a:ln w="28575">
+            <a:tailEnd type="triangle"/>
+          </a:ln>
+        </p:spPr>
+        <p:style>
+          <a:lnRef idx="2">
+            <a:schemeClr val="accent2"/>
+          </a:lnRef>
+          <a:fillRef idx="0">
+            <a:schemeClr val="accent2"/>
+          </a:fillRef>
+          <a:effectRef idx="1">
+            <a:schemeClr val="accent2"/>
+          </a:effectRef>
+          <a:fontRef idx="minor">
+            <a:schemeClr val="tx1"/>
+          </a:fontRef>
+        </p:style>
+      </p:cxnSp>
+      <p:cxnSp>
+        <p:nvCxnSpPr>
+          <p:cNvPr id="119" name="연결선: 꺾임 118">
+            <a:extLst>
+              <a:ext uri="{FF2B5EF4-FFF2-40B4-BE49-F238E27FC236}">
+                <a16:creationId xmlns:a16="http://schemas.microsoft.com/office/drawing/2014/main" id="{6D35C5D0-B8D1-F66F-FCEB-73BD846D117E}"/>
+              </a:ext>
+            </a:extLst>
+          </p:cNvPr>
+          <p:cNvCxnSpPr>
+            <a:cxnSpLocks/>
+            <a:stCxn id="7" idx="3"/>
+            <a:endCxn id="6" idx="1"/>
+          </p:cNvCxnSpPr>
+          <p:nvPr/>
+        </p:nvCxnSpPr>
+        <p:spPr>
+          <a:xfrm>
+            <a:off x="12276114" y="4253897"/>
+            <a:ext cx="3411733" cy="2521555"/>
+          </a:xfrm>
+          <a:prstGeom prst="bentConnector3">
+            <a:avLst>
+              <a:gd name="adj1" fmla="val 50400"/>
+            </a:avLst>
+          </a:prstGeom>
+          <a:ln w="28575">
+            <a:tailEnd type="triangle"/>
+          </a:ln>
+        </p:spPr>
+        <p:style>
+          <a:lnRef idx="2">
+            <a:schemeClr val="accent2"/>
+          </a:lnRef>
+          <a:fillRef idx="0">
+            <a:schemeClr val="accent2"/>
+          </a:fillRef>
+          <a:effectRef idx="1">
+            <a:schemeClr val="accent2"/>
+          </a:effectRef>
+          <a:fontRef idx="minor">
+            <a:schemeClr val="tx1"/>
+          </a:fontRef>
+        </p:style>
+      </p:cxnSp>
+      <p:cxnSp>
+        <p:nvCxnSpPr>
+          <p:cNvPr id="122" name="연결선: 꺾임 121">
+            <a:extLst>
+              <a:ext uri="{FF2B5EF4-FFF2-40B4-BE49-F238E27FC236}">
+                <a16:creationId xmlns:a16="http://schemas.microsoft.com/office/drawing/2014/main" id="{95304769-4AE2-AD9A-10D4-66673BAB4970}"/>
+              </a:ext>
+            </a:extLst>
+          </p:cNvPr>
+          <p:cNvCxnSpPr>
+            <a:cxnSpLocks/>
+            <a:endCxn id="6" idx="1"/>
+          </p:cNvCxnSpPr>
+          <p:nvPr/>
+        </p:nvCxnSpPr>
+        <p:spPr>
+          <a:xfrm flipV="1">
+            <a:off x="12292016" y="6775452"/>
+            <a:ext cx="3395831" cy="2553399"/>
+          </a:xfrm>
+          <a:prstGeom prst="bentConnector3">
+            <a:avLst>
+              <a:gd name="adj1" fmla="val 50000"/>
+            </a:avLst>
+          </a:prstGeom>
+          <a:ln w="28575">
+            <a:tailEnd type="triangle"/>
+          </a:ln>
+        </p:spPr>
+        <p:style>
+          <a:lnRef idx="2">
+            <a:schemeClr val="accent2"/>
+          </a:lnRef>
+          <a:fillRef idx="0">
+            <a:schemeClr val="accent2"/>
+          </a:fillRef>
+          <a:effectRef idx="1">
+            <a:schemeClr val="accent2"/>
+          </a:effectRef>
+          <a:fontRef idx="minor">
+            <a:schemeClr val="tx1"/>
+          </a:fontRef>
+        </p:style>
+      </p:cxnSp>
+      <p:cxnSp>
+        <p:nvCxnSpPr>
+          <p:cNvPr id="125" name="연결선: 꺾임 124">
+            <a:extLst>
+              <a:ext uri="{FF2B5EF4-FFF2-40B4-BE49-F238E27FC236}">
+                <a16:creationId xmlns:a16="http://schemas.microsoft.com/office/drawing/2014/main" id="{67E9AE70-5546-7CE5-9113-4445C743865C}"/>
+              </a:ext>
+            </a:extLst>
+          </p:cNvPr>
+          <p:cNvCxnSpPr>
+            <a:cxnSpLocks/>
+            <a:stCxn id="6" idx="3"/>
+            <a:endCxn id="16" idx="1"/>
+          </p:cNvCxnSpPr>
+          <p:nvPr/>
+        </p:nvCxnSpPr>
+        <p:spPr>
+          <a:xfrm>
+            <a:off x="17523847" y="6775452"/>
+            <a:ext cx="4747315" cy="1941399"/>
+          </a:xfrm>
+          <a:prstGeom prst="bentConnector3">
+            <a:avLst>
+              <a:gd name="adj1" fmla="val 50000"/>
+            </a:avLst>
+          </a:prstGeom>
+          <a:ln w="28575">
+            <a:tailEnd type="triangle"/>
+          </a:ln>
+        </p:spPr>
+        <p:style>
+          <a:lnRef idx="2">
+            <a:schemeClr val="accent2"/>
+          </a:lnRef>
+          <a:fillRef idx="0">
+            <a:schemeClr val="accent2"/>
+          </a:fillRef>
+          <a:effectRef idx="1">
+            <a:schemeClr val="accent2"/>
+          </a:effectRef>
+          <a:fontRef idx="minor">
+            <a:schemeClr val="tx1"/>
+          </a:fontRef>
+        </p:style>
+      </p:cxnSp>
+      <p:cxnSp>
+        <p:nvCxnSpPr>
+          <p:cNvPr id="128" name="연결선: 꺾임 127">
+            <a:extLst>
+              <a:ext uri="{FF2B5EF4-FFF2-40B4-BE49-F238E27FC236}">
+                <a16:creationId xmlns:a16="http://schemas.microsoft.com/office/drawing/2014/main" id="{85C7BD27-0965-EC2B-FED2-7FFD203A9D58}"/>
+              </a:ext>
+            </a:extLst>
+          </p:cNvPr>
+          <p:cNvCxnSpPr>
+            <a:cxnSpLocks/>
+            <a:stCxn id="28" idx="3"/>
+            <a:endCxn id="30" idx="1"/>
+          </p:cNvCxnSpPr>
+          <p:nvPr/>
+        </p:nvCxnSpPr>
+        <p:spPr>
+          <a:xfrm>
+            <a:off x="12292016" y="2694364"/>
+            <a:ext cx="3411733" cy="2523870"/>
+          </a:xfrm>
+          <a:prstGeom prst="bentConnector3">
+            <a:avLst/>
+          </a:prstGeom>
+          <a:ln w="28575">
+            <a:tailEnd type="triangle"/>
+          </a:ln>
+        </p:spPr>
+        <p:style>
+          <a:lnRef idx="1">
+            <a:schemeClr val="accent1"/>
+          </a:lnRef>
+          <a:fillRef idx="0">
+            <a:schemeClr val="accent1"/>
+          </a:fillRef>
+          <a:effectRef idx="0">
+            <a:schemeClr val="accent1"/>
+          </a:effectRef>
+          <a:fontRef idx="minor">
+            <a:schemeClr val="tx1"/>
+          </a:fontRef>
+        </p:style>
+      </p:cxnSp>
+      <p:cxnSp>
+        <p:nvCxnSpPr>
+          <p:cNvPr id="131" name="직선 연결선 130">
+            <a:extLst>
+              <a:ext uri="{FF2B5EF4-FFF2-40B4-BE49-F238E27FC236}">
+                <a16:creationId xmlns:a16="http://schemas.microsoft.com/office/drawing/2014/main" id="{568F3C50-3254-181C-6403-475F011805BC}"/>
+              </a:ext>
+            </a:extLst>
+          </p:cNvPr>
+          <p:cNvCxnSpPr>
+            <a:cxnSpLocks/>
+          </p:cNvCxnSpPr>
+          <p:nvPr/>
+        </p:nvCxnSpPr>
+        <p:spPr>
+          <a:xfrm flipH="1">
+            <a:off x="13989931" y="2669929"/>
+            <a:ext cx="14687" cy="6658922"/>
+          </a:xfrm>
+          <a:prstGeom prst="line">
+            <a:avLst/>
+          </a:prstGeom>
+          <a:ln w="38100">
+            <a:solidFill>
+              <a:schemeClr val="tx1"/>
+            </a:solidFill>
+          </a:ln>
+        </p:spPr>
+        <p:style>
+          <a:lnRef idx="1">
+            <a:schemeClr val="dk1"/>
+          </a:lnRef>
+          <a:fillRef idx="0">
+            <a:schemeClr val="dk1"/>
+          </a:fillRef>
+          <a:effectRef idx="0">
+            <a:schemeClr val="dk1"/>
+          </a:effectRef>
+          <a:fontRef idx="minor">
+            <a:schemeClr val="tx1"/>
+          </a:fontRef>
+        </p:style>
+      </p:cxnSp>
+      <p:cxnSp>
+        <p:nvCxnSpPr>
+          <p:cNvPr id="139" name="연결선: 꺾임 138">
+            <a:extLst>
+              <a:ext uri="{FF2B5EF4-FFF2-40B4-BE49-F238E27FC236}">
+                <a16:creationId xmlns:a16="http://schemas.microsoft.com/office/drawing/2014/main" id="{79976B83-3D00-76FA-4511-DD49072710D0}"/>
+              </a:ext>
+            </a:extLst>
+          </p:cNvPr>
+          <p:cNvCxnSpPr>
+            <a:stCxn id="21" idx="3"/>
+            <a:endCxn id="16" idx="0"/>
+          </p:cNvCxnSpPr>
+          <p:nvPr/>
+        </p:nvCxnSpPr>
+        <p:spPr>
+          <a:xfrm>
+            <a:off x="22865174" y="3641897"/>
+            <a:ext cx="845988" cy="3994954"/>
+          </a:xfrm>
+          <a:prstGeom prst="bentConnector2">
+            <a:avLst/>
+          </a:prstGeom>
+          <a:ln w="38100">
+            <a:tailEnd type="triangle"/>
+          </a:ln>
+        </p:spPr>
+        <p:style>
+          <a:lnRef idx="1">
+            <a:schemeClr val="dk1"/>
+          </a:lnRef>
+          <a:fillRef idx="0">
+            <a:schemeClr val="dk1"/>
+          </a:fillRef>
+          <a:effectRef idx="0">
+            <a:schemeClr val="dk1"/>
+          </a:effectRef>
+          <a:fontRef idx="minor">
+            <a:schemeClr val="tx1"/>
+          </a:fontRef>
+        </p:style>
+      </p:cxnSp>
+    </p:spTree>
+    <p:extLst>
+      <p:ext uri="{BB962C8B-B14F-4D97-AF65-F5344CB8AC3E}">
+        <p14:creationId xmlns:p14="http://schemas.microsoft.com/office/powerpoint/2010/main" val="2971321720"/>
       </p:ext>
     </p:extLst>
   </p:cSld>

--- a/최종 정리본/etc/컨퍼런스 논문 구조도에 쓰인 사진/컨퍼런스 구조도.pptx
+++ b/최종 정리본/etc/컨퍼런스 논문 구조도에 쓰인 사진/컨퍼런스 구조도.pptx
@@ -244,7 +244,7 @@
           <a:p>
             <a:fld id="{88CA5724-AAEB-4004-8D3F-C05D4DBBD399}" type="datetimeFigureOut">
               <a:rPr lang="ko-KR" altLang="en-US" smtClean="0"/>
-              <a:t>2022-05-30</a:t>
+              <a:t>2022-05-31</a:t>
             </a:fld>
             <a:endParaRPr lang="ko-KR" altLang="en-US"/>
           </a:p>
@@ -414,7 +414,7 @@
           <a:p>
             <a:fld id="{88CA5724-AAEB-4004-8D3F-C05D4DBBD399}" type="datetimeFigureOut">
               <a:rPr lang="ko-KR" altLang="en-US" smtClean="0"/>
-              <a:t>2022-05-30</a:t>
+              <a:t>2022-05-31</a:t>
             </a:fld>
             <a:endParaRPr lang="ko-KR" altLang="en-US"/>
           </a:p>
@@ -594,7 +594,7 @@
           <a:p>
             <a:fld id="{88CA5724-AAEB-4004-8D3F-C05D4DBBD399}" type="datetimeFigureOut">
               <a:rPr lang="ko-KR" altLang="en-US" smtClean="0"/>
-              <a:t>2022-05-30</a:t>
+              <a:t>2022-05-31</a:t>
             </a:fld>
             <a:endParaRPr lang="ko-KR" altLang="en-US"/>
           </a:p>
@@ -764,7 +764,7 @@
           <a:p>
             <a:fld id="{88CA5724-AAEB-4004-8D3F-C05D4DBBD399}" type="datetimeFigureOut">
               <a:rPr lang="ko-KR" altLang="en-US" smtClean="0"/>
-              <a:t>2022-05-30</a:t>
+              <a:t>2022-05-31</a:t>
             </a:fld>
             <a:endParaRPr lang="ko-KR" altLang="en-US"/>
           </a:p>
@@ -1010,7 +1010,7 @@
           <a:p>
             <a:fld id="{88CA5724-AAEB-4004-8D3F-C05D4DBBD399}" type="datetimeFigureOut">
               <a:rPr lang="ko-KR" altLang="en-US" smtClean="0"/>
-              <a:t>2022-05-30</a:t>
+              <a:t>2022-05-31</a:t>
             </a:fld>
             <a:endParaRPr lang="ko-KR" altLang="en-US"/>
           </a:p>
@@ -1242,7 +1242,7 @@
           <a:p>
             <a:fld id="{88CA5724-AAEB-4004-8D3F-C05D4DBBD399}" type="datetimeFigureOut">
               <a:rPr lang="ko-KR" altLang="en-US" smtClean="0"/>
-              <a:t>2022-05-30</a:t>
+              <a:t>2022-05-31</a:t>
             </a:fld>
             <a:endParaRPr lang="ko-KR" altLang="en-US"/>
           </a:p>
@@ -1609,7 +1609,7 @@
           <a:p>
             <a:fld id="{88CA5724-AAEB-4004-8D3F-C05D4DBBD399}" type="datetimeFigureOut">
               <a:rPr lang="ko-KR" altLang="en-US" smtClean="0"/>
-              <a:t>2022-05-30</a:t>
+              <a:t>2022-05-31</a:t>
             </a:fld>
             <a:endParaRPr lang="ko-KR" altLang="en-US"/>
           </a:p>
@@ -1727,7 +1727,7 @@
           <a:p>
             <a:fld id="{88CA5724-AAEB-4004-8D3F-C05D4DBBD399}" type="datetimeFigureOut">
               <a:rPr lang="ko-KR" altLang="en-US" smtClean="0"/>
-              <a:t>2022-05-30</a:t>
+              <a:t>2022-05-31</a:t>
             </a:fld>
             <a:endParaRPr lang="ko-KR" altLang="en-US"/>
           </a:p>
@@ -1822,7 +1822,7 @@
           <a:p>
             <a:fld id="{88CA5724-AAEB-4004-8D3F-C05D4DBBD399}" type="datetimeFigureOut">
               <a:rPr lang="ko-KR" altLang="en-US" smtClean="0"/>
-              <a:t>2022-05-30</a:t>
+              <a:t>2022-05-31</a:t>
             </a:fld>
             <a:endParaRPr lang="ko-KR" altLang="en-US"/>
           </a:p>
@@ -2099,7 +2099,7 @@
           <a:p>
             <a:fld id="{88CA5724-AAEB-4004-8D3F-C05D4DBBD399}" type="datetimeFigureOut">
               <a:rPr lang="ko-KR" altLang="en-US" smtClean="0"/>
-              <a:t>2022-05-30</a:t>
+              <a:t>2022-05-31</a:t>
             </a:fld>
             <a:endParaRPr lang="ko-KR" altLang="en-US"/>
           </a:p>
@@ -2356,7 +2356,7 @@
           <a:p>
             <a:fld id="{88CA5724-AAEB-4004-8D3F-C05D4DBBD399}" type="datetimeFigureOut">
               <a:rPr lang="ko-KR" altLang="en-US" smtClean="0"/>
-              <a:t>2022-05-30</a:t>
+              <a:t>2022-05-31</a:t>
             </a:fld>
             <a:endParaRPr lang="ko-KR" altLang="en-US"/>
           </a:p>
@@ -2569,7 +2569,7 @@
           <a:p>
             <a:fld id="{88CA5724-AAEB-4004-8D3F-C05D4DBBD399}" type="datetimeFigureOut">
               <a:rPr lang="ko-KR" altLang="en-US" smtClean="0"/>
-              <a:t>2022-05-30</a:t>
+              <a:t>2022-05-31</a:t>
             </a:fld>
             <a:endParaRPr lang="ko-KR" altLang="en-US"/>
           </a:p>
@@ -5886,6 +5886,217 @@
           </a:fontRef>
         </p:style>
       </p:cxnSp>
+      <p:sp>
+        <p:nvSpPr>
+          <p:cNvPr id="2" name="TextBox 1">
+            <a:extLst>
+              <a:ext uri="{FF2B5EF4-FFF2-40B4-BE49-F238E27FC236}">
+                <a16:creationId xmlns:a16="http://schemas.microsoft.com/office/drawing/2014/main" id="{4A5E73CF-0077-772B-A1ED-41AE9439A123}"/>
+              </a:ext>
+            </a:extLst>
+          </p:cNvPr>
+          <p:cNvSpPr txBox="1"/>
+          <p:nvPr/>
+        </p:nvSpPr>
+        <p:spPr>
+          <a:xfrm>
+            <a:off x="1649705" y="7620000"/>
+            <a:ext cx="1852240" cy="369332"/>
+          </a:xfrm>
+          <a:prstGeom prst="rect">
+            <a:avLst/>
+          </a:prstGeom>
+          <a:noFill/>
+        </p:spPr>
+        <p:txBody>
+          <a:bodyPr wrap="square" rtlCol="0">
+            <a:spAutoFit/>
+          </a:bodyPr>
+          <a:lstStyle/>
+          <a:p>
+            <a:pPr algn="ctr"/>
+            <a:r>
+              <a:rPr lang="en-US" altLang="ko-KR" dirty="0">
+                <a:latin typeface="Times New Roman" panose="02020603050405020304" pitchFamily="18" charset="0"/>
+                <a:cs typeface="Times New Roman" panose="02020603050405020304" pitchFamily="18" charset="0"/>
+              </a:rPr>
+              <a:t>Normal Image</a:t>
+            </a:r>
+            <a:endParaRPr lang="ko-KR" altLang="en-US" dirty="0">
+              <a:latin typeface="Times New Roman" panose="02020603050405020304" pitchFamily="18" charset="0"/>
+              <a:cs typeface="Times New Roman" panose="02020603050405020304" pitchFamily="18" charset="0"/>
+            </a:endParaRPr>
+          </a:p>
+        </p:txBody>
+      </p:sp>
+      <p:sp>
+        <p:nvSpPr>
+          <p:cNvPr id="52" name="TextBox 51">
+            <a:extLst>
+              <a:ext uri="{FF2B5EF4-FFF2-40B4-BE49-F238E27FC236}">
+                <a16:creationId xmlns:a16="http://schemas.microsoft.com/office/drawing/2014/main" id="{759F5DF7-C2D7-8928-CCA7-63C414A0DFCA}"/>
+              </a:ext>
+            </a:extLst>
+          </p:cNvPr>
+          <p:cNvSpPr txBox="1"/>
+          <p:nvPr/>
+        </p:nvSpPr>
+        <p:spPr>
+          <a:xfrm>
+            <a:off x="10423705" y="4997539"/>
+            <a:ext cx="1852240" cy="646331"/>
+          </a:xfrm>
+          <a:prstGeom prst="rect">
+            <a:avLst/>
+          </a:prstGeom>
+          <a:noFill/>
+        </p:spPr>
+        <p:txBody>
+          <a:bodyPr wrap="square" rtlCol="0">
+            <a:spAutoFit/>
+          </a:bodyPr>
+          <a:lstStyle/>
+          <a:p>
+            <a:pPr algn="ctr"/>
+            <a:r>
+              <a:rPr lang="en-US" altLang="ko-KR" dirty="0">
+                <a:latin typeface="Times New Roman" panose="02020603050405020304" pitchFamily="18" charset="0"/>
+                <a:cs typeface="Times New Roman" panose="02020603050405020304" pitchFamily="18" charset="0"/>
+              </a:rPr>
+              <a:t>Object Mask Image</a:t>
+            </a:r>
+            <a:endParaRPr lang="ko-KR" altLang="en-US" dirty="0">
+              <a:latin typeface="Times New Roman" panose="02020603050405020304" pitchFamily="18" charset="0"/>
+              <a:cs typeface="Times New Roman" panose="02020603050405020304" pitchFamily="18" charset="0"/>
+            </a:endParaRPr>
+          </a:p>
+        </p:txBody>
+      </p:sp>
+      <p:sp>
+        <p:nvSpPr>
+          <p:cNvPr id="56" name="TextBox 55">
+            <a:extLst>
+              <a:ext uri="{FF2B5EF4-FFF2-40B4-BE49-F238E27FC236}">
+                <a16:creationId xmlns:a16="http://schemas.microsoft.com/office/drawing/2014/main" id="{6C2FF229-99A1-AD1D-7CBB-CF7B2299A401}"/>
+              </a:ext>
+            </a:extLst>
+          </p:cNvPr>
+          <p:cNvSpPr txBox="1"/>
+          <p:nvPr/>
+        </p:nvSpPr>
+        <p:spPr>
+          <a:xfrm>
+            <a:off x="15669489" y="7531032"/>
+            <a:ext cx="1852240" cy="369332"/>
+          </a:xfrm>
+          <a:prstGeom prst="rect">
+            <a:avLst/>
+          </a:prstGeom>
+          <a:noFill/>
+        </p:spPr>
+        <p:txBody>
+          <a:bodyPr wrap="square" rtlCol="0">
+            <a:spAutoFit/>
+          </a:bodyPr>
+          <a:lstStyle/>
+          <a:p>
+            <a:pPr algn="ctr"/>
+            <a:r>
+              <a:rPr lang="en-US" altLang="ko-KR" dirty="0">
+                <a:solidFill>
+                  <a:srgbClr val="000000"/>
+                </a:solidFill>
+                <a:latin typeface="Times New Roman" panose="02020603050405020304" pitchFamily="18" charset="0"/>
+                <a:cs typeface="Times New Roman" panose="02020603050405020304" pitchFamily="18" charset="0"/>
+              </a:rPr>
+              <a:t>C</a:t>
+            </a:r>
+            <a:r>
+              <a:rPr lang="en-US" altLang="ko-KR" b="0" i="0" dirty="0">
+                <a:solidFill>
+                  <a:srgbClr val="000000"/>
+                </a:solidFill>
+                <a:effectLst/>
+                <a:latin typeface="Times New Roman" panose="02020603050405020304" pitchFamily="18" charset="0"/>
+                <a:cs typeface="Times New Roman" panose="02020603050405020304" pitchFamily="18" charset="0"/>
+              </a:rPr>
+              <a:t>omposite</a:t>
+            </a:r>
+            <a:r>
+              <a:rPr lang="en-US" altLang="ko-KR" b="0" i="0" dirty="0">
+                <a:solidFill>
+                  <a:srgbClr val="000000"/>
+                </a:solidFill>
+                <a:effectLst/>
+                <a:latin typeface="noto"/>
+              </a:rPr>
+              <a:t> </a:t>
+            </a:r>
+            <a:r>
+              <a:rPr lang="en-US" altLang="ko-KR" b="0" i="0" dirty="0">
+                <a:solidFill>
+                  <a:srgbClr val="000000"/>
+                </a:solidFill>
+                <a:effectLst/>
+                <a:latin typeface="Times New Roman" panose="02020603050405020304" pitchFamily="18" charset="0"/>
+                <a:cs typeface="Times New Roman" panose="02020603050405020304" pitchFamily="18" charset="0"/>
+              </a:rPr>
+              <a:t>Image</a:t>
+            </a:r>
+            <a:endParaRPr lang="ko-KR" altLang="en-US" dirty="0">
+              <a:latin typeface="Times New Roman" panose="02020603050405020304" pitchFamily="18" charset="0"/>
+              <a:cs typeface="Times New Roman" panose="02020603050405020304" pitchFamily="18" charset="0"/>
+            </a:endParaRPr>
+          </a:p>
+        </p:txBody>
+      </p:sp>
+      <p:sp>
+        <p:nvSpPr>
+          <p:cNvPr id="59" name="TextBox 58">
+            <a:extLst>
+              <a:ext uri="{FF2B5EF4-FFF2-40B4-BE49-F238E27FC236}">
+                <a16:creationId xmlns:a16="http://schemas.microsoft.com/office/drawing/2014/main" id="{319EB694-8187-630F-4955-D216EFA18D05}"/>
+              </a:ext>
+            </a:extLst>
+          </p:cNvPr>
+          <p:cNvSpPr txBox="1"/>
+          <p:nvPr/>
+        </p:nvSpPr>
+        <p:spPr>
+          <a:xfrm>
+            <a:off x="10431994" y="10094453"/>
+            <a:ext cx="1852240" cy="646331"/>
+          </a:xfrm>
+          <a:prstGeom prst="rect">
+            <a:avLst/>
+          </a:prstGeom>
+          <a:noFill/>
+        </p:spPr>
+        <p:txBody>
+          <a:bodyPr wrap="square" rtlCol="0">
+            <a:spAutoFit/>
+          </a:bodyPr>
+          <a:lstStyle/>
+          <a:p>
+            <a:pPr algn="ctr"/>
+            <a:r>
+              <a:rPr lang="en-US" altLang="ko-KR" b="0" i="0" dirty="0">
+                <a:solidFill>
+                  <a:srgbClr val="000000"/>
+                </a:solidFill>
+                <a:effectLst/>
+                <a:latin typeface="Times New Roman" panose="02020603050405020304" pitchFamily="18" charset="0"/>
+                <a:cs typeface="Times New Roman" panose="02020603050405020304" pitchFamily="18" charset="0"/>
+              </a:rPr>
+              <a:t>Crosswalk Area Image</a:t>
+            </a:r>
+            <a:endParaRPr lang="ko-KR" altLang="en-US" dirty="0">
+              <a:latin typeface="Times New Roman" panose="02020603050405020304" pitchFamily="18" charset="0"/>
+              <a:cs typeface="Times New Roman" panose="02020603050405020304" pitchFamily="18" charset="0"/>
+            </a:endParaRPr>
+          </a:p>
+        </p:txBody>
+      </p:sp>
     </p:spTree>
     <p:extLst>
       <p:ext uri="{BB962C8B-B14F-4D97-AF65-F5344CB8AC3E}">

--- a/최종 정리본/etc/컨퍼런스 논문 구조도에 쓰인 사진/컨퍼런스 구조도.pptx
+++ b/최종 정리본/etc/컨퍼런스 논문 구조도에 쓰인 사진/컨퍼런스 구조도.pptx
@@ -4535,155 +4535,134 @@
           </p:spPr>
         </p:pic>
       </p:grpSp>
-      <p:grpSp>
-        <p:nvGrpSpPr>
-          <p:cNvPr id="48" name="그룹 47">
+      <p:sp>
+        <p:nvSpPr>
+          <p:cNvPr id="39" name="직사각형 38">
             <a:extLst>
               <a:ext uri="{FF2B5EF4-FFF2-40B4-BE49-F238E27FC236}">
-                <a16:creationId xmlns:a16="http://schemas.microsoft.com/office/drawing/2014/main" id="{0C062663-47C5-C679-5E40-906EFCE5A07A}"/>
+                <a16:creationId xmlns:a16="http://schemas.microsoft.com/office/drawing/2014/main" id="{DA82B213-9D07-89CA-2936-F00E93C713BC}"/>
               </a:ext>
             </a:extLst>
           </p:cNvPr>
-          <p:cNvGrpSpPr/>
+          <p:cNvSpPr>
+            <a:spLocks/>
+          </p:cNvSpPr>
           <p:nvPr/>
-        </p:nvGrpSpPr>
-        <p:grpSpPr>
+        </p:nvSpPr>
+        <p:spPr>
           <a:xfrm>
             <a:off x="10192457" y="6815650"/>
             <a:ext cx="2364470" cy="3960000"/>
-            <a:chOff x="9583239" y="1772553"/>
-            <a:chExt cx="2364470" cy="3960000"/>
-          </a:xfrm>
-        </p:grpSpPr>
-        <p:sp>
-          <p:nvSpPr>
-            <p:cNvPr id="39" name="직사각형 38">
-              <a:extLst>
-                <a:ext uri="{FF2B5EF4-FFF2-40B4-BE49-F238E27FC236}">
-                  <a16:creationId xmlns:a16="http://schemas.microsoft.com/office/drawing/2014/main" id="{DA82B213-9D07-89CA-2936-F00E93C713BC}"/>
-                </a:ext>
-              </a:extLst>
-            </p:cNvPr>
-            <p:cNvSpPr>
-              <a:spLocks/>
-            </p:cNvSpPr>
-            <p:nvPr/>
-          </p:nvSpPr>
-          <p:spPr>
-            <a:xfrm>
-              <a:off x="9583239" y="1772553"/>
-              <a:ext cx="2364470" cy="3960000"/>
-            </a:xfrm>
-            <a:prstGeom prst="rect">
-              <a:avLst/>
-            </a:prstGeom>
-          </p:spPr>
-          <p:style>
-            <a:lnRef idx="2">
-              <a:schemeClr val="dk1"/>
-            </a:lnRef>
-            <a:fillRef idx="1">
-              <a:schemeClr val="lt1"/>
-            </a:fillRef>
-            <a:effectRef idx="0">
-              <a:schemeClr val="dk1"/>
-            </a:effectRef>
-            <a:fontRef idx="minor">
-              <a:schemeClr val="dk1"/>
-            </a:fontRef>
-          </p:style>
-          <p:txBody>
-            <a:bodyPr rtlCol="0" anchor="ctr"/>
-            <a:lstStyle/>
-            <a:p>
-              <a:pPr algn="ctr"/>
-              <a:endParaRPr lang="ko-KR" altLang="en-US" dirty="0"/>
-            </a:p>
-          </p:txBody>
-        </p:sp>
-        <p:pic>
-          <p:nvPicPr>
-            <p:cNvPr id="4" name="그림 3" descr="텍스트이(가) 표시된 사진&#10;&#10;자동 생성된 설명">
-              <a:extLst>
-                <a:ext uri="{FF2B5EF4-FFF2-40B4-BE49-F238E27FC236}">
-                  <a16:creationId xmlns:a16="http://schemas.microsoft.com/office/drawing/2014/main" id="{615A945C-7B1D-DAC0-B86D-8668E2C84C50}"/>
-                </a:ext>
-              </a:extLst>
-            </p:cNvPr>
-            <p:cNvPicPr>
-              <a:picLocks/>
-            </p:cNvPicPr>
-            <p:nvPr/>
-          </p:nvPicPr>
-          <p:blipFill>
-            <a:blip r:embed="rId6">
-              <a:extLst>
-                <a:ext uri="{28A0092B-C50C-407E-A947-70E740481C1C}">
-                  <a14:useLocalDpi xmlns:a14="http://schemas.microsoft.com/office/drawing/2010/main" val="0"/>
-                </a:ext>
-              </a:extLst>
-            </a:blip>
-            <a:stretch>
-              <a:fillRect/>
-            </a:stretch>
-          </p:blipFill>
-          <p:spPr>
-            <a:xfrm>
-              <a:off x="9831234" y="3673754"/>
-              <a:ext cx="1836000" cy="1224000"/>
-            </a:xfrm>
-            <a:prstGeom prst="rect">
-              <a:avLst/>
-            </a:prstGeom>
-            <a:ln>
-              <a:solidFill>
-                <a:schemeClr val="tx1"/>
-              </a:solidFill>
-            </a:ln>
-          </p:spPr>
-        </p:pic>
-        <p:pic>
-          <p:nvPicPr>
-            <p:cNvPr id="26" name="그림 25" descr="화살이(가) 표시된 사진&#10;&#10;자동 생성된 설명">
-              <a:extLst>
-                <a:ext uri="{FF2B5EF4-FFF2-40B4-BE49-F238E27FC236}">
-                  <a16:creationId xmlns:a16="http://schemas.microsoft.com/office/drawing/2014/main" id="{91C82B86-7AA9-F481-A168-EF6832FFBC81}"/>
-                </a:ext>
-              </a:extLst>
-            </p:cNvPr>
-            <p:cNvPicPr>
-              <a:picLocks/>
-            </p:cNvPicPr>
-            <p:nvPr/>
-          </p:nvPicPr>
-          <p:blipFill>
-            <a:blip r:embed="rId7">
-              <a:extLst>
-                <a:ext uri="{28A0092B-C50C-407E-A947-70E740481C1C}">
-                  <a14:useLocalDpi xmlns:a14="http://schemas.microsoft.com/office/drawing/2010/main" val="0"/>
-                </a:ext>
-              </a:extLst>
-            </a:blip>
-            <a:stretch>
-              <a:fillRect/>
-            </a:stretch>
-          </p:blipFill>
-          <p:spPr>
-            <a:xfrm>
-              <a:off x="9847136" y="2099485"/>
-              <a:ext cx="1836000" cy="1224000"/>
-            </a:xfrm>
-            <a:prstGeom prst="rect">
-              <a:avLst/>
-            </a:prstGeom>
-            <a:ln>
-              <a:solidFill>
-                <a:schemeClr val="tx1"/>
-              </a:solidFill>
-            </a:ln>
-          </p:spPr>
-        </p:pic>
-      </p:grpSp>
+          </a:xfrm>
+          <a:prstGeom prst="rect">
+            <a:avLst/>
+          </a:prstGeom>
+        </p:spPr>
+        <p:style>
+          <a:lnRef idx="2">
+            <a:schemeClr val="dk1"/>
+          </a:lnRef>
+          <a:fillRef idx="1">
+            <a:schemeClr val="lt1"/>
+          </a:fillRef>
+          <a:effectRef idx="0">
+            <a:schemeClr val="dk1"/>
+          </a:effectRef>
+          <a:fontRef idx="minor">
+            <a:schemeClr val="dk1"/>
+          </a:fontRef>
+        </p:style>
+        <p:txBody>
+          <a:bodyPr rtlCol="0" anchor="ctr"/>
+          <a:lstStyle/>
+          <a:p>
+            <a:pPr algn="ctr"/>
+            <a:endParaRPr lang="ko-KR" altLang="en-US" dirty="0"/>
+          </a:p>
+        </p:txBody>
+      </p:sp>
+      <p:pic>
+        <p:nvPicPr>
+          <p:cNvPr id="4" name="그림 3" descr="텍스트이(가) 표시된 사진&#10;&#10;자동 생성된 설명">
+            <a:extLst>
+              <a:ext uri="{FF2B5EF4-FFF2-40B4-BE49-F238E27FC236}">
+                <a16:creationId xmlns:a16="http://schemas.microsoft.com/office/drawing/2014/main" id="{615A945C-7B1D-DAC0-B86D-8668E2C84C50}"/>
+              </a:ext>
+            </a:extLst>
+          </p:cNvPr>
+          <p:cNvPicPr>
+            <a:picLocks/>
+          </p:cNvPicPr>
+          <p:nvPr/>
+        </p:nvPicPr>
+        <p:blipFill>
+          <a:blip r:embed="rId6">
+            <a:extLst>
+              <a:ext uri="{28A0092B-C50C-407E-A947-70E740481C1C}">
+                <a14:useLocalDpi xmlns:a14="http://schemas.microsoft.com/office/drawing/2010/main" val="0"/>
+              </a:ext>
+            </a:extLst>
+          </a:blip>
+          <a:stretch>
+            <a:fillRect/>
+          </a:stretch>
+        </p:blipFill>
+        <p:spPr>
+          <a:xfrm>
+            <a:off x="10405769" y="7142582"/>
+            <a:ext cx="1836000" cy="1224000"/>
+          </a:xfrm>
+          <a:prstGeom prst="rect">
+            <a:avLst/>
+          </a:prstGeom>
+          <a:ln>
+            <a:solidFill>
+              <a:schemeClr val="tx1"/>
+            </a:solidFill>
+          </a:ln>
+        </p:spPr>
+      </p:pic>
+      <p:pic>
+        <p:nvPicPr>
+          <p:cNvPr id="26" name="그림 25" descr="화살이(가) 표시된 사진&#10;&#10;자동 생성된 설명">
+            <a:extLst>
+              <a:ext uri="{FF2B5EF4-FFF2-40B4-BE49-F238E27FC236}">
+                <a16:creationId xmlns:a16="http://schemas.microsoft.com/office/drawing/2014/main" id="{91C82B86-7AA9-F481-A168-EF6832FFBC81}"/>
+              </a:ext>
+            </a:extLst>
+          </p:cNvPr>
+          <p:cNvPicPr>
+            <a:picLocks/>
+          </p:cNvPicPr>
+          <p:nvPr/>
+        </p:nvPicPr>
+        <p:blipFill>
+          <a:blip r:embed="rId7">
+            <a:extLst>
+              <a:ext uri="{28A0092B-C50C-407E-A947-70E740481C1C}">
+                <a14:useLocalDpi xmlns:a14="http://schemas.microsoft.com/office/drawing/2010/main" val="0"/>
+              </a:ext>
+            </a:extLst>
+          </a:blip>
+          <a:stretch>
+            <a:fillRect/>
+          </a:stretch>
+        </p:blipFill>
+        <p:spPr>
+          <a:xfrm>
+            <a:off x="10396030" y="8695842"/>
+            <a:ext cx="1836000" cy="1224000"/>
+          </a:xfrm>
+          <a:prstGeom prst="rect">
+            <a:avLst/>
+          </a:prstGeom>
+          <a:ln>
+            <a:solidFill>
+              <a:schemeClr val="tx1"/>
+            </a:solidFill>
+          </a:ln>
+        </p:spPr>
+      </p:pic>
       <p:grpSp>
         <p:nvGrpSpPr>
           <p:cNvPr id="50" name="그룹 49">
@@ -5112,17 +5091,18 @@
           </p:cNvPr>
           <p:cNvCxnSpPr>
             <a:cxnSpLocks/>
-            <a:stCxn id="9" idx="3"/>
           </p:cNvCxnSpPr>
           <p:nvPr/>
         </p:nvCxnSpPr>
         <p:spPr>
           <a:xfrm flipV="1">
-            <a:off x="7549105" y="2695186"/>
-            <a:ext cx="2882925" cy="946711"/>
+            <a:off x="7556851" y="2695186"/>
+            <a:ext cx="2875179" cy="596980"/>
           </a:xfrm>
           <a:prstGeom prst="bentConnector3">
-            <a:avLst/>
+            <a:avLst>
+              <a:gd name="adj1" fmla="val 50000"/>
+            </a:avLst>
           </a:prstGeom>
           <a:ln w="28575">
             <a:tailEnd type="triangle"/>
@@ -5199,62 +5179,19 @@
           </p:cNvPr>
           <p:cNvCxnSpPr>
             <a:cxnSpLocks/>
-            <a:stCxn id="8" idx="3"/>
+            <a:endCxn id="26" idx="1"/>
           </p:cNvCxnSpPr>
           <p:nvPr/>
         </p:nvCxnSpPr>
         <p:spPr>
-          <a:xfrm flipV="1">
-            <a:off x="7549105" y="7754582"/>
-            <a:ext cx="2882925" cy="962269"/>
+          <a:xfrm>
+            <a:off x="7549105" y="9019713"/>
+            <a:ext cx="2846925" cy="288129"/>
           </a:xfrm>
           <a:prstGeom prst="bentConnector3">
             <a:avLst>
               <a:gd name="adj1" fmla="val 50000"/>
             </a:avLst>
-          </a:prstGeom>
-          <a:ln w="28575">
-            <a:tailEnd type="triangle"/>
-          </a:ln>
-        </p:spPr>
-        <p:style>
-          <a:lnRef idx="1">
-            <a:schemeClr val="accent1"/>
-          </a:lnRef>
-          <a:fillRef idx="0">
-            <a:schemeClr val="accent1"/>
-          </a:fillRef>
-          <a:effectRef idx="0">
-            <a:schemeClr val="accent1"/>
-          </a:effectRef>
-          <a:fontRef idx="minor">
-            <a:schemeClr val="tx1"/>
-          </a:fontRef>
-        </p:style>
-      </p:cxnSp>
-      <p:cxnSp>
-        <p:nvCxnSpPr>
-          <p:cNvPr id="71" name="연결선: 꺾임 70">
-            <a:extLst>
-              <a:ext uri="{FF2B5EF4-FFF2-40B4-BE49-F238E27FC236}">
-                <a16:creationId xmlns:a16="http://schemas.microsoft.com/office/drawing/2014/main" id="{99BEA6EC-1D1E-7127-A360-D8BBE13E96B2}"/>
-              </a:ext>
-            </a:extLst>
-          </p:cNvPr>
-          <p:cNvCxnSpPr>
-            <a:cxnSpLocks/>
-            <a:stCxn id="26" idx="3"/>
-            <a:endCxn id="30" idx="1"/>
-          </p:cNvCxnSpPr>
-          <p:nvPr/>
-        </p:nvCxnSpPr>
-        <p:spPr>
-          <a:xfrm flipV="1">
-            <a:off x="12292354" y="5218234"/>
-            <a:ext cx="3411395" cy="2536348"/>
-          </a:xfrm>
-          <a:prstGeom prst="bentConnector3">
-            <a:avLst/>
           </a:prstGeom>
           <a:ln w="28575">
             <a:tailEnd type="triangle"/>
@@ -5341,7 +5278,7 @@
           </a:xfrm>
           <a:prstGeom prst="bentConnector3">
             <a:avLst>
-              <a:gd name="adj1" fmla="val 50000"/>
+              <a:gd name="adj1" fmla="val 63466"/>
             </a:avLst>
           </a:prstGeom>
           <a:ln w="28575">
@@ -5386,178 +5323,7 @@
           </a:xfrm>
           <a:prstGeom prst="bentConnector3">
             <a:avLst>
-              <a:gd name="adj1" fmla="val 50000"/>
-            </a:avLst>
-          </a:prstGeom>
-          <a:ln w="28575">
-            <a:tailEnd type="triangle"/>
-          </a:ln>
-        </p:spPr>
-        <p:style>
-          <a:lnRef idx="2">
-            <a:schemeClr val="accent2"/>
-          </a:lnRef>
-          <a:fillRef idx="0">
-            <a:schemeClr val="accent2"/>
-          </a:fillRef>
-          <a:effectRef idx="1">
-            <a:schemeClr val="accent2"/>
-          </a:effectRef>
-          <a:fontRef idx="minor">
-            <a:schemeClr val="tx1"/>
-          </a:fontRef>
-        </p:style>
-      </p:cxnSp>
-      <p:cxnSp>
-        <p:nvCxnSpPr>
-          <p:cNvPr id="104" name="직선 연결선 103">
-            <a:extLst>
-              <a:ext uri="{FF2B5EF4-FFF2-40B4-BE49-F238E27FC236}">
-                <a16:creationId xmlns:a16="http://schemas.microsoft.com/office/drawing/2014/main" id="{2C55C61E-494C-9E96-971A-5B9EC2350971}"/>
-              </a:ext>
-            </a:extLst>
-          </p:cNvPr>
-          <p:cNvCxnSpPr>
-            <a:cxnSpLocks/>
-          </p:cNvCxnSpPr>
-          <p:nvPr/>
-        </p:nvCxnSpPr>
-        <p:spPr>
-          <a:xfrm>
-            <a:off x="4617405" y="3641897"/>
-            <a:ext cx="0" cy="5096610"/>
-          </a:xfrm>
-          <a:prstGeom prst="line">
-            <a:avLst/>
-          </a:prstGeom>
-          <a:ln w="38100">
-            <a:solidFill>
-              <a:schemeClr val="tx1"/>
-            </a:solidFill>
-          </a:ln>
-        </p:spPr>
-        <p:style>
-          <a:lnRef idx="1">
-            <a:schemeClr val="dk1"/>
-          </a:lnRef>
-          <a:fillRef idx="0">
-            <a:schemeClr val="dk1"/>
-          </a:fillRef>
-          <a:effectRef idx="0">
-            <a:schemeClr val="dk1"/>
-          </a:effectRef>
-          <a:fontRef idx="minor">
-            <a:schemeClr val="tx1"/>
-          </a:fontRef>
-        </p:style>
-      </p:cxnSp>
-      <p:cxnSp>
-        <p:nvCxnSpPr>
-          <p:cNvPr id="106" name="직선 화살표 연결선 105">
-            <a:extLst>
-              <a:ext uri="{FF2B5EF4-FFF2-40B4-BE49-F238E27FC236}">
-                <a16:creationId xmlns:a16="http://schemas.microsoft.com/office/drawing/2014/main" id="{E03A9C09-5EE9-133D-B56A-8F6C5055AC17}"/>
-              </a:ext>
-            </a:extLst>
-          </p:cNvPr>
-          <p:cNvCxnSpPr>
-            <a:endCxn id="9" idx="1"/>
-          </p:cNvCxnSpPr>
-          <p:nvPr/>
-        </p:nvCxnSpPr>
-        <p:spPr>
-          <a:xfrm>
-            <a:off x="4617405" y="3641897"/>
-            <a:ext cx="1131700" cy="0"/>
-          </a:xfrm>
-          <a:prstGeom prst="straightConnector1">
-            <a:avLst/>
-          </a:prstGeom>
-          <a:ln w="38100">
-            <a:tailEnd type="triangle"/>
-          </a:ln>
-        </p:spPr>
-        <p:style>
-          <a:lnRef idx="1">
-            <a:schemeClr val="dk1"/>
-          </a:lnRef>
-          <a:fillRef idx="0">
-            <a:schemeClr val="dk1"/>
-          </a:fillRef>
-          <a:effectRef idx="0">
-            <a:schemeClr val="dk1"/>
-          </a:effectRef>
-          <a:fontRef idx="minor">
-            <a:schemeClr val="tx1"/>
-          </a:fontRef>
-        </p:style>
-      </p:cxnSp>
-      <p:cxnSp>
-        <p:nvCxnSpPr>
-          <p:cNvPr id="107" name="직선 화살표 연결선 106">
-            <a:extLst>
-              <a:ext uri="{FF2B5EF4-FFF2-40B4-BE49-F238E27FC236}">
-                <a16:creationId xmlns:a16="http://schemas.microsoft.com/office/drawing/2014/main" id="{F0B7853F-F117-957B-FEE9-68830E6432AB}"/>
-              </a:ext>
-            </a:extLst>
-          </p:cNvPr>
-          <p:cNvCxnSpPr>
-            <a:cxnSpLocks/>
-            <a:endCxn id="8" idx="1"/>
-          </p:cNvCxnSpPr>
-          <p:nvPr/>
-        </p:nvCxnSpPr>
-        <p:spPr>
-          <a:xfrm>
-            <a:off x="4617405" y="8716851"/>
-            <a:ext cx="1131700" cy="0"/>
-          </a:xfrm>
-          <a:prstGeom prst="straightConnector1">
-            <a:avLst/>
-          </a:prstGeom>
-          <a:ln w="38100">
-            <a:tailEnd type="triangle"/>
-          </a:ln>
-        </p:spPr>
-        <p:style>
-          <a:lnRef idx="1">
-            <a:schemeClr val="dk1"/>
-          </a:lnRef>
-          <a:fillRef idx="0">
-            <a:schemeClr val="dk1"/>
-          </a:fillRef>
-          <a:effectRef idx="0">
-            <a:schemeClr val="dk1"/>
-          </a:effectRef>
-          <a:fontRef idx="minor">
-            <a:schemeClr val="tx1"/>
-          </a:fontRef>
-        </p:style>
-      </p:cxnSp>
-      <p:cxnSp>
-        <p:nvCxnSpPr>
-          <p:cNvPr id="113" name="연결선: 꺾임 112">
-            <a:extLst>
-              <a:ext uri="{FF2B5EF4-FFF2-40B4-BE49-F238E27FC236}">
-                <a16:creationId xmlns:a16="http://schemas.microsoft.com/office/drawing/2014/main" id="{6712B74B-CD6A-14F0-E60C-92811E976F08}"/>
-              </a:ext>
-            </a:extLst>
-          </p:cNvPr>
-          <p:cNvCxnSpPr>
-            <a:cxnSpLocks/>
-            <a:stCxn id="8" idx="3"/>
-            <a:endCxn id="4" idx="1"/>
-          </p:cNvCxnSpPr>
-          <p:nvPr/>
-        </p:nvCxnSpPr>
-        <p:spPr>
-          <a:xfrm>
-            <a:off x="7549105" y="8716851"/>
-            <a:ext cx="2891347" cy="612000"/>
-          </a:xfrm>
-          <a:prstGeom prst="bentConnector3">
-            <a:avLst>
-              <a:gd name="adj1" fmla="val 50000"/>
+              <a:gd name="adj1" fmla="val 63468"/>
             </a:avLst>
           </a:prstGeom>
           <a:ln w="28575">
@@ -5590,15 +5356,14 @@
           </p:cNvPr>
           <p:cNvCxnSpPr>
             <a:cxnSpLocks/>
-            <a:stCxn id="9" idx="3"/>
             <a:endCxn id="7" idx="1"/>
           </p:cNvCxnSpPr>
           <p:nvPr/>
         </p:nvCxnSpPr>
         <p:spPr>
           <a:xfrm>
-            <a:off x="7549105" y="3641897"/>
-            <a:ext cx="2891009" cy="612000"/>
+            <a:off x="7567105" y="3930151"/>
+            <a:ext cx="2873009" cy="323746"/>
           </a:xfrm>
           <a:prstGeom prst="bentConnector3">
             <a:avLst>
@@ -5671,50 +5436,6 @@
       </p:cxnSp>
       <p:cxnSp>
         <p:nvCxnSpPr>
-          <p:cNvPr id="122" name="연결선: 꺾임 121">
-            <a:extLst>
-              <a:ext uri="{FF2B5EF4-FFF2-40B4-BE49-F238E27FC236}">
-                <a16:creationId xmlns:a16="http://schemas.microsoft.com/office/drawing/2014/main" id="{95304769-4AE2-AD9A-10D4-66673BAB4970}"/>
-              </a:ext>
-            </a:extLst>
-          </p:cNvPr>
-          <p:cNvCxnSpPr>
-            <a:cxnSpLocks/>
-            <a:endCxn id="6" idx="1"/>
-          </p:cNvCxnSpPr>
-          <p:nvPr/>
-        </p:nvCxnSpPr>
-        <p:spPr>
-          <a:xfrm flipV="1">
-            <a:off x="12292016" y="6775452"/>
-            <a:ext cx="3395831" cy="2553399"/>
-          </a:xfrm>
-          <a:prstGeom prst="bentConnector3">
-            <a:avLst>
-              <a:gd name="adj1" fmla="val 50000"/>
-            </a:avLst>
-          </a:prstGeom>
-          <a:ln w="28575">
-            <a:tailEnd type="triangle"/>
-          </a:ln>
-        </p:spPr>
-        <p:style>
-          <a:lnRef idx="2">
-            <a:schemeClr val="accent2"/>
-          </a:lnRef>
-          <a:fillRef idx="0">
-            <a:schemeClr val="accent2"/>
-          </a:fillRef>
-          <a:effectRef idx="1">
-            <a:schemeClr val="accent2"/>
-          </a:effectRef>
-          <a:fontRef idx="minor">
-            <a:schemeClr val="tx1"/>
-          </a:fontRef>
-        </p:style>
-      </p:cxnSp>
-      <p:cxnSp>
-        <p:nvCxnSpPr>
           <p:cNvPr id="125" name="연결선: 꺾임 124">
             <a:extLst>
               <a:ext uri="{FF2B5EF4-FFF2-40B4-BE49-F238E27FC236}">
@@ -5752,92 +5473,6 @@
           </a:fillRef>
           <a:effectRef idx="1">
             <a:schemeClr val="accent2"/>
-          </a:effectRef>
-          <a:fontRef idx="minor">
-            <a:schemeClr val="tx1"/>
-          </a:fontRef>
-        </p:style>
-      </p:cxnSp>
-      <p:cxnSp>
-        <p:nvCxnSpPr>
-          <p:cNvPr id="128" name="연결선: 꺾임 127">
-            <a:extLst>
-              <a:ext uri="{FF2B5EF4-FFF2-40B4-BE49-F238E27FC236}">
-                <a16:creationId xmlns:a16="http://schemas.microsoft.com/office/drawing/2014/main" id="{85C7BD27-0965-EC2B-FED2-7FFD203A9D58}"/>
-              </a:ext>
-            </a:extLst>
-          </p:cNvPr>
-          <p:cNvCxnSpPr>
-            <a:cxnSpLocks/>
-            <a:stCxn id="28" idx="3"/>
-            <a:endCxn id="30" idx="1"/>
-          </p:cNvCxnSpPr>
-          <p:nvPr/>
-        </p:nvCxnSpPr>
-        <p:spPr>
-          <a:xfrm>
-            <a:off x="12292016" y="2694364"/>
-            <a:ext cx="3411733" cy="2523870"/>
-          </a:xfrm>
-          <a:prstGeom prst="bentConnector3">
-            <a:avLst/>
-          </a:prstGeom>
-          <a:ln w="28575">
-            <a:tailEnd type="triangle"/>
-          </a:ln>
-        </p:spPr>
-        <p:style>
-          <a:lnRef idx="1">
-            <a:schemeClr val="accent1"/>
-          </a:lnRef>
-          <a:fillRef idx="0">
-            <a:schemeClr val="accent1"/>
-          </a:fillRef>
-          <a:effectRef idx="0">
-            <a:schemeClr val="accent1"/>
-          </a:effectRef>
-          <a:fontRef idx="minor">
-            <a:schemeClr val="tx1"/>
-          </a:fontRef>
-        </p:style>
-      </p:cxnSp>
-      <p:cxnSp>
-        <p:nvCxnSpPr>
-          <p:cNvPr id="131" name="직선 연결선 130">
-            <a:extLst>
-              <a:ext uri="{FF2B5EF4-FFF2-40B4-BE49-F238E27FC236}">
-                <a16:creationId xmlns:a16="http://schemas.microsoft.com/office/drawing/2014/main" id="{568F3C50-3254-181C-6403-475F011805BC}"/>
-              </a:ext>
-            </a:extLst>
-          </p:cNvPr>
-          <p:cNvCxnSpPr>
-            <a:cxnSpLocks/>
-          </p:cNvCxnSpPr>
-          <p:nvPr/>
-        </p:nvCxnSpPr>
-        <p:spPr>
-          <a:xfrm flipH="1">
-            <a:off x="13989931" y="2669929"/>
-            <a:ext cx="14687" cy="6658922"/>
-          </a:xfrm>
-          <a:prstGeom prst="line">
-            <a:avLst/>
-          </a:prstGeom>
-          <a:ln w="38100">
-            <a:solidFill>
-              <a:schemeClr val="tx1"/>
-            </a:solidFill>
-          </a:ln>
-        </p:spPr>
-        <p:style>
-          <a:lnRef idx="1">
-            <a:schemeClr val="dk1"/>
-          </a:lnRef>
-          <a:fillRef idx="0">
-            <a:schemeClr val="dk1"/>
-          </a:fillRef>
-          <a:effectRef idx="0">
-            <a:schemeClr val="dk1"/>
           </a:effectRef>
           <a:fontRef idx="minor">
             <a:schemeClr val="tx1"/>
@@ -6097,6 +5732,185 @@
           </a:p>
         </p:txBody>
       </p:sp>
+      <p:cxnSp>
+        <p:nvCxnSpPr>
+          <p:cNvPr id="60" name="연결선: 꺾임 59">
+            <a:extLst>
+              <a:ext uri="{FF2B5EF4-FFF2-40B4-BE49-F238E27FC236}">
+                <a16:creationId xmlns:a16="http://schemas.microsoft.com/office/drawing/2014/main" id="{9D4EE4DF-4017-CF75-C4C3-3D0078C97307}"/>
+              </a:ext>
+            </a:extLst>
+          </p:cNvPr>
+          <p:cNvCxnSpPr>
+            <a:cxnSpLocks/>
+            <a:stCxn id="4" idx="3"/>
+            <a:endCxn id="6" idx="1"/>
+          </p:cNvCxnSpPr>
+          <p:nvPr/>
+        </p:nvCxnSpPr>
+        <p:spPr>
+          <a:xfrm flipV="1">
+            <a:off x="12241769" y="6775452"/>
+            <a:ext cx="3446078" cy="979130"/>
+          </a:xfrm>
+          <a:prstGeom prst="bentConnector3">
+            <a:avLst>
+              <a:gd name="adj1" fmla="val 50838"/>
+            </a:avLst>
+          </a:prstGeom>
+          <a:ln w="28575">
+            <a:tailEnd type="triangle"/>
+          </a:ln>
+        </p:spPr>
+        <p:style>
+          <a:lnRef idx="2">
+            <a:schemeClr val="accent2"/>
+          </a:lnRef>
+          <a:fillRef idx="0">
+            <a:schemeClr val="accent2"/>
+          </a:fillRef>
+          <a:effectRef idx="1">
+            <a:schemeClr val="accent2"/>
+          </a:effectRef>
+          <a:fontRef idx="minor">
+            <a:schemeClr val="tx1"/>
+          </a:fontRef>
+        </p:style>
+      </p:cxnSp>
+      <p:cxnSp>
+        <p:nvCxnSpPr>
+          <p:cNvPr id="67" name="연결선: 꺾임 66">
+            <a:extLst>
+              <a:ext uri="{FF2B5EF4-FFF2-40B4-BE49-F238E27FC236}">
+                <a16:creationId xmlns:a16="http://schemas.microsoft.com/office/drawing/2014/main" id="{92CB92C0-8578-C082-CB20-D1F8004086C8}"/>
+              </a:ext>
+            </a:extLst>
+          </p:cNvPr>
+          <p:cNvCxnSpPr>
+            <a:cxnSpLocks/>
+            <a:endCxn id="4" idx="1"/>
+          </p:cNvCxnSpPr>
+          <p:nvPr/>
+        </p:nvCxnSpPr>
+        <p:spPr>
+          <a:xfrm flipV="1">
+            <a:off x="7556851" y="7754582"/>
+            <a:ext cx="2848918" cy="674052"/>
+          </a:xfrm>
+          <a:prstGeom prst="bentConnector3">
+            <a:avLst>
+              <a:gd name="adj1" fmla="val 50000"/>
+            </a:avLst>
+          </a:prstGeom>
+          <a:ln w="28575">
+            <a:tailEnd type="triangle"/>
+          </a:ln>
+        </p:spPr>
+        <p:style>
+          <a:lnRef idx="2">
+            <a:schemeClr val="accent2"/>
+          </a:lnRef>
+          <a:fillRef idx="0">
+            <a:schemeClr val="accent2"/>
+          </a:fillRef>
+          <a:effectRef idx="1">
+            <a:schemeClr val="accent2"/>
+          </a:effectRef>
+          <a:fontRef idx="minor">
+            <a:schemeClr val="tx1"/>
+          </a:fontRef>
+        </p:style>
+      </p:cxnSp>
+      <p:cxnSp>
+        <p:nvCxnSpPr>
+          <p:cNvPr id="70" name="연결선: 꺾임 69">
+            <a:extLst>
+              <a:ext uri="{FF2B5EF4-FFF2-40B4-BE49-F238E27FC236}">
+                <a16:creationId xmlns:a16="http://schemas.microsoft.com/office/drawing/2014/main" id="{B7B58F06-2B10-2F8F-EE84-63F4B7E09216}"/>
+              </a:ext>
+            </a:extLst>
+          </p:cNvPr>
+          <p:cNvCxnSpPr>
+            <a:cxnSpLocks/>
+            <a:stCxn id="28" idx="3"/>
+            <a:endCxn id="30" idx="1"/>
+          </p:cNvCxnSpPr>
+          <p:nvPr/>
+        </p:nvCxnSpPr>
+        <p:spPr>
+          <a:xfrm>
+            <a:off x="12292016" y="2694364"/>
+            <a:ext cx="3411733" cy="2523870"/>
+          </a:xfrm>
+          <a:prstGeom prst="bentConnector3">
+            <a:avLst>
+              <a:gd name="adj1" fmla="val 59636"/>
+            </a:avLst>
+          </a:prstGeom>
+          <a:ln w="28575">
+            <a:tailEnd type="triangle"/>
+          </a:ln>
+        </p:spPr>
+        <p:style>
+          <a:lnRef idx="1">
+            <a:schemeClr val="accent1"/>
+          </a:lnRef>
+          <a:fillRef idx="0">
+            <a:schemeClr val="accent1"/>
+          </a:fillRef>
+          <a:effectRef idx="0">
+            <a:schemeClr val="accent1"/>
+          </a:effectRef>
+          <a:fontRef idx="minor">
+            <a:schemeClr val="tx1"/>
+          </a:fontRef>
+        </p:style>
+      </p:cxnSp>
+      <p:cxnSp>
+        <p:nvCxnSpPr>
+          <p:cNvPr id="76" name="연결선: 꺾임 75">
+            <a:extLst>
+              <a:ext uri="{FF2B5EF4-FFF2-40B4-BE49-F238E27FC236}">
+                <a16:creationId xmlns:a16="http://schemas.microsoft.com/office/drawing/2014/main" id="{50F030F5-F13C-EA94-11A0-38A0FF5FC9BB}"/>
+              </a:ext>
+            </a:extLst>
+          </p:cNvPr>
+          <p:cNvCxnSpPr>
+            <a:cxnSpLocks/>
+            <a:stCxn id="26" idx="3"/>
+            <a:endCxn id="30" idx="1"/>
+          </p:cNvCxnSpPr>
+          <p:nvPr/>
+        </p:nvCxnSpPr>
+        <p:spPr>
+          <a:xfrm flipV="1">
+            <a:off x="12232030" y="5218234"/>
+            <a:ext cx="3471719" cy="4089608"/>
+          </a:xfrm>
+          <a:prstGeom prst="bentConnector3">
+            <a:avLst>
+              <a:gd name="adj1" fmla="val 60379"/>
+            </a:avLst>
+          </a:prstGeom>
+          <a:ln w="28575">
+            <a:tailEnd type="triangle"/>
+          </a:ln>
+        </p:spPr>
+        <p:style>
+          <a:lnRef idx="1">
+            <a:schemeClr val="accent1"/>
+          </a:lnRef>
+          <a:fillRef idx="0">
+            <a:schemeClr val="accent1"/>
+          </a:fillRef>
+          <a:effectRef idx="0">
+            <a:schemeClr val="accent1"/>
+          </a:effectRef>
+          <a:fontRef idx="minor">
+            <a:schemeClr val="tx1"/>
+          </a:fontRef>
+        </p:style>
+      </p:cxnSp>
     </p:spTree>
     <p:extLst>
       <p:ext uri="{BB962C8B-B14F-4D97-AF65-F5344CB8AC3E}">

--- a/최종 정리본/etc/컨퍼런스 논문 구조도에 쓰인 사진/컨퍼런스 구조도.pptx
+++ b/최종 정리본/etc/컨퍼런스 논문 구조도에 쓰인 사진/컨퍼런스 구조도.pptx
@@ -7,6 +7,7 @@
   <p:sldIdLst>
     <p:sldId id="256" r:id="rId2"/>
     <p:sldId id="257" r:id="rId3"/>
+    <p:sldId id="258" r:id="rId4"/>
   </p:sldIdLst>
   <p:sldSz cx="35999738" cy="14400213"/>
   <p:notesSz cx="6858000" cy="9144000"/>
@@ -244,7 +245,7 @@
           <a:p>
             <a:fld id="{88CA5724-AAEB-4004-8D3F-C05D4DBBD399}" type="datetimeFigureOut">
               <a:rPr lang="ko-KR" altLang="en-US" smtClean="0"/>
-              <a:t>2022-05-31</a:t>
+              <a:t>2022-06-05</a:t>
             </a:fld>
             <a:endParaRPr lang="ko-KR" altLang="en-US"/>
           </a:p>
@@ -414,7 +415,7 @@
           <a:p>
             <a:fld id="{88CA5724-AAEB-4004-8D3F-C05D4DBBD399}" type="datetimeFigureOut">
               <a:rPr lang="ko-KR" altLang="en-US" smtClean="0"/>
-              <a:t>2022-05-31</a:t>
+              <a:t>2022-06-05</a:t>
             </a:fld>
             <a:endParaRPr lang="ko-KR" altLang="en-US"/>
           </a:p>
@@ -594,7 +595,7 @@
           <a:p>
             <a:fld id="{88CA5724-AAEB-4004-8D3F-C05D4DBBD399}" type="datetimeFigureOut">
               <a:rPr lang="ko-KR" altLang="en-US" smtClean="0"/>
-              <a:t>2022-05-31</a:t>
+              <a:t>2022-06-05</a:t>
             </a:fld>
             <a:endParaRPr lang="ko-KR" altLang="en-US"/>
           </a:p>
@@ -764,7 +765,7 @@
           <a:p>
             <a:fld id="{88CA5724-AAEB-4004-8D3F-C05D4DBBD399}" type="datetimeFigureOut">
               <a:rPr lang="ko-KR" altLang="en-US" smtClean="0"/>
-              <a:t>2022-05-31</a:t>
+              <a:t>2022-06-05</a:t>
             </a:fld>
             <a:endParaRPr lang="ko-KR" altLang="en-US"/>
           </a:p>
@@ -1010,7 +1011,7 @@
           <a:p>
             <a:fld id="{88CA5724-AAEB-4004-8D3F-C05D4DBBD399}" type="datetimeFigureOut">
               <a:rPr lang="ko-KR" altLang="en-US" smtClean="0"/>
-              <a:t>2022-05-31</a:t>
+              <a:t>2022-06-05</a:t>
             </a:fld>
             <a:endParaRPr lang="ko-KR" altLang="en-US"/>
           </a:p>
@@ -1242,7 +1243,7 @@
           <a:p>
             <a:fld id="{88CA5724-AAEB-4004-8D3F-C05D4DBBD399}" type="datetimeFigureOut">
               <a:rPr lang="ko-KR" altLang="en-US" smtClean="0"/>
-              <a:t>2022-05-31</a:t>
+              <a:t>2022-06-05</a:t>
             </a:fld>
             <a:endParaRPr lang="ko-KR" altLang="en-US"/>
           </a:p>
@@ -1609,7 +1610,7 @@
           <a:p>
             <a:fld id="{88CA5724-AAEB-4004-8D3F-C05D4DBBD399}" type="datetimeFigureOut">
               <a:rPr lang="ko-KR" altLang="en-US" smtClean="0"/>
-              <a:t>2022-05-31</a:t>
+              <a:t>2022-06-05</a:t>
             </a:fld>
             <a:endParaRPr lang="ko-KR" altLang="en-US"/>
           </a:p>
@@ -1727,7 +1728,7 @@
           <a:p>
             <a:fld id="{88CA5724-AAEB-4004-8D3F-C05D4DBBD399}" type="datetimeFigureOut">
               <a:rPr lang="ko-KR" altLang="en-US" smtClean="0"/>
-              <a:t>2022-05-31</a:t>
+              <a:t>2022-06-05</a:t>
             </a:fld>
             <a:endParaRPr lang="ko-KR" altLang="en-US"/>
           </a:p>
@@ -1822,7 +1823,7 @@
           <a:p>
             <a:fld id="{88CA5724-AAEB-4004-8D3F-C05D4DBBD399}" type="datetimeFigureOut">
               <a:rPr lang="ko-KR" altLang="en-US" smtClean="0"/>
-              <a:t>2022-05-31</a:t>
+              <a:t>2022-06-05</a:t>
             </a:fld>
             <a:endParaRPr lang="ko-KR" altLang="en-US"/>
           </a:p>
@@ -2099,7 +2100,7 @@
           <a:p>
             <a:fld id="{88CA5724-AAEB-4004-8D3F-C05D4DBBD399}" type="datetimeFigureOut">
               <a:rPr lang="ko-KR" altLang="en-US" smtClean="0"/>
-              <a:t>2022-05-31</a:t>
+              <a:t>2022-06-05</a:t>
             </a:fld>
             <a:endParaRPr lang="ko-KR" altLang="en-US"/>
           </a:p>
@@ -2356,7 +2357,7 @@
           <a:p>
             <a:fld id="{88CA5724-AAEB-4004-8D3F-C05D4DBBD399}" type="datetimeFigureOut">
               <a:rPr lang="ko-KR" altLang="en-US" smtClean="0"/>
-              <a:t>2022-05-31</a:t>
+              <a:t>2022-06-05</a:t>
             </a:fld>
             <a:endParaRPr lang="ko-KR" altLang="en-US"/>
           </a:p>
@@ -2569,7 +2570,7 @@
           <a:p>
             <a:fld id="{88CA5724-AAEB-4004-8D3F-C05D4DBBD399}" type="datetimeFigureOut">
               <a:rPr lang="ko-KR" altLang="en-US" smtClean="0"/>
-              <a:t>2022-05-31</a:t>
+              <a:t>2022-06-05</a:t>
             </a:fld>
             <a:endParaRPr lang="ko-KR" altLang="en-US"/>
           </a:p>
@@ -5924,6 +5925,1982 @@
 </p:sld>
 </file>
 
+<file path=ppt/slides/slide3.xml><?xml version="1.0" encoding="utf-8"?>
+<p:sld xmlns:a="http://schemas.openxmlformats.org/drawingml/2006/main" xmlns:r="http://schemas.openxmlformats.org/officeDocument/2006/relationships" xmlns:p="http://schemas.openxmlformats.org/presentationml/2006/main">
+  <p:cSld>
+    <p:spTree>
+      <p:nvGrpSpPr>
+        <p:cNvPr id="1" name=""/>
+        <p:cNvGrpSpPr/>
+        <p:nvPr/>
+      </p:nvGrpSpPr>
+      <p:grpSpPr>
+        <a:xfrm>
+          <a:off x="0" y="0"/>
+          <a:ext cx="0" cy="0"/>
+          <a:chOff x="0" y="0"/>
+          <a:chExt cx="0" cy="0"/>
+        </a:xfrm>
+      </p:grpSpPr>
+      <p:sp>
+        <p:nvSpPr>
+          <p:cNvPr id="59" name="직사각형 58">
+            <a:extLst>
+              <a:ext uri="{FF2B5EF4-FFF2-40B4-BE49-F238E27FC236}">
+                <a16:creationId xmlns:a16="http://schemas.microsoft.com/office/drawing/2014/main" id="{DAD2CE95-8079-4711-1757-F32B11B95ACC}"/>
+              </a:ext>
+            </a:extLst>
+          </p:cNvPr>
+          <p:cNvSpPr>
+            <a:spLocks/>
+          </p:cNvSpPr>
+          <p:nvPr/>
+        </p:nvSpPr>
+        <p:spPr>
+          <a:xfrm>
+            <a:off x="10758080" y="7634763"/>
+            <a:ext cx="2364470" cy="4136866"/>
+          </a:xfrm>
+          <a:prstGeom prst="rect">
+            <a:avLst/>
+          </a:prstGeom>
+        </p:spPr>
+        <p:style>
+          <a:lnRef idx="2">
+            <a:schemeClr val="dk1"/>
+          </a:lnRef>
+          <a:fillRef idx="1">
+            <a:schemeClr val="lt1"/>
+          </a:fillRef>
+          <a:effectRef idx="0">
+            <a:schemeClr val="dk1"/>
+          </a:effectRef>
+          <a:fontRef idx="minor">
+            <a:schemeClr val="dk1"/>
+          </a:fontRef>
+        </p:style>
+        <p:txBody>
+          <a:bodyPr rtlCol="0" anchor="ctr"/>
+          <a:lstStyle/>
+          <a:p>
+            <a:pPr algn="ctr"/>
+            <a:endParaRPr lang="ko-KR" altLang="en-US" u="sng" dirty="0"/>
+          </a:p>
+        </p:txBody>
+      </p:sp>
+      <p:sp>
+        <p:nvSpPr>
+          <p:cNvPr id="54" name="직사각형 53">
+            <a:extLst>
+              <a:ext uri="{FF2B5EF4-FFF2-40B4-BE49-F238E27FC236}">
+                <a16:creationId xmlns:a16="http://schemas.microsoft.com/office/drawing/2014/main" id="{57C1F21D-E328-0F3C-5D60-50F2AAEF3D27}"/>
+              </a:ext>
+            </a:extLst>
+          </p:cNvPr>
+          <p:cNvSpPr>
+            <a:spLocks/>
+          </p:cNvSpPr>
+          <p:nvPr/>
+        </p:nvSpPr>
+        <p:spPr>
+          <a:xfrm>
+            <a:off x="10758080" y="2947737"/>
+            <a:ext cx="2364470" cy="4136866"/>
+          </a:xfrm>
+          <a:prstGeom prst="rect">
+            <a:avLst/>
+          </a:prstGeom>
+        </p:spPr>
+        <p:style>
+          <a:lnRef idx="2">
+            <a:schemeClr val="dk1"/>
+          </a:lnRef>
+          <a:fillRef idx="1">
+            <a:schemeClr val="lt1"/>
+          </a:fillRef>
+          <a:effectRef idx="0">
+            <a:schemeClr val="dk1"/>
+          </a:effectRef>
+          <a:fontRef idx="minor">
+            <a:schemeClr val="dk1"/>
+          </a:fontRef>
+        </p:style>
+        <p:txBody>
+          <a:bodyPr rtlCol="0" anchor="ctr"/>
+          <a:lstStyle/>
+          <a:p>
+            <a:pPr algn="ctr"/>
+            <a:endParaRPr lang="ko-KR" altLang="en-US" u="sng" dirty="0"/>
+          </a:p>
+        </p:txBody>
+      </p:sp>
+      <p:sp>
+        <p:nvSpPr>
+          <p:cNvPr id="9" name="직사각형 8">
+            <a:extLst>
+              <a:ext uri="{FF2B5EF4-FFF2-40B4-BE49-F238E27FC236}">
+                <a16:creationId xmlns:a16="http://schemas.microsoft.com/office/drawing/2014/main" id="{B2BC4338-81BE-7241-4BBB-8F472C725298}"/>
+              </a:ext>
+            </a:extLst>
+          </p:cNvPr>
+          <p:cNvSpPr/>
+          <p:nvPr/>
+        </p:nvSpPr>
+        <p:spPr>
+          <a:xfrm>
+            <a:off x="6703397" y="3937134"/>
+            <a:ext cx="1800000" cy="2160000"/>
+          </a:xfrm>
+          <a:prstGeom prst="rect">
+            <a:avLst/>
+          </a:prstGeom>
+        </p:spPr>
+        <p:style>
+          <a:lnRef idx="2">
+            <a:schemeClr val="dk1"/>
+          </a:lnRef>
+          <a:fillRef idx="1">
+            <a:schemeClr val="lt1"/>
+          </a:fillRef>
+          <a:effectRef idx="0">
+            <a:schemeClr val="dk1"/>
+          </a:effectRef>
+          <a:fontRef idx="minor">
+            <a:schemeClr val="dk1"/>
+          </a:fontRef>
+        </p:style>
+        <p:txBody>
+          <a:bodyPr rtlCol="0" anchor="ctr"/>
+          <a:lstStyle/>
+          <a:p>
+            <a:pPr algn="ctr"/>
+            <a:r>
+              <a:rPr lang="en-US" altLang="ko-KR" sz="2000" dirty="0">
+                <a:latin typeface="Times New Roman" panose="02020603050405020304" pitchFamily="18" charset="0"/>
+                <a:ea typeface="+mj-ea"/>
+                <a:cs typeface="Times New Roman" panose="02020603050405020304" pitchFamily="18" charset="0"/>
+              </a:rPr>
+              <a:t>Mask R-CNN</a:t>
+            </a:r>
+            <a:endParaRPr lang="ko-KR" altLang="en-US" sz="2000" dirty="0">
+              <a:latin typeface="Times New Roman" panose="02020603050405020304" pitchFamily="18" charset="0"/>
+              <a:ea typeface="+mj-ea"/>
+              <a:cs typeface="Times New Roman" panose="02020603050405020304" pitchFamily="18" charset="0"/>
+            </a:endParaRPr>
+          </a:p>
+        </p:txBody>
+      </p:sp>
+      <p:sp>
+        <p:nvSpPr>
+          <p:cNvPr id="21" name="직사각형 20">
+            <a:extLst>
+              <a:ext uri="{FF2B5EF4-FFF2-40B4-BE49-F238E27FC236}">
+                <a16:creationId xmlns:a16="http://schemas.microsoft.com/office/drawing/2014/main" id="{7060313C-1E95-F050-D817-8DD73EE591E9}"/>
+              </a:ext>
+            </a:extLst>
+          </p:cNvPr>
+          <p:cNvSpPr/>
+          <p:nvPr/>
+        </p:nvSpPr>
+        <p:spPr>
+          <a:xfrm>
+            <a:off x="15681552" y="2947737"/>
+            <a:ext cx="2880001" cy="4136863"/>
+          </a:xfrm>
+          <a:prstGeom prst="rect">
+            <a:avLst/>
+          </a:prstGeom>
+        </p:spPr>
+        <p:style>
+          <a:lnRef idx="2">
+            <a:schemeClr val="dk1"/>
+          </a:lnRef>
+          <a:fillRef idx="1">
+            <a:schemeClr val="lt1"/>
+          </a:fillRef>
+          <a:effectRef idx="0">
+            <a:schemeClr val="dk1"/>
+          </a:effectRef>
+          <a:fontRef idx="minor">
+            <a:schemeClr val="dk1"/>
+          </a:fontRef>
+        </p:style>
+        <p:txBody>
+          <a:bodyPr rtlCol="0" anchor="ctr"/>
+          <a:lstStyle/>
+          <a:p>
+            <a:pPr algn="ctr"/>
+            <a:r>
+              <a:rPr lang="en-US" altLang="ko-KR" sz="2400" dirty="0">
+                <a:latin typeface="Times New Roman" panose="02020603050405020304" pitchFamily="18" charset="0"/>
+                <a:ea typeface="+mj-ea"/>
+                <a:cs typeface="Times New Roman" panose="02020603050405020304" pitchFamily="18" charset="0"/>
+              </a:rPr>
+              <a:t> Training</a:t>
+            </a:r>
+          </a:p>
+          <a:p>
+            <a:pPr algn="ctr"/>
+            <a:r>
+              <a:rPr lang="en-US" altLang="ko-KR" sz="2400" dirty="0">
+                <a:latin typeface="Times New Roman" panose="02020603050405020304" pitchFamily="18" charset="0"/>
+                <a:ea typeface="+mj-ea"/>
+                <a:cs typeface="Times New Roman" panose="02020603050405020304" pitchFamily="18" charset="0"/>
+              </a:rPr>
+              <a:t>CNN Model</a:t>
+            </a:r>
+          </a:p>
+        </p:txBody>
+      </p:sp>
+      <p:grpSp>
+        <p:nvGrpSpPr>
+          <p:cNvPr id="100" name="그룹 99">
+            <a:extLst>
+              <a:ext uri="{FF2B5EF4-FFF2-40B4-BE49-F238E27FC236}">
+                <a16:creationId xmlns:a16="http://schemas.microsoft.com/office/drawing/2014/main" id="{45481566-AC38-0E42-6D77-9B8E250ACF42}"/>
+              </a:ext>
+            </a:extLst>
+          </p:cNvPr>
+          <p:cNvGrpSpPr/>
+          <p:nvPr/>
+        </p:nvGrpSpPr>
+        <p:grpSpPr>
+          <a:xfrm>
+            <a:off x="2084244" y="835143"/>
+            <a:ext cx="3947885" cy="1306286"/>
+            <a:chOff x="1248229" y="776078"/>
+            <a:chExt cx="3947885" cy="1306286"/>
+          </a:xfrm>
+        </p:grpSpPr>
+        <p:sp>
+          <p:nvSpPr>
+            <p:cNvPr id="55" name="직사각형 54">
+              <a:extLst>
+                <a:ext uri="{FF2B5EF4-FFF2-40B4-BE49-F238E27FC236}">
+                  <a16:creationId xmlns:a16="http://schemas.microsoft.com/office/drawing/2014/main" id="{11CA784F-1AEA-6FD2-26E6-CCB7DCB54357}"/>
+                </a:ext>
+              </a:extLst>
+            </p:cNvPr>
+            <p:cNvSpPr/>
+            <p:nvPr/>
+          </p:nvSpPr>
+          <p:spPr>
+            <a:xfrm>
+              <a:off x="1248229" y="776078"/>
+              <a:ext cx="3947885" cy="1306286"/>
+            </a:xfrm>
+            <a:prstGeom prst="rect">
+              <a:avLst/>
+            </a:prstGeom>
+          </p:spPr>
+          <p:style>
+            <a:lnRef idx="2">
+              <a:schemeClr val="dk1"/>
+            </a:lnRef>
+            <a:fillRef idx="1">
+              <a:schemeClr val="lt1"/>
+            </a:fillRef>
+            <a:effectRef idx="0">
+              <a:schemeClr val="dk1"/>
+            </a:effectRef>
+            <a:fontRef idx="minor">
+              <a:schemeClr val="dk1"/>
+            </a:fontRef>
+          </p:style>
+          <p:txBody>
+            <a:bodyPr rtlCol="0" anchor="ctr"/>
+            <a:lstStyle/>
+            <a:p>
+              <a:r>
+                <a:rPr lang="en-US" altLang="ko-KR" dirty="0">
+                  <a:latin typeface="Times New Roman" panose="02020603050405020304" pitchFamily="18" charset="0"/>
+                  <a:cs typeface="Times New Roman" panose="02020603050405020304" pitchFamily="18" charset="0"/>
+                </a:rPr>
+                <a:t>Learning Data : </a:t>
+              </a:r>
+            </a:p>
+            <a:p>
+              <a:r>
+                <a:rPr lang="en-US" altLang="ko-KR" dirty="0">
+                  <a:latin typeface="Times New Roman" panose="02020603050405020304" pitchFamily="18" charset="0"/>
+                  <a:cs typeface="Times New Roman" panose="02020603050405020304" pitchFamily="18" charset="0"/>
+                </a:rPr>
+                <a:t>Test Data : </a:t>
+              </a:r>
+              <a:endParaRPr lang="ko-KR" altLang="en-US" dirty="0">
+                <a:latin typeface="Times New Roman" panose="02020603050405020304" pitchFamily="18" charset="0"/>
+                <a:cs typeface="Times New Roman" panose="02020603050405020304" pitchFamily="18" charset="0"/>
+              </a:endParaRPr>
+            </a:p>
+          </p:txBody>
+        </p:sp>
+        <p:cxnSp>
+          <p:nvCxnSpPr>
+            <p:cNvPr id="57" name="직선 연결선 56">
+              <a:extLst>
+                <a:ext uri="{FF2B5EF4-FFF2-40B4-BE49-F238E27FC236}">
+                  <a16:creationId xmlns:a16="http://schemas.microsoft.com/office/drawing/2014/main" id="{7AC8A28F-96D2-7DC8-1AA0-A61FB913CE65}"/>
+                </a:ext>
+              </a:extLst>
+            </p:cNvPr>
+            <p:cNvCxnSpPr/>
+            <p:nvPr/>
+          </p:nvCxnSpPr>
+          <p:spPr>
+            <a:xfrm>
+              <a:off x="2801257" y="1306286"/>
+              <a:ext cx="2090057" cy="0"/>
+            </a:xfrm>
+            <a:prstGeom prst="line">
+              <a:avLst/>
+            </a:prstGeom>
+            <a:ln w="28575"/>
+          </p:spPr>
+          <p:style>
+            <a:lnRef idx="1">
+              <a:schemeClr val="accent1"/>
+            </a:lnRef>
+            <a:fillRef idx="0">
+              <a:schemeClr val="accent1"/>
+            </a:fillRef>
+            <a:effectRef idx="0">
+              <a:schemeClr val="accent1"/>
+            </a:effectRef>
+            <a:fontRef idx="minor">
+              <a:schemeClr val="tx1"/>
+            </a:fontRef>
+          </p:style>
+        </p:cxnSp>
+        <p:cxnSp>
+          <p:nvCxnSpPr>
+            <p:cNvPr id="58" name="직선 연결선 57">
+              <a:extLst>
+                <a:ext uri="{FF2B5EF4-FFF2-40B4-BE49-F238E27FC236}">
+                  <a16:creationId xmlns:a16="http://schemas.microsoft.com/office/drawing/2014/main" id="{589C5129-E5B8-CE8D-E104-711AD807E0FA}"/>
+                </a:ext>
+              </a:extLst>
+            </p:cNvPr>
+            <p:cNvCxnSpPr>
+              <a:cxnSpLocks/>
+            </p:cNvCxnSpPr>
+            <p:nvPr/>
+          </p:nvCxnSpPr>
+          <p:spPr>
+            <a:xfrm>
+              <a:off x="2394580" y="1603829"/>
+              <a:ext cx="2496734" cy="0"/>
+            </a:xfrm>
+            <a:prstGeom prst="line">
+              <a:avLst/>
+            </a:prstGeom>
+            <a:ln w="28575"/>
+          </p:spPr>
+          <p:style>
+            <a:lnRef idx="3">
+              <a:schemeClr val="accent2"/>
+            </a:lnRef>
+            <a:fillRef idx="0">
+              <a:schemeClr val="accent2"/>
+            </a:fillRef>
+            <a:effectRef idx="2">
+              <a:schemeClr val="accent2"/>
+            </a:effectRef>
+            <a:fontRef idx="minor">
+              <a:schemeClr val="tx1"/>
+            </a:fontRef>
+          </p:style>
+        </p:cxnSp>
+      </p:grpSp>
+      <p:sp>
+        <p:nvSpPr>
+          <p:cNvPr id="2" name="TextBox 1">
+            <a:extLst>
+              <a:ext uri="{FF2B5EF4-FFF2-40B4-BE49-F238E27FC236}">
+                <a16:creationId xmlns:a16="http://schemas.microsoft.com/office/drawing/2014/main" id="{4A5E73CF-0077-772B-A1ED-41AE9439A123}"/>
+              </a:ext>
+            </a:extLst>
+          </p:cNvPr>
+          <p:cNvSpPr txBox="1"/>
+          <p:nvPr/>
+        </p:nvSpPr>
+        <p:spPr>
+          <a:xfrm>
+            <a:off x="2205946" y="12275853"/>
+            <a:ext cx="1852240" cy="646331"/>
+          </a:xfrm>
+          <a:prstGeom prst="rect">
+            <a:avLst/>
+          </a:prstGeom>
+          <a:noFill/>
+        </p:spPr>
+        <p:txBody>
+          <a:bodyPr wrap="square" rtlCol="0">
+            <a:spAutoFit/>
+          </a:bodyPr>
+          <a:lstStyle/>
+          <a:p>
+            <a:pPr algn="ctr"/>
+            <a:r>
+              <a:rPr lang="en-US" altLang="ko-KR" dirty="0">
+                <a:solidFill>
+                  <a:srgbClr val="000000"/>
+                </a:solidFill>
+                <a:latin typeface="Times New Roman" panose="02020603050405020304" pitchFamily="18" charset="0"/>
+                <a:cs typeface="Times New Roman" panose="02020603050405020304" pitchFamily="18" charset="0"/>
+              </a:rPr>
+              <a:t>After</a:t>
+            </a:r>
+            <a:r>
+              <a:rPr lang="en-US" altLang="ko-KR" b="0" i="0" dirty="0">
+                <a:solidFill>
+                  <a:srgbClr val="000000"/>
+                </a:solidFill>
+                <a:effectLst/>
+                <a:latin typeface="Times New Roman" panose="02020603050405020304" pitchFamily="18" charset="0"/>
+                <a:cs typeface="Times New Roman" panose="02020603050405020304" pitchFamily="18" charset="0"/>
+              </a:rPr>
+              <a:t> Proposed Method</a:t>
+            </a:r>
+            <a:r>
+              <a:rPr lang="en-US" altLang="ko-KR" b="0" i="0" dirty="0">
+                <a:solidFill>
+                  <a:srgbClr val="000000"/>
+                </a:solidFill>
+                <a:effectLst/>
+                <a:latin typeface="noto"/>
+              </a:rPr>
+              <a:t> </a:t>
+            </a:r>
+            <a:r>
+              <a:rPr lang="en-US" altLang="ko-KR" b="0" i="0" dirty="0">
+                <a:solidFill>
+                  <a:srgbClr val="000000"/>
+                </a:solidFill>
+                <a:effectLst/>
+                <a:latin typeface="Times New Roman" panose="02020603050405020304" pitchFamily="18" charset="0"/>
+                <a:cs typeface="Times New Roman" panose="02020603050405020304" pitchFamily="18" charset="0"/>
+              </a:rPr>
+              <a:t>Image</a:t>
+            </a:r>
+            <a:endParaRPr lang="ko-KR" altLang="en-US" dirty="0">
+              <a:latin typeface="Times New Roman" panose="02020603050405020304" pitchFamily="18" charset="0"/>
+              <a:cs typeface="Times New Roman" panose="02020603050405020304" pitchFamily="18" charset="0"/>
+            </a:endParaRPr>
+          </a:p>
+        </p:txBody>
+      </p:sp>
+      <p:pic>
+        <p:nvPicPr>
+          <p:cNvPr id="30" name="그림 29" descr="텍스트이(가) 표시된 사진&#10;&#10;자동 생성된 설명">
+            <a:extLst>
+              <a:ext uri="{FF2B5EF4-FFF2-40B4-BE49-F238E27FC236}">
+                <a16:creationId xmlns:a16="http://schemas.microsoft.com/office/drawing/2014/main" id="{E75E7799-5680-4995-224D-6A44B45903B0}"/>
+              </a:ext>
+            </a:extLst>
+          </p:cNvPr>
+          <p:cNvPicPr>
+            <a:picLocks/>
+          </p:cNvPicPr>
+          <p:nvPr/>
+        </p:nvPicPr>
+        <p:blipFill>
+          <a:blip r:embed="rId2">
+            <a:extLst>
+              <a:ext uri="{28A0092B-C50C-407E-A947-70E740481C1C}">
+                <a14:useLocalDpi xmlns:a14="http://schemas.microsoft.com/office/drawing/2010/main" val="0"/>
+              </a:ext>
+            </a:extLst>
+          </a:blip>
+          <a:stretch>
+            <a:fillRect/>
+          </a:stretch>
+        </p:blipFill>
+        <p:spPr>
+          <a:xfrm>
+            <a:off x="11022315" y="5420814"/>
+            <a:ext cx="1836000" cy="1224000"/>
+          </a:xfrm>
+          <a:prstGeom prst="rect">
+            <a:avLst/>
+          </a:prstGeom>
+          <a:ln>
+            <a:solidFill>
+              <a:schemeClr val="tx1"/>
+            </a:solidFill>
+          </a:ln>
+        </p:spPr>
+      </p:pic>
+      <p:pic>
+        <p:nvPicPr>
+          <p:cNvPr id="6" name="그림 5">
+            <a:extLst>
+              <a:ext uri="{FF2B5EF4-FFF2-40B4-BE49-F238E27FC236}">
+                <a16:creationId xmlns:a16="http://schemas.microsoft.com/office/drawing/2014/main" id="{4E2A604B-105C-AB42-00A2-CA8F8DB77956}"/>
+              </a:ext>
+            </a:extLst>
+          </p:cNvPr>
+          <p:cNvPicPr>
+            <a:picLocks/>
+          </p:cNvPicPr>
+          <p:nvPr/>
+        </p:nvPicPr>
+        <p:blipFill>
+          <a:blip r:embed="rId3">
+            <a:extLst>
+              <a:ext uri="{28A0092B-C50C-407E-A947-70E740481C1C}">
+                <a14:useLocalDpi xmlns:a14="http://schemas.microsoft.com/office/drawing/2010/main" val="0"/>
+              </a:ext>
+            </a:extLst>
+          </a:blip>
+          <a:stretch>
+            <a:fillRect/>
+          </a:stretch>
+        </p:blipFill>
+        <p:spPr>
+          <a:xfrm>
+            <a:off x="11022315" y="9945068"/>
+            <a:ext cx="1836000" cy="1224000"/>
+          </a:xfrm>
+          <a:prstGeom prst="rect">
+            <a:avLst/>
+          </a:prstGeom>
+          <a:ln>
+            <a:solidFill>
+              <a:schemeClr val="tx1"/>
+            </a:solidFill>
+          </a:ln>
+        </p:spPr>
+      </p:pic>
+      <p:sp>
+        <p:nvSpPr>
+          <p:cNvPr id="56" name="TextBox 55">
+            <a:extLst>
+              <a:ext uri="{FF2B5EF4-FFF2-40B4-BE49-F238E27FC236}">
+                <a16:creationId xmlns:a16="http://schemas.microsoft.com/office/drawing/2014/main" id="{6C2FF229-99A1-AD1D-7CBB-CF7B2299A401}"/>
+              </a:ext>
+            </a:extLst>
+          </p:cNvPr>
+          <p:cNvSpPr txBox="1"/>
+          <p:nvPr/>
+        </p:nvSpPr>
+        <p:spPr>
+          <a:xfrm>
+            <a:off x="10914558" y="12441801"/>
+            <a:ext cx="1852240" cy="646331"/>
+          </a:xfrm>
+          <a:prstGeom prst="rect">
+            <a:avLst/>
+          </a:prstGeom>
+          <a:noFill/>
+        </p:spPr>
+        <p:txBody>
+          <a:bodyPr wrap="square" rtlCol="0">
+            <a:spAutoFit/>
+          </a:bodyPr>
+          <a:lstStyle/>
+          <a:p>
+            <a:pPr algn="ctr"/>
+            <a:r>
+              <a:rPr lang="en-US" altLang="ko-KR" b="0" i="0" dirty="0">
+                <a:solidFill>
+                  <a:srgbClr val="000000"/>
+                </a:solidFill>
+                <a:effectLst/>
+                <a:latin typeface="Times New Roman" panose="02020603050405020304" pitchFamily="18" charset="0"/>
+                <a:cs typeface="Times New Roman" panose="02020603050405020304" pitchFamily="18" charset="0"/>
+              </a:rPr>
+              <a:t>Before Proposed Method</a:t>
+            </a:r>
+            <a:r>
+              <a:rPr lang="en-US" altLang="ko-KR" b="0" i="0" dirty="0">
+                <a:solidFill>
+                  <a:srgbClr val="000000"/>
+                </a:solidFill>
+                <a:effectLst/>
+                <a:latin typeface="noto"/>
+              </a:rPr>
+              <a:t> </a:t>
+            </a:r>
+            <a:r>
+              <a:rPr lang="en-US" altLang="ko-KR" b="0" i="0" dirty="0">
+                <a:solidFill>
+                  <a:srgbClr val="000000"/>
+                </a:solidFill>
+                <a:effectLst/>
+                <a:latin typeface="Times New Roman" panose="02020603050405020304" pitchFamily="18" charset="0"/>
+                <a:cs typeface="Times New Roman" panose="02020603050405020304" pitchFamily="18" charset="0"/>
+              </a:rPr>
+              <a:t>Image</a:t>
+            </a:r>
+            <a:endParaRPr lang="ko-KR" altLang="en-US" dirty="0">
+              <a:latin typeface="Times New Roman" panose="02020603050405020304" pitchFamily="18" charset="0"/>
+              <a:cs typeface="Times New Roman" panose="02020603050405020304" pitchFamily="18" charset="0"/>
+            </a:endParaRPr>
+          </a:p>
+        </p:txBody>
+      </p:sp>
+      <p:sp>
+        <p:nvSpPr>
+          <p:cNvPr id="22" name="직사각형 21">
+            <a:extLst>
+              <a:ext uri="{FF2B5EF4-FFF2-40B4-BE49-F238E27FC236}">
+                <a16:creationId xmlns:a16="http://schemas.microsoft.com/office/drawing/2014/main" id="{4F548EEE-E842-AB43-5E7E-858A0AC2BCEB}"/>
+              </a:ext>
+            </a:extLst>
+          </p:cNvPr>
+          <p:cNvSpPr>
+            <a:spLocks/>
+          </p:cNvSpPr>
+          <p:nvPr/>
+        </p:nvSpPr>
+        <p:spPr>
+          <a:xfrm>
+            <a:off x="2084244" y="2947737"/>
+            <a:ext cx="2364470" cy="4136866"/>
+          </a:xfrm>
+          <a:prstGeom prst="rect">
+            <a:avLst/>
+          </a:prstGeom>
+        </p:spPr>
+        <p:style>
+          <a:lnRef idx="2">
+            <a:schemeClr val="dk1"/>
+          </a:lnRef>
+          <a:fillRef idx="1">
+            <a:schemeClr val="lt1"/>
+          </a:fillRef>
+          <a:effectRef idx="0">
+            <a:schemeClr val="dk1"/>
+          </a:effectRef>
+          <a:fontRef idx="minor">
+            <a:schemeClr val="dk1"/>
+          </a:fontRef>
+        </p:style>
+        <p:txBody>
+          <a:bodyPr rtlCol="0" anchor="ctr"/>
+          <a:lstStyle/>
+          <a:p>
+            <a:pPr algn="ctr"/>
+            <a:endParaRPr lang="ko-KR" altLang="en-US" dirty="0"/>
+          </a:p>
+        </p:txBody>
+      </p:sp>
+      <p:pic>
+        <p:nvPicPr>
+          <p:cNvPr id="24" name="그림 23" descr="텍스트, 도로, 실외, 건물이(가) 표시된 사진&#10;&#10;자동 생성된 설명">
+            <a:extLst>
+              <a:ext uri="{FF2B5EF4-FFF2-40B4-BE49-F238E27FC236}">
+                <a16:creationId xmlns:a16="http://schemas.microsoft.com/office/drawing/2014/main" id="{DE2FCEBE-9A17-C6FF-DD22-4FB9547030D1}"/>
+              </a:ext>
+            </a:extLst>
+          </p:cNvPr>
+          <p:cNvPicPr>
+            <a:picLocks/>
+          </p:cNvPicPr>
+          <p:nvPr/>
+        </p:nvPicPr>
+        <p:blipFill>
+          <a:blip r:embed="rId4">
+            <a:extLst>
+              <a:ext uri="{28A0092B-C50C-407E-A947-70E740481C1C}">
+                <a14:useLocalDpi xmlns:a14="http://schemas.microsoft.com/office/drawing/2010/main" val="0"/>
+              </a:ext>
+            </a:extLst>
+          </a:blip>
+          <a:stretch>
+            <a:fillRect/>
+          </a:stretch>
+        </p:blipFill>
+        <p:spPr>
+          <a:xfrm>
+            <a:off x="2348479" y="5420814"/>
+            <a:ext cx="1836000" cy="1224000"/>
+          </a:xfrm>
+          <a:prstGeom prst="rect">
+            <a:avLst/>
+          </a:prstGeom>
+          <a:ln>
+            <a:solidFill>
+              <a:schemeClr val="tx1"/>
+            </a:solidFill>
+          </a:ln>
+        </p:spPr>
+      </p:pic>
+      <p:pic>
+        <p:nvPicPr>
+          <p:cNvPr id="12" name="그림 11" descr="도로, 하늘, 실외, 장면이(가) 표시된 사진&#10;&#10;자동 생성된 설명">
+            <a:extLst>
+              <a:ext uri="{FF2B5EF4-FFF2-40B4-BE49-F238E27FC236}">
+                <a16:creationId xmlns:a16="http://schemas.microsoft.com/office/drawing/2014/main" id="{62BBB26D-F810-1BEA-E288-02D130DAA3BC}"/>
+              </a:ext>
+            </a:extLst>
+          </p:cNvPr>
+          <p:cNvPicPr>
+            <a:picLocks/>
+          </p:cNvPicPr>
+          <p:nvPr/>
+        </p:nvPicPr>
+        <p:blipFill rotWithShape="1">
+          <a:blip r:embed="rId5">
+            <a:extLst>
+              <a:ext uri="{28A0092B-C50C-407E-A947-70E740481C1C}">
+                <a14:useLocalDpi xmlns:a14="http://schemas.microsoft.com/office/drawing/2010/main" val="0"/>
+              </a:ext>
+            </a:extLst>
+          </a:blip>
+          <a:srcRect t="18757" b="768"/>
+          <a:stretch/>
+        </p:blipFill>
+        <p:spPr>
+          <a:xfrm>
+            <a:off x="2348479" y="3382393"/>
+            <a:ext cx="1836000" cy="1224000"/>
+          </a:xfrm>
+          <a:prstGeom prst="rect">
+            <a:avLst/>
+          </a:prstGeom>
+          <a:ln>
+            <a:solidFill>
+              <a:schemeClr val="tx1"/>
+            </a:solidFill>
+          </a:ln>
+        </p:spPr>
+      </p:pic>
+      <p:pic>
+        <p:nvPicPr>
+          <p:cNvPr id="14" name="그림 13">
+            <a:extLst>
+              <a:ext uri="{FF2B5EF4-FFF2-40B4-BE49-F238E27FC236}">
+                <a16:creationId xmlns:a16="http://schemas.microsoft.com/office/drawing/2014/main" id="{4D4A48D8-7170-4065-A68C-1C74D6BFA7EF}"/>
+              </a:ext>
+            </a:extLst>
+          </p:cNvPr>
+          <p:cNvPicPr>
+            <a:picLocks/>
+          </p:cNvPicPr>
+          <p:nvPr/>
+        </p:nvPicPr>
+        <p:blipFill rotWithShape="1">
+          <a:blip r:embed="rId6">
+            <a:extLst>
+              <a:ext uri="{28A0092B-C50C-407E-A947-70E740481C1C}">
+                <a14:useLocalDpi xmlns:a14="http://schemas.microsoft.com/office/drawing/2010/main" val="0"/>
+              </a:ext>
+            </a:extLst>
+          </a:blip>
+          <a:srcRect t="22674"/>
+          <a:stretch/>
+        </p:blipFill>
+        <p:spPr>
+          <a:xfrm>
+            <a:off x="11022315" y="3382393"/>
+            <a:ext cx="1836000" cy="1224000"/>
+          </a:xfrm>
+          <a:prstGeom prst="rect">
+            <a:avLst/>
+          </a:prstGeom>
+          <a:ln>
+            <a:solidFill>
+              <a:schemeClr val="tx1"/>
+            </a:solidFill>
+          </a:ln>
+        </p:spPr>
+      </p:pic>
+      <p:sp>
+        <p:nvSpPr>
+          <p:cNvPr id="63" name="직사각형 62">
+            <a:extLst>
+              <a:ext uri="{FF2B5EF4-FFF2-40B4-BE49-F238E27FC236}">
+                <a16:creationId xmlns:a16="http://schemas.microsoft.com/office/drawing/2014/main" id="{A5215C4E-74A6-D6BF-E1C7-696A2A18895E}"/>
+              </a:ext>
+            </a:extLst>
+          </p:cNvPr>
+          <p:cNvSpPr/>
+          <p:nvPr/>
+        </p:nvSpPr>
+        <p:spPr>
+          <a:xfrm>
+            <a:off x="6703397" y="8623196"/>
+            <a:ext cx="1800000" cy="2160000"/>
+          </a:xfrm>
+          <a:prstGeom prst="rect">
+            <a:avLst/>
+          </a:prstGeom>
+        </p:spPr>
+        <p:style>
+          <a:lnRef idx="2">
+            <a:schemeClr val="dk1"/>
+          </a:lnRef>
+          <a:fillRef idx="1">
+            <a:schemeClr val="lt1"/>
+          </a:fillRef>
+          <a:effectRef idx="0">
+            <a:schemeClr val="dk1"/>
+          </a:effectRef>
+          <a:fontRef idx="minor">
+            <a:schemeClr val="dk1"/>
+          </a:fontRef>
+        </p:style>
+        <p:txBody>
+          <a:bodyPr rtlCol="0" anchor="ctr"/>
+          <a:lstStyle/>
+          <a:p>
+            <a:pPr algn="ctr"/>
+            <a:r>
+              <a:rPr lang="en-US" altLang="ko-KR" sz="2000" dirty="0">
+                <a:latin typeface="Times New Roman" panose="02020603050405020304" pitchFamily="18" charset="0"/>
+                <a:ea typeface="+mj-ea"/>
+                <a:cs typeface="Times New Roman" panose="02020603050405020304" pitchFamily="18" charset="0"/>
+              </a:rPr>
+              <a:t>Mask R-CNN</a:t>
+            </a:r>
+            <a:endParaRPr lang="ko-KR" altLang="en-US" sz="2000" dirty="0">
+              <a:latin typeface="Times New Roman" panose="02020603050405020304" pitchFamily="18" charset="0"/>
+              <a:ea typeface="+mj-ea"/>
+              <a:cs typeface="Times New Roman" panose="02020603050405020304" pitchFamily="18" charset="0"/>
+            </a:endParaRPr>
+          </a:p>
+        </p:txBody>
+      </p:sp>
+      <p:cxnSp>
+        <p:nvCxnSpPr>
+          <p:cNvPr id="81" name="직선 화살표 연결선 80">
+            <a:extLst>
+              <a:ext uri="{FF2B5EF4-FFF2-40B4-BE49-F238E27FC236}">
+                <a16:creationId xmlns:a16="http://schemas.microsoft.com/office/drawing/2014/main" id="{5AB3AB9E-3E5E-1188-B018-580BD843F955}"/>
+              </a:ext>
+            </a:extLst>
+          </p:cNvPr>
+          <p:cNvCxnSpPr>
+            <a:cxnSpLocks/>
+            <a:stCxn id="21" idx="2"/>
+            <a:endCxn id="87" idx="0"/>
+          </p:cNvCxnSpPr>
+          <p:nvPr/>
+        </p:nvCxnSpPr>
+        <p:spPr>
+          <a:xfrm>
+            <a:off x="17121553" y="7084600"/>
+            <a:ext cx="13625" cy="1275862"/>
+          </a:xfrm>
+          <a:prstGeom prst="straightConnector1">
+            <a:avLst/>
+          </a:prstGeom>
+          <a:ln w="38100">
+            <a:tailEnd type="triangle"/>
+          </a:ln>
+        </p:spPr>
+        <p:style>
+          <a:lnRef idx="1">
+            <a:schemeClr val="dk1"/>
+          </a:lnRef>
+          <a:fillRef idx="0">
+            <a:schemeClr val="dk1"/>
+          </a:fillRef>
+          <a:effectRef idx="0">
+            <a:schemeClr val="dk1"/>
+          </a:effectRef>
+          <a:fontRef idx="minor">
+            <a:schemeClr val="tx1"/>
+          </a:fontRef>
+        </p:style>
+      </p:cxnSp>
+      <p:sp>
+        <p:nvSpPr>
+          <p:cNvPr id="10" name="TextBox 9">
+            <a:extLst>
+              <a:ext uri="{FF2B5EF4-FFF2-40B4-BE49-F238E27FC236}">
+                <a16:creationId xmlns:a16="http://schemas.microsoft.com/office/drawing/2014/main" id="{5C14D6ED-D8A1-17E6-50EC-607BDCABFA1E}"/>
+              </a:ext>
+            </a:extLst>
+          </p:cNvPr>
+          <p:cNvSpPr txBox="1"/>
+          <p:nvPr/>
+        </p:nvSpPr>
+        <p:spPr>
+          <a:xfrm>
+            <a:off x="19778972" y="9426196"/>
+            <a:ext cx="2919664" cy="553998"/>
+          </a:xfrm>
+          <a:prstGeom prst="rect">
+            <a:avLst/>
+          </a:prstGeom>
+          <a:noFill/>
+        </p:spPr>
+        <p:txBody>
+          <a:bodyPr wrap="square" rtlCol="0">
+            <a:spAutoFit/>
+          </a:bodyPr>
+          <a:lstStyle/>
+          <a:p>
+            <a:pPr algn="ctr"/>
+            <a:r>
+              <a:rPr lang="en-US" altLang="ko-KR" sz="3000" dirty="0">
+                <a:latin typeface="Times New Roman" panose="02020603050405020304" pitchFamily="18" charset="0"/>
+                <a:cs typeface="Times New Roman" panose="02020603050405020304" pitchFamily="18" charset="0"/>
+              </a:rPr>
+              <a:t>Dangerous</a:t>
+            </a:r>
+          </a:p>
+        </p:txBody>
+      </p:sp>
+      <p:sp>
+        <p:nvSpPr>
+          <p:cNvPr id="40" name="직사각형 39">
+            <a:extLst>
+              <a:ext uri="{FF2B5EF4-FFF2-40B4-BE49-F238E27FC236}">
+                <a16:creationId xmlns:a16="http://schemas.microsoft.com/office/drawing/2014/main" id="{4477C383-F0E3-F0B3-14B3-AC50B549ABFF}"/>
+              </a:ext>
+            </a:extLst>
+          </p:cNvPr>
+          <p:cNvSpPr>
+            <a:spLocks/>
+          </p:cNvSpPr>
+          <p:nvPr/>
+        </p:nvSpPr>
+        <p:spPr>
+          <a:xfrm>
+            <a:off x="2084244" y="7634763"/>
+            <a:ext cx="2364470" cy="4136866"/>
+          </a:xfrm>
+          <a:prstGeom prst="rect">
+            <a:avLst/>
+          </a:prstGeom>
+        </p:spPr>
+        <p:style>
+          <a:lnRef idx="2">
+            <a:schemeClr val="dk1"/>
+          </a:lnRef>
+          <a:fillRef idx="1">
+            <a:schemeClr val="lt1"/>
+          </a:fillRef>
+          <a:effectRef idx="0">
+            <a:schemeClr val="dk1"/>
+          </a:effectRef>
+          <a:fontRef idx="minor">
+            <a:schemeClr val="dk1"/>
+          </a:fontRef>
+        </p:style>
+        <p:txBody>
+          <a:bodyPr rtlCol="0" anchor="ctr"/>
+          <a:lstStyle/>
+          <a:p>
+            <a:pPr algn="ctr"/>
+            <a:endParaRPr lang="ko-KR" altLang="en-US" u="sng" dirty="0"/>
+          </a:p>
+        </p:txBody>
+      </p:sp>
+      <p:pic>
+        <p:nvPicPr>
+          <p:cNvPr id="5" name="그림 4" descr="텍스트, 도로, 실외, 건물이(가) 표시된 사진&#10;&#10;자동 생성된 설명">
+            <a:extLst>
+              <a:ext uri="{FF2B5EF4-FFF2-40B4-BE49-F238E27FC236}">
+                <a16:creationId xmlns:a16="http://schemas.microsoft.com/office/drawing/2014/main" id="{C2DCB5CD-F557-E199-9094-FF6C67098597}"/>
+              </a:ext>
+            </a:extLst>
+          </p:cNvPr>
+          <p:cNvPicPr>
+            <a:picLocks/>
+          </p:cNvPicPr>
+          <p:nvPr/>
+        </p:nvPicPr>
+        <p:blipFill rotWithShape="1">
+          <a:blip r:embed="rId7">
+            <a:extLst>
+              <a:ext uri="{28A0092B-C50C-407E-A947-70E740481C1C}">
+                <a14:useLocalDpi xmlns:a14="http://schemas.microsoft.com/office/drawing/2010/main" val="0"/>
+              </a:ext>
+            </a:extLst>
+          </a:blip>
+          <a:srcRect l="13523" r="15615"/>
+          <a:stretch/>
+        </p:blipFill>
+        <p:spPr>
+          <a:xfrm>
+            <a:off x="2348479" y="9945068"/>
+            <a:ext cx="1836000" cy="1224000"/>
+          </a:xfrm>
+          <a:prstGeom prst="rect">
+            <a:avLst/>
+          </a:prstGeom>
+          <a:ln>
+            <a:solidFill>
+              <a:schemeClr val="tx1"/>
+            </a:solidFill>
+          </a:ln>
+        </p:spPr>
+      </p:pic>
+      <p:cxnSp>
+        <p:nvCxnSpPr>
+          <p:cNvPr id="45" name="직선 화살표 연결선 44">
+            <a:extLst>
+              <a:ext uri="{FF2B5EF4-FFF2-40B4-BE49-F238E27FC236}">
+                <a16:creationId xmlns:a16="http://schemas.microsoft.com/office/drawing/2014/main" id="{AFFDBE0F-FC24-0290-5ADC-A53B56C20B13}"/>
+              </a:ext>
+            </a:extLst>
+          </p:cNvPr>
+          <p:cNvCxnSpPr>
+            <a:cxnSpLocks/>
+            <a:stCxn id="22" idx="3"/>
+            <a:endCxn id="9" idx="1"/>
+          </p:cNvCxnSpPr>
+          <p:nvPr/>
+        </p:nvCxnSpPr>
+        <p:spPr>
+          <a:xfrm>
+            <a:off x="4448714" y="5016170"/>
+            <a:ext cx="2254683" cy="964"/>
+          </a:xfrm>
+          <a:prstGeom prst="straightConnector1">
+            <a:avLst/>
+          </a:prstGeom>
+          <a:ln w="38100">
+            <a:tailEnd type="triangle"/>
+          </a:ln>
+        </p:spPr>
+        <p:style>
+          <a:lnRef idx="1">
+            <a:schemeClr val="accent1"/>
+          </a:lnRef>
+          <a:fillRef idx="0">
+            <a:schemeClr val="accent1"/>
+          </a:fillRef>
+          <a:effectRef idx="0">
+            <a:schemeClr val="accent1"/>
+          </a:effectRef>
+          <a:fontRef idx="minor">
+            <a:schemeClr val="tx1"/>
+          </a:fontRef>
+        </p:style>
+      </p:cxnSp>
+      <p:pic>
+        <p:nvPicPr>
+          <p:cNvPr id="32" name="그림 31" descr="텍스트, 도로, 나무, 실외이(가) 표시된 사진&#10;&#10;자동 생성된 설명">
+            <a:extLst>
+              <a:ext uri="{FF2B5EF4-FFF2-40B4-BE49-F238E27FC236}">
+                <a16:creationId xmlns:a16="http://schemas.microsoft.com/office/drawing/2014/main" id="{68503111-A776-D0EF-8E90-DC5C4A3FD2B3}"/>
+              </a:ext>
+            </a:extLst>
+          </p:cNvPr>
+          <p:cNvPicPr>
+            <a:picLocks noChangeAspect="1"/>
+          </p:cNvPicPr>
+          <p:nvPr/>
+        </p:nvPicPr>
+        <p:blipFill>
+          <a:blip r:embed="rId8">
+            <a:extLst>
+              <a:ext uri="{28A0092B-C50C-407E-A947-70E740481C1C}">
+                <a14:useLocalDpi xmlns:a14="http://schemas.microsoft.com/office/drawing/2010/main" val="0"/>
+              </a:ext>
+            </a:extLst>
+          </a:blip>
+          <a:stretch>
+            <a:fillRect/>
+          </a:stretch>
+        </p:blipFill>
+        <p:spPr>
+          <a:xfrm>
+            <a:off x="2348479" y="8170908"/>
+            <a:ext cx="1836000" cy="1224000"/>
+          </a:xfrm>
+          <a:prstGeom prst="rect">
+            <a:avLst/>
+          </a:prstGeom>
+          <a:ln>
+            <a:solidFill>
+              <a:schemeClr val="tx1"/>
+            </a:solidFill>
+          </a:ln>
+        </p:spPr>
+      </p:pic>
+      <p:pic>
+        <p:nvPicPr>
+          <p:cNvPr id="34" name="그림 33">
+            <a:extLst>
+              <a:ext uri="{FF2B5EF4-FFF2-40B4-BE49-F238E27FC236}">
+                <a16:creationId xmlns:a16="http://schemas.microsoft.com/office/drawing/2014/main" id="{50BD7320-752F-66EC-7052-12748C4960C2}"/>
+              </a:ext>
+            </a:extLst>
+          </p:cNvPr>
+          <p:cNvPicPr preferRelativeResize="0">
+            <a:picLocks/>
+          </p:cNvPicPr>
+          <p:nvPr/>
+        </p:nvPicPr>
+        <p:blipFill>
+          <a:blip r:embed="rId9">
+            <a:extLst>
+              <a:ext uri="{28A0092B-C50C-407E-A947-70E740481C1C}">
+                <a14:useLocalDpi xmlns:a14="http://schemas.microsoft.com/office/drawing/2010/main" val="0"/>
+              </a:ext>
+            </a:extLst>
+          </a:blip>
+          <a:stretch>
+            <a:fillRect/>
+          </a:stretch>
+        </p:blipFill>
+        <p:spPr>
+          <a:xfrm>
+            <a:off x="11022315" y="8167971"/>
+            <a:ext cx="1836000" cy="1224000"/>
+          </a:xfrm>
+          <a:prstGeom prst="rect">
+            <a:avLst/>
+          </a:prstGeom>
+          <a:ln>
+            <a:solidFill>
+              <a:schemeClr val="tx1"/>
+            </a:solidFill>
+          </a:ln>
+        </p:spPr>
+      </p:pic>
+      <p:cxnSp>
+        <p:nvCxnSpPr>
+          <p:cNvPr id="64" name="직선 화살표 연결선 63">
+            <a:extLst>
+              <a:ext uri="{FF2B5EF4-FFF2-40B4-BE49-F238E27FC236}">
+                <a16:creationId xmlns:a16="http://schemas.microsoft.com/office/drawing/2014/main" id="{78C7B2AE-D49F-ABEA-D38A-5A6BA5B4D9C6}"/>
+              </a:ext>
+            </a:extLst>
+          </p:cNvPr>
+          <p:cNvCxnSpPr>
+            <a:cxnSpLocks/>
+            <a:stCxn id="9" idx="3"/>
+            <a:endCxn id="54" idx="1"/>
+          </p:cNvCxnSpPr>
+          <p:nvPr/>
+        </p:nvCxnSpPr>
+        <p:spPr>
+          <a:xfrm flipV="1">
+            <a:off x="8503397" y="5016170"/>
+            <a:ext cx="2254683" cy="964"/>
+          </a:xfrm>
+          <a:prstGeom prst="straightConnector1">
+            <a:avLst/>
+          </a:prstGeom>
+          <a:ln w="38100">
+            <a:tailEnd type="triangle"/>
+          </a:ln>
+        </p:spPr>
+        <p:style>
+          <a:lnRef idx="1">
+            <a:schemeClr val="accent1"/>
+          </a:lnRef>
+          <a:fillRef idx="0">
+            <a:schemeClr val="accent1"/>
+          </a:fillRef>
+          <a:effectRef idx="0">
+            <a:schemeClr val="accent1"/>
+          </a:effectRef>
+          <a:fontRef idx="minor">
+            <a:schemeClr val="tx1"/>
+          </a:fontRef>
+        </p:style>
+      </p:cxnSp>
+      <p:cxnSp>
+        <p:nvCxnSpPr>
+          <p:cNvPr id="68" name="직선 화살표 연결선 67">
+            <a:extLst>
+              <a:ext uri="{FF2B5EF4-FFF2-40B4-BE49-F238E27FC236}">
+                <a16:creationId xmlns:a16="http://schemas.microsoft.com/office/drawing/2014/main" id="{2094DE5F-D28E-34EC-03B5-44BC2317867F}"/>
+              </a:ext>
+            </a:extLst>
+          </p:cNvPr>
+          <p:cNvCxnSpPr>
+            <a:cxnSpLocks/>
+            <a:stCxn id="40" idx="3"/>
+            <a:endCxn id="63" idx="1"/>
+          </p:cNvCxnSpPr>
+          <p:nvPr/>
+        </p:nvCxnSpPr>
+        <p:spPr>
+          <a:xfrm>
+            <a:off x="4448714" y="9703196"/>
+            <a:ext cx="2254683" cy="0"/>
+          </a:xfrm>
+          <a:prstGeom prst="straightConnector1">
+            <a:avLst/>
+          </a:prstGeom>
+          <a:ln w="38100">
+            <a:tailEnd type="triangle"/>
+          </a:ln>
+        </p:spPr>
+        <p:style>
+          <a:lnRef idx="3">
+            <a:schemeClr val="accent2"/>
+          </a:lnRef>
+          <a:fillRef idx="0">
+            <a:schemeClr val="accent2"/>
+          </a:fillRef>
+          <a:effectRef idx="2">
+            <a:schemeClr val="accent2"/>
+          </a:effectRef>
+          <a:fontRef idx="minor">
+            <a:schemeClr val="tx1"/>
+          </a:fontRef>
+        </p:style>
+      </p:cxnSp>
+      <p:cxnSp>
+        <p:nvCxnSpPr>
+          <p:cNvPr id="72" name="직선 화살표 연결선 71">
+            <a:extLst>
+              <a:ext uri="{FF2B5EF4-FFF2-40B4-BE49-F238E27FC236}">
+                <a16:creationId xmlns:a16="http://schemas.microsoft.com/office/drawing/2014/main" id="{AB1CE72B-585E-4C82-3D96-D5ED20F04C53}"/>
+              </a:ext>
+            </a:extLst>
+          </p:cNvPr>
+          <p:cNvCxnSpPr>
+            <a:cxnSpLocks/>
+            <a:stCxn id="63" idx="3"/>
+            <a:endCxn id="59" idx="1"/>
+          </p:cNvCxnSpPr>
+          <p:nvPr/>
+        </p:nvCxnSpPr>
+        <p:spPr>
+          <a:xfrm>
+            <a:off x="8503397" y="9703196"/>
+            <a:ext cx="2254683" cy="0"/>
+          </a:xfrm>
+          <a:prstGeom prst="straightConnector1">
+            <a:avLst/>
+          </a:prstGeom>
+          <a:ln w="38100">
+            <a:tailEnd type="triangle"/>
+          </a:ln>
+        </p:spPr>
+        <p:style>
+          <a:lnRef idx="3">
+            <a:schemeClr val="accent2"/>
+          </a:lnRef>
+          <a:fillRef idx="0">
+            <a:schemeClr val="accent2"/>
+          </a:fillRef>
+          <a:effectRef idx="2">
+            <a:schemeClr val="accent2"/>
+          </a:effectRef>
+          <a:fontRef idx="minor">
+            <a:schemeClr val="tx1"/>
+          </a:fontRef>
+        </p:style>
+      </p:cxnSp>
+      <p:cxnSp>
+        <p:nvCxnSpPr>
+          <p:cNvPr id="77" name="직선 화살표 연결선 76">
+            <a:extLst>
+              <a:ext uri="{FF2B5EF4-FFF2-40B4-BE49-F238E27FC236}">
+                <a16:creationId xmlns:a16="http://schemas.microsoft.com/office/drawing/2014/main" id="{1B14274D-DFA4-284D-2635-99F14DE788C0}"/>
+              </a:ext>
+            </a:extLst>
+          </p:cNvPr>
+          <p:cNvCxnSpPr>
+            <a:cxnSpLocks/>
+            <a:stCxn id="54" idx="3"/>
+            <a:endCxn id="21" idx="1"/>
+          </p:cNvCxnSpPr>
+          <p:nvPr/>
+        </p:nvCxnSpPr>
+        <p:spPr>
+          <a:xfrm flipV="1">
+            <a:off x="13122550" y="5016169"/>
+            <a:ext cx="2559002" cy="1"/>
+          </a:xfrm>
+          <a:prstGeom prst="straightConnector1">
+            <a:avLst/>
+          </a:prstGeom>
+          <a:ln w="38100">
+            <a:tailEnd type="triangle"/>
+          </a:ln>
+        </p:spPr>
+        <p:style>
+          <a:lnRef idx="1">
+            <a:schemeClr val="accent1"/>
+          </a:lnRef>
+          <a:fillRef idx="0">
+            <a:schemeClr val="accent1"/>
+          </a:fillRef>
+          <a:effectRef idx="0">
+            <a:schemeClr val="accent1"/>
+          </a:effectRef>
+          <a:fontRef idx="minor">
+            <a:schemeClr val="tx1"/>
+          </a:fontRef>
+        </p:style>
+      </p:cxnSp>
+      <p:sp>
+        <p:nvSpPr>
+          <p:cNvPr id="87" name="순서도: 판단 86">
+            <a:extLst>
+              <a:ext uri="{FF2B5EF4-FFF2-40B4-BE49-F238E27FC236}">
+                <a16:creationId xmlns:a16="http://schemas.microsoft.com/office/drawing/2014/main" id="{13A93642-E52E-180F-B9A2-BF9BDF416866}"/>
+              </a:ext>
+            </a:extLst>
+          </p:cNvPr>
+          <p:cNvSpPr/>
+          <p:nvPr/>
+        </p:nvSpPr>
+        <p:spPr>
+          <a:xfrm>
+            <a:off x="15415470" y="8360462"/>
+            <a:ext cx="3439416" cy="2685467"/>
+          </a:xfrm>
+          <a:prstGeom prst="flowChartDecision">
+            <a:avLst/>
+          </a:prstGeom>
+        </p:spPr>
+        <p:style>
+          <a:lnRef idx="2">
+            <a:schemeClr val="dk1"/>
+          </a:lnRef>
+          <a:fillRef idx="1">
+            <a:schemeClr val="lt1"/>
+          </a:fillRef>
+          <a:effectRef idx="0">
+            <a:schemeClr val="dk1"/>
+          </a:effectRef>
+          <a:fontRef idx="minor">
+            <a:schemeClr val="dk1"/>
+          </a:fontRef>
+        </p:style>
+        <p:txBody>
+          <a:bodyPr rtlCol="0" anchor="ctr"/>
+          <a:lstStyle/>
+          <a:p>
+            <a:pPr algn="ctr"/>
+            <a:r>
+              <a:rPr lang="en-US" altLang="ko-KR" sz="2400" dirty="0">
+                <a:latin typeface="Times New Roman" panose="02020603050405020304" pitchFamily="18" charset="0"/>
+                <a:cs typeface="Times New Roman" panose="02020603050405020304" pitchFamily="18" charset="0"/>
+              </a:rPr>
+              <a:t>Test</a:t>
+            </a:r>
+            <a:endParaRPr lang="ko-KR" altLang="en-US" sz="2400" dirty="0">
+              <a:latin typeface="Times New Roman" panose="02020603050405020304" pitchFamily="18" charset="0"/>
+              <a:cs typeface="Times New Roman" panose="02020603050405020304" pitchFamily="18" charset="0"/>
+            </a:endParaRPr>
+          </a:p>
+        </p:txBody>
+      </p:sp>
+      <p:cxnSp>
+        <p:nvCxnSpPr>
+          <p:cNvPr id="94" name="직선 화살표 연결선 93">
+            <a:extLst>
+              <a:ext uri="{FF2B5EF4-FFF2-40B4-BE49-F238E27FC236}">
+                <a16:creationId xmlns:a16="http://schemas.microsoft.com/office/drawing/2014/main" id="{1A49A4DA-5BB6-B1DB-0DC4-DFD483DFA3B4}"/>
+              </a:ext>
+            </a:extLst>
+          </p:cNvPr>
+          <p:cNvCxnSpPr>
+            <a:cxnSpLocks/>
+            <a:stCxn id="59" idx="3"/>
+            <a:endCxn id="87" idx="1"/>
+          </p:cNvCxnSpPr>
+          <p:nvPr/>
+        </p:nvCxnSpPr>
+        <p:spPr>
+          <a:xfrm>
+            <a:off x="13122550" y="9703196"/>
+            <a:ext cx="2292920" cy="0"/>
+          </a:xfrm>
+          <a:prstGeom prst="straightConnector1">
+            <a:avLst/>
+          </a:prstGeom>
+          <a:ln w="38100">
+            <a:tailEnd type="triangle"/>
+          </a:ln>
+        </p:spPr>
+        <p:style>
+          <a:lnRef idx="3">
+            <a:schemeClr val="accent2"/>
+          </a:lnRef>
+          <a:fillRef idx="0">
+            <a:schemeClr val="accent2"/>
+          </a:fillRef>
+          <a:effectRef idx="2">
+            <a:schemeClr val="accent2"/>
+          </a:effectRef>
+          <a:fontRef idx="minor">
+            <a:schemeClr val="tx1"/>
+          </a:fontRef>
+        </p:style>
+      </p:cxnSp>
+      <p:sp>
+        <p:nvSpPr>
+          <p:cNvPr id="102" name="TextBox 101">
+            <a:extLst>
+              <a:ext uri="{FF2B5EF4-FFF2-40B4-BE49-F238E27FC236}">
+                <a16:creationId xmlns:a16="http://schemas.microsoft.com/office/drawing/2014/main" id="{38001FFA-E77E-733C-9E97-7549D77696A0}"/>
+              </a:ext>
+            </a:extLst>
+          </p:cNvPr>
+          <p:cNvSpPr txBox="1"/>
+          <p:nvPr/>
+        </p:nvSpPr>
+        <p:spPr>
+          <a:xfrm>
+            <a:off x="19778972" y="11169068"/>
+            <a:ext cx="2919664" cy="553998"/>
+          </a:xfrm>
+          <a:prstGeom prst="rect">
+            <a:avLst/>
+          </a:prstGeom>
+          <a:noFill/>
+        </p:spPr>
+        <p:txBody>
+          <a:bodyPr wrap="square" rtlCol="0">
+            <a:spAutoFit/>
+          </a:bodyPr>
+          <a:lstStyle/>
+          <a:p>
+            <a:pPr algn="ctr"/>
+            <a:r>
+              <a:rPr lang="en-US" altLang="ko-KR" sz="3000" dirty="0">
+                <a:latin typeface="Times New Roman" panose="02020603050405020304" pitchFamily="18" charset="0"/>
+                <a:cs typeface="Times New Roman" panose="02020603050405020304" pitchFamily="18" charset="0"/>
+              </a:rPr>
+              <a:t>Safe</a:t>
+            </a:r>
+            <a:endParaRPr lang="ko-KR" altLang="en-US" sz="3000" dirty="0">
+              <a:latin typeface="Times New Roman" panose="02020603050405020304" pitchFamily="18" charset="0"/>
+              <a:cs typeface="Times New Roman" panose="02020603050405020304" pitchFamily="18" charset="0"/>
+            </a:endParaRPr>
+          </a:p>
+        </p:txBody>
+      </p:sp>
+      <p:cxnSp>
+        <p:nvCxnSpPr>
+          <p:cNvPr id="104" name="직선 화살표 연결선 103">
+            <a:extLst>
+              <a:ext uri="{FF2B5EF4-FFF2-40B4-BE49-F238E27FC236}">
+                <a16:creationId xmlns:a16="http://schemas.microsoft.com/office/drawing/2014/main" id="{3335D21F-0C6E-03FD-B206-945AFF7145BF}"/>
+              </a:ext>
+            </a:extLst>
+          </p:cNvPr>
+          <p:cNvCxnSpPr>
+            <a:cxnSpLocks/>
+            <a:stCxn id="87" idx="3"/>
+            <a:endCxn id="10" idx="1"/>
+          </p:cNvCxnSpPr>
+          <p:nvPr/>
+        </p:nvCxnSpPr>
+        <p:spPr>
+          <a:xfrm flipV="1">
+            <a:off x="18854886" y="9703195"/>
+            <a:ext cx="924086" cy="1"/>
+          </a:xfrm>
+          <a:prstGeom prst="straightConnector1">
+            <a:avLst/>
+          </a:prstGeom>
+          <a:ln w="38100">
+            <a:tailEnd type="triangle"/>
+          </a:ln>
+        </p:spPr>
+        <p:style>
+          <a:lnRef idx="1">
+            <a:schemeClr val="dk1"/>
+          </a:lnRef>
+          <a:fillRef idx="0">
+            <a:schemeClr val="dk1"/>
+          </a:fillRef>
+          <a:effectRef idx="0">
+            <a:schemeClr val="dk1"/>
+          </a:effectRef>
+          <a:fontRef idx="minor">
+            <a:schemeClr val="tx1"/>
+          </a:fontRef>
+        </p:style>
+      </p:cxnSp>
+      <p:cxnSp>
+        <p:nvCxnSpPr>
+          <p:cNvPr id="108" name="직선 화살표 연결선 107">
+            <a:extLst>
+              <a:ext uri="{FF2B5EF4-FFF2-40B4-BE49-F238E27FC236}">
+                <a16:creationId xmlns:a16="http://schemas.microsoft.com/office/drawing/2014/main" id="{61A8A86A-E394-0728-76DB-A2C232E1812C}"/>
+              </a:ext>
+            </a:extLst>
+          </p:cNvPr>
+          <p:cNvCxnSpPr>
+            <a:cxnSpLocks/>
+            <a:stCxn id="87" idx="2"/>
+            <a:endCxn id="102" idx="1"/>
+          </p:cNvCxnSpPr>
+          <p:nvPr/>
+        </p:nvCxnSpPr>
+        <p:spPr>
+          <a:xfrm rot="16200000" flipH="1">
+            <a:off x="18257006" y="9924101"/>
+            <a:ext cx="400138" cy="2643794"/>
+          </a:xfrm>
+          <a:prstGeom prst="bentConnector2">
+            <a:avLst/>
+          </a:prstGeom>
+          <a:ln w="38100">
+            <a:tailEnd type="triangle"/>
+          </a:ln>
+        </p:spPr>
+        <p:style>
+          <a:lnRef idx="1">
+            <a:schemeClr val="dk1"/>
+          </a:lnRef>
+          <a:fillRef idx="0">
+            <a:schemeClr val="dk1"/>
+          </a:fillRef>
+          <a:effectRef idx="0">
+            <a:schemeClr val="dk1"/>
+          </a:effectRef>
+          <a:fontRef idx="minor">
+            <a:schemeClr val="tx1"/>
+          </a:fontRef>
+        </p:style>
+      </p:cxnSp>
+      <p:sp>
+        <p:nvSpPr>
+          <p:cNvPr id="115" name="TextBox 114">
+            <a:extLst>
+              <a:ext uri="{FF2B5EF4-FFF2-40B4-BE49-F238E27FC236}">
+                <a16:creationId xmlns:a16="http://schemas.microsoft.com/office/drawing/2014/main" id="{DF732439-C5E4-21C2-347F-E105E5745EDF}"/>
+              </a:ext>
+            </a:extLst>
+          </p:cNvPr>
+          <p:cNvSpPr txBox="1"/>
+          <p:nvPr/>
+        </p:nvSpPr>
+        <p:spPr>
+          <a:xfrm>
+            <a:off x="19778972" y="10297632"/>
+            <a:ext cx="2919664" cy="553998"/>
+          </a:xfrm>
+          <a:prstGeom prst="rect">
+            <a:avLst/>
+          </a:prstGeom>
+          <a:noFill/>
+        </p:spPr>
+        <p:txBody>
+          <a:bodyPr wrap="square" rtlCol="0">
+            <a:spAutoFit/>
+          </a:bodyPr>
+          <a:lstStyle/>
+          <a:p>
+            <a:pPr algn="ctr"/>
+            <a:r>
+              <a:rPr lang="en-US" altLang="ko-KR" sz="3000" dirty="0">
+                <a:latin typeface="Times New Roman" panose="02020603050405020304" pitchFamily="18" charset="0"/>
+                <a:cs typeface="Times New Roman" panose="02020603050405020304" pitchFamily="18" charset="0"/>
+              </a:rPr>
+              <a:t>OR</a:t>
+            </a:r>
+          </a:p>
+        </p:txBody>
+      </p:sp>
+      <p:sp>
+        <p:nvSpPr>
+          <p:cNvPr id="3" name="직사각형 2">
+            <a:extLst>
+              <a:ext uri="{FF2B5EF4-FFF2-40B4-BE49-F238E27FC236}">
+                <a16:creationId xmlns:a16="http://schemas.microsoft.com/office/drawing/2014/main" id="{63E10D05-83EF-F201-9BEF-B5A7ACA0D101}"/>
+              </a:ext>
+            </a:extLst>
+          </p:cNvPr>
+          <p:cNvSpPr/>
+          <p:nvPr/>
+        </p:nvSpPr>
+        <p:spPr>
+          <a:xfrm>
+            <a:off x="1732547" y="2671011"/>
+            <a:ext cx="720000" cy="720000"/>
+          </a:xfrm>
+          <a:prstGeom prst="rect">
+            <a:avLst/>
+          </a:prstGeom>
+          <a:ln/>
+        </p:spPr>
+        <p:style>
+          <a:lnRef idx="2">
+            <a:schemeClr val="dk1"/>
+          </a:lnRef>
+          <a:fillRef idx="1">
+            <a:schemeClr val="lt1"/>
+          </a:fillRef>
+          <a:effectRef idx="0">
+            <a:schemeClr val="dk1"/>
+          </a:effectRef>
+          <a:fontRef idx="minor">
+            <a:schemeClr val="dk1"/>
+          </a:fontRef>
+        </p:style>
+        <p:txBody>
+          <a:bodyPr rtlCol="0" anchor="ctr"/>
+          <a:lstStyle/>
+          <a:p>
+            <a:pPr algn="ctr"/>
+            <a:r>
+              <a:rPr lang="en-US" altLang="ko-KR" sz="2500" dirty="0">
+                <a:latin typeface="Times New Roman" panose="02020603050405020304" pitchFamily="18" charset="0"/>
+                <a:cs typeface="Times New Roman" panose="02020603050405020304" pitchFamily="18" charset="0"/>
+              </a:rPr>
+              <a:t>1</a:t>
+            </a:r>
+            <a:endParaRPr lang="ko-KR" altLang="en-US" sz="2500" dirty="0">
+              <a:latin typeface="Times New Roman" panose="02020603050405020304" pitchFamily="18" charset="0"/>
+              <a:cs typeface="Times New Roman" panose="02020603050405020304" pitchFamily="18" charset="0"/>
+            </a:endParaRPr>
+          </a:p>
+        </p:txBody>
+      </p:sp>
+      <p:sp>
+        <p:nvSpPr>
+          <p:cNvPr id="37" name="직사각형 36">
+            <a:extLst>
+              <a:ext uri="{FF2B5EF4-FFF2-40B4-BE49-F238E27FC236}">
+                <a16:creationId xmlns:a16="http://schemas.microsoft.com/office/drawing/2014/main" id="{0188A0E0-FC09-2735-16DA-629366A1F553}"/>
+              </a:ext>
+            </a:extLst>
+          </p:cNvPr>
+          <p:cNvSpPr/>
+          <p:nvPr/>
+        </p:nvSpPr>
+        <p:spPr>
+          <a:xfrm>
+            <a:off x="10398080" y="2567972"/>
+            <a:ext cx="720000" cy="720000"/>
+          </a:xfrm>
+          <a:prstGeom prst="rect">
+            <a:avLst/>
+          </a:prstGeom>
+          <a:ln/>
+        </p:spPr>
+        <p:style>
+          <a:lnRef idx="2">
+            <a:schemeClr val="dk1"/>
+          </a:lnRef>
+          <a:fillRef idx="1">
+            <a:schemeClr val="lt1"/>
+          </a:fillRef>
+          <a:effectRef idx="0">
+            <a:schemeClr val="dk1"/>
+          </a:effectRef>
+          <a:fontRef idx="minor">
+            <a:schemeClr val="dk1"/>
+          </a:fontRef>
+        </p:style>
+        <p:txBody>
+          <a:bodyPr rtlCol="0" anchor="ctr"/>
+          <a:lstStyle/>
+          <a:p>
+            <a:pPr algn="ctr"/>
+            <a:r>
+              <a:rPr lang="en-US" altLang="ko-KR" sz="2500" dirty="0">
+                <a:latin typeface="Times New Roman" panose="02020603050405020304" pitchFamily="18" charset="0"/>
+                <a:cs typeface="Times New Roman" panose="02020603050405020304" pitchFamily="18" charset="0"/>
+              </a:rPr>
+              <a:t>2</a:t>
+            </a:r>
+            <a:endParaRPr lang="ko-KR" altLang="en-US" sz="2500" dirty="0">
+              <a:latin typeface="Times New Roman" panose="02020603050405020304" pitchFamily="18" charset="0"/>
+              <a:cs typeface="Times New Roman" panose="02020603050405020304" pitchFamily="18" charset="0"/>
+            </a:endParaRPr>
+          </a:p>
+        </p:txBody>
+      </p:sp>
+      <p:sp>
+        <p:nvSpPr>
+          <p:cNvPr id="38" name="직사각형 37">
+            <a:extLst>
+              <a:ext uri="{FF2B5EF4-FFF2-40B4-BE49-F238E27FC236}">
+                <a16:creationId xmlns:a16="http://schemas.microsoft.com/office/drawing/2014/main" id="{C36ADDFD-730B-06A5-8C4D-67FBD8CF5BB2}"/>
+              </a:ext>
+            </a:extLst>
+          </p:cNvPr>
+          <p:cNvSpPr/>
+          <p:nvPr/>
+        </p:nvSpPr>
+        <p:spPr>
+          <a:xfrm>
+            <a:off x="15407594" y="2584444"/>
+            <a:ext cx="720000" cy="720000"/>
+          </a:xfrm>
+          <a:prstGeom prst="rect">
+            <a:avLst/>
+          </a:prstGeom>
+          <a:ln/>
+        </p:spPr>
+        <p:style>
+          <a:lnRef idx="2">
+            <a:schemeClr val="dk1"/>
+          </a:lnRef>
+          <a:fillRef idx="1">
+            <a:schemeClr val="lt1"/>
+          </a:fillRef>
+          <a:effectRef idx="0">
+            <a:schemeClr val="dk1"/>
+          </a:effectRef>
+          <a:fontRef idx="minor">
+            <a:schemeClr val="dk1"/>
+          </a:fontRef>
+        </p:style>
+        <p:txBody>
+          <a:bodyPr rtlCol="0" anchor="ctr"/>
+          <a:lstStyle/>
+          <a:p>
+            <a:pPr algn="ctr"/>
+            <a:r>
+              <a:rPr lang="en-US" altLang="ko-KR" sz="2500" dirty="0">
+                <a:latin typeface="Times New Roman" panose="02020603050405020304" pitchFamily="18" charset="0"/>
+                <a:cs typeface="Times New Roman" panose="02020603050405020304" pitchFamily="18" charset="0"/>
+              </a:rPr>
+              <a:t>3</a:t>
+            </a:r>
+            <a:endParaRPr lang="ko-KR" altLang="en-US" sz="2500" dirty="0">
+              <a:latin typeface="Times New Roman" panose="02020603050405020304" pitchFamily="18" charset="0"/>
+              <a:cs typeface="Times New Roman" panose="02020603050405020304" pitchFamily="18" charset="0"/>
+            </a:endParaRPr>
+          </a:p>
+        </p:txBody>
+      </p:sp>
+      <p:sp>
+        <p:nvSpPr>
+          <p:cNvPr id="39" name="직사각형 38">
+            <a:extLst>
+              <a:ext uri="{FF2B5EF4-FFF2-40B4-BE49-F238E27FC236}">
+                <a16:creationId xmlns:a16="http://schemas.microsoft.com/office/drawing/2014/main" id="{CD6563CE-99A3-6F62-0CBD-81EF20EF07B9}"/>
+              </a:ext>
+            </a:extLst>
+          </p:cNvPr>
+          <p:cNvSpPr/>
+          <p:nvPr/>
+        </p:nvSpPr>
+        <p:spPr>
+          <a:xfrm>
+            <a:off x="15407594" y="8167971"/>
+            <a:ext cx="720000" cy="720000"/>
+          </a:xfrm>
+          <a:prstGeom prst="rect">
+            <a:avLst/>
+          </a:prstGeom>
+          <a:ln/>
+        </p:spPr>
+        <p:style>
+          <a:lnRef idx="2">
+            <a:schemeClr val="dk1"/>
+          </a:lnRef>
+          <a:fillRef idx="1">
+            <a:schemeClr val="lt1"/>
+          </a:fillRef>
+          <a:effectRef idx="0">
+            <a:schemeClr val="dk1"/>
+          </a:effectRef>
+          <a:fontRef idx="minor">
+            <a:schemeClr val="dk1"/>
+          </a:fontRef>
+        </p:style>
+        <p:txBody>
+          <a:bodyPr rtlCol="0" anchor="ctr"/>
+          <a:lstStyle/>
+          <a:p>
+            <a:pPr algn="ctr"/>
+            <a:r>
+              <a:rPr lang="en-US" altLang="ko-KR" sz="2500" dirty="0">
+                <a:latin typeface="Times New Roman" panose="02020603050405020304" pitchFamily="18" charset="0"/>
+                <a:cs typeface="Times New Roman" panose="02020603050405020304" pitchFamily="18" charset="0"/>
+              </a:rPr>
+              <a:t>4</a:t>
+            </a:r>
+            <a:endParaRPr lang="ko-KR" altLang="en-US" sz="2500" dirty="0">
+              <a:latin typeface="Times New Roman" panose="02020603050405020304" pitchFamily="18" charset="0"/>
+              <a:cs typeface="Times New Roman" panose="02020603050405020304" pitchFamily="18" charset="0"/>
+            </a:endParaRPr>
+          </a:p>
+        </p:txBody>
+      </p:sp>
+      <p:sp>
+        <p:nvSpPr>
+          <p:cNvPr id="41" name="왼쪽 중괄호 40">
+            <a:extLst>
+              <a:ext uri="{FF2B5EF4-FFF2-40B4-BE49-F238E27FC236}">
+                <a16:creationId xmlns:a16="http://schemas.microsoft.com/office/drawing/2014/main" id="{8FEE1976-99B3-6BA2-C1F3-B06E407F0856}"/>
+              </a:ext>
+            </a:extLst>
+          </p:cNvPr>
+          <p:cNvSpPr/>
+          <p:nvPr/>
+        </p:nvSpPr>
+        <p:spPr>
+          <a:xfrm rot="16200000">
+            <a:off x="8375080" y="6519700"/>
+            <a:ext cx="400140" cy="13664888"/>
+          </a:xfrm>
+          <a:prstGeom prst="leftBrace">
+            <a:avLst>
+              <a:gd name="adj1" fmla="val 235807"/>
+              <a:gd name="adj2" fmla="val 50000"/>
+            </a:avLst>
+          </a:prstGeom>
+        </p:spPr>
+        <p:style>
+          <a:lnRef idx="1">
+            <a:schemeClr val="dk1"/>
+          </a:lnRef>
+          <a:fillRef idx="0">
+            <a:schemeClr val="dk1"/>
+          </a:fillRef>
+          <a:effectRef idx="0">
+            <a:schemeClr val="dk1"/>
+          </a:effectRef>
+          <a:fontRef idx="minor">
+            <a:schemeClr val="tx1"/>
+          </a:fontRef>
+        </p:style>
+        <p:txBody>
+          <a:bodyPr rtlCol="0" anchor="ctr"/>
+          <a:lstStyle/>
+          <a:p>
+            <a:pPr algn="ctr"/>
+            <a:endParaRPr lang="ko-KR" altLang="en-US"/>
+          </a:p>
+        </p:txBody>
+      </p:sp>
+      <p:sp>
+        <p:nvSpPr>
+          <p:cNvPr id="42" name="왼쪽 중괄호 41">
+            <a:extLst>
+              <a:ext uri="{FF2B5EF4-FFF2-40B4-BE49-F238E27FC236}">
+                <a16:creationId xmlns:a16="http://schemas.microsoft.com/office/drawing/2014/main" id="{1E8EA4FD-9C27-F808-05B9-2D16FB343ED3}"/>
+              </a:ext>
+            </a:extLst>
+          </p:cNvPr>
+          <p:cNvSpPr/>
+          <p:nvPr/>
+        </p:nvSpPr>
+        <p:spPr>
+          <a:xfrm rot="16200000">
+            <a:off x="18715444" y="10011410"/>
+            <a:ext cx="314370" cy="6595693"/>
+          </a:xfrm>
+          <a:prstGeom prst="leftBrace">
+            <a:avLst>
+              <a:gd name="adj1" fmla="val 174544"/>
+              <a:gd name="adj2" fmla="val 50000"/>
+            </a:avLst>
+          </a:prstGeom>
+        </p:spPr>
+        <p:style>
+          <a:lnRef idx="1">
+            <a:schemeClr val="dk1"/>
+          </a:lnRef>
+          <a:fillRef idx="0">
+            <a:schemeClr val="dk1"/>
+          </a:fillRef>
+          <a:effectRef idx="0">
+            <a:schemeClr val="dk1"/>
+          </a:effectRef>
+          <a:fontRef idx="minor">
+            <a:schemeClr val="tx1"/>
+          </a:fontRef>
+        </p:style>
+        <p:txBody>
+          <a:bodyPr rtlCol="0" anchor="ctr"/>
+          <a:lstStyle/>
+          <a:p>
+            <a:pPr algn="ctr"/>
+            <a:endParaRPr lang="ko-KR" altLang="en-US"/>
+          </a:p>
+        </p:txBody>
+      </p:sp>
+      <p:sp>
+        <p:nvSpPr>
+          <p:cNvPr id="43" name="TextBox 42">
+            <a:extLst>
+              <a:ext uri="{FF2B5EF4-FFF2-40B4-BE49-F238E27FC236}">
+                <a16:creationId xmlns:a16="http://schemas.microsoft.com/office/drawing/2014/main" id="{A25B6488-BA5D-1828-FC91-2C8605AE8200}"/>
+              </a:ext>
+            </a:extLst>
+          </p:cNvPr>
+          <p:cNvSpPr txBox="1"/>
+          <p:nvPr/>
+        </p:nvSpPr>
+        <p:spPr>
+          <a:xfrm>
+            <a:off x="6990190" y="13636147"/>
+            <a:ext cx="3169920" cy="430887"/>
+          </a:xfrm>
+          <a:prstGeom prst="rect">
+            <a:avLst/>
+          </a:prstGeom>
+          <a:noFill/>
+        </p:spPr>
+        <p:txBody>
+          <a:bodyPr wrap="square" rtlCol="0">
+            <a:spAutoFit/>
+          </a:bodyPr>
+          <a:lstStyle/>
+          <a:p>
+            <a:pPr algn="ctr"/>
+            <a:r>
+              <a:rPr lang="en-US" altLang="ko-KR" sz="2200" dirty="0">
+                <a:latin typeface="Times New Roman" panose="02020603050405020304" pitchFamily="18" charset="0"/>
+                <a:cs typeface="Times New Roman" panose="02020603050405020304" pitchFamily="18" charset="0"/>
+              </a:rPr>
+              <a:t>Data stage</a:t>
+            </a:r>
+            <a:endParaRPr lang="ko-KR" altLang="en-US" sz="2200" dirty="0">
+              <a:latin typeface="Times New Roman" panose="02020603050405020304" pitchFamily="18" charset="0"/>
+              <a:cs typeface="Times New Roman" panose="02020603050405020304" pitchFamily="18" charset="0"/>
+            </a:endParaRPr>
+          </a:p>
+        </p:txBody>
+      </p:sp>
+      <p:sp>
+        <p:nvSpPr>
+          <p:cNvPr id="44" name="TextBox 43">
+            <a:extLst>
+              <a:ext uri="{FF2B5EF4-FFF2-40B4-BE49-F238E27FC236}">
+                <a16:creationId xmlns:a16="http://schemas.microsoft.com/office/drawing/2014/main" id="{DBDED023-0952-9774-5364-BC122464093D}"/>
+              </a:ext>
+            </a:extLst>
+          </p:cNvPr>
+          <p:cNvSpPr txBox="1"/>
+          <p:nvPr/>
+        </p:nvSpPr>
+        <p:spPr>
+          <a:xfrm>
+            <a:off x="17287669" y="13636147"/>
+            <a:ext cx="3169920" cy="430887"/>
+          </a:xfrm>
+          <a:prstGeom prst="rect">
+            <a:avLst/>
+          </a:prstGeom>
+          <a:noFill/>
+        </p:spPr>
+        <p:txBody>
+          <a:bodyPr wrap="square" rtlCol="0">
+            <a:spAutoFit/>
+          </a:bodyPr>
+          <a:lstStyle/>
+          <a:p>
+            <a:pPr algn="ctr"/>
+            <a:r>
+              <a:rPr lang="en-US" altLang="ko-KR" sz="2200" dirty="0">
+                <a:latin typeface="Times New Roman" panose="02020603050405020304" pitchFamily="18" charset="0"/>
+                <a:cs typeface="Times New Roman" panose="02020603050405020304" pitchFamily="18" charset="0"/>
+              </a:rPr>
+              <a:t>Learning &amp; Test stage</a:t>
+            </a:r>
+          </a:p>
+        </p:txBody>
+      </p:sp>
+    </p:spTree>
+    <p:extLst>
+      <p:ext uri="{BB962C8B-B14F-4D97-AF65-F5344CB8AC3E}">
+        <p14:creationId xmlns:p14="http://schemas.microsoft.com/office/powerpoint/2010/main" val="3463881268"/>
+      </p:ext>
+    </p:extLst>
+  </p:cSld>
+  <p:clrMapOvr>
+    <a:masterClrMapping/>
+  </p:clrMapOvr>
+</p:sld>
+</file>
+
 <file path=ppt/theme/theme1.xml><?xml version="1.0" encoding="utf-8"?>
 <a:theme xmlns:a="http://schemas.openxmlformats.org/drawingml/2006/main" name="Office 테마">
   <a:themeElements>
@@ -6175,7 +8152,31 @@
       </a:bgFillStyleLst>
     </a:fmtScheme>
   </a:themeElements>
-  <a:objectDefaults/>
+  <a:objectDefaults>
+    <a:lnDef>
+      <a:spPr>
+        <a:ln>
+          <a:tailEnd type="triangle"/>
+        </a:ln>
+      </a:spPr>
+      <a:bodyPr/>
+      <a:lstStyle/>
+      <a:style>
+        <a:lnRef idx="3">
+          <a:schemeClr val="accent2"/>
+        </a:lnRef>
+        <a:fillRef idx="0">
+          <a:schemeClr val="accent2"/>
+        </a:fillRef>
+        <a:effectRef idx="2">
+          <a:schemeClr val="accent2"/>
+        </a:effectRef>
+        <a:fontRef idx="minor">
+          <a:schemeClr val="tx1"/>
+        </a:fontRef>
+      </a:style>
+    </a:lnDef>
+  </a:objectDefaults>
   <a:extraClrSchemeLst/>
   <a:extLst>
     <a:ext uri="{05A4C25C-085E-4340-85A3-A5531E510DB2}">

--- a/최종 정리본/etc/컨퍼런스 논문 구조도에 쓰인 사진/컨퍼런스 구조도.pptx
+++ b/최종 정리본/etc/컨퍼런스 논문 구조도에 쓰인 사진/컨퍼런스 구조도.pptx
@@ -8,6 +8,9 @@
     <p:sldId id="256" r:id="rId2"/>
     <p:sldId id="257" r:id="rId3"/>
     <p:sldId id="258" r:id="rId4"/>
+    <p:sldId id="261" r:id="rId5"/>
+    <p:sldId id="260" r:id="rId6"/>
+    <p:sldId id="259" r:id="rId7"/>
   </p:sldIdLst>
   <p:sldSz cx="35999738" cy="14400213"/>
   <p:notesSz cx="6858000" cy="9144000"/>
@@ -245,7 +248,7 @@
           <a:p>
             <a:fld id="{88CA5724-AAEB-4004-8D3F-C05D4DBBD399}" type="datetimeFigureOut">
               <a:rPr lang="ko-KR" altLang="en-US" smtClean="0"/>
-              <a:t>2022-06-05</a:t>
+              <a:t>2022-09-01</a:t>
             </a:fld>
             <a:endParaRPr lang="ko-KR" altLang="en-US"/>
           </a:p>
@@ -415,7 +418,7 @@
           <a:p>
             <a:fld id="{88CA5724-AAEB-4004-8D3F-C05D4DBBD399}" type="datetimeFigureOut">
               <a:rPr lang="ko-KR" altLang="en-US" smtClean="0"/>
-              <a:t>2022-06-05</a:t>
+              <a:t>2022-09-01</a:t>
             </a:fld>
             <a:endParaRPr lang="ko-KR" altLang="en-US"/>
           </a:p>
@@ -595,7 +598,7 @@
           <a:p>
             <a:fld id="{88CA5724-AAEB-4004-8D3F-C05D4DBBD399}" type="datetimeFigureOut">
               <a:rPr lang="ko-KR" altLang="en-US" smtClean="0"/>
-              <a:t>2022-06-05</a:t>
+              <a:t>2022-09-01</a:t>
             </a:fld>
             <a:endParaRPr lang="ko-KR" altLang="en-US"/>
           </a:p>
@@ -765,7 +768,7 @@
           <a:p>
             <a:fld id="{88CA5724-AAEB-4004-8D3F-C05D4DBBD399}" type="datetimeFigureOut">
               <a:rPr lang="ko-KR" altLang="en-US" smtClean="0"/>
-              <a:t>2022-06-05</a:t>
+              <a:t>2022-09-01</a:t>
             </a:fld>
             <a:endParaRPr lang="ko-KR" altLang="en-US"/>
           </a:p>
@@ -1011,7 +1014,7 @@
           <a:p>
             <a:fld id="{88CA5724-AAEB-4004-8D3F-C05D4DBBD399}" type="datetimeFigureOut">
               <a:rPr lang="ko-KR" altLang="en-US" smtClean="0"/>
-              <a:t>2022-06-05</a:t>
+              <a:t>2022-09-01</a:t>
             </a:fld>
             <a:endParaRPr lang="ko-KR" altLang="en-US"/>
           </a:p>
@@ -1243,7 +1246,7 @@
           <a:p>
             <a:fld id="{88CA5724-AAEB-4004-8D3F-C05D4DBBD399}" type="datetimeFigureOut">
               <a:rPr lang="ko-KR" altLang="en-US" smtClean="0"/>
-              <a:t>2022-06-05</a:t>
+              <a:t>2022-09-01</a:t>
             </a:fld>
             <a:endParaRPr lang="ko-KR" altLang="en-US"/>
           </a:p>
@@ -1610,7 +1613,7 @@
           <a:p>
             <a:fld id="{88CA5724-AAEB-4004-8D3F-C05D4DBBD399}" type="datetimeFigureOut">
               <a:rPr lang="ko-KR" altLang="en-US" smtClean="0"/>
-              <a:t>2022-06-05</a:t>
+              <a:t>2022-09-01</a:t>
             </a:fld>
             <a:endParaRPr lang="ko-KR" altLang="en-US"/>
           </a:p>
@@ -1728,7 +1731,7 @@
           <a:p>
             <a:fld id="{88CA5724-AAEB-4004-8D3F-C05D4DBBD399}" type="datetimeFigureOut">
               <a:rPr lang="ko-KR" altLang="en-US" smtClean="0"/>
-              <a:t>2022-06-05</a:t>
+              <a:t>2022-09-01</a:t>
             </a:fld>
             <a:endParaRPr lang="ko-KR" altLang="en-US"/>
           </a:p>
@@ -1823,7 +1826,7 @@
           <a:p>
             <a:fld id="{88CA5724-AAEB-4004-8D3F-C05D4DBBD399}" type="datetimeFigureOut">
               <a:rPr lang="ko-KR" altLang="en-US" smtClean="0"/>
-              <a:t>2022-06-05</a:t>
+              <a:t>2022-09-01</a:t>
             </a:fld>
             <a:endParaRPr lang="ko-KR" altLang="en-US"/>
           </a:p>
@@ -2100,7 +2103,7 @@
           <a:p>
             <a:fld id="{88CA5724-AAEB-4004-8D3F-C05D4DBBD399}" type="datetimeFigureOut">
               <a:rPr lang="ko-KR" altLang="en-US" smtClean="0"/>
-              <a:t>2022-06-05</a:t>
+              <a:t>2022-09-01</a:t>
             </a:fld>
             <a:endParaRPr lang="ko-KR" altLang="en-US"/>
           </a:p>
@@ -2357,7 +2360,7 @@
           <a:p>
             <a:fld id="{88CA5724-AAEB-4004-8D3F-C05D4DBBD399}" type="datetimeFigureOut">
               <a:rPr lang="ko-KR" altLang="en-US" smtClean="0"/>
-              <a:t>2022-06-05</a:t>
+              <a:t>2022-09-01</a:t>
             </a:fld>
             <a:endParaRPr lang="ko-KR" altLang="en-US"/>
           </a:p>
@@ -2570,7 +2573,7 @@
           <a:p>
             <a:fld id="{88CA5724-AAEB-4004-8D3F-C05D4DBBD399}" type="datetimeFigureOut">
               <a:rPr lang="ko-KR" altLang="en-US" smtClean="0"/>
-              <a:t>2022-06-05</a:t>
+              <a:t>2022-09-01</a:t>
             </a:fld>
             <a:endParaRPr lang="ko-KR" altLang="en-US"/>
           </a:p>
@@ -6152,12 +6155,2203 @@
           </a:p>
         </p:txBody>
       </p:sp>
+      <p:sp>
+        <p:nvSpPr>
+          <p:cNvPr id="2" name="TextBox 1">
+            <a:extLst>
+              <a:ext uri="{FF2B5EF4-FFF2-40B4-BE49-F238E27FC236}">
+                <a16:creationId xmlns:a16="http://schemas.microsoft.com/office/drawing/2014/main" id="{4A5E73CF-0077-772B-A1ED-41AE9439A123}"/>
+              </a:ext>
+            </a:extLst>
+          </p:cNvPr>
+          <p:cNvSpPr txBox="1"/>
+          <p:nvPr/>
+        </p:nvSpPr>
+        <p:spPr>
+          <a:xfrm>
+            <a:off x="2348479" y="12262319"/>
+            <a:ext cx="1852240" cy="400110"/>
+          </a:xfrm>
+          <a:prstGeom prst="rect">
+            <a:avLst/>
+          </a:prstGeom>
+          <a:noFill/>
+        </p:spPr>
+        <p:txBody>
+          <a:bodyPr wrap="square" rtlCol="0">
+            <a:spAutoFit/>
+          </a:bodyPr>
+          <a:lstStyle/>
+          <a:p>
+            <a:pPr algn="ctr"/>
+            <a:r>
+              <a:rPr lang="en-US" altLang="ko-KR" sz="2000" dirty="0">
+                <a:solidFill>
+                  <a:srgbClr val="000000"/>
+                </a:solidFill>
+                <a:latin typeface="Times New Roman" panose="02020603050405020304" pitchFamily="18" charset="0"/>
+                <a:cs typeface="Times New Roman" panose="02020603050405020304" pitchFamily="18" charset="0"/>
+              </a:rPr>
+              <a:t>Original Images</a:t>
+            </a:r>
+            <a:endParaRPr lang="ko-KR" altLang="en-US" sz="2000" dirty="0">
+              <a:latin typeface="Times New Roman" panose="02020603050405020304" pitchFamily="18" charset="0"/>
+              <a:cs typeface="Times New Roman" panose="02020603050405020304" pitchFamily="18" charset="0"/>
+            </a:endParaRPr>
+          </a:p>
+        </p:txBody>
+      </p:sp>
+      <p:pic>
+        <p:nvPicPr>
+          <p:cNvPr id="30" name="그림 29" descr="텍스트이(가) 표시된 사진&#10;&#10;자동 생성된 설명">
+            <a:extLst>
+              <a:ext uri="{FF2B5EF4-FFF2-40B4-BE49-F238E27FC236}">
+                <a16:creationId xmlns:a16="http://schemas.microsoft.com/office/drawing/2014/main" id="{E75E7799-5680-4995-224D-6A44B45903B0}"/>
+              </a:ext>
+            </a:extLst>
+          </p:cNvPr>
+          <p:cNvPicPr>
+            <a:picLocks/>
+          </p:cNvPicPr>
+          <p:nvPr/>
+        </p:nvPicPr>
+        <p:blipFill>
+          <a:blip r:embed="rId2">
+            <a:extLst>
+              <a:ext uri="{28A0092B-C50C-407E-A947-70E740481C1C}">
+                <a14:useLocalDpi xmlns:a14="http://schemas.microsoft.com/office/drawing/2010/main" val="0"/>
+              </a:ext>
+            </a:extLst>
+          </a:blip>
+          <a:stretch>
+            <a:fillRect/>
+          </a:stretch>
+        </p:blipFill>
+        <p:spPr>
+          <a:xfrm>
+            <a:off x="11022315" y="5420814"/>
+            <a:ext cx="1836000" cy="1224000"/>
+          </a:xfrm>
+          <a:prstGeom prst="rect">
+            <a:avLst/>
+          </a:prstGeom>
+          <a:ln>
+            <a:solidFill>
+              <a:schemeClr val="tx1"/>
+            </a:solidFill>
+          </a:ln>
+        </p:spPr>
+      </p:pic>
+      <p:pic>
+        <p:nvPicPr>
+          <p:cNvPr id="6" name="그림 5">
+            <a:extLst>
+              <a:ext uri="{FF2B5EF4-FFF2-40B4-BE49-F238E27FC236}">
+                <a16:creationId xmlns:a16="http://schemas.microsoft.com/office/drawing/2014/main" id="{4E2A604B-105C-AB42-00A2-CA8F8DB77956}"/>
+              </a:ext>
+            </a:extLst>
+          </p:cNvPr>
+          <p:cNvPicPr>
+            <a:picLocks/>
+          </p:cNvPicPr>
+          <p:nvPr/>
+        </p:nvPicPr>
+        <p:blipFill>
+          <a:blip r:embed="rId3">
+            <a:extLst>
+              <a:ext uri="{28A0092B-C50C-407E-A947-70E740481C1C}">
+                <a14:useLocalDpi xmlns:a14="http://schemas.microsoft.com/office/drawing/2010/main" val="0"/>
+              </a:ext>
+            </a:extLst>
+          </a:blip>
+          <a:stretch>
+            <a:fillRect/>
+          </a:stretch>
+        </p:blipFill>
+        <p:spPr>
+          <a:xfrm>
+            <a:off x="11022315" y="9945068"/>
+            <a:ext cx="1836000" cy="1224000"/>
+          </a:xfrm>
+          <a:prstGeom prst="rect">
+            <a:avLst/>
+          </a:prstGeom>
+          <a:ln>
+            <a:solidFill>
+              <a:schemeClr val="tx1"/>
+            </a:solidFill>
+          </a:ln>
+        </p:spPr>
+      </p:pic>
+      <p:sp>
+        <p:nvSpPr>
+          <p:cNvPr id="56" name="TextBox 55">
+            <a:extLst>
+              <a:ext uri="{FF2B5EF4-FFF2-40B4-BE49-F238E27FC236}">
+                <a16:creationId xmlns:a16="http://schemas.microsoft.com/office/drawing/2014/main" id="{6C2FF229-99A1-AD1D-7CBB-CF7B2299A401}"/>
+              </a:ext>
+            </a:extLst>
+          </p:cNvPr>
+          <p:cNvSpPr txBox="1"/>
+          <p:nvPr/>
+        </p:nvSpPr>
+        <p:spPr>
+          <a:xfrm>
+            <a:off x="11022315" y="12321789"/>
+            <a:ext cx="1852240" cy="400110"/>
+          </a:xfrm>
+          <a:prstGeom prst="rect">
+            <a:avLst/>
+          </a:prstGeom>
+          <a:noFill/>
+        </p:spPr>
+        <p:txBody>
+          <a:bodyPr wrap="square" rtlCol="0">
+            <a:spAutoFit/>
+          </a:bodyPr>
+          <a:lstStyle/>
+          <a:p>
+            <a:pPr algn="ctr"/>
+            <a:r>
+              <a:rPr lang="en-US" altLang="ko-KR" sz="2000" b="0" i="0" dirty="0">
+                <a:solidFill>
+                  <a:srgbClr val="000000"/>
+                </a:solidFill>
+                <a:effectLst/>
+                <a:latin typeface="Times New Roman" panose="02020603050405020304" pitchFamily="18" charset="0"/>
+                <a:cs typeface="Times New Roman" panose="02020603050405020304" pitchFamily="18" charset="0"/>
+              </a:rPr>
+              <a:t>Masked Images</a:t>
+            </a:r>
+            <a:endParaRPr lang="ko-KR" altLang="en-US" sz="2000" dirty="0">
+              <a:latin typeface="Times New Roman" panose="02020603050405020304" pitchFamily="18" charset="0"/>
+              <a:cs typeface="Times New Roman" panose="02020603050405020304" pitchFamily="18" charset="0"/>
+            </a:endParaRPr>
+          </a:p>
+        </p:txBody>
+      </p:sp>
+      <p:sp>
+        <p:nvSpPr>
+          <p:cNvPr id="22" name="직사각형 21">
+            <a:extLst>
+              <a:ext uri="{FF2B5EF4-FFF2-40B4-BE49-F238E27FC236}">
+                <a16:creationId xmlns:a16="http://schemas.microsoft.com/office/drawing/2014/main" id="{4F548EEE-E842-AB43-5E7E-858A0AC2BCEB}"/>
+              </a:ext>
+            </a:extLst>
+          </p:cNvPr>
+          <p:cNvSpPr>
+            <a:spLocks/>
+          </p:cNvSpPr>
+          <p:nvPr/>
+        </p:nvSpPr>
+        <p:spPr>
+          <a:xfrm>
+            <a:off x="2084244" y="2947737"/>
+            <a:ext cx="2364470" cy="4136866"/>
+          </a:xfrm>
+          <a:prstGeom prst="rect">
+            <a:avLst/>
+          </a:prstGeom>
+        </p:spPr>
+        <p:style>
+          <a:lnRef idx="2">
+            <a:schemeClr val="dk1"/>
+          </a:lnRef>
+          <a:fillRef idx="1">
+            <a:schemeClr val="lt1"/>
+          </a:fillRef>
+          <a:effectRef idx="0">
+            <a:schemeClr val="dk1"/>
+          </a:effectRef>
+          <a:fontRef idx="minor">
+            <a:schemeClr val="dk1"/>
+          </a:fontRef>
+        </p:style>
+        <p:txBody>
+          <a:bodyPr rtlCol="0" anchor="ctr"/>
+          <a:lstStyle/>
+          <a:p>
+            <a:pPr algn="ctr"/>
+            <a:endParaRPr lang="ko-KR" altLang="en-US" dirty="0"/>
+          </a:p>
+        </p:txBody>
+      </p:sp>
+      <p:pic>
+        <p:nvPicPr>
+          <p:cNvPr id="24" name="그림 23" descr="텍스트, 도로, 실외, 건물이(가) 표시된 사진&#10;&#10;자동 생성된 설명">
+            <a:extLst>
+              <a:ext uri="{FF2B5EF4-FFF2-40B4-BE49-F238E27FC236}">
+                <a16:creationId xmlns:a16="http://schemas.microsoft.com/office/drawing/2014/main" id="{DE2FCEBE-9A17-C6FF-DD22-4FB9547030D1}"/>
+              </a:ext>
+            </a:extLst>
+          </p:cNvPr>
+          <p:cNvPicPr>
+            <a:picLocks/>
+          </p:cNvPicPr>
+          <p:nvPr/>
+        </p:nvPicPr>
+        <p:blipFill>
+          <a:blip r:embed="rId4">
+            <a:extLst>
+              <a:ext uri="{28A0092B-C50C-407E-A947-70E740481C1C}">
+                <a14:useLocalDpi xmlns:a14="http://schemas.microsoft.com/office/drawing/2010/main" val="0"/>
+              </a:ext>
+            </a:extLst>
+          </a:blip>
+          <a:stretch>
+            <a:fillRect/>
+          </a:stretch>
+        </p:blipFill>
+        <p:spPr>
+          <a:xfrm>
+            <a:off x="2348479" y="5420814"/>
+            <a:ext cx="1836000" cy="1224000"/>
+          </a:xfrm>
+          <a:prstGeom prst="rect">
+            <a:avLst/>
+          </a:prstGeom>
+          <a:ln>
+            <a:solidFill>
+              <a:schemeClr val="tx1"/>
+            </a:solidFill>
+          </a:ln>
+        </p:spPr>
+      </p:pic>
+      <p:pic>
+        <p:nvPicPr>
+          <p:cNvPr id="12" name="그림 11" descr="도로, 하늘, 실외, 장면이(가) 표시된 사진&#10;&#10;자동 생성된 설명">
+            <a:extLst>
+              <a:ext uri="{FF2B5EF4-FFF2-40B4-BE49-F238E27FC236}">
+                <a16:creationId xmlns:a16="http://schemas.microsoft.com/office/drawing/2014/main" id="{62BBB26D-F810-1BEA-E288-02D130DAA3BC}"/>
+              </a:ext>
+            </a:extLst>
+          </p:cNvPr>
+          <p:cNvPicPr>
+            <a:picLocks/>
+          </p:cNvPicPr>
+          <p:nvPr/>
+        </p:nvPicPr>
+        <p:blipFill rotWithShape="1">
+          <a:blip r:embed="rId5">
+            <a:extLst>
+              <a:ext uri="{28A0092B-C50C-407E-A947-70E740481C1C}">
+                <a14:useLocalDpi xmlns:a14="http://schemas.microsoft.com/office/drawing/2010/main" val="0"/>
+              </a:ext>
+            </a:extLst>
+          </a:blip>
+          <a:srcRect t="18757" b="768"/>
+          <a:stretch/>
+        </p:blipFill>
+        <p:spPr>
+          <a:xfrm>
+            <a:off x="2348479" y="3382393"/>
+            <a:ext cx="1836000" cy="1224000"/>
+          </a:xfrm>
+          <a:prstGeom prst="rect">
+            <a:avLst/>
+          </a:prstGeom>
+          <a:ln>
+            <a:solidFill>
+              <a:schemeClr val="tx1"/>
+            </a:solidFill>
+          </a:ln>
+        </p:spPr>
+      </p:pic>
+      <p:pic>
+        <p:nvPicPr>
+          <p:cNvPr id="14" name="그림 13">
+            <a:extLst>
+              <a:ext uri="{FF2B5EF4-FFF2-40B4-BE49-F238E27FC236}">
+                <a16:creationId xmlns:a16="http://schemas.microsoft.com/office/drawing/2014/main" id="{4D4A48D8-7170-4065-A68C-1C74D6BFA7EF}"/>
+              </a:ext>
+            </a:extLst>
+          </p:cNvPr>
+          <p:cNvPicPr>
+            <a:picLocks/>
+          </p:cNvPicPr>
+          <p:nvPr/>
+        </p:nvPicPr>
+        <p:blipFill rotWithShape="1">
+          <a:blip r:embed="rId6">
+            <a:extLst>
+              <a:ext uri="{28A0092B-C50C-407E-A947-70E740481C1C}">
+                <a14:useLocalDpi xmlns:a14="http://schemas.microsoft.com/office/drawing/2010/main" val="0"/>
+              </a:ext>
+            </a:extLst>
+          </a:blip>
+          <a:srcRect t="22674"/>
+          <a:stretch/>
+        </p:blipFill>
+        <p:spPr>
+          <a:xfrm>
+            <a:off x="11022315" y="3382393"/>
+            <a:ext cx="1836000" cy="1224000"/>
+          </a:xfrm>
+          <a:prstGeom prst="rect">
+            <a:avLst/>
+          </a:prstGeom>
+          <a:ln>
+            <a:solidFill>
+              <a:schemeClr val="tx1"/>
+            </a:solidFill>
+          </a:ln>
+        </p:spPr>
+      </p:pic>
+      <p:sp>
+        <p:nvSpPr>
+          <p:cNvPr id="63" name="직사각형 62">
+            <a:extLst>
+              <a:ext uri="{FF2B5EF4-FFF2-40B4-BE49-F238E27FC236}">
+                <a16:creationId xmlns:a16="http://schemas.microsoft.com/office/drawing/2014/main" id="{A5215C4E-74A6-D6BF-E1C7-696A2A18895E}"/>
+              </a:ext>
+            </a:extLst>
+          </p:cNvPr>
+          <p:cNvSpPr/>
+          <p:nvPr/>
+        </p:nvSpPr>
+        <p:spPr>
+          <a:xfrm>
+            <a:off x="6703397" y="8623196"/>
+            <a:ext cx="1800000" cy="2160000"/>
+          </a:xfrm>
+          <a:prstGeom prst="rect">
+            <a:avLst/>
+          </a:prstGeom>
+        </p:spPr>
+        <p:style>
+          <a:lnRef idx="2">
+            <a:schemeClr val="dk1"/>
+          </a:lnRef>
+          <a:fillRef idx="1">
+            <a:schemeClr val="lt1"/>
+          </a:fillRef>
+          <a:effectRef idx="0">
+            <a:schemeClr val="dk1"/>
+          </a:effectRef>
+          <a:fontRef idx="minor">
+            <a:schemeClr val="dk1"/>
+          </a:fontRef>
+        </p:style>
+        <p:txBody>
+          <a:bodyPr rtlCol="0" anchor="ctr"/>
+          <a:lstStyle/>
+          <a:p>
+            <a:pPr algn="ctr"/>
+            <a:r>
+              <a:rPr lang="en-US" altLang="ko-KR" sz="2000" dirty="0">
+                <a:latin typeface="Times New Roman" panose="02020603050405020304" pitchFamily="18" charset="0"/>
+                <a:ea typeface="+mj-ea"/>
+                <a:cs typeface="Times New Roman" panose="02020603050405020304" pitchFamily="18" charset="0"/>
+              </a:rPr>
+              <a:t>Mask R-CNN</a:t>
+            </a:r>
+            <a:endParaRPr lang="ko-KR" altLang="en-US" sz="2000" dirty="0">
+              <a:latin typeface="Times New Roman" panose="02020603050405020304" pitchFamily="18" charset="0"/>
+              <a:ea typeface="+mj-ea"/>
+              <a:cs typeface="Times New Roman" panose="02020603050405020304" pitchFamily="18" charset="0"/>
+            </a:endParaRPr>
+          </a:p>
+        </p:txBody>
+      </p:sp>
+      <p:cxnSp>
+        <p:nvCxnSpPr>
+          <p:cNvPr id="81" name="직선 화살표 연결선 80">
+            <a:extLst>
+              <a:ext uri="{FF2B5EF4-FFF2-40B4-BE49-F238E27FC236}">
+                <a16:creationId xmlns:a16="http://schemas.microsoft.com/office/drawing/2014/main" id="{5AB3AB9E-3E5E-1188-B018-580BD843F955}"/>
+              </a:ext>
+            </a:extLst>
+          </p:cNvPr>
+          <p:cNvCxnSpPr>
+            <a:cxnSpLocks/>
+            <a:stCxn id="21" idx="2"/>
+            <a:endCxn id="87" idx="0"/>
+          </p:cNvCxnSpPr>
+          <p:nvPr/>
+        </p:nvCxnSpPr>
+        <p:spPr>
+          <a:xfrm>
+            <a:off x="17121553" y="7084600"/>
+            <a:ext cx="13625" cy="1275862"/>
+          </a:xfrm>
+          <a:prstGeom prst="straightConnector1">
+            <a:avLst/>
+          </a:prstGeom>
+          <a:ln w="38100">
+            <a:tailEnd type="triangle"/>
+          </a:ln>
+        </p:spPr>
+        <p:style>
+          <a:lnRef idx="1">
+            <a:schemeClr val="dk1"/>
+          </a:lnRef>
+          <a:fillRef idx="0">
+            <a:schemeClr val="dk1"/>
+          </a:fillRef>
+          <a:effectRef idx="0">
+            <a:schemeClr val="dk1"/>
+          </a:effectRef>
+          <a:fontRef idx="minor">
+            <a:schemeClr val="tx1"/>
+          </a:fontRef>
+        </p:style>
+      </p:cxnSp>
+      <p:sp>
+        <p:nvSpPr>
+          <p:cNvPr id="10" name="TextBox 9">
+            <a:extLst>
+              <a:ext uri="{FF2B5EF4-FFF2-40B4-BE49-F238E27FC236}">
+                <a16:creationId xmlns:a16="http://schemas.microsoft.com/office/drawing/2014/main" id="{5C14D6ED-D8A1-17E6-50EC-607BDCABFA1E}"/>
+              </a:ext>
+            </a:extLst>
+          </p:cNvPr>
+          <p:cNvSpPr txBox="1"/>
+          <p:nvPr/>
+        </p:nvSpPr>
+        <p:spPr>
+          <a:xfrm>
+            <a:off x="15681552" y="11751602"/>
+            <a:ext cx="2919664" cy="553998"/>
+          </a:xfrm>
+          <a:prstGeom prst="rect">
+            <a:avLst/>
+          </a:prstGeom>
+          <a:noFill/>
+        </p:spPr>
+        <p:txBody>
+          <a:bodyPr wrap="square" rtlCol="0">
+            <a:spAutoFit/>
+          </a:bodyPr>
+          <a:lstStyle/>
+          <a:p>
+            <a:pPr algn="ctr"/>
+            <a:r>
+              <a:rPr lang="en-US" altLang="ko-KR" sz="3000" dirty="0">
+                <a:latin typeface="Times New Roman" panose="02020603050405020304" pitchFamily="18" charset="0"/>
+                <a:cs typeface="Times New Roman" panose="02020603050405020304" pitchFamily="18" charset="0"/>
+              </a:rPr>
+              <a:t>Danger</a:t>
+            </a:r>
+          </a:p>
+        </p:txBody>
+      </p:sp>
+      <p:sp>
+        <p:nvSpPr>
+          <p:cNvPr id="40" name="직사각형 39">
+            <a:extLst>
+              <a:ext uri="{FF2B5EF4-FFF2-40B4-BE49-F238E27FC236}">
+                <a16:creationId xmlns:a16="http://schemas.microsoft.com/office/drawing/2014/main" id="{4477C383-F0E3-F0B3-14B3-AC50B549ABFF}"/>
+              </a:ext>
+            </a:extLst>
+          </p:cNvPr>
+          <p:cNvSpPr>
+            <a:spLocks/>
+          </p:cNvSpPr>
+          <p:nvPr/>
+        </p:nvSpPr>
+        <p:spPr>
+          <a:xfrm>
+            <a:off x="2084244" y="7634763"/>
+            <a:ext cx="2364470" cy="4136866"/>
+          </a:xfrm>
+          <a:prstGeom prst="rect">
+            <a:avLst/>
+          </a:prstGeom>
+        </p:spPr>
+        <p:style>
+          <a:lnRef idx="2">
+            <a:schemeClr val="dk1"/>
+          </a:lnRef>
+          <a:fillRef idx="1">
+            <a:schemeClr val="lt1"/>
+          </a:fillRef>
+          <a:effectRef idx="0">
+            <a:schemeClr val="dk1"/>
+          </a:effectRef>
+          <a:fontRef idx="minor">
+            <a:schemeClr val="dk1"/>
+          </a:fontRef>
+        </p:style>
+        <p:txBody>
+          <a:bodyPr rtlCol="0" anchor="ctr"/>
+          <a:lstStyle/>
+          <a:p>
+            <a:pPr algn="ctr"/>
+            <a:endParaRPr lang="ko-KR" altLang="en-US" u="sng" dirty="0"/>
+          </a:p>
+        </p:txBody>
+      </p:sp>
+      <p:pic>
+        <p:nvPicPr>
+          <p:cNvPr id="5" name="그림 4" descr="텍스트, 도로, 실외, 건물이(가) 표시된 사진&#10;&#10;자동 생성된 설명">
+            <a:extLst>
+              <a:ext uri="{FF2B5EF4-FFF2-40B4-BE49-F238E27FC236}">
+                <a16:creationId xmlns:a16="http://schemas.microsoft.com/office/drawing/2014/main" id="{C2DCB5CD-F557-E199-9094-FF6C67098597}"/>
+              </a:ext>
+            </a:extLst>
+          </p:cNvPr>
+          <p:cNvPicPr>
+            <a:picLocks/>
+          </p:cNvPicPr>
+          <p:nvPr/>
+        </p:nvPicPr>
+        <p:blipFill rotWithShape="1">
+          <a:blip r:embed="rId7">
+            <a:extLst>
+              <a:ext uri="{28A0092B-C50C-407E-A947-70E740481C1C}">
+                <a14:useLocalDpi xmlns:a14="http://schemas.microsoft.com/office/drawing/2010/main" val="0"/>
+              </a:ext>
+            </a:extLst>
+          </a:blip>
+          <a:srcRect l="13523" r="15615"/>
+          <a:stretch/>
+        </p:blipFill>
+        <p:spPr>
+          <a:xfrm>
+            <a:off x="2348479" y="9945068"/>
+            <a:ext cx="1836000" cy="1224000"/>
+          </a:xfrm>
+          <a:prstGeom prst="rect">
+            <a:avLst/>
+          </a:prstGeom>
+          <a:ln>
+            <a:solidFill>
+              <a:schemeClr val="tx1"/>
+            </a:solidFill>
+          </a:ln>
+        </p:spPr>
+      </p:pic>
+      <p:cxnSp>
+        <p:nvCxnSpPr>
+          <p:cNvPr id="45" name="직선 화살표 연결선 44">
+            <a:extLst>
+              <a:ext uri="{FF2B5EF4-FFF2-40B4-BE49-F238E27FC236}">
+                <a16:creationId xmlns:a16="http://schemas.microsoft.com/office/drawing/2014/main" id="{AFFDBE0F-FC24-0290-5ADC-A53B56C20B13}"/>
+              </a:ext>
+            </a:extLst>
+          </p:cNvPr>
+          <p:cNvCxnSpPr>
+            <a:cxnSpLocks/>
+            <a:stCxn id="22" idx="3"/>
+            <a:endCxn id="9" idx="1"/>
+          </p:cNvCxnSpPr>
+          <p:nvPr/>
+        </p:nvCxnSpPr>
+        <p:spPr>
+          <a:xfrm>
+            <a:off x="4448714" y="5016170"/>
+            <a:ext cx="2254683" cy="964"/>
+          </a:xfrm>
+          <a:prstGeom prst="straightConnector1">
+            <a:avLst/>
+          </a:prstGeom>
+          <a:ln w="38100">
+            <a:tailEnd type="triangle"/>
+          </a:ln>
+        </p:spPr>
+        <p:style>
+          <a:lnRef idx="1">
+            <a:schemeClr val="accent1"/>
+          </a:lnRef>
+          <a:fillRef idx="0">
+            <a:schemeClr val="accent1"/>
+          </a:fillRef>
+          <a:effectRef idx="0">
+            <a:schemeClr val="accent1"/>
+          </a:effectRef>
+          <a:fontRef idx="minor">
+            <a:schemeClr val="tx1"/>
+          </a:fontRef>
+        </p:style>
+      </p:cxnSp>
+      <p:pic>
+        <p:nvPicPr>
+          <p:cNvPr id="32" name="그림 31" descr="텍스트, 도로, 나무, 실외이(가) 표시된 사진&#10;&#10;자동 생성된 설명">
+            <a:extLst>
+              <a:ext uri="{FF2B5EF4-FFF2-40B4-BE49-F238E27FC236}">
+                <a16:creationId xmlns:a16="http://schemas.microsoft.com/office/drawing/2014/main" id="{68503111-A776-D0EF-8E90-DC5C4A3FD2B3}"/>
+              </a:ext>
+            </a:extLst>
+          </p:cNvPr>
+          <p:cNvPicPr>
+            <a:picLocks noChangeAspect="1"/>
+          </p:cNvPicPr>
+          <p:nvPr/>
+        </p:nvPicPr>
+        <p:blipFill>
+          <a:blip r:embed="rId8">
+            <a:extLst>
+              <a:ext uri="{28A0092B-C50C-407E-A947-70E740481C1C}">
+                <a14:useLocalDpi xmlns:a14="http://schemas.microsoft.com/office/drawing/2010/main" val="0"/>
+              </a:ext>
+            </a:extLst>
+          </a:blip>
+          <a:stretch>
+            <a:fillRect/>
+          </a:stretch>
+        </p:blipFill>
+        <p:spPr>
+          <a:xfrm>
+            <a:off x="2348479" y="8170908"/>
+            <a:ext cx="1836000" cy="1224000"/>
+          </a:xfrm>
+          <a:prstGeom prst="rect">
+            <a:avLst/>
+          </a:prstGeom>
+          <a:ln>
+            <a:solidFill>
+              <a:schemeClr val="tx1"/>
+            </a:solidFill>
+          </a:ln>
+        </p:spPr>
+      </p:pic>
+      <p:pic>
+        <p:nvPicPr>
+          <p:cNvPr id="34" name="그림 33">
+            <a:extLst>
+              <a:ext uri="{FF2B5EF4-FFF2-40B4-BE49-F238E27FC236}">
+                <a16:creationId xmlns:a16="http://schemas.microsoft.com/office/drawing/2014/main" id="{50BD7320-752F-66EC-7052-12748C4960C2}"/>
+              </a:ext>
+            </a:extLst>
+          </p:cNvPr>
+          <p:cNvPicPr preferRelativeResize="0">
+            <a:picLocks/>
+          </p:cNvPicPr>
+          <p:nvPr/>
+        </p:nvPicPr>
+        <p:blipFill>
+          <a:blip r:embed="rId9">
+            <a:extLst>
+              <a:ext uri="{28A0092B-C50C-407E-A947-70E740481C1C}">
+                <a14:useLocalDpi xmlns:a14="http://schemas.microsoft.com/office/drawing/2010/main" val="0"/>
+              </a:ext>
+            </a:extLst>
+          </a:blip>
+          <a:stretch>
+            <a:fillRect/>
+          </a:stretch>
+        </p:blipFill>
+        <p:spPr>
+          <a:xfrm>
+            <a:off x="11022315" y="8167971"/>
+            <a:ext cx="1836000" cy="1224000"/>
+          </a:xfrm>
+          <a:prstGeom prst="rect">
+            <a:avLst/>
+          </a:prstGeom>
+          <a:ln>
+            <a:solidFill>
+              <a:schemeClr val="tx1"/>
+            </a:solidFill>
+          </a:ln>
+        </p:spPr>
+      </p:pic>
+      <p:cxnSp>
+        <p:nvCxnSpPr>
+          <p:cNvPr id="64" name="직선 화살표 연결선 63">
+            <a:extLst>
+              <a:ext uri="{FF2B5EF4-FFF2-40B4-BE49-F238E27FC236}">
+                <a16:creationId xmlns:a16="http://schemas.microsoft.com/office/drawing/2014/main" id="{78C7B2AE-D49F-ABEA-D38A-5A6BA5B4D9C6}"/>
+              </a:ext>
+            </a:extLst>
+          </p:cNvPr>
+          <p:cNvCxnSpPr>
+            <a:cxnSpLocks/>
+            <a:stCxn id="9" idx="3"/>
+            <a:endCxn id="54" idx="1"/>
+          </p:cNvCxnSpPr>
+          <p:nvPr/>
+        </p:nvCxnSpPr>
+        <p:spPr>
+          <a:xfrm flipV="1">
+            <a:off x="8503397" y="5016170"/>
+            <a:ext cx="2254683" cy="964"/>
+          </a:xfrm>
+          <a:prstGeom prst="straightConnector1">
+            <a:avLst/>
+          </a:prstGeom>
+          <a:ln w="38100">
+            <a:tailEnd type="triangle"/>
+          </a:ln>
+        </p:spPr>
+        <p:style>
+          <a:lnRef idx="1">
+            <a:schemeClr val="accent1"/>
+          </a:lnRef>
+          <a:fillRef idx="0">
+            <a:schemeClr val="accent1"/>
+          </a:fillRef>
+          <a:effectRef idx="0">
+            <a:schemeClr val="accent1"/>
+          </a:effectRef>
+          <a:fontRef idx="minor">
+            <a:schemeClr val="tx1"/>
+          </a:fontRef>
+        </p:style>
+      </p:cxnSp>
+      <p:cxnSp>
+        <p:nvCxnSpPr>
+          <p:cNvPr id="68" name="직선 화살표 연결선 67">
+            <a:extLst>
+              <a:ext uri="{FF2B5EF4-FFF2-40B4-BE49-F238E27FC236}">
+                <a16:creationId xmlns:a16="http://schemas.microsoft.com/office/drawing/2014/main" id="{2094DE5F-D28E-34EC-03B5-44BC2317867F}"/>
+              </a:ext>
+            </a:extLst>
+          </p:cNvPr>
+          <p:cNvCxnSpPr>
+            <a:cxnSpLocks/>
+            <a:stCxn id="40" idx="3"/>
+            <a:endCxn id="63" idx="1"/>
+          </p:cNvCxnSpPr>
+          <p:nvPr/>
+        </p:nvCxnSpPr>
+        <p:spPr>
+          <a:xfrm>
+            <a:off x="4448714" y="9703196"/>
+            <a:ext cx="2254683" cy="0"/>
+          </a:xfrm>
+          <a:prstGeom prst="straightConnector1">
+            <a:avLst/>
+          </a:prstGeom>
+          <a:ln w="38100">
+            <a:tailEnd type="triangle"/>
+          </a:ln>
+        </p:spPr>
+        <p:style>
+          <a:lnRef idx="3">
+            <a:schemeClr val="accent2"/>
+          </a:lnRef>
+          <a:fillRef idx="0">
+            <a:schemeClr val="accent2"/>
+          </a:fillRef>
+          <a:effectRef idx="2">
+            <a:schemeClr val="accent2"/>
+          </a:effectRef>
+          <a:fontRef idx="minor">
+            <a:schemeClr val="tx1"/>
+          </a:fontRef>
+        </p:style>
+      </p:cxnSp>
+      <p:cxnSp>
+        <p:nvCxnSpPr>
+          <p:cNvPr id="72" name="직선 화살표 연결선 71">
+            <a:extLst>
+              <a:ext uri="{FF2B5EF4-FFF2-40B4-BE49-F238E27FC236}">
+                <a16:creationId xmlns:a16="http://schemas.microsoft.com/office/drawing/2014/main" id="{AB1CE72B-585E-4C82-3D96-D5ED20F04C53}"/>
+              </a:ext>
+            </a:extLst>
+          </p:cNvPr>
+          <p:cNvCxnSpPr>
+            <a:cxnSpLocks/>
+            <a:stCxn id="63" idx="3"/>
+            <a:endCxn id="59" idx="1"/>
+          </p:cNvCxnSpPr>
+          <p:nvPr/>
+        </p:nvCxnSpPr>
+        <p:spPr>
+          <a:xfrm>
+            <a:off x="8503397" y="9703196"/>
+            <a:ext cx="2254683" cy="0"/>
+          </a:xfrm>
+          <a:prstGeom prst="straightConnector1">
+            <a:avLst/>
+          </a:prstGeom>
+          <a:ln w="38100">
+            <a:tailEnd type="triangle"/>
+          </a:ln>
+        </p:spPr>
+        <p:style>
+          <a:lnRef idx="3">
+            <a:schemeClr val="accent2"/>
+          </a:lnRef>
+          <a:fillRef idx="0">
+            <a:schemeClr val="accent2"/>
+          </a:fillRef>
+          <a:effectRef idx="2">
+            <a:schemeClr val="accent2"/>
+          </a:effectRef>
+          <a:fontRef idx="minor">
+            <a:schemeClr val="tx1"/>
+          </a:fontRef>
+        </p:style>
+      </p:cxnSp>
+      <p:cxnSp>
+        <p:nvCxnSpPr>
+          <p:cNvPr id="77" name="직선 화살표 연결선 76">
+            <a:extLst>
+              <a:ext uri="{FF2B5EF4-FFF2-40B4-BE49-F238E27FC236}">
+                <a16:creationId xmlns:a16="http://schemas.microsoft.com/office/drawing/2014/main" id="{1B14274D-DFA4-284D-2635-99F14DE788C0}"/>
+              </a:ext>
+            </a:extLst>
+          </p:cNvPr>
+          <p:cNvCxnSpPr>
+            <a:cxnSpLocks/>
+            <a:stCxn id="54" idx="3"/>
+            <a:endCxn id="21" idx="1"/>
+          </p:cNvCxnSpPr>
+          <p:nvPr/>
+        </p:nvCxnSpPr>
+        <p:spPr>
+          <a:xfrm flipV="1">
+            <a:off x="13122550" y="5016169"/>
+            <a:ext cx="2559002" cy="1"/>
+          </a:xfrm>
+          <a:prstGeom prst="straightConnector1">
+            <a:avLst/>
+          </a:prstGeom>
+          <a:ln w="38100">
+            <a:tailEnd type="triangle"/>
+          </a:ln>
+        </p:spPr>
+        <p:style>
+          <a:lnRef idx="1">
+            <a:schemeClr val="accent1"/>
+          </a:lnRef>
+          <a:fillRef idx="0">
+            <a:schemeClr val="accent1"/>
+          </a:fillRef>
+          <a:effectRef idx="0">
+            <a:schemeClr val="accent1"/>
+          </a:effectRef>
+          <a:fontRef idx="minor">
+            <a:schemeClr val="tx1"/>
+          </a:fontRef>
+        </p:style>
+      </p:cxnSp>
+      <p:sp>
+        <p:nvSpPr>
+          <p:cNvPr id="87" name="순서도: 판단 86">
+            <a:extLst>
+              <a:ext uri="{FF2B5EF4-FFF2-40B4-BE49-F238E27FC236}">
+                <a16:creationId xmlns:a16="http://schemas.microsoft.com/office/drawing/2014/main" id="{13A93642-E52E-180F-B9A2-BF9BDF416866}"/>
+              </a:ext>
+            </a:extLst>
+          </p:cNvPr>
+          <p:cNvSpPr/>
+          <p:nvPr/>
+        </p:nvSpPr>
+        <p:spPr>
+          <a:xfrm>
+            <a:off x="15415470" y="8360462"/>
+            <a:ext cx="3439416" cy="2685467"/>
+          </a:xfrm>
+          <a:prstGeom prst="flowChartDecision">
+            <a:avLst/>
+          </a:prstGeom>
+        </p:spPr>
+        <p:style>
+          <a:lnRef idx="2">
+            <a:schemeClr val="dk1"/>
+          </a:lnRef>
+          <a:fillRef idx="1">
+            <a:schemeClr val="lt1"/>
+          </a:fillRef>
+          <a:effectRef idx="0">
+            <a:schemeClr val="dk1"/>
+          </a:effectRef>
+          <a:fontRef idx="minor">
+            <a:schemeClr val="dk1"/>
+          </a:fontRef>
+        </p:style>
+        <p:txBody>
+          <a:bodyPr rtlCol="0" anchor="ctr"/>
+          <a:lstStyle/>
+          <a:p>
+            <a:pPr algn="ctr"/>
+            <a:r>
+              <a:rPr lang="en-US" altLang="ko-KR" sz="2400" dirty="0">
+                <a:latin typeface="Times New Roman" panose="02020603050405020304" pitchFamily="18" charset="0"/>
+                <a:cs typeface="Times New Roman" panose="02020603050405020304" pitchFamily="18" charset="0"/>
+              </a:rPr>
+              <a:t>Test</a:t>
+            </a:r>
+            <a:endParaRPr lang="ko-KR" altLang="en-US" sz="2400" dirty="0">
+              <a:latin typeface="Times New Roman" panose="02020603050405020304" pitchFamily="18" charset="0"/>
+              <a:cs typeface="Times New Roman" panose="02020603050405020304" pitchFamily="18" charset="0"/>
+            </a:endParaRPr>
+          </a:p>
+        </p:txBody>
+      </p:sp>
+      <p:cxnSp>
+        <p:nvCxnSpPr>
+          <p:cNvPr id="94" name="직선 화살표 연결선 93">
+            <a:extLst>
+              <a:ext uri="{FF2B5EF4-FFF2-40B4-BE49-F238E27FC236}">
+                <a16:creationId xmlns:a16="http://schemas.microsoft.com/office/drawing/2014/main" id="{1A49A4DA-5BB6-B1DB-0DC4-DFD483DFA3B4}"/>
+              </a:ext>
+            </a:extLst>
+          </p:cNvPr>
+          <p:cNvCxnSpPr>
+            <a:cxnSpLocks/>
+            <a:stCxn id="59" idx="3"/>
+            <a:endCxn id="87" idx="1"/>
+          </p:cNvCxnSpPr>
+          <p:nvPr/>
+        </p:nvCxnSpPr>
+        <p:spPr>
+          <a:xfrm>
+            <a:off x="13122550" y="9703196"/>
+            <a:ext cx="2292920" cy="0"/>
+          </a:xfrm>
+          <a:prstGeom prst="straightConnector1">
+            <a:avLst/>
+          </a:prstGeom>
+          <a:ln w="38100">
+            <a:tailEnd type="triangle"/>
+          </a:ln>
+        </p:spPr>
+        <p:style>
+          <a:lnRef idx="3">
+            <a:schemeClr val="accent2"/>
+          </a:lnRef>
+          <a:fillRef idx="0">
+            <a:schemeClr val="accent2"/>
+          </a:fillRef>
+          <a:effectRef idx="2">
+            <a:schemeClr val="accent2"/>
+          </a:effectRef>
+          <a:fontRef idx="minor">
+            <a:schemeClr val="tx1"/>
+          </a:fontRef>
+        </p:style>
+      </p:cxnSp>
+      <p:sp>
+        <p:nvSpPr>
+          <p:cNvPr id="102" name="TextBox 101">
+            <a:extLst>
+              <a:ext uri="{FF2B5EF4-FFF2-40B4-BE49-F238E27FC236}">
+                <a16:creationId xmlns:a16="http://schemas.microsoft.com/office/drawing/2014/main" id="{38001FFA-E77E-733C-9E97-7549D77696A0}"/>
+              </a:ext>
+            </a:extLst>
+          </p:cNvPr>
+          <p:cNvSpPr txBox="1"/>
+          <p:nvPr/>
+        </p:nvSpPr>
+        <p:spPr>
+          <a:xfrm>
+            <a:off x="19431916" y="9426196"/>
+            <a:ext cx="2919664" cy="553998"/>
+          </a:xfrm>
+          <a:prstGeom prst="rect">
+            <a:avLst/>
+          </a:prstGeom>
+          <a:noFill/>
+        </p:spPr>
+        <p:txBody>
+          <a:bodyPr wrap="square" rtlCol="0">
+            <a:spAutoFit/>
+          </a:bodyPr>
+          <a:lstStyle/>
+          <a:p>
+            <a:r>
+              <a:rPr lang="en-US" altLang="ko-KR" sz="3000" dirty="0">
+                <a:latin typeface="Times New Roman" panose="02020603050405020304" pitchFamily="18" charset="0"/>
+                <a:cs typeface="Times New Roman" panose="02020603050405020304" pitchFamily="18" charset="0"/>
+              </a:rPr>
+              <a:t>   Safety  </a:t>
+            </a:r>
+          </a:p>
+        </p:txBody>
+      </p:sp>
+      <p:cxnSp>
+        <p:nvCxnSpPr>
+          <p:cNvPr id="104" name="직선 화살표 연결선 103">
+            <a:extLst>
+              <a:ext uri="{FF2B5EF4-FFF2-40B4-BE49-F238E27FC236}">
+                <a16:creationId xmlns:a16="http://schemas.microsoft.com/office/drawing/2014/main" id="{3335D21F-0C6E-03FD-B206-945AFF7145BF}"/>
+              </a:ext>
+            </a:extLst>
+          </p:cNvPr>
+          <p:cNvCxnSpPr>
+            <a:cxnSpLocks/>
+            <a:stCxn id="87" idx="3"/>
+          </p:cNvCxnSpPr>
+          <p:nvPr/>
+        </p:nvCxnSpPr>
+        <p:spPr>
+          <a:xfrm flipV="1">
+            <a:off x="18854886" y="9703195"/>
+            <a:ext cx="577030" cy="1"/>
+          </a:xfrm>
+          <a:prstGeom prst="straightConnector1">
+            <a:avLst/>
+          </a:prstGeom>
+          <a:ln w="38100">
+            <a:tailEnd type="triangle"/>
+          </a:ln>
+        </p:spPr>
+        <p:style>
+          <a:lnRef idx="1">
+            <a:schemeClr val="dk1"/>
+          </a:lnRef>
+          <a:fillRef idx="0">
+            <a:schemeClr val="dk1"/>
+          </a:fillRef>
+          <a:effectRef idx="0">
+            <a:schemeClr val="dk1"/>
+          </a:effectRef>
+          <a:fontRef idx="minor">
+            <a:schemeClr val="tx1"/>
+          </a:fontRef>
+        </p:style>
+      </p:cxnSp>
+      <p:sp>
+        <p:nvSpPr>
+          <p:cNvPr id="41" name="왼쪽 중괄호 40">
+            <a:extLst>
+              <a:ext uri="{FF2B5EF4-FFF2-40B4-BE49-F238E27FC236}">
+                <a16:creationId xmlns:a16="http://schemas.microsoft.com/office/drawing/2014/main" id="{8FEE1976-99B3-6BA2-C1F3-B06E407F0856}"/>
+              </a:ext>
+            </a:extLst>
+          </p:cNvPr>
+          <p:cNvSpPr/>
+          <p:nvPr/>
+        </p:nvSpPr>
+        <p:spPr>
+          <a:xfrm rot="16200000">
+            <a:off x="8375080" y="6519700"/>
+            <a:ext cx="400140" cy="13664888"/>
+          </a:xfrm>
+          <a:prstGeom prst="leftBrace">
+            <a:avLst>
+              <a:gd name="adj1" fmla="val 235807"/>
+              <a:gd name="adj2" fmla="val 50000"/>
+            </a:avLst>
+          </a:prstGeom>
+        </p:spPr>
+        <p:style>
+          <a:lnRef idx="1">
+            <a:schemeClr val="dk1"/>
+          </a:lnRef>
+          <a:fillRef idx="0">
+            <a:schemeClr val="dk1"/>
+          </a:fillRef>
+          <a:effectRef idx="0">
+            <a:schemeClr val="dk1"/>
+          </a:effectRef>
+          <a:fontRef idx="minor">
+            <a:schemeClr val="tx1"/>
+          </a:fontRef>
+        </p:style>
+        <p:txBody>
+          <a:bodyPr rtlCol="0" anchor="ctr"/>
+          <a:lstStyle/>
+          <a:p>
+            <a:pPr algn="ctr"/>
+            <a:endParaRPr lang="ko-KR" altLang="en-US"/>
+          </a:p>
+        </p:txBody>
+      </p:sp>
+      <p:sp>
+        <p:nvSpPr>
+          <p:cNvPr id="42" name="왼쪽 중괄호 41">
+            <a:extLst>
+              <a:ext uri="{FF2B5EF4-FFF2-40B4-BE49-F238E27FC236}">
+                <a16:creationId xmlns:a16="http://schemas.microsoft.com/office/drawing/2014/main" id="{1E8EA4FD-9C27-F808-05B9-2D16FB343ED3}"/>
+              </a:ext>
+            </a:extLst>
+          </p:cNvPr>
+          <p:cNvSpPr/>
+          <p:nvPr/>
+        </p:nvSpPr>
+        <p:spPr>
+          <a:xfrm rot="16200000">
+            <a:off x="18093849" y="10632999"/>
+            <a:ext cx="314378" cy="5352508"/>
+          </a:xfrm>
+          <a:prstGeom prst="leftBrace">
+            <a:avLst>
+              <a:gd name="adj1" fmla="val 174544"/>
+              <a:gd name="adj2" fmla="val 50000"/>
+            </a:avLst>
+          </a:prstGeom>
+        </p:spPr>
+        <p:style>
+          <a:lnRef idx="1">
+            <a:schemeClr val="dk1"/>
+          </a:lnRef>
+          <a:fillRef idx="0">
+            <a:schemeClr val="dk1"/>
+          </a:fillRef>
+          <a:effectRef idx="0">
+            <a:schemeClr val="dk1"/>
+          </a:effectRef>
+          <a:fontRef idx="minor">
+            <a:schemeClr val="tx1"/>
+          </a:fontRef>
+        </p:style>
+        <p:txBody>
+          <a:bodyPr rtlCol="0" anchor="ctr"/>
+          <a:lstStyle/>
+          <a:p>
+            <a:pPr algn="ctr"/>
+            <a:endParaRPr lang="ko-KR" altLang="en-US"/>
+          </a:p>
+        </p:txBody>
+      </p:sp>
+      <p:sp>
+        <p:nvSpPr>
+          <p:cNvPr id="43" name="TextBox 42">
+            <a:extLst>
+              <a:ext uri="{FF2B5EF4-FFF2-40B4-BE49-F238E27FC236}">
+                <a16:creationId xmlns:a16="http://schemas.microsoft.com/office/drawing/2014/main" id="{A25B6488-BA5D-1828-FC91-2C8605AE8200}"/>
+              </a:ext>
+            </a:extLst>
+          </p:cNvPr>
+          <p:cNvSpPr txBox="1"/>
+          <p:nvPr/>
+        </p:nvSpPr>
+        <p:spPr>
+          <a:xfrm>
+            <a:off x="6990190" y="13636147"/>
+            <a:ext cx="3169920" cy="430887"/>
+          </a:xfrm>
+          <a:prstGeom prst="rect">
+            <a:avLst/>
+          </a:prstGeom>
+          <a:noFill/>
+        </p:spPr>
+        <p:txBody>
+          <a:bodyPr wrap="square" rtlCol="0">
+            <a:spAutoFit/>
+          </a:bodyPr>
+          <a:lstStyle/>
+          <a:p>
+            <a:pPr algn="ctr"/>
+            <a:r>
+              <a:rPr lang="en-US" altLang="ko-KR" sz="2200" dirty="0">
+                <a:latin typeface="Times New Roman" panose="02020603050405020304" pitchFamily="18" charset="0"/>
+                <a:cs typeface="Times New Roman" panose="02020603050405020304" pitchFamily="18" charset="0"/>
+              </a:rPr>
+              <a:t>Data stage</a:t>
+            </a:r>
+            <a:endParaRPr lang="ko-KR" altLang="en-US" sz="2200" dirty="0">
+              <a:latin typeface="Times New Roman" panose="02020603050405020304" pitchFamily="18" charset="0"/>
+              <a:cs typeface="Times New Roman" panose="02020603050405020304" pitchFamily="18" charset="0"/>
+            </a:endParaRPr>
+          </a:p>
+        </p:txBody>
+      </p:sp>
+      <p:sp>
+        <p:nvSpPr>
+          <p:cNvPr id="44" name="TextBox 43">
+            <a:extLst>
+              <a:ext uri="{FF2B5EF4-FFF2-40B4-BE49-F238E27FC236}">
+                <a16:creationId xmlns:a16="http://schemas.microsoft.com/office/drawing/2014/main" id="{DBDED023-0952-9774-5364-BC122464093D}"/>
+              </a:ext>
+            </a:extLst>
+          </p:cNvPr>
+          <p:cNvSpPr txBox="1"/>
+          <p:nvPr/>
+        </p:nvSpPr>
+        <p:spPr>
+          <a:xfrm>
+            <a:off x="16666078" y="13636147"/>
+            <a:ext cx="3169920" cy="430887"/>
+          </a:xfrm>
+          <a:prstGeom prst="rect">
+            <a:avLst/>
+          </a:prstGeom>
+          <a:noFill/>
+        </p:spPr>
+        <p:txBody>
+          <a:bodyPr wrap="square" rtlCol="0">
+            <a:spAutoFit/>
+          </a:bodyPr>
+          <a:lstStyle/>
+          <a:p>
+            <a:pPr algn="ctr"/>
+            <a:r>
+              <a:rPr lang="en-US" altLang="ko-KR" sz="2200" dirty="0">
+                <a:latin typeface="Times New Roman" panose="02020603050405020304" pitchFamily="18" charset="0"/>
+                <a:cs typeface="Times New Roman" panose="02020603050405020304" pitchFamily="18" charset="0"/>
+              </a:rPr>
+              <a:t>Training &amp; Test stage</a:t>
+            </a:r>
+          </a:p>
+        </p:txBody>
+      </p:sp>
+      <p:cxnSp>
+        <p:nvCxnSpPr>
+          <p:cNvPr id="46" name="직선 화살표 연결선 45">
+            <a:extLst>
+              <a:ext uri="{FF2B5EF4-FFF2-40B4-BE49-F238E27FC236}">
+                <a16:creationId xmlns:a16="http://schemas.microsoft.com/office/drawing/2014/main" id="{0C5229B6-38E5-2DE2-60ED-98C1DFC640ED}"/>
+              </a:ext>
+            </a:extLst>
+          </p:cNvPr>
+          <p:cNvCxnSpPr>
+            <a:cxnSpLocks/>
+            <a:stCxn id="87" idx="2"/>
+            <a:endCxn id="10" idx="0"/>
+          </p:cNvCxnSpPr>
+          <p:nvPr/>
+        </p:nvCxnSpPr>
+        <p:spPr>
+          <a:xfrm>
+            <a:off x="17135178" y="11045929"/>
+            <a:ext cx="6206" cy="486410"/>
+          </a:xfrm>
+          <a:prstGeom prst="straightConnector1">
+            <a:avLst/>
+          </a:prstGeom>
+          <a:ln w="38100">
+            <a:tailEnd type="triangle"/>
+          </a:ln>
+        </p:spPr>
+        <p:style>
+          <a:lnRef idx="1">
+            <a:schemeClr val="dk1"/>
+          </a:lnRef>
+          <a:fillRef idx="0">
+            <a:schemeClr val="dk1"/>
+          </a:fillRef>
+          <a:effectRef idx="0">
+            <a:schemeClr val="dk1"/>
+          </a:effectRef>
+          <a:fontRef idx="minor">
+            <a:schemeClr val="tx1"/>
+          </a:fontRef>
+        </p:style>
+      </p:cxnSp>
+    </p:spTree>
+    <p:extLst>
+      <p:ext uri="{BB962C8B-B14F-4D97-AF65-F5344CB8AC3E}">
+        <p14:creationId xmlns:p14="http://schemas.microsoft.com/office/powerpoint/2010/main" val="3463881268"/>
+      </p:ext>
+    </p:extLst>
+  </p:cSld>
+  <p:clrMapOvr>
+    <a:masterClrMapping/>
+  </p:clrMapOvr>
+</p:sld>
+</file>
+
+<file path=ppt/slides/slide4.xml><?xml version="1.0" encoding="utf-8"?>
+<p:sld xmlns:a="http://schemas.openxmlformats.org/drawingml/2006/main" xmlns:r="http://schemas.openxmlformats.org/officeDocument/2006/relationships" xmlns:p="http://schemas.openxmlformats.org/presentationml/2006/main">
+  <p:cSld>
+    <p:spTree>
+      <p:nvGrpSpPr>
+        <p:cNvPr id="1" name=""/>
+        <p:cNvGrpSpPr/>
+        <p:nvPr/>
+      </p:nvGrpSpPr>
+      <p:grpSpPr>
+        <a:xfrm>
+          <a:off x="0" y="0"/>
+          <a:ext cx="0" cy="0"/>
+          <a:chOff x="0" y="0"/>
+          <a:chExt cx="0" cy="0"/>
+        </a:xfrm>
+      </p:grpSpPr>
+      <p:sp>
+        <p:nvSpPr>
+          <p:cNvPr id="59" name="직사각형 58">
+            <a:extLst>
+              <a:ext uri="{FF2B5EF4-FFF2-40B4-BE49-F238E27FC236}">
+                <a16:creationId xmlns:a16="http://schemas.microsoft.com/office/drawing/2014/main" id="{DAD2CE95-8079-4711-1757-F32B11B95ACC}"/>
+              </a:ext>
+            </a:extLst>
+          </p:cNvPr>
+          <p:cNvSpPr>
+            <a:spLocks/>
+          </p:cNvSpPr>
+          <p:nvPr/>
+        </p:nvSpPr>
+        <p:spPr>
+          <a:xfrm>
+            <a:off x="10758080" y="7634763"/>
+            <a:ext cx="2364470" cy="4136866"/>
+          </a:xfrm>
+          <a:prstGeom prst="rect">
+            <a:avLst/>
+          </a:prstGeom>
+          <a:ln w="38100"/>
+        </p:spPr>
+        <p:style>
+          <a:lnRef idx="2">
+            <a:schemeClr val="dk1"/>
+          </a:lnRef>
+          <a:fillRef idx="1">
+            <a:schemeClr val="lt1"/>
+          </a:fillRef>
+          <a:effectRef idx="0">
+            <a:schemeClr val="dk1"/>
+          </a:effectRef>
+          <a:fontRef idx="minor">
+            <a:schemeClr val="dk1"/>
+          </a:fontRef>
+        </p:style>
+        <p:txBody>
+          <a:bodyPr rtlCol="0" anchor="ctr"/>
+          <a:lstStyle/>
+          <a:p>
+            <a:pPr algn="ctr"/>
+            <a:endParaRPr lang="ko-KR" altLang="en-US" u="sng" dirty="0"/>
+          </a:p>
+        </p:txBody>
+      </p:sp>
+      <p:sp>
+        <p:nvSpPr>
+          <p:cNvPr id="21" name="직사각형 20">
+            <a:extLst>
+              <a:ext uri="{FF2B5EF4-FFF2-40B4-BE49-F238E27FC236}">
+                <a16:creationId xmlns:a16="http://schemas.microsoft.com/office/drawing/2014/main" id="{7060313C-1E95-F050-D817-8DD73EE591E9}"/>
+              </a:ext>
+            </a:extLst>
+          </p:cNvPr>
+          <p:cNvSpPr/>
+          <p:nvPr/>
+        </p:nvSpPr>
+        <p:spPr>
+          <a:xfrm>
+            <a:off x="15681552" y="2859812"/>
+            <a:ext cx="2880001" cy="4136863"/>
+          </a:xfrm>
+          <a:prstGeom prst="rect">
+            <a:avLst/>
+          </a:prstGeom>
+          <a:ln w="28575"/>
+        </p:spPr>
+        <p:style>
+          <a:lnRef idx="2">
+            <a:schemeClr val="dk1"/>
+          </a:lnRef>
+          <a:fillRef idx="1">
+            <a:schemeClr val="lt1"/>
+          </a:fillRef>
+          <a:effectRef idx="0">
+            <a:schemeClr val="dk1"/>
+          </a:effectRef>
+          <a:fontRef idx="minor">
+            <a:schemeClr val="dk1"/>
+          </a:fontRef>
+        </p:style>
+        <p:txBody>
+          <a:bodyPr rtlCol="0" anchor="ctr"/>
+          <a:lstStyle/>
+          <a:p>
+            <a:pPr algn="ctr"/>
+            <a:r>
+              <a:rPr lang="en-US" altLang="ko-KR" sz="2400" dirty="0">
+                <a:latin typeface="Times New Roman" panose="02020603050405020304" pitchFamily="18" charset="0"/>
+                <a:ea typeface="+mj-ea"/>
+                <a:cs typeface="Times New Roman" panose="02020603050405020304" pitchFamily="18" charset="0"/>
+              </a:rPr>
+              <a:t> Training</a:t>
+            </a:r>
+          </a:p>
+          <a:p>
+            <a:pPr algn="ctr"/>
+            <a:r>
+              <a:rPr lang="en-US" altLang="ko-KR" sz="2400" dirty="0">
+                <a:latin typeface="Times New Roman" panose="02020603050405020304" pitchFamily="18" charset="0"/>
+                <a:ea typeface="+mj-ea"/>
+                <a:cs typeface="Times New Roman" panose="02020603050405020304" pitchFamily="18" charset="0"/>
+              </a:rPr>
+              <a:t>CNN Model</a:t>
+            </a:r>
+          </a:p>
+        </p:txBody>
+      </p:sp>
+      <p:sp>
+        <p:nvSpPr>
+          <p:cNvPr id="2" name="TextBox 1">
+            <a:extLst>
+              <a:ext uri="{FF2B5EF4-FFF2-40B4-BE49-F238E27FC236}">
+                <a16:creationId xmlns:a16="http://schemas.microsoft.com/office/drawing/2014/main" id="{4A5E73CF-0077-772B-A1ED-41AE9439A123}"/>
+              </a:ext>
+            </a:extLst>
+          </p:cNvPr>
+          <p:cNvSpPr txBox="1"/>
+          <p:nvPr/>
+        </p:nvSpPr>
+        <p:spPr>
+          <a:xfrm>
+            <a:off x="2348479" y="12262319"/>
+            <a:ext cx="1852240" cy="400110"/>
+          </a:xfrm>
+          <a:prstGeom prst="rect">
+            <a:avLst/>
+          </a:prstGeom>
+          <a:noFill/>
+        </p:spPr>
+        <p:txBody>
+          <a:bodyPr wrap="square" rtlCol="0">
+            <a:spAutoFit/>
+          </a:bodyPr>
+          <a:lstStyle/>
+          <a:p>
+            <a:pPr algn="ctr"/>
+            <a:r>
+              <a:rPr lang="en-US" altLang="ko-KR" sz="2000" dirty="0">
+                <a:solidFill>
+                  <a:srgbClr val="000000"/>
+                </a:solidFill>
+                <a:latin typeface="Times New Roman" panose="02020603050405020304" pitchFamily="18" charset="0"/>
+                <a:cs typeface="Times New Roman" panose="02020603050405020304" pitchFamily="18" charset="0"/>
+              </a:rPr>
+              <a:t>Original Images</a:t>
+            </a:r>
+            <a:endParaRPr lang="ko-KR" altLang="en-US" sz="2000" dirty="0">
+              <a:latin typeface="Times New Roman" panose="02020603050405020304" pitchFamily="18" charset="0"/>
+              <a:cs typeface="Times New Roman" panose="02020603050405020304" pitchFamily="18" charset="0"/>
+            </a:endParaRPr>
+          </a:p>
+        </p:txBody>
+      </p:sp>
+      <p:pic>
+        <p:nvPicPr>
+          <p:cNvPr id="6" name="그림 5">
+            <a:extLst>
+              <a:ext uri="{FF2B5EF4-FFF2-40B4-BE49-F238E27FC236}">
+                <a16:creationId xmlns:a16="http://schemas.microsoft.com/office/drawing/2014/main" id="{4E2A604B-105C-AB42-00A2-CA8F8DB77956}"/>
+              </a:ext>
+            </a:extLst>
+          </p:cNvPr>
+          <p:cNvPicPr>
+            <a:picLocks/>
+          </p:cNvPicPr>
+          <p:nvPr/>
+        </p:nvPicPr>
+        <p:blipFill>
+          <a:blip r:embed="rId2">
+            <a:extLst>
+              <a:ext uri="{28A0092B-C50C-407E-A947-70E740481C1C}">
+                <a14:useLocalDpi xmlns:a14="http://schemas.microsoft.com/office/drawing/2010/main" val="0"/>
+              </a:ext>
+            </a:extLst>
+          </a:blip>
+          <a:stretch>
+            <a:fillRect/>
+          </a:stretch>
+        </p:blipFill>
+        <p:spPr>
+          <a:xfrm>
+            <a:off x="11022315" y="9945068"/>
+            <a:ext cx="1836000" cy="1224000"/>
+          </a:xfrm>
+          <a:prstGeom prst="rect">
+            <a:avLst/>
+          </a:prstGeom>
+          <a:ln w="38100">
+            <a:solidFill>
+              <a:schemeClr val="tx1"/>
+            </a:solidFill>
+          </a:ln>
+        </p:spPr>
+      </p:pic>
+      <p:sp>
+        <p:nvSpPr>
+          <p:cNvPr id="56" name="TextBox 55">
+            <a:extLst>
+              <a:ext uri="{FF2B5EF4-FFF2-40B4-BE49-F238E27FC236}">
+                <a16:creationId xmlns:a16="http://schemas.microsoft.com/office/drawing/2014/main" id="{6C2FF229-99A1-AD1D-7CBB-CF7B2299A401}"/>
+              </a:ext>
+            </a:extLst>
+          </p:cNvPr>
+          <p:cNvSpPr txBox="1"/>
+          <p:nvPr/>
+        </p:nvSpPr>
+        <p:spPr>
+          <a:xfrm>
+            <a:off x="11022315" y="12321789"/>
+            <a:ext cx="1852240" cy="400110"/>
+          </a:xfrm>
+          <a:prstGeom prst="rect">
+            <a:avLst/>
+          </a:prstGeom>
+          <a:noFill/>
+        </p:spPr>
+        <p:txBody>
+          <a:bodyPr wrap="square" rtlCol="0">
+            <a:spAutoFit/>
+          </a:bodyPr>
+          <a:lstStyle/>
+          <a:p>
+            <a:pPr algn="ctr"/>
+            <a:r>
+              <a:rPr lang="en-US" altLang="ko-KR" sz="2000" b="0" i="0" dirty="0">
+                <a:solidFill>
+                  <a:srgbClr val="000000"/>
+                </a:solidFill>
+                <a:effectLst/>
+                <a:latin typeface="Times New Roman" panose="02020603050405020304" pitchFamily="18" charset="0"/>
+                <a:cs typeface="Times New Roman" panose="02020603050405020304" pitchFamily="18" charset="0"/>
+              </a:rPr>
+              <a:t>Masked Images</a:t>
+            </a:r>
+            <a:endParaRPr lang="ko-KR" altLang="en-US" sz="2000" dirty="0">
+              <a:latin typeface="Times New Roman" panose="02020603050405020304" pitchFamily="18" charset="0"/>
+              <a:cs typeface="Times New Roman" panose="02020603050405020304" pitchFamily="18" charset="0"/>
+            </a:endParaRPr>
+          </a:p>
+        </p:txBody>
+      </p:sp>
+      <p:sp>
+        <p:nvSpPr>
+          <p:cNvPr id="63" name="직사각형 62">
+            <a:extLst>
+              <a:ext uri="{FF2B5EF4-FFF2-40B4-BE49-F238E27FC236}">
+                <a16:creationId xmlns:a16="http://schemas.microsoft.com/office/drawing/2014/main" id="{A5215C4E-74A6-D6BF-E1C7-696A2A18895E}"/>
+              </a:ext>
+            </a:extLst>
+          </p:cNvPr>
+          <p:cNvSpPr/>
+          <p:nvPr/>
+        </p:nvSpPr>
+        <p:spPr>
+          <a:xfrm>
+            <a:off x="6204272" y="7631629"/>
+            <a:ext cx="2364470" cy="4139999"/>
+          </a:xfrm>
+          <a:prstGeom prst="rect">
+            <a:avLst/>
+          </a:prstGeom>
+          <a:ln w="38100"/>
+        </p:spPr>
+        <p:style>
+          <a:lnRef idx="2">
+            <a:schemeClr val="dk1"/>
+          </a:lnRef>
+          <a:fillRef idx="1">
+            <a:schemeClr val="lt1"/>
+          </a:fillRef>
+          <a:effectRef idx="0">
+            <a:schemeClr val="dk1"/>
+          </a:effectRef>
+          <a:fontRef idx="minor">
+            <a:schemeClr val="dk1"/>
+          </a:fontRef>
+        </p:style>
+        <p:txBody>
+          <a:bodyPr rtlCol="0" anchor="ctr"/>
+          <a:lstStyle/>
+          <a:p>
+            <a:pPr algn="ctr"/>
+            <a:r>
+              <a:rPr lang="en-US" altLang="ko-KR" sz="2500" dirty="0">
+                <a:latin typeface="Times New Roman" panose="02020603050405020304" pitchFamily="18" charset="0"/>
+                <a:ea typeface="+mj-ea"/>
+                <a:cs typeface="Times New Roman" panose="02020603050405020304" pitchFamily="18" charset="0"/>
+              </a:rPr>
+              <a:t>Mask R-CNN</a:t>
+            </a:r>
+            <a:endParaRPr lang="ko-KR" altLang="en-US" sz="2500" dirty="0">
+              <a:latin typeface="Times New Roman" panose="02020603050405020304" pitchFamily="18" charset="0"/>
+              <a:ea typeface="+mj-ea"/>
+              <a:cs typeface="Times New Roman" panose="02020603050405020304" pitchFamily="18" charset="0"/>
+            </a:endParaRPr>
+          </a:p>
+        </p:txBody>
+      </p:sp>
+      <p:cxnSp>
+        <p:nvCxnSpPr>
+          <p:cNvPr id="81" name="직선 화살표 연결선 80">
+            <a:extLst>
+              <a:ext uri="{FF2B5EF4-FFF2-40B4-BE49-F238E27FC236}">
+                <a16:creationId xmlns:a16="http://schemas.microsoft.com/office/drawing/2014/main" id="{5AB3AB9E-3E5E-1188-B018-580BD843F955}"/>
+              </a:ext>
+            </a:extLst>
+          </p:cNvPr>
+          <p:cNvCxnSpPr>
+            <a:cxnSpLocks/>
+            <a:stCxn id="21" idx="2"/>
+            <a:endCxn id="87" idx="0"/>
+          </p:cNvCxnSpPr>
+          <p:nvPr/>
+        </p:nvCxnSpPr>
+        <p:spPr>
+          <a:xfrm>
+            <a:off x="17121553" y="6996675"/>
+            <a:ext cx="13625" cy="1363787"/>
+          </a:xfrm>
+          <a:prstGeom prst="straightConnector1">
+            <a:avLst/>
+          </a:prstGeom>
+          <a:ln w="38100">
+            <a:tailEnd type="triangle"/>
+          </a:ln>
+        </p:spPr>
+        <p:style>
+          <a:lnRef idx="1">
+            <a:schemeClr val="dk1"/>
+          </a:lnRef>
+          <a:fillRef idx="0">
+            <a:schemeClr val="dk1"/>
+          </a:fillRef>
+          <a:effectRef idx="0">
+            <a:schemeClr val="dk1"/>
+          </a:effectRef>
+          <a:fontRef idx="minor">
+            <a:schemeClr val="tx1"/>
+          </a:fontRef>
+        </p:style>
+      </p:cxnSp>
+      <p:sp>
+        <p:nvSpPr>
+          <p:cNvPr id="10" name="TextBox 9">
+            <a:extLst>
+              <a:ext uri="{FF2B5EF4-FFF2-40B4-BE49-F238E27FC236}">
+                <a16:creationId xmlns:a16="http://schemas.microsoft.com/office/drawing/2014/main" id="{5C14D6ED-D8A1-17E6-50EC-607BDCABFA1E}"/>
+              </a:ext>
+            </a:extLst>
+          </p:cNvPr>
+          <p:cNvSpPr txBox="1"/>
+          <p:nvPr/>
+        </p:nvSpPr>
+        <p:spPr>
+          <a:xfrm>
+            <a:off x="15681552" y="11751602"/>
+            <a:ext cx="2919664" cy="553998"/>
+          </a:xfrm>
+          <a:prstGeom prst="rect">
+            <a:avLst/>
+          </a:prstGeom>
+          <a:noFill/>
+        </p:spPr>
+        <p:txBody>
+          <a:bodyPr wrap="square" rtlCol="0">
+            <a:spAutoFit/>
+          </a:bodyPr>
+          <a:lstStyle/>
+          <a:p>
+            <a:pPr algn="ctr"/>
+            <a:r>
+              <a:rPr lang="en-US" altLang="ko-KR" sz="3000" dirty="0">
+                <a:latin typeface="Times New Roman" panose="02020603050405020304" pitchFamily="18" charset="0"/>
+                <a:cs typeface="Times New Roman" panose="02020603050405020304" pitchFamily="18" charset="0"/>
+              </a:rPr>
+              <a:t>Danger</a:t>
+            </a:r>
+          </a:p>
+        </p:txBody>
+      </p:sp>
+      <p:sp>
+        <p:nvSpPr>
+          <p:cNvPr id="40" name="직사각형 39">
+            <a:extLst>
+              <a:ext uri="{FF2B5EF4-FFF2-40B4-BE49-F238E27FC236}">
+                <a16:creationId xmlns:a16="http://schemas.microsoft.com/office/drawing/2014/main" id="{4477C383-F0E3-F0B3-14B3-AC50B549ABFF}"/>
+              </a:ext>
+            </a:extLst>
+          </p:cNvPr>
+          <p:cNvSpPr>
+            <a:spLocks/>
+          </p:cNvSpPr>
+          <p:nvPr/>
+        </p:nvSpPr>
+        <p:spPr>
+          <a:xfrm>
+            <a:off x="2084244" y="7631826"/>
+            <a:ext cx="2340000" cy="4140000"/>
+          </a:xfrm>
+          <a:prstGeom prst="rect">
+            <a:avLst/>
+          </a:prstGeom>
+          <a:ln w="38100"/>
+        </p:spPr>
+        <p:style>
+          <a:lnRef idx="2">
+            <a:schemeClr val="dk1"/>
+          </a:lnRef>
+          <a:fillRef idx="1">
+            <a:schemeClr val="lt1"/>
+          </a:fillRef>
+          <a:effectRef idx="0">
+            <a:schemeClr val="dk1"/>
+          </a:effectRef>
+          <a:fontRef idx="minor">
+            <a:schemeClr val="dk1"/>
+          </a:fontRef>
+        </p:style>
+        <p:txBody>
+          <a:bodyPr rtlCol="0" anchor="ctr"/>
+          <a:lstStyle/>
+          <a:p>
+            <a:pPr algn="ctr"/>
+            <a:endParaRPr lang="ko-KR" altLang="en-US" u="sng" dirty="0"/>
+          </a:p>
+        </p:txBody>
+      </p:sp>
+      <p:pic>
+        <p:nvPicPr>
+          <p:cNvPr id="5" name="그림 4" descr="텍스트, 도로, 실외, 건물이(가) 표시된 사진&#10;&#10;자동 생성된 설명">
+            <a:extLst>
+              <a:ext uri="{FF2B5EF4-FFF2-40B4-BE49-F238E27FC236}">
+                <a16:creationId xmlns:a16="http://schemas.microsoft.com/office/drawing/2014/main" id="{C2DCB5CD-F557-E199-9094-FF6C67098597}"/>
+              </a:ext>
+            </a:extLst>
+          </p:cNvPr>
+          <p:cNvPicPr>
+            <a:picLocks/>
+          </p:cNvPicPr>
+          <p:nvPr/>
+        </p:nvPicPr>
+        <p:blipFill rotWithShape="1">
+          <a:blip r:embed="rId3">
+            <a:extLst>
+              <a:ext uri="{28A0092B-C50C-407E-A947-70E740481C1C}">
+                <a14:useLocalDpi xmlns:a14="http://schemas.microsoft.com/office/drawing/2010/main" val="0"/>
+              </a:ext>
+            </a:extLst>
+          </a:blip>
+          <a:srcRect l="13523" r="15615"/>
+          <a:stretch/>
+        </p:blipFill>
+        <p:spPr>
+          <a:xfrm>
+            <a:off x="2348479" y="9945068"/>
+            <a:ext cx="1836000" cy="1224000"/>
+          </a:xfrm>
+          <a:prstGeom prst="rect">
+            <a:avLst/>
+          </a:prstGeom>
+          <a:ln w="38100">
+            <a:solidFill>
+              <a:schemeClr val="tx1"/>
+            </a:solidFill>
+          </a:ln>
+        </p:spPr>
+      </p:pic>
+      <p:pic>
+        <p:nvPicPr>
+          <p:cNvPr id="32" name="그림 31" descr="텍스트, 도로, 나무, 실외이(가) 표시된 사진&#10;&#10;자동 생성된 설명">
+            <a:extLst>
+              <a:ext uri="{FF2B5EF4-FFF2-40B4-BE49-F238E27FC236}">
+                <a16:creationId xmlns:a16="http://schemas.microsoft.com/office/drawing/2014/main" id="{68503111-A776-D0EF-8E90-DC5C4A3FD2B3}"/>
+              </a:ext>
+            </a:extLst>
+          </p:cNvPr>
+          <p:cNvPicPr>
+            <a:picLocks noChangeAspect="1"/>
+          </p:cNvPicPr>
+          <p:nvPr/>
+        </p:nvPicPr>
+        <p:blipFill>
+          <a:blip r:embed="rId4">
+            <a:extLst>
+              <a:ext uri="{28A0092B-C50C-407E-A947-70E740481C1C}">
+                <a14:useLocalDpi xmlns:a14="http://schemas.microsoft.com/office/drawing/2010/main" val="0"/>
+              </a:ext>
+            </a:extLst>
+          </a:blip>
+          <a:stretch>
+            <a:fillRect/>
+          </a:stretch>
+        </p:blipFill>
+        <p:spPr>
+          <a:xfrm>
+            <a:off x="2348479" y="8167971"/>
+            <a:ext cx="1836000" cy="1224000"/>
+          </a:xfrm>
+          <a:prstGeom prst="rect">
+            <a:avLst/>
+          </a:prstGeom>
+          <a:ln w="38100">
+            <a:solidFill>
+              <a:schemeClr val="tx1"/>
+            </a:solidFill>
+          </a:ln>
+        </p:spPr>
+      </p:pic>
+      <p:pic>
+        <p:nvPicPr>
+          <p:cNvPr id="34" name="그림 33">
+            <a:extLst>
+              <a:ext uri="{FF2B5EF4-FFF2-40B4-BE49-F238E27FC236}">
+                <a16:creationId xmlns:a16="http://schemas.microsoft.com/office/drawing/2014/main" id="{50BD7320-752F-66EC-7052-12748C4960C2}"/>
+              </a:ext>
+            </a:extLst>
+          </p:cNvPr>
+          <p:cNvPicPr preferRelativeResize="0">
+            <a:picLocks/>
+          </p:cNvPicPr>
+          <p:nvPr/>
+        </p:nvPicPr>
+        <p:blipFill>
+          <a:blip r:embed="rId5">
+            <a:extLst>
+              <a:ext uri="{28A0092B-C50C-407E-A947-70E740481C1C}">
+                <a14:useLocalDpi xmlns:a14="http://schemas.microsoft.com/office/drawing/2010/main" val="0"/>
+              </a:ext>
+            </a:extLst>
+          </a:blip>
+          <a:stretch>
+            <a:fillRect/>
+          </a:stretch>
+        </p:blipFill>
+        <p:spPr>
+          <a:xfrm>
+            <a:off x="11022315" y="8167971"/>
+            <a:ext cx="1836000" cy="1224000"/>
+          </a:xfrm>
+          <a:prstGeom prst="rect">
+            <a:avLst/>
+          </a:prstGeom>
+          <a:ln w="38100">
+            <a:solidFill>
+              <a:schemeClr val="tx1"/>
+            </a:solidFill>
+          </a:ln>
+        </p:spPr>
+      </p:pic>
+      <p:cxnSp>
+        <p:nvCxnSpPr>
+          <p:cNvPr id="68" name="직선 화살표 연결선 67">
+            <a:extLst>
+              <a:ext uri="{FF2B5EF4-FFF2-40B4-BE49-F238E27FC236}">
+                <a16:creationId xmlns:a16="http://schemas.microsoft.com/office/drawing/2014/main" id="{2094DE5F-D28E-34EC-03B5-44BC2317867F}"/>
+              </a:ext>
+            </a:extLst>
+          </p:cNvPr>
+          <p:cNvCxnSpPr>
+            <a:cxnSpLocks/>
+            <a:stCxn id="40" idx="3"/>
+            <a:endCxn id="63" idx="1"/>
+          </p:cNvCxnSpPr>
+          <p:nvPr/>
+        </p:nvCxnSpPr>
+        <p:spPr>
+          <a:xfrm flipV="1">
+            <a:off x="4424244" y="9701629"/>
+            <a:ext cx="1780028" cy="197"/>
+          </a:xfrm>
+          <a:prstGeom prst="straightConnector1">
+            <a:avLst/>
+          </a:prstGeom>
+          <a:ln w="38100">
+            <a:tailEnd type="triangle"/>
+          </a:ln>
+        </p:spPr>
+        <p:style>
+          <a:lnRef idx="3">
+            <a:schemeClr val="accent2"/>
+          </a:lnRef>
+          <a:fillRef idx="0">
+            <a:schemeClr val="accent2"/>
+          </a:fillRef>
+          <a:effectRef idx="2">
+            <a:schemeClr val="accent2"/>
+          </a:effectRef>
+          <a:fontRef idx="minor">
+            <a:schemeClr val="tx1"/>
+          </a:fontRef>
+        </p:style>
+      </p:cxnSp>
+      <p:cxnSp>
+        <p:nvCxnSpPr>
+          <p:cNvPr id="72" name="직선 화살표 연결선 71">
+            <a:extLst>
+              <a:ext uri="{FF2B5EF4-FFF2-40B4-BE49-F238E27FC236}">
+                <a16:creationId xmlns:a16="http://schemas.microsoft.com/office/drawing/2014/main" id="{AB1CE72B-585E-4C82-3D96-D5ED20F04C53}"/>
+              </a:ext>
+            </a:extLst>
+          </p:cNvPr>
+          <p:cNvCxnSpPr>
+            <a:cxnSpLocks/>
+            <a:stCxn id="63" idx="3"/>
+            <a:endCxn id="59" idx="1"/>
+          </p:cNvCxnSpPr>
+          <p:nvPr/>
+        </p:nvCxnSpPr>
+        <p:spPr>
+          <a:xfrm>
+            <a:off x="8568742" y="9701629"/>
+            <a:ext cx="2189338" cy="1567"/>
+          </a:xfrm>
+          <a:prstGeom prst="straightConnector1">
+            <a:avLst/>
+          </a:prstGeom>
+          <a:ln w="38100">
+            <a:tailEnd type="triangle"/>
+          </a:ln>
+        </p:spPr>
+        <p:style>
+          <a:lnRef idx="3">
+            <a:schemeClr val="accent2"/>
+          </a:lnRef>
+          <a:fillRef idx="0">
+            <a:schemeClr val="accent2"/>
+          </a:fillRef>
+          <a:effectRef idx="2">
+            <a:schemeClr val="accent2"/>
+          </a:effectRef>
+          <a:fontRef idx="minor">
+            <a:schemeClr val="tx1"/>
+          </a:fontRef>
+        </p:style>
+      </p:cxnSp>
+      <p:cxnSp>
+        <p:nvCxnSpPr>
+          <p:cNvPr id="77" name="직선 화살표 연결선 76">
+            <a:extLst>
+              <a:ext uri="{FF2B5EF4-FFF2-40B4-BE49-F238E27FC236}">
+                <a16:creationId xmlns:a16="http://schemas.microsoft.com/office/drawing/2014/main" id="{1B14274D-DFA4-284D-2635-99F14DE788C0}"/>
+              </a:ext>
+            </a:extLst>
+          </p:cNvPr>
+          <p:cNvCxnSpPr>
+            <a:cxnSpLocks/>
+            <a:stCxn id="4" idx="3"/>
+            <a:endCxn id="21" idx="1"/>
+          </p:cNvCxnSpPr>
+          <p:nvPr/>
+        </p:nvCxnSpPr>
+        <p:spPr>
+          <a:xfrm>
+            <a:off x="4424244" y="4872974"/>
+            <a:ext cx="11257308" cy="55270"/>
+          </a:xfrm>
+          <a:prstGeom prst="straightConnector1">
+            <a:avLst/>
+          </a:prstGeom>
+          <a:ln w="38100">
+            <a:tailEnd type="triangle"/>
+          </a:ln>
+        </p:spPr>
+        <p:style>
+          <a:lnRef idx="1">
+            <a:schemeClr val="accent1"/>
+          </a:lnRef>
+          <a:fillRef idx="0">
+            <a:schemeClr val="accent1"/>
+          </a:fillRef>
+          <a:effectRef idx="0">
+            <a:schemeClr val="accent1"/>
+          </a:effectRef>
+          <a:fontRef idx="minor">
+            <a:schemeClr val="tx1"/>
+          </a:fontRef>
+        </p:style>
+      </p:cxnSp>
+      <p:sp>
+        <p:nvSpPr>
+          <p:cNvPr id="87" name="순서도: 판단 86">
+            <a:extLst>
+              <a:ext uri="{FF2B5EF4-FFF2-40B4-BE49-F238E27FC236}">
+                <a16:creationId xmlns:a16="http://schemas.microsoft.com/office/drawing/2014/main" id="{13A93642-E52E-180F-B9A2-BF9BDF416866}"/>
+              </a:ext>
+            </a:extLst>
+          </p:cNvPr>
+          <p:cNvSpPr/>
+          <p:nvPr/>
+        </p:nvSpPr>
+        <p:spPr>
+          <a:xfrm>
+            <a:off x="15415470" y="8360462"/>
+            <a:ext cx="3439416" cy="2685467"/>
+          </a:xfrm>
+          <a:prstGeom prst="flowChartDecision">
+            <a:avLst/>
+          </a:prstGeom>
+          <a:ln w="28575"/>
+        </p:spPr>
+        <p:style>
+          <a:lnRef idx="2">
+            <a:schemeClr val="dk1"/>
+          </a:lnRef>
+          <a:fillRef idx="1">
+            <a:schemeClr val="lt1"/>
+          </a:fillRef>
+          <a:effectRef idx="0">
+            <a:schemeClr val="dk1"/>
+          </a:effectRef>
+          <a:fontRef idx="minor">
+            <a:schemeClr val="dk1"/>
+          </a:fontRef>
+        </p:style>
+        <p:txBody>
+          <a:bodyPr rtlCol="0" anchor="ctr"/>
+          <a:lstStyle/>
+          <a:p>
+            <a:pPr algn="ctr"/>
+            <a:r>
+              <a:rPr lang="en-US" altLang="ko-KR" sz="2400" dirty="0">
+                <a:latin typeface="Times New Roman" panose="02020603050405020304" pitchFamily="18" charset="0"/>
+                <a:cs typeface="Times New Roman" panose="02020603050405020304" pitchFamily="18" charset="0"/>
+              </a:rPr>
+              <a:t>Test</a:t>
+            </a:r>
+            <a:endParaRPr lang="ko-KR" altLang="en-US" sz="2400" dirty="0">
+              <a:latin typeface="Times New Roman" panose="02020603050405020304" pitchFamily="18" charset="0"/>
+              <a:cs typeface="Times New Roman" panose="02020603050405020304" pitchFamily="18" charset="0"/>
+            </a:endParaRPr>
+          </a:p>
+        </p:txBody>
+      </p:sp>
+      <p:cxnSp>
+        <p:nvCxnSpPr>
+          <p:cNvPr id="94" name="직선 화살표 연결선 93">
+            <a:extLst>
+              <a:ext uri="{FF2B5EF4-FFF2-40B4-BE49-F238E27FC236}">
+                <a16:creationId xmlns:a16="http://schemas.microsoft.com/office/drawing/2014/main" id="{1A49A4DA-5BB6-B1DB-0DC4-DFD483DFA3B4}"/>
+              </a:ext>
+            </a:extLst>
+          </p:cNvPr>
+          <p:cNvCxnSpPr>
+            <a:cxnSpLocks/>
+            <a:stCxn id="59" idx="3"/>
+            <a:endCxn id="87" idx="1"/>
+          </p:cNvCxnSpPr>
+          <p:nvPr/>
+        </p:nvCxnSpPr>
+        <p:spPr>
+          <a:xfrm>
+            <a:off x="13122550" y="9703196"/>
+            <a:ext cx="2292920" cy="0"/>
+          </a:xfrm>
+          <a:prstGeom prst="straightConnector1">
+            <a:avLst/>
+          </a:prstGeom>
+          <a:ln w="38100">
+            <a:tailEnd type="triangle"/>
+          </a:ln>
+        </p:spPr>
+        <p:style>
+          <a:lnRef idx="3">
+            <a:schemeClr val="accent2"/>
+          </a:lnRef>
+          <a:fillRef idx="0">
+            <a:schemeClr val="accent2"/>
+          </a:fillRef>
+          <a:effectRef idx="2">
+            <a:schemeClr val="accent2"/>
+          </a:effectRef>
+          <a:fontRef idx="minor">
+            <a:schemeClr val="tx1"/>
+          </a:fontRef>
+        </p:style>
+      </p:cxnSp>
+      <p:sp>
+        <p:nvSpPr>
+          <p:cNvPr id="102" name="TextBox 101">
+            <a:extLst>
+              <a:ext uri="{FF2B5EF4-FFF2-40B4-BE49-F238E27FC236}">
+                <a16:creationId xmlns:a16="http://schemas.microsoft.com/office/drawing/2014/main" id="{38001FFA-E77E-733C-9E97-7549D77696A0}"/>
+              </a:ext>
+            </a:extLst>
+          </p:cNvPr>
+          <p:cNvSpPr txBox="1"/>
+          <p:nvPr/>
+        </p:nvSpPr>
+        <p:spPr>
+          <a:xfrm>
+            <a:off x="19431916" y="9426196"/>
+            <a:ext cx="2919664" cy="553998"/>
+          </a:xfrm>
+          <a:prstGeom prst="rect">
+            <a:avLst/>
+          </a:prstGeom>
+          <a:noFill/>
+        </p:spPr>
+        <p:txBody>
+          <a:bodyPr wrap="square" rtlCol="0">
+            <a:spAutoFit/>
+          </a:bodyPr>
+          <a:lstStyle/>
+          <a:p>
+            <a:r>
+              <a:rPr lang="en-US" altLang="ko-KR" sz="3000" dirty="0">
+                <a:latin typeface="Times New Roman" panose="02020603050405020304" pitchFamily="18" charset="0"/>
+                <a:cs typeface="Times New Roman" panose="02020603050405020304" pitchFamily="18" charset="0"/>
+              </a:rPr>
+              <a:t>   Safety  </a:t>
+            </a:r>
+          </a:p>
+        </p:txBody>
+      </p:sp>
+      <p:cxnSp>
+        <p:nvCxnSpPr>
+          <p:cNvPr id="104" name="직선 화살표 연결선 103">
+            <a:extLst>
+              <a:ext uri="{FF2B5EF4-FFF2-40B4-BE49-F238E27FC236}">
+                <a16:creationId xmlns:a16="http://schemas.microsoft.com/office/drawing/2014/main" id="{3335D21F-0C6E-03FD-B206-945AFF7145BF}"/>
+              </a:ext>
+            </a:extLst>
+          </p:cNvPr>
+          <p:cNvCxnSpPr>
+            <a:cxnSpLocks/>
+            <a:stCxn id="87" idx="3"/>
+          </p:cNvCxnSpPr>
+          <p:nvPr/>
+        </p:nvCxnSpPr>
+        <p:spPr>
+          <a:xfrm flipV="1">
+            <a:off x="18854886" y="9703195"/>
+            <a:ext cx="577030" cy="1"/>
+          </a:xfrm>
+          <a:prstGeom prst="straightConnector1">
+            <a:avLst/>
+          </a:prstGeom>
+          <a:ln w="38100">
+            <a:tailEnd type="triangle"/>
+          </a:ln>
+        </p:spPr>
+        <p:style>
+          <a:lnRef idx="1">
+            <a:schemeClr val="dk1"/>
+          </a:lnRef>
+          <a:fillRef idx="0">
+            <a:schemeClr val="dk1"/>
+          </a:fillRef>
+          <a:effectRef idx="0">
+            <a:schemeClr val="dk1"/>
+          </a:effectRef>
+          <a:fontRef idx="minor">
+            <a:schemeClr val="tx1"/>
+          </a:fontRef>
+        </p:style>
+      </p:cxnSp>
+      <p:cxnSp>
+        <p:nvCxnSpPr>
+          <p:cNvPr id="46" name="직선 화살표 연결선 45">
+            <a:extLst>
+              <a:ext uri="{FF2B5EF4-FFF2-40B4-BE49-F238E27FC236}">
+                <a16:creationId xmlns:a16="http://schemas.microsoft.com/office/drawing/2014/main" id="{0C5229B6-38E5-2DE2-60ED-98C1DFC640ED}"/>
+              </a:ext>
+            </a:extLst>
+          </p:cNvPr>
+          <p:cNvCxnSpPr>
+            <a:cxnSpLocks/>
+            <a:stCxn id="87" idx="2"/>
+            <a:endCxn id="10" idx="0"/>
+          </p:cNvCxnSpPr>
+          <p:nvPr/>
+        </p:nvCxnSpPr>
+        <p:spPr>
+          <a:xfrm>
+            <a:off x="17135178" y="11045929"/>
+            <a:ext cx="6206" cy="486410"/>
+          </a:xfrm>
+          <a:prstGeom prst="straightConnector1">
+            <a:avLst/>
+          </a:prstGeom>
+          <a:ln w="38100">
+            <a:tailEnd type="triangle"/>
+          </a:ln>
+        </p:spPr>
+        <p:style>
+          <a:lnRef idx="1">
+            <a:schemeClr val="dk1"/>
+          </a:lnRef>
+          <a:fillRef idx="0">
+            <a:schemeClr val="dk1"/>
+          </a:fillRef>
+          <a:effectRef idx="0">
+            <a:schemeClr val="dk1"/>
+          </a:effectRef>
+          <a:fontRef idx="minor">
+            <a:schemeClr val="tx1"/>
+          </a:fontRef>
+        </p:style>
+      </p:cxnSp>
       <p:grpSp>
         <p:nvGrpSpPr>
-          <p:cNvPr id="100" name="그룹 99">
-            <a:extLst>
-              <a:ext uri="{FF2B5EF4-FFF2-40B4-BE49-F238E27FC236}">
-                <a16:creationId xmlns:a16="http://schemas.microsoft.com/office/drawing/2014/main" id="{45481566-AC38-0E42-6D77-9B8E250ACF42}"/>
+          <p:cNvPr id="17" name="그룹 16">
+            <a:extLst>
+              <a:ext uri="{FF2B5EF4-FFF2-40B4-BE49-F238E27FC236}">
+                <a16:creationId xmlns:a16="http://schemas.microsoft.com/office/drawing/2014/main" id="{0FFDE76E-474F-3368-EEA5-683E759F0350}"/>
               </a:ext>
             </a:extLst>
           </p:cNvPr>
@@ -6166,18 +8360,18 @@
         </p:nvGrpSpPr>
         <p:grpSpPr>
           <a:xfrm>
-            <a:off x="2084244" y="835143"/>
-            <a:ext cx="3947885" cy="1306286"/>
-            <a:chOff x="1248229" y="776078"/>
-            <a:chExt cx="3947885" cy="1306286"/>
+            <a:off x="2084244" y="2802974"/>
+            <a:ext cx="2340000" cy="4140000"/>
+            <a:chOff x="3161868" y="379451"/>
+            <a:chExt cx="2880000" cy="5760000"/>
           </a:xfrm>
         </p:grpSpPr>
         <p:sp>
           <p:nvSpPr>
-            <p:cNvPr id="55" name="직사각형 54">
+            <p:cNvPr id="4" name="직사각형 3">
               <a:extLst>
                 <a:ext uri="{FF2B5EF4-FFF2-40B4-BE49-F238E27FC236}">
-                  <a16:creationId xmlns:a16="http://schemas.microsoft.com/office/drawing/2014/main" id="{11CA784F-1AEA-6FD2-26E6-CCB7DCB54357}"/>
+                  <a16:creationId xmlns:a16="http://schemas.microsoft.com/office/drawing/2014/main" id="{56A59E11-A6AA-C3EC-4C95-60676C43921A}"/>
                 </a:ext>
               </a:extLst>
             </p:cNvPr>
@@ -6186,12 +8380,13 @@
           </p:nvSpPr>
           <p:spPr>
             <a:xfrm>
-              <a:off x="1248229" y="776078"/>
-              <a:ext cx="3947885" cy="1306286"/>
+              <a:off x="3161868" y="379451"/>
+              <a:ext cx="2880000" cy="5760000"/>
             </a:xfrm>
             <a:prstGeom prst="rect">
               <a:avLst/>
             </a:prstGeom>
+            <a:ln w="28575"/>
           </p:spPr>
           <p:style>
             <a:lnRef idx="2">
@@ -6211,577 +8406,545 @@
             <a:bodyPr rtlCol="0" anchor="ctr"/>
             <a:lstStyle/>
             <a:p>
-              <a:r>
-                <a:rPr lang="en-US" altLang="ko-KR" dirty="0">
-                  <a:latin typeface="Times New Roman" panose="02020603050405020304" pitchFamily="18" charset="0"/>
-                  <a:cs typeface="Times New Roman" panose="02020603050405020304" pitchFamily="18" charset="0"/>
-                </a:rPr>
-                <a:t>Learning Data : </a:t>
-              </a:r>
-            </a:p>
-            <a:p>
-              <a:r>
-                <a:rPr lang="en-US" altLang="ko-KR" dirty="0">
-                  <a:latin typeface="Times New Roman" panose="02020603050405020304" pitchFamily="18" charset="0"/>
-                  <a:cs typeface="Times New Roman" panose="02020603050405020304" pitchFamily="18" charset="0"/>
-                </a:rPr>
-                <a:t>Test Data : </a:t>
-              </a:r>
-              <a:endParaRPr lang="ko-KR" altLang="en-US" dirty="0">
-                <a:latin typeface="Times New Roman" panose="02020603050405020304" pitchFamily="18" charset="0"/>
-                <a:cs typeface="Times New Roman" panose="02020603050405020304" pitchFamily="18" charset="0"/>
-              </a:endParaRPr>
+              <a:pPr algn="ctr"/>
+              <a:endParaRPr lang="ko-KR" altLang="en-US"/>
             </a:p>
           </p:txBody>
         </p:sp>
-        <p:cxnSp>
-          <p:nvCxnSpPr>
-            <p:cNvPr id="57" name="직선 연결선 56">
+        <p:pic>
+          <p:nvPicPr>
+            <p:cNvPr id="15" name="그림 14">
               <a:extLst>
                 <a:ext uri="{FF2B5EF4-FFF2-40B4-BE49-F238E27FC236}">
-                  <a16:creationId xmlns:a16="http://schemas.microsoft.com/office/drawing/2014/main" id="{7AC8A28F-96D2-7DC8-1AA0-A61FB913CE65}"/>
+                  <a16:creationId xmlns:a16="http://schemas.microsoft.com/office/drawing/2014/main" id="{E52246CC-3122-15D0-7A1D-0F54EF422B03}"/>
                 </a:ext>
               </a:extLst>
             </p:cNvPr>
-            <p:cNvCxnSpPr/>
+            <p:cNvPicPr>
+              <a:picLocks noChangeAspect="1"/>
+            </p:cNvPicPr>
             <p:nvPr/>
-          </p:nvCxnSpPr>
+          </p:nvPicPr>
+          <p:blipFill>
+            <a:blip r:embed="rId6">
+              <a:extLst>
+                <a:ext uri="{28A0092B-C50C-407E-A947-70E740481C1C}">
+                  <a14:useLocalDpi xmlns:a14="http://schemas.microsoft.com/office/drawing/2010/main" val="0"/>
+                </a:ext>
+              </a:extLst>
+            </a:blip>
+            <a:stretch>
+              <a:fillRect/>
+            </a:stretch>
+          </p:blipFill>
           <p:spPr>
             <a:xfrm>
-              <a:off x="2801257" y="1306286"/>
-              <a:ext cx="2090057" cy="0"/>
+              <a:off x="3534762" y="702398"/>
+              <a:ext cx="2160000" cy="2160000"/>
             </a:xfrm>
-            <a:prstGeom prst="line">
+            <a:prstGeom prst="rect">
+              <a:avLst/>
+            </a:prstGeom>
+            <a:ln w="28575">
+              <a:solidFill>
+                <a:schemeClr val="tx1">
+                  <a:lumMod val="95000"/>
+                  <a:lumOff val="5000"/>
+                </a:schemeClr>
+              </a:solidFill>
+            </a:ln>
+          </p:spPr>
+        </p:pic>
+        <p:pic>
+          <p:nvPicPr>
+            <p:cNvPr id="16" name="그림 15">
+              <a:extLst>
+                <a:ext uri="{FF2B5EF4-FFF2-40B4-BE49-F238E27FC236}">
+                  <a16:creationId xmlns:a16="http://schemas.microsoft.com/office/drawing/2014/main" id="{5A0C77CC-2CF6-338D-A3C8-7B93CD8896D4}"/>
+                </a:ext>
+              </a:extLst>
+            </p:cNvPr>
+            <p:cNvPicPr>
+              <a:picLocks noChangeAspect="1"/>
+            </p:cNvPicPr>
+            <p:nvPr/>
+          </p:nvPicPr>
+          <p:blipFill>
+            <a:blip r:embed="rId7">
+              <a:extLst>
+                <a:ext uri="{28A0092B-C50C-407E-A947-70E740481C1C}">
+                  <a14:useLocalDpi xmlns:a14="http://schemas.microsoft.com/office/drawing/2010/main" val="0"/>
+                </a:ext>
+              </a:extLst>
+            </a:blip>
+            <a:stretch>
+              <a:fillRect/>
+            </a:stretch>
+          </p:blipFill>
+          <p:spPr>
+            <a:xfrm>
+              <a:off x="3534762" y="3589673"/>
+              <a:ext cx="2160000" cy="2160000"/>
+            </a:xfrm>
+            <a:prstGeom prst="rect">
+              <a:avLst/>
+            </a:prstGeom>
+            <a:ln w="28575">
+              <a:solidFill>
+                <a:schemeClr val="tx1">
+                  <a:lumMod val="95000"/>
+                  <a:lumOff val="5000"/>
+                </a:schemeClr>
+              </a:solidFill>
+            </a:ln>
+          </p:spPr>
+        </p:pic>
+      </p:grpSp>
+    </p:spTree>
+    <p:extLst>
+      <p:ext uri="{BB962C8B-B14F-4D97-AF65-F5344CB8AC3E}">
+        <p14:creationId xmlns:p14="http://schemas.microsoft.com/office/powerpoint/2010/main" val="3836815556"/>
+      </p:ext>
+    </p:extLst>
+  </p:cSld>
+  <p:clrMapOvr>
+    <a:masterClrMapping/>
+  </p:clrMapOvr>
+</p:sld>
+</file>
+
+<file path=ppt/slides/slide5.xml><?xml version="1.0" encoding="utf-8"?>
+<p:sld xmlns:a="http://schemas.openxmlformats.org/drawingml/2006/main" xmlns:r="http://schemas.openxmlformats.org/officeDocument/2006/relationships" xmlns:p="http://schemas.openxmlformats.org/presentationml/2006/main">
+  <p:cSld>
+    <p:spTree>
+      <p:nvGrpSpPr>
+        <p:cNvPr id="1" name=""/>
+        <p:cNvGrpSpPr/>
+        <p:nvPr/>
+      </p:nvGrpSpPr>
+      <p:grpSpPr>
+        <a:xfrm>
+          <a:off x="0" y="0"/>
+          <a:ext cx="0" cy="0"/>
+          <a:chOff x="0" y="0"/>
+          <a:chExt cx="0" cy="0"/>
+        </a:xfrm>
+      </p:grpSpPr>
+      <p:pic>
+        <p:nvPicPr>
+          <p:cNvPr id="10" name="그림 9">
+            <a:extLst>
+              <a:ext uri="{FF2B5EF4-FFF2-40B4-BE49-F238E27FC236}">
+                <a16:creationId xmlns:a16="http://schemas.microsoft.com/office/drawing/2014/main" id="{0C259444-820D-06FE-E11C-DA15BE7AADF4}"/>
+              </a:ext>
+            </a:extLst>
+          </p:cNvPr>
+          <p:cNvPicPr>
+            <a:picLocks noChangeAspect="1"/>
+          </p:cNvPicPr>
+          <p:nvPr/>
+        </p:nvPicPr>
+        <p:blipFill>
+          <a:blip r:embed="rId2">
+            <a:extLst>
+              <a:ext uri="{28A0092B-C50C-407E-A947-70E740481C1C}">
+                <a14:useLocalDpi xmlns:a14="http://schemas.microsoft.com/office/drawing/2010/main" val="0"/>
+              </a:ext>
+            </a:extLst>
+          </a:blip>
+          <a:stretch>
+            <a:fillRect/>
+          </a:stretch>
+        </p:blipFill>
+        <p:spPr>
+          <a:xfrm>
+            <a:off x="8528662" y="1639451"/>
+            <a:ext cx="3240000" cy="3240000"/>
+          </a:xfrm>
+          <a:prstGeom prst="rect">
+            <a:avLst/>
+          </a:prstGeom>
+          <a:ln w="28575">
+            <a:solidFill>
+              <a:schemeClr val="tx1">
+                <a:lumMod val="95000"/>
+                <a:lumOff val="5000"/>
+              </a:schemeClr>
+            </a:solidFill>
+          </a:ln>
+        </p:spPr>
+      </p:pic>
+      <p:grpSp>
+        <p:nvGrpSpPr>
+          <p:cNvPr id="49" name="그룹 48">
+            <a:extLst>
+              <a:ext uri="{FF2B5EF4-FFF2-40B4-BE49-F238E27FC236}">
+                <a16:creationId xmlns:a16="http://schemas.microsoft.com/office/drawing/2014/main" id="{1DFAE762-5245-D683-A091-E588777D1912}"/>
+              </a:ext>
+            </a:extLst>
+          </p:cNvPr>
+          <p:cNvGrpSpPr/>
+          <p:nvPr/>
+        </p:nvGrpSpPr>
+        <p:grpSpPr>
+          <a:xfrm>
+            <a:off x="3161868" y="379451"/>
+            <a:ext cx="2880000" cy="5760000"/>
+            <a:chOff x="3161868" y="446049"/>
+            <a:chExt cx="2880000" cy="5760000"/>
+          </a:xfrm>
+        </p:grpSpPr>
+        <p:sp>
+          <p:nvSpPr>
+            <p:cNvPr id="47" name="직사각형 46">
+              <a:extLst>
+                <a:ext uri="{FF2B5EF4-FFF2-40B4-BE49-F238E27FC236}">
+                  <a16:creationId xmlns:a16="http://schemas.microsoft.com/office/drawing/2014/main" id="{A0BA4DFC-4A78-46CC-BE91-B6AABDBEF3F7}"/>
+                </a:ext>
+              </a:extLst>
+            </p:cNvPr>
+            <p:cNvSpPr/>
+            <p:nvPr/>
+          </p:nvSpPr>
+          <p:spPr>
+            <a:xfrm>
+              <a:off x="3161868" y="446049"/>
+              <a:ext cx="2880000" cy="5760000"/>
+            </a:xfrm>
+            <a:prstGeom prst="rect">
               <a:avLst/>
             </a:prstGeom>
             <a:ln w="28575"/>
           </p:spPr>
           <p:style>
-            <a:lnRef idx="1">
-              <a:schemeClr val="accent1"/>
+            <a:lnRef idx="2">
+              <a:schemeClr val="dk1"/>
             </a:lnRef>
-            <a:fillRef idx="0">
-              <a:schemeClr val="accent1"/>
+            <a:fillRef idx="1">
+              <a:schemeClr val="lt1"/>
             </a:fillRef>
             <a:effectRef idx="0">
-              <a:schemeClr val="accent1"/>
+              <a:schemeClr val="dk1"/>
             </a:effectRef>
             <a:fontRef idx="minor">
-              <a:schemeClr val="tx1"/>
+              <a:schemeClr val="dk1"/>
             </a:fontRef>
           </p:style>
-        </p:cxnSp>
-        <p:cxnSp>
-          <p:nvCxnSpPr>
-            <p:cNvPr id="58" name="직선 연결선 57">
+          <p:txBody>
+            <a:bodyPr rtlCol="0" anchor="ctr"/>
+            <a:lstStyle/>
+            <a:p>
+              <a:pPr algn="ctr"/>
+              <a:endParaRPr lang="ko-KR" altLang="en-US"/>
+            </a:p>
+          </p:txBody>
+        </p:sp>
+        <p:pic>
+          <p:nvPicPr>
+            <p:cNvPr id="14" name="그림 13">
               <a:extLst>
                 <a:ext uri="{FF2B5EF4-FFF2-40B4-BE49-F238E27FC236}">
-                  <a16:creationId xmlns:a16="http://schemas.microsoft.com/office/drawing/2014/main" id="{589C5129-E5B8-CE8D-E104-711AD807E0FA}"/>
+                  <a16:creationId xmlns:a16="http://schemas.microsoft.com/office/drawing/2014/main" id="{2C626D44-0408-3209-5BB6-FCAE8A219032}"/>
                 </a:ext>
               </a:extLst>
             </p:cNvPr>
-            <p:cNvCxnSpPr>
-              <a:cxnSpLocks/>
-            </p:cNvCxnSpPr>
+            <p:cNvPicPr>
+              <a:picLocks noChangeAspect="1"/>
+            </p:cNvPicPr>
             <p:nvPr/>
-          </p:nvCxnSpPr>
+          </p:nvPicPr>
+          <p:blipFill>
+            <a:blip r:embed="rId3">
+              <a:extLst>
+                <a:ext uri="{28A0092B-C50C-407E-A947-70E740481C1C}">
+                  <a14:useLocalDpi xmlns:a14="http://schemas.microsoft.com/office/drawing/2010/main" val="0"/>
+                </a:ext>
+              </a:extLst>
+            </a:blip>
+            <a:stretch>
+              <a:fillRect/>
+            </a:stretch>
+          </p:blipFill>
           <p:spPr>
             <a:xfrm>
-              <a:off x="2394580" y="1603829"/>
-              <a:ext cx="2496734" cy="0"/>
+              <a:off x="3521868" y="3661892"/>
+              <a:ext cx="2160000" cy="2160000"/>
             </a:xfrm>
-            <a:prstGeom prst="line">
+            <a:prstGeom prst="rect">
+              <a:avLst/>
+            </a:prstGeom>
+            <a:ln w="28575">
+              <a:solidFill>
+                <a:schemeClr val="tx1">
+                  <a:lumMod val="95000"/>
+                  <a:lumOff val="5000"/>
+                </a:schemeClr>
+              </a:solidFill>
+            </a:ln>
+          </p:spPr>
+        </p:pic>
+        <p:pic>
+          <p:nvPicPr>
+            <p:cNvPr id="16" name="그림 15" descr="화살이(가) 표시된 사진&#10;&#10;자동 생성된 설명">
+              <a:extLst>
+                <a:ext uri="{FF2B5EF4-FFF2-40B4-BE49-F238E27FC236}">
+                  <a16:creationId xmlns:a16="http://schemas.microsoft.com/office/drawing/2014/main" id="{E04BC1CC-5265-2649-9A68-D4B59E43D94C}"/>
+                </a:ext>
+              </a:extLst>
+            </p:cNvPr>
+            <p:cNvPicPr>
+              <a:picLocks noChangeAspect="1"/>
+            </p:cNvPicPr>
+            <p:nvPr/>
+          </p:nvPicPr>
+          <p:blipFill>
+            <a:blip r:embed="rId4">
+              <a:extLst>
+                <a:ext uri="{28A0092B-C50C-407E-A947-70E740481C1C}">
+                  <a14:useLocalDpi xmlns:a14="http://schemas.microsoft.com/office/drawing/2010/main" val="0"/>
+                </a:ext>
+              </a:extLst>
+            </a:blip>
+            <a:stretch>
+              <a:fillRect/>
+            </a:stretch>
+          </p:blipFill>
+          <p:spPr>
+            <a:xfrm>
+              <a:off x="3521868" y="907102"/>
+              <a:ext cx="2160000" cy="2160000"/>
+            </a:xfrm>
+            <a:prstGeom prst="rect">
+              <a:avLst/>
+            </a:prstGeom>
+            <a:ln w="28575">
+              <a:solidFill>
+                <a:schemeClr val="tx1">
+                  <a:lumMod val="95000"/>
+                  <a:lumOff val="5000"/>
+                </a:schemeClr>
+              </a:solidFill>
+            </a:ln>
+          </p:spPr>
+        </p:pic>
+      </p:grpSp>
+      <p:pic>
+        <p:nvPicPr>
+          <p:cNvPr id="38" name="그림 37">
+            <a:extLst>
+              <a:ext uri="{FF2B5EF4-FFF2-40B4-BE49-F238E27FC236}">
+                <a16:creationId xmlns:a16="http://schemas.microsoft.com/office/drawing/2014/main" id="{98DAA6A9-C87D-80BE-8FA2-BC6DAEA3D1F5}"/>
+              </a:ext>
+            </a:extLst>
+          </p:cNvPr>
+          <p:cNvPicPr>
+            <a:picLocks noChangeAspect="1"/>
+          </p:cNvPicPr>
+          <p:nvPr/>
+        </p:nvPicPr>
+        <p:blipFill>
+          <a:blip r:embed="rId5">
+            <a:extLst>
+              <a:ext uri="{28A0092B-C50C-407E-A947-70E740481C1C}">
+                <a14:useLocalDpi xmlns:a14="http://schemas.microsoft.com/office/drawing/2010/main" val="0"/>
+              </a:ext>
+            </a:extLst>
+          </a:blip>
+          <a:stretch>
+            <a:fillRect/>
+          </a:stretch>
+        </p:blipFill>
+        <p:spPr>
+          <a:xfrm>
+            <a:off x="8528662" y="8683201"/>
+            <a:ext cx="3240000" cy="3240000"/>
+          </a:xfrm>
+          <a:prstGeom prst="rect">
+            <a:avLst/>
+          </a:prstGeom>
+          <a:ln w="28575">
+            <a:solidFill>
+              <a:schemeClr val="tx1">
+                <a:lumMod val="95000"/>
+                <a:lumOff val="5000"/>
+              </a:schemeClr>
+            </a:solidFill>
+          </a:ln>
+        </p:spPr>
+      </p:pic>
+      <p:grpSp>
+        <p:nvGrpSpPr>
+          <p:cNvPr id="50" name="그룹 49">
+            <a:extLst>
+              <a:ext uri="{FF2B5EF4-FFF2-40B4-BE49-F238E27FC236}">
+                <a16:creationId xmlns:a16="http://schemas.microsoft.com/office/drawing/2014/main" id="{06114BB7-77BA-A321-5329-F8931AEB8245}"/>
+              </a:ext>
+            </a:extLst>
+          </p:cNvPr>
+          <p:cNvGrpSpPr/>
+          <p:nvPr/>
+        </p:nvGrpSpPr>
+        <p:grpSpPr>
+          <a:xfrm>
+            <a:off x="3161868" y="7423201"/>
+            <a:ext cx="2880000" cy="5760000"/>
+            <a:chOff x="6401868" y="446049"/>
+            <a:chExt cx="2880000" cy="5760000"/>
+          </a:xfrm>
+        </p:grpSpPr>
+        <p:sp>
+          <p:nvSpPr>
+            <p:cNvPr id="48" name="직사각형 47">
+              <a:extLst>
+                <a:ext uri="{FF2B5EF4-FFF2-40B4-BE49-F238E27FC236}">
+                  <a16:creationId xmlns:a16="http://schemas.microsoft.com/office/drawing/2014/main" id="{8933CE54-7085-B463-8A75-A3137680BC55}"/>
+                </a:ext>
+              </a:extLst>
+            </p:cNvPr>
+            <p:cNvSpPr/>
+            <p:nvPr/>
+          </p:nvSpPr>
+          <p:spPr>
+            <a:xfrm>
+              <a:off x="6401868" y="446049"/>
+              <a:ext cx="2880000" cy="5760000"/>
+            </a:xfrm>
+            <a:prstGeom prst="rect">
               <a:avLst/>
             </a:prstGeom>
             <a:ln w="28575"/>
           </p:spPr>
           <p:style>
-            <a:lnRef idx="3">
-              <a:schemeClr val="accent2"/>
+            <a:lnRef idx="2">
+              <a:schemeClr val="dk1"/>
             </a:lnRef>
-            <a:fillRef idx="0">
-              <a:schemeClr val="accent2"/>
+            <a:fillRef idx="1">
+              <a:schemeClr val="lt1"/>
             </a:fillRef>
-            <a:effectRef idx="2">
-              <a:schemeClr val="accent2"/>
+            <a:effectRef idx="0">
+              <a:schemeClr val="dk1"/>
             </a:effectRef>
             <a:fontRef idx="minor">
-              <a:schemeClr val="tx1"/>
+              <a:schemeClr val="dk1"/>
             </a:fontRef>
           </p:style>
-        </p:cxnSp>
+          <p:txBody>
+            <a:bodyPr rtlCol="0" anchor="ctr"/>
+            <a:lstStyle/>
+            <a:p>
+              <a:pPr algn="ctr"/>
+              <a:endParaRPr lang="ko-KR" altLang="en-US"/>
+            </a:p>
+          </p:txBody>
+        </p:sp>
+        <p:pic>
+          <p:nvPicPr>
+            <p:cNvPr id="30" name="그림 29" descr="화살이(가) 표시된 사진&#10;&#10;자동 생성된 설명">
+              <a:extLst>
+                <a:ext uri="{FF2B5EF4-FFF2-40B4-BE49-F238E27FC236}">
+                  <a16:creationId xmlns:a16="http://schemas.microsoft.com/office/drawing/2014/main" id="{5A0695AE-30AD-D615-0E6E-1DD007EA214A}"/>
+                </a:ext>
+              </a:extLst>
+            </p:cNvPr>
+            <p:cNvPicPr>
+              <a:picLocks noChangeAspect="1"/>
+            </p:cNvPicPr>
+            <p:nvPr/>
+          </p:nvPicPr>
+          <p:blipFill>
+            <a:blip r:embed="rId4">
+              <a:extLst>
+                <a:ext uri="{28A0092B-C50C-407E-A947-70E740481C1C}">
+                  <a14:useLocalDpi xmlns:a14="http://schemas.microsoft.com/office/drawing/2010/main" val="0"/>
+                </a:ext>
+              </a:extLst>
+            </a:blip>
+            <a:stretch>
+              <a:fillRect/>
+            </a:stretch>
+          </p:blipFill>
+          <p:spPr>
+            <a:xfrm>
+              <a:off x="6761868" y="907102"/>
+              <a:ext cx="2160000" cy="2160000"/>
+            </a:xfrm>
+            <a:prstGeom prst="rect">
+              <a:avLst/>
+            </a:prstGeom>
+            <a:ln w="28575">
+              <a:solidFill>
+                <a:schemeClr val="tx1">
+                  <a:lumMod val="95000"/>
+                  <a:lumOff val="5000"/>
+                </a:schemeClr>
+              </a:solidFill>
+            </a:ln>
+          </p:spPr>
+        </p:pic>
+        <p:pic>
+          <p:nvPicPr>
+            <p:cNvPr id="40" name="그림 39">
+              <a:extLst>
+                <a:ext uri="{FF2B5EF4-FFF2-40B4-BE49-F238E27FC236}">
+                  <a16:creationId xmlns:a16="http://schemas.microsoft.com/office/drawing/2014/main" id="{B48FEA79-5C70-56AB-27E6-FEF2BB2CE16F}"/>
+                </a:ext>
+              </a:extLst>
+            </p:cNvPr>
+            <p:cNvPicPr>
+              <a:picLocks noChangeAspect="1"/>
+            </p:cNvPicPr>
+            <p:nvPr/>
+          </p:nvPicPr>
+          <p:blipFill>
+            <a:blip r:embed="rId6">
+              <a:extLst>
+                <a:ext uri="{28A0092B-C50C-407E-A947-70E740481C1C}">
+                  <a14:useLocalDpi xmlns:a14="http://schemas.microsoft.com/office/drawing/2010/main" val="0"/>
+                </a:ext>
+              </a:extLst>
+            </a:blip>
+            <a:stretch>
+              <a:fillRect/>
+            </a:stretch>
+          </p:blipFill>
+          <p:spPr>
+            <a:xfrm>
+              <a:off x="6766815" y="3661892"/>
+              <a:ext cx="2160000" cy="2160000"/>
+            </a:xfrm>
+            <a:prstGeom prst="rect">
+              <a:avLst/>
+            </a:prstGeom>
+            <a:ln w="28575">
+              <a:solidFill>
+                <a:schemeClr val="tx1">
+                  <a:lumMod val="95000"/>
+                  <a:lumOff val="5000"/>
+                </a:schemeClr>
+              </a:solidFill>
+            </a:ln>
+          </p:spPr>
+        </p:pic>
       </p:grpSp>
-      <p:sp>
-        <p:nvSpPr>
-          <p:cNvPr id="2" name="TextBox 1">
-            <a:extLst>
-              <a:ext uri="{FF2B5EF4-FFF2-40B4-BE49-F238E27FC236}">
-                <a16:creationId xmlns:a16="http://schemas.microsoft.com/office/drawing/2014/main" id="{4A5E73CF-0077-772B-A1ED-41AE9439A123}"/>
-              </a:ext>
-            </a:extLst>
-          </p:cNvPr>
-          <p:cNvSpPr txBox="1"/>
-          <p:nvPr/>
-        </p:nvSpPr>
-        <p:spPr>
-          <a:xfrm>
-            <a:off x="2205946" y="12275853"/>
-            <a:ext cx="1852240" cy="646331"/>
-          </a:xfrm>
-          <a:prstGeom prst="rect">
-            <a:avLst/>
-          </a:prstGeom>
-          <a:noFill/>
-        </p:spPr>
-        <p:txBody>
-          <a:bodyPr wrap="square" rtlCol="0">
-            <a:spAutoFit/>
-          </a:bodyPr>
-          <a:lstStyle/>
-          <a:p>
-            <a:pPr algn="ctr"/>
-            <a:r>
-              <a:rPr lang="en-US" altLang="ko-KR" dirty="0">
-                <a:solidFill>
-                  <a:srgbClr val="000000"/>
-                </a:solidFill>
-                <a:latin typeface="Times New Roman" panose="02020603050405020304" pitchFamily="18" charset="0"/>
-                <a:cs typeface="Times New Roman" panose="02020603050405020304" pitchFamily="18" charset="0"/>
-              </a:rPr>
-              <a:t>After</a:t>
-            </a:r>
-            <a:r>
-              <a:rPr lang="en-US" altLang="ko-KR" b="0" i="0" dirty="0">
-                <a:solidFill>
-                  <a:srgbClr val="000000"/>
-                </a:solidFill>
-                <a:effectLst/>
-                <a:latin typeface="Times New Roman" panose="02020603050405020304" pitchFamily="18" charset="0"/>
-                <a:cs typeface="Times New Roman" panose="02020603050405020304" pitchFamily="18" charset="0"/>
-              </a:rPr>
-              <a:t> Proposed Method</a:t>
-            </a:r>
-            <a:r>
-              <a:rPr lang="en-US" altLang="ko-KR" b="0" i="0" dirty="0">
-                <a:solidFill>
-                  <a:srgbClr val="000000"/>
-                </a:solidFill>
-                <a:effectLst/>
-                <a:latin typeface="noto"/>
-              </a:rPr>
-              <a:t> </a:t>
-            </a:r>
-            <a:r>
-              <a:rPr lang="en-US" altLang="ko-KR" b="0" i="0" dirty="0">
-                <a:solidFill>
-                  <a:srgbClr val="000000"/>
-                </a:solidFill>
-                <a:effectLst/>
-                <a:latin typeface="Times New Roman" panose="02020603050405020304" pitchFamily="18" charset="0"/>
-                <a:cs typeface="Times New Roman" panose="02020603050405020304" pitchFamily="18" charset="0"/>
-              </a:rPr>
-              <a:t>Image</a:t>
-            </a:r>
-            <a:endParaRPr lang="ko-KR" altLang="en-US" dirty="0">
-              <a:latin typeface="Times New Roman" panose="02020603050405020304" pitchFamily="18" charset="0"/>
-              <a:cs typeface="Times New Roman" panose="02020603050405020304" pitchFamily="18" charset="0"/>
-            </a:endParaRPr>
-          </a:p>
-        </p:txBody>
-      </p:sp>
-      <p:pic>
-        <p:nvPicPr>
-          <p:cNvPr id="30" name="그림 29" descr="텍스트이(가) 표시된 사진&#10;&#10;자동 생성된 설명">
-            <a:extLst>
-              <a:ext uri="{FF2B5EF4-FFF2-40B4-BE49-F238E27FC236}">
-                <a16:creationId xmlns:a16="http://schemas.microsoft.com/office/drawing/2014/main" id="{E75E7799-5680-4995-224D-6A44B45903B0}"/>
-              </a:ext>
-            </a:extLst>
-          </p:cNvPr>
-          <p:cNvPicPr>
-            <a:picLocks/>
-          </p:cNvPicPr>
-          <p:nvPr/>
-        </p:nvPicPr>
-        <p:blipFill>
-          <a:blip r:embed="rId2">
-            <a:extLst>
-              <a:ext uri="{28A0092B-C50C-407E-A947-70E740481C1C}">
-                <a14:useLocalDpi xmlns:a14="http://schemas.microsoft.com/office/drawing/2010/main" val="0"/>
-              </a:ext>
-            </a:extLst>
-          </a:blip>
-          <a:stretch>
-            <a:fillRect/>
-          </a:stretch>
-        </p:blipFill>
-        <p:spPr>
-          <a:xfrm>
-            <a:off x="11022315" y="5420814"/>
-            <a:ext cx="1836000" cy="1224000"/>
-          </a:xfrm>
-          <a:prstGeom prst="rect">
-            <a:avLst/>
-          </a:prstGeom>
-          <a:ln>
-            <a:solidFill>
-              <a:schemeClr val="tx1"/>
-            </a:solidFill>
-          </a:ln>
-        </p:spPr>
-      </p:pic>
-      <p:pic>
-        <p:nvPicPr>
-          <p:cNvPr id="6" name="그림 5">
-            <a:extLst>
-              <a:ext uri="{FF2B5EF4-FFF2-40B4-BE49-F238E27FC236}">
-                <a16:creationId xmlns:a16="http://schemas.microsoft.com/office/drawing/2014/main" id="{4E2A604B-105C-AB42-00A2-CA8F8DB77956}"/>
-              </a:ext>
-            </a:extLst>
-          </p:cNvPr>
-          <p:cNvPicPr>
-            <a:picLocks/>
-          </p:cNvPicPr>
-          <p:nvPr/>
-        </p:nvPicPr>
-        <p:blipFill>
-          <a:blip r:embed="rId3">
-            <a:extLst>
-              <a:ext uri="{28A0092B-C50C-407E-A947-70E740481C1C}">
-                <a14:useLocalDpi xmlns:a14="http://schemas.microsoft.com/office/drawing/2010/main" val="0"/>
-              </a:ext>
-            </a:extLst>
-          </a:blip>
-          <a:stretch>
-            <a:fillRect/>
-          </a:stretch>
-        </p:blipFill>
-        <p:spPr>
-          <a:xfrm>
-            <a:off x="11022315" y="9945068"/>
-            <a:ext cx="1836000" cy="1224000"/>
-          </a:xfrm>
-          <a:prstGeom prst="rect">
-            <a:avLst/>
-          </a:prstGeom>
-          <a:ln>
-            <a:solidFill>
-              <a:schemeClr val="tx1"/>
-            </a:solidFill>
-          </a:ln>
-        </p:spPr>
-      </p:pic>
-      <p:sp>
-        <p:nvSpPr>
-          <p:cNvPr id="56" name="TextBox 55">
-            <a:extLst>
-              <a:ext uri="{FF2B5EF4-FFF2-40B4-BE49-F238E27FC236}">
-                <a16:creationId xmlns:a16="http://schemas.microsoft.com/office/drawing/2014/main" id="{6C2FF229-99A1-AD1D-7CBB-CF7B2299A401}"/>
-              </a:ext>
-            </a:extLst>
-          </p:cNvPr>
-          <p:cNvSpPr txBox="1"/>
-          <p:nvPr/>
-        </p:nvSpPr>
-        <p:spPr>
-          <a:xfrm>
-            <a:off x="10914558" y="12441801"/>
-            <a:ext cx="1852240" cy="646331"/>
-          </a:xfrm>
-          <a:prstGeom prst="rect">
-            <a:avLst/>
-          </a:prstGeom>
-          <a:noFill/>
-        </p:spPr>
-        <p:txBody>
-          <a:bodyPr wrap="square" rtlCol="0">
-            <a:spAutoFit/>
-          </a:bodyPr>
-          <a:lstStyle/>
-          <a:p>
-            <a:pPr algn="ctr"/>
-            <a:r>
-              <a:rPr lang="en-US" altLang="ko-KR" b="0" i="0" dirty="0">
-                <a:solidFill>
-                  <a:srgbClr val="000000"/>
-                </a:solidFill>
-                <a:effectLst/>
-                <a:latin typeface="Times New Roman" panose="02020603050405020304" pitchFamily="18" charset="0"/>
-                <a:cs typeface="Times New Roman" panose="02020603050405020304" pitchFamily="18" charset="0"/>
-              </a:rPr>
-              <a:t>Before Proposed Method</a:t>
-            </a:r>
-            <a:r>
-              <a:rPr lang="en-US" altLang="ko-KR" b="0" i="0" dirty="0">
-                <a:solidFill>
-                  <a:srgbClr val="000000"/>
-                </a:solidFill>
-                <a:effectLst/>
-                <a:latin typeface="noto"/>
-              </a:rPr>
-              <a:t> </a:t>
-            </a:r>
-            <a:r>
-              <a:rPr lang="en-US" altLang="ko-KR" b="0" i="0" dirty="0">
-                <a:solidFill>
-                  <a:srgbClr val="000000"/>
-                </a:solidFill>
-                <a:effectLst/>
-                <a:latin typeface="Times New Roman" panose="02020603050405020304" pitchFamily="18" charset="0"/>
-                <a:cs typeface="Times New Roman" panose="02020603050405020304" pitchFamily="18" charset="0"/>
-              </a:rPr>
-              <a:t>Image</a:t>
-            </a:r>
-            <a:endParaRPr lang="ko-KR" altLang="en-US" dirty="0">
-              <a:latin typeface="Times New Roman" panose="02020603050405020304" pitchFamily="18" charset="0"/>
-              <a:cs typeface="Times New Roman" panose="02020603050405020304" pitchFamily="18" charset="0"/>
-            </a:endParaRPr>
-          </a:p>
-        </p:txBody>
-      </p:sp>
-      <p:sp>
-        <p:nvSpPr>
-          <p:cNvPr id="22" name="직사각형 21">
-            <a:extLst>
-              <a:ext uri="{FF2B5EF4-FFF2-40B4-BE49-F238E27FC236}">
-                <a16:creationId xmlns:a16="http://schemas.microsoft.com/office/drawing/2014/main" id="{4F548EEE-E842-AB43-5E7E-858A0AC2BCEB}"/>
-              </a:ext>
-            </a:extLst>
-          </p:cNvPr>
-          <p:cNvSpPr>
-            <a:spLocks/>
-          </p:cNvSpPr>
-          <p:nvPr/>
-        </p:nvSpPr>
-        <p:spPr>
-          <a:xfrm>
-            <a:off x="2084244" y="2947737"/>
-            <a:ext cx="2364470" cy="4136866"/>
-          </a:xfrm>
-          <a:prstGeom prst="rect">
-            <a:avLst/>
-          </a:prstGeom>
-        </p:spPr>
-        <p:style>
-          <a:lnRef idx="2">
-            <a:schemeClr val="dk1"/>
-          </a:lnRef>
-          <a:fillRef idx="1">
-            <a:schemeClr val="lt1"/>
-          </a:fillRef>
-          <a:effectRef idx="0">
-            <a:schemeClr val="dk1"/>
-          </a:effectRef>
-          <a:fontRef idx="minor">
-            <a:schemeClr val="dk1"/>
-          </a:fontRef>
-        </p:style>
-        <p:txBody>
-          <a:bodyPr rtlCol="0" anchor="ctr"/>
-          <a:lstStyle/>
-          <a:p>
-            <a:pPr algn="ctr"/>
-            <a:endParaRPr lang="ko-KR" altLang="en-US" dirty="0"/>
-          </a:p>
-        </p:txBody>
-      </p:sp>
-      <p:pic>
-        <p:nvPicPr>
-          <p:cNvPr id="24" name="그림 23" descr="텍스트, 도로, 실외, 건물이(가) 표시된 사진&#10;&#10;자동 생성된 설명">
-            <a:extLst>
-              <a:ext uri="{FF2B5EF4-FFF2-40B4-BE49-F238E27FC236}">
-                <a16:creationId xmlns:a16="http://schemas.microsoft.com/office/drawing/2014/main" id="{DE2FCEBE-9A17-C6FF-DD22-4FB9547030D1}"/>
-              </a:ext>
-            </a:extLst>
-          </p:cNvPr>
-          <p:cNvPicPr>
-            <a:picLocks/>
-          </p:cNvPicPr>
-          <p:nvPr/>
-        </p:nvPicPr>
-        <p:blipFill>
-          <a:blip r:embed="rId4">
-            <a:extLst>
-              <a:ext uri="{28A0092B-C50C-407E-A947-70E740481C1C}">
-                <a14:useLocalDpi xmlns:a14="http://schemas.microsoft.com/office/drawing/2010/main" val="0"/>
-              </a:ext>
-            </a:extLst>
-          </a:blip>
-          <a:stretch>
-            <a:fillRect/>
-          </a:stretch>
-        </p:blipFill>
-        <p:spPr>
-          <a:xfrm>
-            <a:off x="2348479" y="5420814"/>
-            <a:ext cx="1836000" cy="1224000"/>
-          </a:xfrm>
-          <a:prstGeom prst="rect">
-            <a:avLst/>
-          </a:prstGeom>
-          <a:ln>
-            <a:solidFill>
-              <a:schemeClr val="tx1"/>
-            </a:solidFill>
-          </a:ln>
-        </p:spPr>
-      </p:pic>
-      <p:pic>
-        <p:nvPicPr>
-          <p:cNvPr id="12" name="그림 11" descr="도로, 하늘, 실외, 장면이(가) 표시된 사진&#10;&#10;자동 생성된 설명">
-            <a:extLst>
-              <a:ext uri="{FF2B5EF4-FFF2-40B4-BE49-F238E27FC236}">
-                <a16:creationId xmlns:a16="http://schemas.microsoft.com/office/drawing/2014/main" id="{62BBB26D-F810-1BEA-E288-02D130DAA3BC}"/>
-              </a:ext>
-            </a:extLst>
-          </p:cNvPr>
-          <p:cNvPicPr>
-            <a:picLocks/>
-          </p:cNvPicPr>
-          <p:nvPr/>
-        </p:nvPicPr>
-        <p:blipFill rotWithShape="1">
-          <a:blip r:embed="rId5">
-            <a:extLst>
-              <a:ext uri="{28A0092B-C50C-407E-A947-70E740481C1C}">
-                <a14:useLocalDpi xmlns:a14="http://schemas.microsoft.com/office/drawing/2010/main" val="0"/>
-              </a:ext>
-            </a:extLst>
-          </a:blip>
-          <a:srcRect t="18757" b="768"/>
-          <a:stretch/>
-        </p:blipFill>
-        <p:spPr>
-          <a:xfrm>
-            <a:off x="2348479" y="3382393"/>
-            <a:ext cx="1836000" cy="1224000"/>
-          </a:xfrm>
-          <a:prstGeom prst="rect">
-            <a:avLst/>
-          </a:prstGeom>
-          <a:ln>
-            <a:solidFill>
-              <a:schemeClr val="tx1"/>
-            </a:solidFill>
-          </a:ln>
-        </p:spPr>
-      </p:pic>
-      <p:pic>
-        <p:nvPicPr>
-          <p:cNvPr id="14" name="그림 13">
-            <a:extLst>
-              <a:ext uri="{FF2B5EF4-FFF2-40B4-BE49-F238E27FC236}">
-                <a16:creationId xmlns:a16="http://schemas.microsoft.com/office/drawing/2014/main" id="{4D4A48D8-7170-4065-A68C-1C74D6BFA7EF}"/>
-              </a:ext>
-            </a:extLst>
-          </p:cNvPr>
-          <p:cNvPicPr>
-            <a:picLocks/>
-          </p:cNvPicPr>
-          <p:nvPr/>
-        </p:nvPicPr>
-        <p:blipFill rotWithShape="1">
-          <a:blip r:embed="rId6">
-            <a:extLst>
-              <a:ext uri="{28A0092B-C50C-407E-A947-70E740481C1C}">
-                <a14:useLocalDpi xmlns:a14="http://schemas.microsoft.com/office/drawing/2010/main" val="0"/>
-              </a:ext>
-            </a:extLst>
-          </a:blip>
-          <a:srcRect t="22674"/>
-          <a:stretch/>
-        </p:blipFill>
-        <p:spPr>
-          <a:xfrm>
-            <a:off x="11022315" y="3382393"/>
-            <a:ext cx="1836000" cy="1224000"/>
-          </a:xfrm>
-          <a:prstGeom prst="rect">
-            <a:avLst/>
-          </a:prstGeom>
-          <a:ln>
-            <a:solidFill>
-              <a:schemeClr val="tx1"/>
-            </a:solidFill>
-          </a:ln>
-        </p:spPr>
-      </p:pic>
-      <p:sp>
-        <p:nvSpPr>
-          <p:cNvPr id="63" name="직사각형 62">
-            <a:extLst>
-              <a:ext uri="{FF2B5EF4-FFF2-40B4-BE49-F238E27FC236}">
-                <a16:creationId xmlns:a16="http://schemas.microsoft.com/office/drawing/2014/main" id="{A5215C4E-74A6-D6BF-E1C7-696A2A18895E}"/>
-              </a:ext>
-            </a:extLst>
-          </p:cNvPr>
-          <p:cNvSpPr/>
-          <p:nvPr/>
-        </p:nvSpPr>
-        <p:spPr>
-          <a:xfrm>
-            <a:off x="6703397" y="8623196"/>
-            <a:ext cx="1800000" cy="2160000"/>
-          </a:xfrm>
-          <a:prstGeom prst="rect">
-            <a:avLst/>
-          </a:prstGeom>
-        </p:spPr>
-        <p:style>
-          <a:lnRef idx="2">
-            <a:schemeClr val="dk1"/>
-          </a:lnRef>
-          <a:fillRef idx="1">
-            <a:schemeClr val="lt1"/>
-          </a:fillRef>
-          <a:effectRef idx="0">
-            <a:schemeClr val="dk1"/>
-          </a:effectRef>
-          <a:fontRef idx="minor">
-            <a:schemeClr val="dk1"/>
-          </a:fontRef>
-        </p:style>
-        <p:txBody>
-          <a:bodyPr rtlCol="0" anchor="ctr"/>
-          <a:lstStyle/>
-          <a:p>
-            <a:pPr algn="ctr"/>
-            <a:r>
-              <a:rPr lang="en-US" altLang="ko-KR" sz="2000" dirty="0">
-                <a:latin typeface="Times New Roman" panose="02020603050405020304" pitchFamily="18" charset="0"/>
-                <a:ea typeface="+mj-ea"/>
-                <a:cs typeface="Times New Roman" panose="02020603050405020304" pitchFamily="18" charset="0"/>
-              </a:rPr>
-              <a:t>Mask R-CNN</a:t>
-            </a:r>
-            <a:endParaRPr lang="ko-KR" altLang="en-US" sz="2000" dirty="0">
-              <a:latin typeface="Times New Roman" panose="02020603050405020304" pitchFamily="18" charset="0"/>
-              <a:ea typeface="+mj-ea"/>
-              <a:cs typeface="Times New Roman" panose="02020603050405020304" pitchFamily="18" charset="0"/>
-            </a:endParaRPr>
-          </a:p>
-        </p:txBody>
-      </p:sp>
       <p:cxnSp>
         <p:nvCxnSpPr>
-          <p:cNvPr id="81" name="직선 화살표 연결선 80">
-            <a:extLst>
-              <a:ext uri="{FF2B5EF4-FFF2-40B4-BE49-F238E27FC236}">
-                <a16:creationId xmlns:a16="http://schemas.microsoft.com/office/drawing/2014/main" id="{5AB3AB9E-3E5E-1188-B018-580BD843F955}"/>
+          <p:cNvPr id="52" name="직선 화살표 연결선 51">
+            <a:extLst>
+              <a:ext uri="{FF2B5EF4-FFF2-40B4-BE49-F238E27FC236}">
+                <a16:creationId xmlns:a16="http://schemas.microsoft.com/office/drawing/2014/main" id="{E45F40AB-E8C8-AB50-F040-7D840EA715F1}"/>
               </a:ext>
             </a:extLst>
           </p:cNvPr>
           <p:cNvCxnSpPr>
-            <a:cxnSpLocks/>
-            <a:stCxn id="21" idx="2"/>
-            <a:endCxn id="87" idx="0"/>
+            <a:stCxn id="48" idx="3"/>
+            <a:endCxn id="38" idx="1"/>
           </p:cNvCxnSpPr>
           <p:nvPr/>
         </p:nvCxnSpPr>
         <p:spPr>
           <a:xfrm>
-            <a:off x="17121553" y="7084600"/>
-            <a:ext cx="13625" cy="1275862"/>
+            <a:off x="6041868" y="10303201"/>
+            <a:ext cx="2486794" cy="0"/>
           </a:xfrm>
           <a:prstGeom prst="straightConnector1">
             <a:avLst/>
@@ -6791,307 +8954,14 @@
           </a:ln>
         </p:spPr>
         <p:style>
-          <a:lnRef idx="1">
+          <a:lnRef idx="3">
             <a:schemeClr val="dk1"/>
           </a:lnRef>
           <a:fillRef idx="0">
             <a:schemeClr val="dk1"/>
           </a:fillRef>
-          <a:effectRef idx="0">
-            <a:schemeClr val="dk1"/>
-          </a:effectRef>
-          <a:fontRef idx="minor">
-            <a:schemeClr val="tx1"/>
-          </a:fontRef>
-        </p:style>
-      </p:cxnSp>
-      <p:sp>
-        <p:nvSpPr>
-          <p:cNvPr id="10" name="TextBox 9">
-            <a:extLst>
-              <a:ext uri="{FF2B5EF4-FFF2-40B4-BE49-F238E27FC236}">
-                <a16:creationId xmlns:a16="http://schemas.microsoft.com/office/drawing/2014/main" id="{5C14D6ED-D8A1-17E6-50EC-607BDCABFA1E}"/>
-              </a:ext>
-            </a:extLst>
-          </p:cNvPr>
-          <p:cNvSpPr txBox="1"/>
-          <p:nvPr/>
-        </p:nvSpPr>
-        <p:spPr>
-          <a:xfrm>
-            <a:off x="19778972" y="9426196"/>
-            <a:ext cx="2919664" cy="553998"/>
-          </a:xfrm>
-          <a:prstGeom prst="rect">
-            <a:avLst/>
-          </a:prstGeom>
-          <a:noFill/>
-        </p:spPr>
-        <p:txBody>
-          <a:bodyPr wrap="square" rtlCol="0">
-            <a:spAutoFit/>
-          </a:bodyPr>
-          <a:lstStyle/>
-          <a:p>
-            <a:pPr algn="ctr"/>
-            <a:r>
-              <a:rPr lang="en-US" altLang="ko-KR" sz="3000" dirty="0">
-                <a:latin typeface="Times New Roman" panose="02020603050405020304" pitchFamily="18" charset="0"/>
-                <a:cs typeface="Times New Roman" panose="02020603050405020304" pitchFamily="18" charset="0"/>
-              </a:rPr>
-              <a:t>Dangerous</a:t>
-            </a:r>
-          </a:p>
-        </p:txBody>
-      </p:sp>
-      <p:sp>
-        <p:nvSpPr>
-          <p:cNvPr id="40" name="직사각형 39">
-            <a:extLst>
-              <a:ext uri="{FF2B5EF4-FFF2-40B4-BE49-F238E27FC236}">
-                <a16:creationId xmlns:a16="http://schemas.microsoft.com/office/drawing/2014/main" id="{4477C383-F0E3-F0B3-14B3-AC50B549ABFF}"/>
-              </a:ext>
-            </a:extLst>
-          </p:cNvPr>
-          <p:cNvSpPr>
-            <a:spLocks/>
-          </p:cNvSpPr>
-          <p:nvPr/>
-        </p:nvSpPr>
-        <p:spPr>
-          <a:xfrm>
-            <a:off x="2084244" y="7634763"/>
-            <a:ext cx="2364470" cy="4136866"/>
-          </a:xfrm>
-          <a:prstGeom prst="rect">
-            <a:avLst/>
-          </a:prstGeom>
-        </p:spPr>
-        <p:style>
-          <a:lnRef idx="2">
-            <a:schemeClr val="dk1"/>
-          </a:lnRef>
-          <a:fillRef idx="1">
-            <a:schemeClr val="lt1"/>
-          </a:fillRef>
-          <a:effectRef idx="0">
-            <a:schemeClr val="dk1"/>
-          </a:effectRef>
-          <a:fontRef idx="minor">
-            <a:schemeClr val="dk1"/>
-          </a:fontRef>
-        </p:style>
-        <p:txBody>
-          <a:bodyPr rtlCol="0" anchor="ctr"/>
-          <a:lstStyle/>
-          <a:p>
-            <a:pPr algn="ctr"/>
-            <a:endParaRPr lang="ko-KR" altLang="en-US" u="sng" dirty="0"/>
-          </a:p>
-        </p:txBody>
-      </p:sp>
-      <p:pic>
-        <p:nvPicPr>
-          <p:cNvPr id="5" name="그림 4" descr="텍스트, 도로, 실외, 건물이(가) 표시된 사진&#10;&#10;자동 생성된 설명">
-            <a:extLst>
-              <a:ext uri="{FF2B5EF4-FFF2-40B4-BE49-F238E27FC236}">
-                <a16:creationId xmlns:a16="http://schemas.microsoft.com/office/drawing/2014/main" id="{C2DCB5CD-F557-E199-9094-FF6C67098597}"/>
-              </a:ext>
-            </a:extLst>
-          </p:cNvPr>
-          <p:cNvPicPr>
-            <a:picLocks/>
-          </p:cNvPicPr>
-          <p:nvPr/>
-        </p:nvPicPr>
-        <p:blipFill rotWithShape="1">
-          <a:blip r:embed="rId7">
-            <a:extLst>
-              <a:ext uri="{28A0092B-C50C-407E-A947-70E740481C1C}">
-                <a14:useLocalDpi xmlns:a14="http://schemas.microsoft.com/office/drawing/2010/main" val="0"/>
-              </a:ext>
-            </a:extLst>
-          </a:blip>
-          <a:srcRect l="13523" r="15615"/>
-          <a:stretch/>
-        </p:blipFill>
-        <p:spPr>
-          <a:xfrm>
-            <a:off x="2348479" y="9945068"/>
-            <a:ext cx="1836000" cy="1224000"/>
-          </a:xfrm>
-          <a:prstGeom prst="rect">
-            <a:avLst/>
-          </a:prstGeom>
-          <a:ln>
-            <a:solidFill>
-              <a:schemeClr val="tx1"/>
-            </a:solidFill>
-          </a:ln>
-        </p:spPr>
-      </p:pic>
-      <p:cxnSp>
-        <p:nvCxnSpPr>
-          <p:cNvPr id="45" name="직선 화살표 연결선 44">
-            <a:extLst>
-              <a:ext uri="{FF2B5EF4-FFF2-40B4-BE49-F238E27FC236}">
-                <a16:creationId xmlns:a16="http://schemas.microsoft.com/office/drawing/2014/main" id="{AFFDBE0F-FC24-0290-5ADC-A53B56C20B13}"/>
-              </a:ext>
-            </a:extLst>
-          </p:cNvPr>
-          <p:cNvCxnSpPr>
-            <a:cxnSpLocks/>
-            <a:stCxn id="22" idx="3"/>
-            <a:endCxn id="9" idx="1"/>
-          </p:cNvCxnSpPr>
-          <p:nvPr/>
-        </p:nvCxnSpPr>
-        <p:spPr>
-          <a:xfrm>
-            <a:off x="4448714" y="5016170"/>
-            <a:ext cx="2254683" cy="964"/>
-          </a:xfrm>
-          <a:prstGeom prst="straightConnector1">
-            <a:avLst/>
-          </a:prstGeom>
-          <a:ln w="38100">
-            <a:tailEnd type="triangle"/>
-          </a:ln>
-        </p:spPr>
-        <p:style>
-          <a:lnRef idx="1">
-            <a:schemeClr val="accent1"/>
-          </a:lnRef>
-          <a:fillRef idx="0">
-            <a:schemeClr val="accent1"/>
-          </a:fillRef>
-          <a:effectRef idx="0">
-            <a:schemeClr val="accent1"/>
-          </a:effectRef>
-          <a:fontRef idx="minor">
-            <a:schemeClr val="tx1"/>
-          </a:fontRef>
-        </p:style>
-      </p:cxnSp>
-      <p:pic>
-        <p:nvPicPr>
-          <p:cNvPr id="32" name="그림 31" descr="텍스트, 도로, 나무, 실외이(가) 표시된 사진&#10;&#10;자동 생성된 설명">
-            <a:extLst>
-              <a:ext uri="{FF2B5EF4-FFF2-40B4-BE49-F238E27FC236}">
-                <a16:creationId xmlns:a16="http://schemas.microsoft.com/office/drawing/2014/main" id="{68503111-A776-D0EF-8E90-DC5C4A3FD2B3}"/>
-              </a:ext>
-            </a:extLst>
-          </p:cNvPr>
-          <p:cNvPicPr>
-            <a:picLocks noChangeAspect="1"/>
-          </p:cNvPicPr>
-          <p:nvPr/>
-        </p:nvPicPr>
-        <p:blipFill>
-          <a:blip r:embed="rId8">
-            <a:extLst>
-              <a:ext uri="{28A0092B-C50C-407E-A947-70E740481C1C}">
-                <a14:useLocalDpi xmlns:a14="http://schemas.microsoft.com/office/drawing/2010/main" val="0"/>
-              </a:ext>
-            </a:extLst>
-          </a:blip>
-          <a:stretch>
-            <a:fillRect/>
-          </a:stretch>
-        </p:blipFill>
-        <p:spPr>
-          <a:xfrm>
-            <a:off x="2348479" y="8170908"/>
-            <a:ext cx="1836000" cy="1224000"/>
-          </a:xfrm>
-          <a:prstGeom prst="rect">
-            <a:avLst/>
-          </a:prstGeom>
-          <a:ln>
-            <a:solidFill>
-              <a:schemeClr val="tx1"/>
-            </a:solidFill>
-          </a:ln>
-        </p:spPr>
-      </p:pic>
-      <p:pic>
-        <p:nvPicPr>
-          <p:cNvPr id="34" name="그림 33">
-            <a:extLst>
-              <a:ext uri="{FF2B5EF4-FFF2-40B4-BE49-F238E27FC236}">
-                <a16:creationId xmlns:a16="http://schemas.microsoft.com/office/drawing/2014/main" id="{50BD7320-752F-66EC-7052-12748C4960C2}"/>
-              </a:ext>
-            </a:extLst>
-          </p:cNvPr>
-          <p:cNvPicPr preferRelativeResize="0">
-            <a:picLocks/>
-          </p:cNvPicPr>
-          <p:nvPr/>
-        </p:nvPicPr>
-        <p:blipFill>
-          <a:blip r:embed="rId9">
-            <a:extLst>
-              <a:ext uri="{28A0092B-C50C-407E-A947-70E740481C1C}">
-                <a14:useLocalDpi xmlns:a14="http://schemas.microsoft.com/office/drawing/2010/main" val="0"/>
-              </a:ext>
-            </a:extLst>
-          </a:blip>
-          <a:stretch>
-            <a:fillRect/>
-          </a:stretch>
-        </p:blipFill>
-        <p:spPr>
-          <a:xfrm>
-            <a:off x="11022315" y="8167971"/>
-            <a:ext cx="1836000" cy="1224000"/>
-          </a:xfrm>
-          <a:prstGeom prst="rect">
-            <a:avLst/>
-          </a:prstGeom>
-          <a:ln>
-            <a:solidFill>
-              <a:schemeClr val="tx1"/>
-            </a:solidFill>
-          </a:ln>
-        </p:spPr>
-      </p:pic>
-      <p:cxnSp>
-        <p:nvCxnSpPr>
-          <p:cNvPr id="64" name="직선 화살표 연결선 63">
-            <a:extLst>
-              <a:ext uri="{FF2B5EF4-FFF2-40B4-BE49-F238E27FC236}">
-                <a16:creationId xmlns:a16="http://schemas.microsoft.com/office/drawing/2014/main" id="{78C7B2AE-D49F-ABEA-D38A-5A6BA5B4D9C6}"/>
-              </a:ext>
-            </a:extLst>
-          </p:cNvPr>
-          <p:cNvCxnSpPr>
-            <a:cxnSpLocks/>
-            <a:stCxn id="9" idx="3"/>
-            <a:endCxn id="54" idx="1"/>
-          </p:cNvCxnSpPr>
-          <p:nvPr/>
-        </p:nvCxnSpPr>
-        <p:spPr>
-          <a:xfrm flipV="1">
-            <a:off x="8503397" y="5016170"/>
-            <a:ext cx="2254683" cy="964"/>
-          </a:xfrm>
-          <a:prstGeom prst="straightConnector1">
-            <a:avLst/>
-          </a:prstGeom>
-          <a:ln w="38100">
-            <a:tailEnd type="triangle"/>
-          </a:ln>
-        </p:spPr>
-        <p:style>
-          <a:lnRef idx="1">
-            <a:schemeClr val="accent1"/>
-          </a:lnRef>
-          <a:fillRef idx="0">
-            <a:schemeClr val="accent1"/>
-          </a:fillRef>
-          <a:effectRef idx="0">
-            <a:schemeClr val="accent1"/>
+          <a:effectRef idx="2">
+            <a:schemeClr val="dk1"/>
           </a:effectRef>
           <a:fontRef idx="minor">
             <a:schemeClr val="tx1"/>
@@ -7100,17 +8970,1312 @@
       </p:cxnSp>
       <p:cxnSp>
         <p:nvCxnSpPr>
-          <p:cNvPr id="68" name="직선 화살표 연결선 67">
-            <a:extLst>
-              <a:ext uri="{FF2B5EF4-FFF2-40B4-BE49-F238E27FC236}">
-                <a16:creationId xmlns:a16="http://schemas.microsoft.com/office/drawing/2014/main" id="{2094DE5F-D28E-34EC-03B5-44BC2317867F}"/>
+          <p:cNvPr id="55" name="직선 화살표 연결선 54">
+            <a:extLst>
+              <a:ext uri="{FF2B5EF4-FFF2-40B4-BE49-F238E27FC236}">
+                <a16:creationId xmlns:a16="http://schemas.microsoft.com/office/drawing/2014/main" id="{89556542-2910-3AE3-A63B-3DC2722A5114}"/>
               </a:ext>
             </a:extLst>
           </p:cNvPr>
           <p:cNvCxnSpPr>
             <a:cxnSpLocks/>
-            <a:stCxn id="40" idx="3"/>
-            <a:endCxn id="63" idx="1"/>
+            <a:stCxn id="47" idx="3"/>
+            <a:endCxn id="10" idx="1"/>
+          </p:cNvCxnSpPr>
+          <p:nvPr/>
+        </p:nvCxnSpPr>
+        <p:spPr>
+          <a:xfrm>
+            <a:off x="6041868" y="3259451"/>
+            <a:ext cx="2486794" cy="0"/>
+          </a:xfrm>
+          <a:prstGeom prst="straightConnector1">
+            <a:avLst/>
+          </a:prstGeom>
+          <a:ln w="38100">
+            <a:tailEnd type="triangle"/>
+          </a:ln>
+        </p:spPr>
+        <p:style>
+          <a:lnRef idx="3">
+            <a:schemeClr val="dk1"/>
+          </a:lnRef>
+          <a:fillRef idx="0">
+            <a:schemeClr val="dk1"/>
+          </a:fillRef>
+          <a:effectRef idx="2">
+            <a:schemeClr val="dk1"/>
+          </a:effectRef>
+          <a:fontRef idx="minor">
+            <a:schemeClr val="tx1"/>
+          </a:fontRef>
+        </p:style>
+      </p:cxnSp>
+      <p:sp>
+        <p:nvSpPr>
+          <p:cNvPr id="68" name="직사각형 67">
+            <a:extLst>
+              <a:ext uri="{FF2B5EF4-FFF2-40B4-BE49-F238E27FC236}">
+                <a16:creationId xmlns:a16="http://schemas.microsoft.com/office/drawing/2014/main" id="{6425CF7B-FC3A-DE81-9415-71C12A709C78}"/>
+              </a:ext>
+            </a:extLst>
+          </p:cNvPr>
+          <p:cNvSpPr/>
+          <p:nvPr/>
+        </p:nvSpPr>
+        <p:spPr>
+          <a:xfrm>
+            <a:off x="13919289" y="1819451"/>
+            <a:ext cx="3443399" cy="2880000"/>
+          </a:xfrm>
+          <a:prstGeom prst="rect">
+            <a:avLst/>
+          </a:prstGeom>
+          <a:ln w="38100">
+            <a:solidFill>
+              <a:schemeClr val="tx1">
+                <a:lumMod val="95000"/>
+                <a:lumOff val="5000"/>
+              </a:schemeClr>
+            </a:solidFill>
+          </a:ln>
+        </p:spPr>
+        <p:style>
+          <a:lnRef idx="2">
+            <a:schemeClr val="dk1"/>
+          </a:lnRef>
+          <a:fillRef idx="1">
+            <a:schemeClr val="lt1"/>
+          </a:fillRef>
+          <a:effectRef idx="0">
+            <a:schemeClr val="dk1"/>
+          </a:effectRef>
+          <a:fontRef idx="minor">
+            <a:schemeClr val="dk1"/>
+          </a:fontRef>
+        </p:style>
+        <p:txBody>
+          <a:bodyPr rtlCol="0" anchor="ctr"/>
+          <a:lstStyle/>
+          <a:p>
+            <a:pPr algn="ctr"/>
+            <a:r>
+              <a:rPr lang="en-US" altLang="ko-KR" sz="4000" dirty="0">
+                <a:latin typeface="Times New Roman" panose="02020603050405020304" pitchFamily="18" charset="0"/>
+                <a:cs typeface="Times New Roman" panose="02020603050405020304" pitchFamily="18" charset="0"/>
+              </a:rPr>
+              <a:t>Augmentation</a:t>
+            </a:r>
+          </a:p>
+        </p:txBody>
+      </p:sp>
+      <p:sp>
+        <p:nvSpPr>
+          <p:cNvPr id="69" name="직사각형 68">
+            <a:extLst>
+              <a:ext uri="{FF2B5EF4-FFF2-40B4-BE49-F238E27FC236}">
+                <a16:creationId xmlns:a16="http://schemas.microsoft.com/office/drawing/2014/main" id="{13867251-AFA0-5F08-1F3A-5218B2D8E6E9}"/>
+              </a:ext>
+            </a:extLst>
+          </p:cNvPr>
+          <p:cNvSpPr/>
+          <p:nvPr/>
+        </p:nvSpPr>
+        <p:spPr>
+          <a:xfrm>
+            <a:off x="13919290" y="8863201"/>
+            <a:ext cx="3443399" cy="2880000"/>
+          </a:xfrm>
+          <a:prstGeom prst="rect">
+            <a:avLst/>
+          </a:prstGeom>
+          <a:ln w="38100">
+            <a:solidFill>
+              <a:schemeClr val="tx1">
+                <a:lumMod val="95000"/>
+                <a:lumOff val="5000"/>
+              </a:schemeClr>
+            </a:solidFill>
+          </a:ln>
+        </p:spPr>
+        <p:style>
+          <a:lnRef idx="2">
+            <a:schemeClr val="dk1"/>
+          </a:lnRef>
+          <a:fillRef idx="1">
+            <a:schemeClr val="lt1"/>
+          </a:fillRef>
+          <a:effectRef idx="0">
+            <a:schemeClr val="dk1"/>
+          </a:effectRef>
+          <a:fontRef idx="minor">
+            <a:schemeClr val="dk1"/>
+          </a:fontRef>
+        </p:style>
+        <p:txBody>
+          <a:bodyPr rtlCol="0" anchor="ctr"/>
+          <a:lstStyle/>
+          <a:p>
+            <a:pPr algn="ctr"/>
+            <a:r>
+              <a:rPr lang="en-US" altLang="ko-KR" sz="4000" dirty="0">
+                <a:latin typeface="Times New Roman" panose="02020603050405020304" pitchFamily="18" charset="0"/>
+                <a:cs typeface="Times New Roman" panose="02020603050405020304" pitchFamily="18" charset="0"/>
+              </a:rPr>
+              <a:t>Augmentation</a:t>
+            </a:r>
+          </a:p>
+        </p:txBody>
+      </p:sp>
+      <p:cxnSp>
+        <p:nvCxnSpPr>
+          <p:cNvPr id="15" name="직선 화살표 연결선 14">
+            <a:extLst>
+              <a:ext uri="{FF2B5EF4-FFF2-40B4-BE49-F238E27FC236}">
+                <a16:creationId xmlns:a16="http://schemas.microsoft.com/office/drawing/2014/main" id="{069EC41B-8E4B-5137-88F9-808209587BDF}"/>
+              </a:ext>
+            </a:extLst>
+          </p:cNvPr>
+          <p:cNvCxnSpPr>
+            <a:cxnSpLocks/>
+            <a:stCxn id="10" idx="3"/>
+            <a:endCxn id="68" idx="1"/>
+          </p:cNvCxnSpPr>
+          <p:nvPr/>
+        </p:nvCxnSpPr>
+        <p:spPr>
+          <a:xfrm>
+            <a:off x="11768662" y="3259451"/>
+            <a:ext cx="2150627" cy="0"/>
+          </a:xfrm>
+          <a:prstGeom prst="straightConnector1">
+            <a:avLst/>
+          </a:prstGeom>
+          <a:ln w="38100">
+            <a:tailEnd type="triangle"/>
+          </a:ln>
+        </p:spPr>
+        <p:style>
+          <a:lnRef idx="3">
+            <a:schemeClr val="dk1"/>
+          </a:lnRef>
+          <a:fillRef idx="0">
+            <a:schemeClr val="dk1"/>
+          </a:fillRef>
+          <a:effectRef idx="2">
+            <a:schemeClr val="dk1"/>
+          </a:effectRef>
+          <a:fontRef idx="minor">
+            <a:schemeClr val="tx1"/>
+          </a:fontRef>
+        </p:style>
+      </p:cxnSp>
+      <p:cxnSp>
+        <p:nvCxnSpPr>
+          <p:cNvPr id="21" name="직선 화살표 연결선 20">
+            <a:extLst>
+              <a:ext uri="{FF2B5EF4-FFF2-40B4-BE49-F238E27FC236}">
+                <a16:creationId xmlns:a16="http://schemas.microsoft.com/office/drawing/2014/main" id="{E04D7186-EEA6-AA6B-F351-29A779A35EE1}"/>
+              </a:ext>
+            </a:extLst>
+          </p:cNvPr>
+          <p:cNvCxnSpPr>
+            <a:cxnSpLocks/>
+            <a:stCxn id="38" idx="3"/>
+            <a:endCxn id="69" idx="1"/>
+          </p:cNvCxnSpPr>
+          <p:nvPr/>
+        </p:nvCxnSpPr>
+        <p:spPr>
+          <a:xfrm>
+            <a:off x="11768662" y="10303201"/>
+            <a:ext cx="2150628" cy="0"/>
+          </a:xfrm>
+          <a:prstGeom prst="straightConnector1">
+            <a:avLst/>
+          </a:prstGeom>
+          <a:ln w="38100">
+            <a:tailEnd type="triangle"/>
+          </a:ln>
+        </p:spPr>
+        <p:style>
+          <a:lnRef idx="3">
+            <a:schemeClr val="dk1"/>
+          </a:lnRef>
+          <a:fillRef idx="0">
+            <a:schemeClr val="dk1"/>
+          </a:fillRef>
+          <a:effectRef idx="2">
+            <a:schemeClr val="dk1"/>
+          </a:effectRef>
+          <a:fontRef idx="minor">
+            <a:schemeClr val="tx1"/>
+          </a:fontRef>
+        </p:style>
+      </p:cxnSp>
+      <p:grpSp>
+        <p:nvGrpSpPr>
+          <p:cNvPr id="98" name="그룹 97">
+            <a:extLst>
+              <a:ext uri="{FF2B5EF4-FFF2-40B4-BE49-F238E27FC236}">
+                <a16:creationId xmlns:a16="http://schemas.microsoft.com/office/drawing/2014/main" id="{715232B2-8FBE-1E0C-7E21-B0998408DDCC}"/>
+              </a:ext>
+            </a:extLst>
+          </p:cNvPr>
+          <p:cNvGrpSpPr/>
+          <p:nvPr/>
+        </p:nvGrpSpPr>
+        <p:grpSpPr>
+          <a:xfrm>
+            <a:off x="21051142" y="1279451"/>
+            <a:ext cx="3960000" cy="3960000"/>
+            <a:chOff x="20314542" y="1279451"/>
+            <a:chExt cx="3960000" cy="3960000"/>
+          </a:xfrm>
+        </p:grpSpPr>
+        <p:pic>
+          <p:nvPicPr>
+            <p:cNvPr id="79" name="그림 78">
+              <a:extLst>
+                <a:ext uri="{FF2B5EF4-FFF2-40B4-BE49-F238E27FC236}">
+                  <a16:creationId xmlns:a16="http://schemas.microsoft.com/office/drawing/2014/main" id="{D81B8388-C6A7-6848-E3AA-80AB1CF74072}"/>
+                </a:ext>
+              </a:extLst>
+            </p:cNvPr>
+            <p:cNvPicPr>
+              <a:picLocks noChangeAspect="1"/>
+            </p:cNvPicPr>
+            <p:nvPr/>
+          </p:nvPicPr>
+          <p:blipFill>
+            <a:blip r:embed="rId7">
+              <a:extLst>
+                <a:ext uri="{28A0092B-C50C-407E-A947-70E740481C1C}">
+                  <a14:useLocalDpi xmlns:a14="http://schemas.microsoft.com/office/drawing/2010/main" val="0"/>
+                </a:ext>
+              </a:extLst>
+            </a:blip>
+            <a:stretch>
+              <a:fillRect/>
+            </a:stretch>
+          </p:blipFill>
+          <p:spPr>
+            <a:xfrm>
+              <a:off x="22055443" y="3037120"/>
+              <a:ext cx="2219099" cy="2202331"/>
+            </a:xfrm>
+            <a:prstGeom prst="rect">
+              <a:avLst/>
+            </a:prstGeom>
+            <a:ln w="38100">
+              <a:solidFill>
+                <a:schemeClr val="tx1"/>
+              </a:solidFill>
+            </a:ln>
+          </p:spPr>
+        </p:pic>
+        <p:pic>
+          <p:nvPicPr>
+            <p:cNvPr id="81" name="그림 80">
+              <a:extLst>
+                <a:ext uri="{FF2B5EF4-FFF2-40B4-BE49-F238E27FC236}">
+                  <a16:creationId xmlns:a16="http://schemas.microsoft.com/office/drawing/2014/main" id="{B844E086-ECCB-5A0F-2190-77F58BCA5F2B}"/>
+                </a:ext>
+              </a:extLst>
+            </p:cNvPr>
+            <p:cNvPicPr>
+              <a:picLocks noChangeAspect="1"/>
+            </p:cNvPicPr>
+            <p:nvPr/>
+          </p:nvPicPr>
+          <p:blipFill>
+            <a:blip r:embed="rId8">
+              <a:extLst>
+                <a:ext uri="{28A0092B-C50C-407E-A947-70E740481C1C}">
+                  <a14:useLocalDpi xmlns:a14="http://schemas.microsoft.com/office/drawing/2010/main" val="0"/>
+                </a:ext>
+              </a:extLst>
+            </a:blip>
+            <a:stretch>
+              <a:fillRect/>
+            </a:stretch>
+          </p:blipFill>
+          <p:spPr>
+            <a:xfrm>
+              <a:off x="21603229" y="2565791"/>
+              <a:ext cx="2219099" cy="2202331"/>
+            </a:xfrm>
+            <a:prstGeom prst="rect">
+              <a:avLst/>
+            </a:prstGeom>
+            <a:ln w="38100">
+              <a:solidFill>
+                <a:schemeClr val="tx1"/>
+              </a:solidFill>
+            </a:ln>
+          </p:spPr>
+        </p:pic>
+        <p:pic>
+          <p:nvPicPr>
+            <p:cNvPr id="77" name="그림 76">
+              <a:extLst>
+                <a:ext uri="{FF2B5EF4-FFF2-40B4-BE49-F238E27FC236}">
+                  <a16:creationId xmlns:a16="http://schemas.microsoft.com/office/drawing/2014/main" id="{1BB5FF2B-DBE2-7452-9D47-559FA21D09E3}"/>
+                </a:ext>
+              </a:extLst>
+            </p:cNvPr>
+            <p:cNvPicPr>
+              <a:picLocks noChangeAspect="1"/>
+            </p:cNvPicPr>
+            <p:nvPr/>
+          </p:nvPicPr>
+          <p:blipFill>
+            <a:blip r:embed="rId9">
+              <a:extLst>
+                <a:ext uri="{28A0092B-C50C-407E-A947-70E740481C1C}">
+                  <a14:useLocalDpi xmlns:a14="http://schemas.microsoft.com/office/drawing/2010/main" val="0"/>
+                </a:ext>
+              </a:extLst>
+            </a:blip>
+            <a:stretch>
+              <a:fillRect/>
+            </a:stretch>
+          </p:blipFill>
+          <p:spPr>
+            <a:xfrm>
+              <a:off x="21151015" y="2150310"/>
+              <a:ext cx="2219099" cy="2202331"/>
+            </a:xfrm>
+            <a:prstGeom prst="rect">
+              <a:avLst/>
+            </a:prstGeom>
+            <a:ln w="38100">
+              <a:solidFill>
+                <a:schemeClr val="tx1"/>
+              </a:solidFill>
+            </a:ln>
+          </p:spPr>
+        </p:pic>
+        <p:pic>
+          <p:nvPicPr>
+            <p:cNvPr id="83" name="그림 82">
+              <a:extLst>
+                <a:ext uri="{FF2B5EF4-FFF2-40B4-BE49-F238E27FC236}">
+                  <a16:creationId xmlns:a16="http://schemas.microsoft.com/office/drawing/2014/main" id="{E1216D90-483F-CF8E-14C2-3A62018F6217}"/>
+                </a:ext>
+              </a:extLst>
+            </p:cNvPr>
+            <p:cNvPicPr>
+              <a:picLocks noChangeAspect="1"/>
+            </p:cNvPicPr>
+            <p:nvPr/>
+          </p:nvPicPr>
+          <p:blipFill>
+            <a:blip r:embed="rId10">
+              <a:extLst>
+                <a:ext uri="{28A0092B-C50C-407E-A947-70E740481C1C}">
+                  <a14:useLocalDpi xmlns:a14="http://schemas.microsoft.com/office/drawing/2010/main" val="0"/>
+                </a:ext>
+              </a:extLst>
+            </a:blip>
+            <a:stretch>
+              <a:fillRect/>
+            </a:stretch>
+          </p:blipFill>
+          <p:spPr>
+            <a:xfrm>
+              <a:off x="20783668" y="1721599"/>
+              <a:ext cx="2219099" cy="2202331"/>
+            </a:xfrm>
+            <a:prstGeom prst="rect">
+              <a:avLst/>
+            </a:prstGeom>
+            <a:ln w="38100">
+              <a:solidFill>
+                <a:schemeClr val="tx1"/>
+              </a:solidFill>
+            </a:ln>
+          </p:spPr>
+        </p:pic>
+        <p:pic>
+          <p:nvPicPr>
+            <p:cNvPr id="85" name="그림 84">
+              <a:extLst>
+                <a:ext uri="{FF2B5EF4-FFF2-40B4-BE49-F238E27FC236}">
+                  <a16:creationId xmlns:a16="http://schemas.microsoft.com/office/drawing/2014/main" id="{8527BD0E-0B03-A222-2033-2F55A7EA014E}"/>
+                </a:ext>
+              </a:extLst>
+            </p:cNvPr>
+            <p:cNvPicPr>
+              <a:picLocks noChangeAspect="1"/>
+            </p:cNvPicPr>
+            <p:nvPr/>
+          </p:nvPicPr>
+          <p:blipFill>
+            <a:blip r:embed="rId11">
+              <a:extLst>
+                <a:ext uri="{28A0092B-C50C-407E-A947-70E740481C1C}">
+                  <a14:useLocalDpi xmlns:a14="http://schemas.microsoft.com/office/drawing/2010/main" val="0"/>
+                </a:ext>
+              </a:extLst>
+            </a:blip>
+            <a:stretch>
+              <a:fillRect/>
+            </a:stretch>
+          </p:blipFill>
+          <p:spPr>
+            <a:xfrm>
+              <a:off x="20314542" y="1279451"/>
+              <a:ext cx="2219099" cy="2202331"/>
+            </a:xfrm>
+            <a:prstGeom prst="rect">
+              <a:avLst/>
+            </a:prstGeom>
+            <a:ln w="38100">
+              <a:solidFill>
+                <a:schemeClr val="tx1"/>
+              </a:solidFill>
+            </a:ln>
+          </p:spPr>
+        </p:pic>
+      </p:grpSp>
+      <p:grpSp>
+        <p:nvGrpSpPr>
+          <p:cNvPr id="99" name="그룹 98">
+            <a:extLst>
+              <a:ext uri="{FF2B5EF4-FFF2-40B4-BE49-F238E27FC236}">
+                <a16:creationId xmlns:a16="http://schemas.microsoft.com/office/drawing/2014/main" id="{AB1C1FE3-891F-4FCA-D6ED-931FB8765F17}"/>
+              </a:ext>
+            </a:extLst>
+          </p:cNvPr>
+          <p:cNvGrpSpPr/>
+          <p:nvPr/>
+        </p:nvGrpSpPr>
+        <p:grpSpPr>
+          <a:xfrm>
+            <a:off x="21017876" y="8170397"/>
+            <a:ext cx="3958575" cy="4265607"/>
+            <a:chOff x="20043959" y="7428891"/>
+            <a:chExt cx="3958575" cy="4265607"/>
+          </a:xfrm>
+        </p:grpSpPr>
+        <p:pic>
+          <p:nvPicPr>
+            <p:cNvPr id="89" name="그림 88" descr="화살이(가) 표시된 사진&#10;&#10;자동 생성된 설명">
+              <a:extLst>
+                <a:ext uri="{FF2B5EF4-FFF2-40B4-BE49-F238E27FC236}">
+                  <a16:creationId xmlns:a16="http://schemas.microsoft.com/office/drawing/2014/main" id="{2E44108A-9A84-2A57-391E-0171D8A26B93}"/>
+                </a:ext>
+              </a:extLst>
+            </p:cNvPr>
+            <p:cNvPicPr preferRelativeResize="0">
+              <a:picLocks noChangeAspect="1"/>
+            </p:cNvPicPr>
+            <p:nvPr/>
+          </p:nvPicPr>
+          <p:blipFill>
+            <a:blip r:embed="rId12">
+              <a:extLst>
+                <a:ext uri="{28A0092B-C50C-407E-A947-70E740481C1C}">
+                  <a14:useLocalDpi xmlns:a14="http://schemas.microsoft.com/office/drawing/2010/main" val="0"/>
+                </a:ext>
+              </a:extLst>
+            </a:blip>
+            <a:stretch>
+              <a:fillRect/>
+            </a:stretch>
+          </p:blipFill>
+          <p:spPr>
+            <a:xfrm>
+              <a:off x="21799334" y="9491298"/>
+              <a:ext cx="2203200" cy="2203200"/>
+            </a:xfrm>
+            <a:prstGeom prst="rect">
+              <a:avLst/>
+            </a:prstGeom>
+            <a:ln w="38100">
+              <a:solidFill>
+                <a:schemeClr val="tx1"/>
+              </a:solidFill>
+            </a:ln>
+          </p:spPr>
+        </p:pic>
+        <p:pic>
+          <p:nvPicPr>
+            <p:cNvPr id="91" name="그림 90" descr="화살이(가) 표시된 사진&#10;&#10;자동 생성된 설명">
+              <a:extLst>
+                <a:ext uri="{FF2B5EF4-FFF2-40B4-BE49-F238E27FC236}">
+                  <a16:creationId xmlns:a16="http://schemas.microsoft.com/office/drawing/2014/main" id="{665BE4EB-4157-D668-88B7-3E6B45B45163}"/>
+                </a:ext>
+              </a:extLst>
+            </p:cNvPr>
+            <p:cNvPicPr preferRelativeResize="0">
+              <a:picLocks noChangeAspect="1"/>
+            </p:cNvPicPr>
+            <p:nvPr/>
+          </p:nvPicPr>
+          <p:blipFill>
+            <a:blip r:embed="rId13">
+              <a:extLst>
+                <a:ext uri="{28A0092B-C50C-407E-A947-70E740481C1C}">
+                  <a14:useLocalDpi xmlns:a14="http://schemas.microsoft.com/office/drawing/2010/main" val="0"/>
+                </a:ext>
+              </a:extLst>
+            </a:blip>
+            <a:stretch>
+              <a:fillRect/>
+            </a:stretch>
+          </p:blipFill>
+          <p:spPr>
+            <a:xfrm>
+              <a:off x="21364210" y="9065459"/>
+              <a:ext cx="2203200" cy="2203200"/>
+            </a:xfrm>
+            <a:prstGeom prst="rect">
+              <a:avLst/>
+            </a:prstGeom>
+            <a:ln w="38100">
+              <a:solidFill>
+                <a:schemeClr val="tx1"/>
+              </a:solidFill>
+            </a:ln>
+          </p:spPr>
+        </p:pic>
+        <p:pic>
+          <p:nvPicPr>
+            <p:cNvPr id="93" name="그림 92" descr="화살이(가) 표시된 사진&#10;&#10;자동 생성된 설명">
+              <a:extLst>
+                <a:ext uri="{FF2B5EF4-FFF2-40B4-BE49-F238E27FC236}">
+                  <a16:creationId xmlns:a16="http://schemas.microsoft.com/office/drawing/2014/main" id="{E34113C9-9FE3-881A-3E74-3BD7DD574671}"/>
+                </a:ext>
+              </a:extLst>
+            </p:cNvPr>
+            <p:cNvPicPr preferRelativeResize="0">
+              <a:picLocks noChangeAspect="1"/>
+            </p:cNvPicPr>
+            <p:nvPr/>
+          </p:nvPicPr>
+          <p:blipFill>
+            <a:blip r:embed="rId14">
+              <a:extLst>
+                <a:ext uri="{28A0092B-C50C-407E-A947-70E740481C1C}">
+                  <a14:useLocalDpi xmlns:a14="http://schemas.microsoft.com/office/drawing/2010/main" val="0"/>
+                </a:ext>
+              </a:extLst>
+            </a:blip>
+            <a:stretch>
+              <a:fillRect/>
+            </a:stretch>
+          </p:blipFill>
+          <p:spPr>
+            <a:xfrm>
+              <a:off x="20929460" y="8518624"/>
+              <a:ext cx="2203200" cy="2203200"/>
+            </a:xfrm>
+            <a:prstGeom prst="rect">
+              <a:avLst/>
+            </a:prstGeom>
+            <a:ln w="38100">
+              <a:solidFill>
+                <a:schemeClr val="tx1"/>
+              </a:solidFill>
+            </a:ln>
+          </p:spPr>
+        </p:pic>
+        <p:pic>
+          <p:nvPicPr>
+            <p:cNvPr id="95" name="그림 94" descr="화살이(가) 표시된 사진&#10;&#10;자동 생성된 설명">
+              <a:extLst>
+                <a:ext uri="{FF2B5EF4-FFF2-40B4-BE49-F238E27FC236}">
+                  <a16:creationId xmlns:a16="http://schemas.microsoft.com/office/drawing/2014/main" id="{2197D075-571F-43DE-3704-B2FEAC678840}"/>
+                </a:ext>
+              </a:extLst>
+            </p:cNvPr>
+            <p:cNvPicPr preferRelativeResize="0">
+              <a:picLocks noChangeAspect="1"/>
+            </p:cNvPicPr>
+            <p:nvPr/>
+          </p:nvPicPr>
+          <p:blipFill>
+            <a:blip r:embed="rId15">
+              <a:extLst>
+                <a:ext uri="{28A0092B-C50C-407E-A947-70E740481C1C}">
+                  <a14:useLocalDpi xmlns:a14="http://schemas.microsoft.com/office/drawing/2010/main" val="0"/>
+                </a:ext>
+              </a:extLst>
+            </a:blip>
+            <a:stretch>
+              <a:fillRect/>
+            </a:stretch>
+          </p:blipFill>
+          <p:spPr>
+            <a:xfrm>
+              <a:off x="20492158" y="8047295"/>
+              <a:ext cx="2203200" cy="2203200"/>
+            </a:xfrm>
+            <a:prstGeom prst="rect">
+              <a:avLst/>
+            </a:prstGeom>
+            <a:ln w="38100">
+              <a:solidFill>
+                <a:schemeClr val="tx1"/>
+              </a:solidFill>
+            </a:ln>
+          </p:spPr>
+        </p:pic>
+        <p:pic>
+          <p:nvPicPr>
+            <p:cNvPr id="97" name="그림 96" descr="텍스트이(가) 표시된 사진&#10;&#10;자동 생성된 설명">
+              <a:extLst>
+                <a:ext uri="{FF2B5EF4-FFF2-40B4-BE49-F238E27FC236}">
+                  <a16:creationId xmlns:a16="http://schemas.microsoft.com/office/drawing/2014/main" id="{A05123FF-C31A-4C85-184A-670383CA4A43}"/>
+                </a:ext>
+              </a:extLst>
+            </p:cNvPr>
+            <p:cNvPicPr preferRelativeResize="0">
+              <a:picLocks noChangeAspect="1"/>
+            </p:cNvPicPr>
+            <p:nvPr/>
+          </p:nvPicPr>
+          <p:blipFill>
+            <a:blip r:embed="rId16">
+              <a:extLst>
+                <a:ext uri="{28A0092B-C50C-407E-A947-70E740481C1C}">
+                  <a14:useLocalDpi xmlns:a14="http://schemas.microsoft.com/office/drawing/2010/main" val="0"/>
+                </a:ext>
+              </a:extLst>
+            </a:blip>
+            <a:stretch>
+              <a:fillRect/>
+            </a:stretch>
+          </p:blipFill>
+          <p:spPr>
+            <a:xfrm>
+              <a:off x="20043959" y="7428891"/>
+              <a:ext cx="2203200" cy="2203200"/>
+            </a:xfrm>
+            <a:prstGeom prst="rect">
+              <a:avLst/>
+            </a:prstGeom>
+            <a:ln w="38100">
+              <a:solidFill>
+                <a:schemeClr val="tx1"/>
+              </a:solidFill>
+            </a:ln>
+          </p:spPr>
+        </p:pic>
+      </p:grpSp>
+      <p:cxnSp>
+        <p:nvCxnSpPr>
+          <p:cNvPr id="100" name="직선 화살표 연결선 99">
+            <a:extLst>
+              <a:ext uri="{FF2B5EF4-FFF2-40B4-BE49-F238E27FC236}">
+                <a16:creationId xmlns:a16="http://schemas.microsoft.com/office/drawing/2014/main" id="{62D74EA2-0F62-348F-263C-C7D303012285}"/>
+              </a:ext>
+            </a:extLst>
+          </p:cNvPr>
+          <p:cNvCxnSpPr>
+            <a:cxnSpLocks/>
+            <a:stCxn id="69" idx="3"/>
+          </p:cNvCxnSpPr>
+          <p:nvPr/>
+        </p:nvCxnSpPr>
+        <p:spPr>
+          <a:xfrm>
+            <a:off x="17362689" y="10303201"/>
+            <a:ext cx="2881111" cy="0"/>
+          </a:xfrm>
+          <a:prstGeom prst="straightConnector1">
+            <a:avLst/>
+          </a:prstGeom>
+          <a:ln w="38100">
+            <a:tailEnd type="triangle"/>
+          </a:ln>
+        </p:spPr>
+        <p:style>
+          <a:lnRef idx="3">
+            <a:schemeClr val="dk1"/>
+          </a:lnRef>
+          <a:fillRef idx="0">
+            <a:schemeClr val="dk1"/>
+          </a:fillRef>
+          <a:effectRef idx="2">
+            <a:schemeClr val="dk1"/>
+          </a:effectRef>
+          <a:fontRef idx="minor">
+            <a:schemeClr val="tx1"/>
+          </a:fontRef>
+        </p:style>
+      </p:cxnSp>
+      <p:cxnSp>
+        <p:nvCxnSpPr>
+          <p:cNvPr id="104" name="직선 화살표 연결선 103">
+            <a:extLst>
+              <a:ext uri="{FF2B5EF4-FFF2-40B4-BE49-F238E27FC236}">
+                <a16:creationId xmlns:a16="http://schemas.microsoft.com/office/drawing/2014/main" id="{01A8B740-7011-BB2C-8BB8-CD7FC4D3EC26}"/>
+              </a:ext>
+            </a:extLst>
+          </p:cNvPr>
+          <p:cNvCxnSpPr>
+            <a:cxnSpLocks/>
+            <a:stCxn id="68" idx="3"/>
+          </p:cNvCxnSpPr>
+          <p:nvPr/>
+        </p:nvCxnSpPr>
+        <p:spPr>
+          <a:xfrm>
+            <a:off x="17362688" y="3259451"/>
+            <a:ext cx="2881112" cy="0"/>
+          </a:xfrm>
+          <a:prstGeom prst="straightConnector1">
+            <a:avLst/>
+          </a:prstGeom>
+          <a:ln w="38100">
+            <a:tailEnd type="triangle"/>
+          </a:ln>
+        </p:spPr>
+        <p:style>
+          <a:lnRef idx="3">
+            <a:schemeClr val="dk1"/>
+          </a:lnRef>
+          <a:fillRef idx="0">
+            <a:schemeClr val="dk1"/>
+          </a:fillRef>
+          <a:effectRef idx="2">
+            <a:schemeClr val="dk1"/>
+          </a:effectRef>
+          <a:fontRef idx="minor">
+            <a:schemeClr val="tx1"/>
+          </a:fontRef>
+        </p:style>
+      </p:cxnSp>
+    </p:spTree>
+    <p:extLst>
+      <p:ext uri="{BB962C8B-B14F-4D97-AF65-F5344CB8AC3E}">
+        <p14:creationId xmlns:p14="http://schemas.microsoft.com/office/powerpoint/2010/main" val="2489110351"/>
+      </p:ext>
+    </p:extLst>
+  </p:cSld>
+  <p:clrMapOvr>
+    <a:masterClrMapping/>
+  </p:clrMapOvr>
+</p:sld>
+</file>
+
+<file path=ppt/slides/slide6.xml><?xml version="1.0" encoding="utf-8"?>
+<p:sld xmlns:a="http://schemas.openxmlformats.org/drawingml/2006/main" xmlns:r="http://schemas.openxmlformats.org/officeDocument/2006/relationships" xmlns:p="http://schemas.openxmlformats.org/presentationml/2006/main">
+  <p:cSld>
+    <p:spTree>
+      <p:nvGrpSpPr>
+        <p:cNvPr id="1" name=""/>
+        <p:cNvGrpSpPr/>
+        <p:nvPr/>
+      </p:nvGrpSpPr>
+      <p:grpSpPr>
+        <a:xfrm>
+          <a:off x="0" y="0"/>
+          <a:ext cx="0" cy="0"/>
+          <a:chOff x="0" y="0"/>
+          <a:chExt cx="0" cy="0"/>
+        </a:xfrm>
+      </p:grpSpPr>
+      <p:pic>
+        <p:nvPicPr>
+          <p:cNvPr id="5" name="그림 4" descr="텍스트, 도로, 실외, 건물이(가) 표시된 사진&#10;&#10;자동 생성된 설명">
+            <a:extLst>
+              <a:ext uri="{FF2B5EF4-FFF2-40B4-BE49-F238E27FC236}">
+                <a16:creationId xmlns:a16="http://schemas.microsoft.com/office/drawing/2014/main" id="{FF772DD3-468C-1467-915F-643B1DF87FFE}"/>
+              </a:ext>
+            </a:extLst>
+          </p:cNvPr>
+          <p:cNvPicPr>
+            <a:picLocks noChangeAspect="1"/>
+          </p:cNvPicPr>
+          <p:nvPr/>
+        </p:nvPicPr>
+        <p:blipFill>
+          <a:blip r:embed="rId2">
+            <a:extLst>
+              <a:ext uri="{28A0092B-C50C-407E-A947-70E740481C1C}">
+                <a14:useLocalDpi xmlns:a14="http://schemas.microsoft.com/office/drawing/2010/main" val="0"/>
+              </a:ext>
+            </a:extLst>
+          </a:blip>
+          <a:stretch>
+            <a:fillRect/>
+          </a:stretch>
+        </p:blipFill>
+        <p:spPr>
+          <a:xfrm>
+            <a:off x="7637170" y="2007999"/>
+            <a:ext cx="4953600" cy="3096000"/>
+          </a:xfrm>
+          <a:prstGeom prst="rect">
+            <a:avLst/>
+          </a:prstGeom>
+          <a:ln w="19050">
+            <a:solidFill>
+              <a:schemeClr val="tx1"/>
+            </a:solidFill>
+          </a:ln>
+        </p:spPr>
+      </p:pic>
+      <p:sp>
+        <p:nvSpPr>
+          <p:cNvPr id="3" name="직사각형 2">
+            <a:extLst>
+              <a:ext uri="{FF2B5EF4-FFF2-40B4-BE49-F238E27FC236}">
+                <a16:creationId xmlns:a16="http://schemas.microsoft.com/office/drawing/2014/main" id="{8276133C-9BC3-116A-5A4E-253DF1936903}"/>
+              </a:ext>
+            </a:extLst>
+          </p:cNvPr>
+          <p:cNvSpPr>
+            <a:spLocks/>
+          </p:cNvSpPr>
+          <p:nvPr/>
+        </p:nvSpPr>
+        <p:spPr>
+          <a:xfrm>
+            <a:off x="10758080" y="7634763"/>
+            <a:ext cx="2364470" cy="4136866"/>
+          </a:xfrm>
+          <a:prstGeom prst="rect">
+            <a:avLst/>
+          </a:prstGeom>
+        </p:spPr>
+        <p:style>
+          <a:lnRef idx="2">
+            <a:schemeClr val="dk1"/>
+          </a:lnRef>
+          <a:fillRef idx="1">
+            <a:schemeClr val="lt1"/>
+          </a:fillRef>
+          <a:effectRef idx="0">
+            <a:schemeClr val="dk1"/>
+          </a:effectRef>
+          <a:fontRef idx="minor">
+            <a:schemeClr val="dk1"/>
+          </a:fontRef>
+        </p:style>
+        <p:txBody>
+          <a:bodyPr rtlCol="0" anchor="ctr"/>
+          <a:lstStyle/>
+          <a:p>
+            <a:pPr algn="ctr"/>
+            <a:endParaRPr lang="ko-KR" altLang="en-US" u="sng" dirty="0"/>
+          </a:p>
+        </p:txBody>
+      </p:sp>
+      <p:sp>
+        <p:nvSpPr>
+          <p:cNvPr id="4" name="TextBox 3">
+            <a:extLst>
+              <a:ext uri="{FF2B5EF4-FFF2-40B4-BE49-F238E27FC236}">
+                <a16:creationId xmlns:a16="http://schemas.microsoft.com/office/drawing/2014/main" id="{32A3F560-1242-D5AA-7125-BBE94D7F57D7}"/>
+              </a:ext>
+            </a:extLst>
+          </p:cNvPr>
+          <p:cNvSpPr txBox="1"/>
+          <p:nvPr/>
+        </p:nvSpPr>
+        <p:spPr>
+          <a:xfrm>
+            <a:off x="2348479" y="12262319"/>
+            <a:ext cx="1852240" cy="400110"/>
+          </a:xfrm>
+          <a:prstGeom prst="rect">
+            <a:avLst/>
+          </a:prstGeom>
+          <a:noFill/>
+        </p:spPr>
+        <p:txBody>
+          <a:bodyPr wrap="square" rtlCol="0">
+            <a:spAutoFit/>
+          </a:bodyPr>
+          <a:lstStyle/>
+          <a:p>
+            <a:pPr algn="ctr"/>
+            <a:r>
+              <a:rPr lang="en-US" altLang="ko-KR" sz="2000" dirty="0">
+                <a:solidFill>
+                  <a:srgbClr val="000000"/>
+                </a:solidFill>
+                <a:latin typeface="Times New Roman" panose="02020603050405020304" pitchFamily="18" charset="0"/>
+                <a:cs typeface="Times New Roman" panose="02020603050405020304" pitchFamily="18" charset="0"/>
+              </a:rPr>
+              <a:t>Original Images</a:t>
+            </a:r>
+            <a:endParaRPr lang="ko-KR" altLang="en-US" sz="2000" dirty="0">
+              <a:latin typeface="Times New Roman" panose="02020603050405020304" pitchFamily="18" charset="0"/>
+              <a:cs typeface="Times New Roman" panose="02020603050405020304" pitchFamily="18" charset="0"/>
+            </a:endParaRPr>
+          </a:p>
+        </p:txBody>
+      </p:sp>
+      <p:pic>
+        <p:nvPicPr>
+          <p:cNvPr id="6" name="그림 5">
+            <a:extLst>
+              <a:ext uri="{FF2B5EF4-FFF2-40B4-BE49-F238E27FC236}">
+                <a16:creationId xmlns:a16="http://schemas.microsoft.com/office/drawing/2014/main" id="{199CD045-B588-42C4-5609-E5925B06468C}"/>
+              </a:ext>
+            </a:extLst>
+          </p:cNvPr>
+          <p:cNvPicPr>
+            <a:picLocks/>
+          </p:cNvPicPr>
+          <p:nvPr/>
+        </p:nvPicPr>
+        <p:blipFill>
+          <a:blip r:embed="rId3">
+            <a:extLst>
+              <a:ext uri="{28A0092B-C50C-407E-A947-70E740481C1C}">
+                <a14:useLocalDpi xmlns:a14="http://schemas.microsoft.com/office/drawing/2010/main" val="0"/>
+              </a:ext>
+            </a:extLst>
+          </a:blip>
+          <a:stretch>
+            <a:fillRect/>
+          </a:stretch>
+        </p:blipFill>
+        <p:spPr>
+          <a:xfrm>
+            <a:off x="11022315" y="9945068"/>
+            <a:ext cx="1836000" cy="1224000"/>
+          </a:xfrm>
+          <a:prstGeom prst="rect">
+            <a:avLst/>
+          </a:prstGeom>
+          <a:ln>
+            <a:solidFill>
+              <a:schemeClr val="tx1"/>
+            </a:solidFill>
+          </a:ln>
+        </p:spPr>
+      </p:pic>
+      <p:sp>
+        <p:nvSpPr>
+          <p:cNvPr id="8" name="TextBox 7">
+            <a:extLst>
+              <a:ext uri="{FF2B5EF4-FFF2-40B4-BE49-F238E27FC236}">
+                <a16:creationId xmlns:a16="http://schemas.microsoft.com/office/drawing/2014/main" id="{9F66366E-F251-0674-2305-692DECFE27CC}"/>
+              </a:ext>
+            </a:extLst>
+          </p:cNvPr>
+          <p:cNvSpPr txBox="1"/>
+          <p:nvPr/>
+        </p:nvSpPr>
+        <p:spPr>
+          <a:xfrm>
+            <a:off x="11022315" y="12321789"/>
+            <a:ext cx="1852240" cy="400110"/>
+          </a:xfrm>
+          <a:prstGeom prst="rect">
+            <a:avLst/>
+          </a:prstGeom>
+          <a:noFill/>
+        </p:spPr>
+        <p:txBody>
+          <a:bodyPr wrap="square" rtlCol="0">
+            <a:spAutoFit/>
+          </a:bodyPr>
+          <a:lstStyle/>
+          <a:p>
+            <a:pPr algn="ctr"/>
+            <a:r>
+              <a:rPr lang="en-US" altLang="ko-KR" sz="2000" b="0" i="0" dirty="0">
+                <a:solidFill>
+                  <a:srgbClr val="000000"/>
+                </a:solidFill>
+                <a:effectLst/>
+                <a:latin typeface="Times New Roman" panose="02020603050405020304" pitchFamily="18" charset="0"/>
+                <a:cs typeface="Times New Roman" panose="02020603050405020304" pitchFamily="18" charset="0"/>
+              </a:rPr>
+              <a:t>Masked Images</a:t>
+            </a:r>
+            <a:endParaRPr lang="ko-KR" altLang="en-US" sz="2000" dirty="0">
+              <a:latin typeface="Times New Roman" panose="02020603050405020304" pitchFamily="18" charset="0"/>
+              <a:cs typeface="Times New Roman" panose="02020603050405020304" pitchFamily="18" charset="0"/>
+            </a:endParaRPr>
+          </a:p>
+        </p:txBody>
+      </p:sp>
+      <p:sp>
+        <p:nvSpPr>
+          <p:cNvPr id="9" name="직사각형 8">
+            <a:extLst>
+              <a:ext uri="{FF2B5EF4-FFF2-40B4-BE49-F238E27FC236}">
+                <a16:creationId xmlns:a16="http://schemas.microsoft.com/office/drawing/2014/main" id="{A9372869-2B92-1BB2-681B-1B9F7ED52B8E}"/>
+              </a:ext>
+            </a:extLst>
+          </p:cNvPr>
+          <p:cNvSpPr/>
+          <p:nvPr/>
+        </p:nvSpPr>
+        <p:spPr>
+          <a:xfrm>
+            <a:off x="6703397" y="8623196"/>
+            <a:ext cx="1800000" cy="2160000"/>
+          </a:xfrm>
+          <a:prstGeom prst="rect">
+            <a:avLst/>
+          </a:prstGeom>
+        </p:spPr>
+        <p:style>
+          <a:lnRef idx="2">
+            <a:schemeClr val="dk1"/>
+          </a:lnRef>
+          <a:fillRef idx="1">
+            <a:schemeClr val="lt1"/>
+          </a:fillRef>
+          <a:effectRef idx="0">
+            <a:schemeClr val="dk1"/>
+          </a:effectRef>
+          <a:fontRef idx="minor">
+            <a:schemeClr val="dk1"/>
+          </a:fontRef>
+        </p:style>
+        <p:txBody>
+          <a:bodyPr rtlCol="0" anchor="ctr"/>
+          <a:lstStyle/>
+          <a:p>
+            <a:pPr algn="ctr"/>
+            <a:r>
+              <a:rPr lang="en-US" altLang="ko-KR" sz="2000" dirty="0">
+                <a:latin typeface="Times New Roman" panose="02020603050405020304" pitchFamily="18" charset="0"/>
+                <a:ea typeface="+mj-ea"/>
+                <a:cs typeface="Times New Roman" panose="02020603050405020304" pitchFamily="18" charset="0"/>
+              </a:rPr>
+              <a:t>Mask R-CNN</a:t>
+            </a:r>
+            <a:endParaRPr lang="ko-KR" altLang="en-US" sz="2000" dirty="0">
+              <a:latin typeface="Times New Roman" panose="02020603050405020304" pitchFamily="18" charset="0"/>
+              <a:ea typeface="+mj-ea"/>
+              <a:cs typeface="Times New Roman" panose="02020603050405020304" pitchFamily="18" charset="0"/>
+            </a:endParaRPr>
+          </a:p>
+        </p:txBody>
+      </p:sp>
+      <p:sp>
+        <p:nvSpPr>
+          <p:cNvPr id="10" name="TextBox 9">
+            <a:extLst>
+              <a:ext uri="{FF2B5EF4-FFF2-40B4-BE49-F238E27FC236}">
+                <a16:creationId xmlns:a16="http://schemas.microsoft.com/office/drawing/2014/main" id="{5F6C949B-79C8-F826-1094-2EDA6B54A66B}"/>
+              </a:ext>
+            </a:extLst>
+          </p:cNvPr>
+          <p:cNvSpPr txBox="1"/>
+          <p:nvPr/>
+        </p:nvSpPr>
+        <p:spPr>
+          <a:xfrm>
+            <a:off x="15681552" y="11751602"/>
+            <a:ext cx="2919664" cy="553998"/>
+          </a:xfrm>
+          <a:prstGeom prst="rect">
+            <a:avLst/>
+          </a:prstGeom>
+          <a:noFill/>
+        </p:spPr>
+        <p:txBody>
+          <a:bodyPr wrap="square" rtlCol="0">
+            <a:spAutoFit/>
+          </a:bodyPr>
+          <a:lstStyle/>
+          <a:p>
+            <a:pPr algn="ctr"/>
+            <a:r>
+              <a:rPr lang="en-US" altLang="ko-KR" sz="3000" dirty="0">
+                <a:latin typeface="Times New Roman" panose="02020603050405020304" pitchFamily="18" charset="0"/>
+                <a:cs typeface="Times New Roman" panose="02020603050405020304" pitchFamily="18" charset="0"/>
+              </a:rPr>
+              <a:t>Danger</a:t>
+            </a:r>
+          </a:p>
+        </p:txBody>
+      </p:sp>
+      <p:sp>
+        <p:nvSpPr>
+          <p:cNvPr id="11" name="직사각형 10">
+            <a:extLst>
+              <a:ext uri="{FF2B5EF4-FFF2-40B4-BE49-F238E27FC236}">
+                <a16:creationId xmlns:a16="http://schemas.microsoft.com/office/drawing/2014/main" id="{8756F9AF-47C5-7569-7D1E-557776E6777F}"/>
+              </a:ext>
+            </a:extLst>
+          </p:cNvPr>
+          <p:cNvSpPr>
+            <a:spLocks/>
+          </p:cNvSpPr>
+          <p:nvPr/>
+        </p:nvSpPr>
+        <p:spPr>
+          <a:xfrm>
+            <a:off x="2084244" y="7634763"/>
+            <a:ext cx="2364470" cy="4136866"/>
+          </a:xfrm>
+          <a:prstGeom prst="rect">
+            <a:avLst/>
+          </a:prstGeom>
+        </p:spPr>
+        <p:style>
+          <a:lnRef idx="2">
+            <a:schemeClr val="dk1"/>
+          </a:lnRef>
+          <a:fillRef idx="1">
+            <a:schemeClr val="lt1"/>
+          </a:fillRef>
+          <a:effectRef idx="0">
+            <a:schemeClr val="dk1"/>
+          </a:effectRef>
+          <a:fontRef idx="minor">
+            <a:schemeClr val="dk1"/>
+          </a:fontRef>
+        </p:style>
+        <p:txBody>
+          <a:bodyPr rtlCol="0" anchor="ctr"/>
+          <a:lstStyle/>
+          <a:p>
+            <a:pPr algn="ctr"/>
+            <a:endParaRPr lang="ko-KR" altLang="en-US" u="sng" dirty="0"/>
+          </a:p>
+        </p:txBody>
+      </p:sp>
+      <p:pic>
+        <p:nvPicPr>
+          <p:cNvPr id="12" name="그림 11" descr="텍스트, 도로, 실외, 건물이(가) 표시된 사진&#10;&#10;자동 생성된 설명">
+            <a:extLst>
+              <a:ext uri="{FF2B5EF4-FFF2-40B4-BE49-F238E27FC236}">
+                <a16:creationId xmlns:a16="http://schemas.microsoft.com/office/drawing/2014/main" id="{E42660AA-EA1E-D12B-498E-2D164191DCBD}"/>
+              </a:ext>
+            </a:extLst>
+          </p:cNvPr>
+          <p:cNvPicPr>
+            <a:picLocks/>
+          </p:cNvPicPr>
+          <p:nvPr/>
+        </p:nvPicPr>
+        <p:blipFill rotWithShape="1">
+          <a:blip r:embed="rId4">
+            <a:extLst>
+              <a:ext uri="{28A0092B-C50C-407E-A947-70E740481C1C}">
+                <a14:useLocalDpi xmlns:a14="http://schemas.microsoft.com/office/drawing/2010/main" val="0"/>
+              </a:ext>
+            </a:extLst>
+          </a:blip>
+          <a:srcRect l="13523" r="15615"/>
+          <a:stretch/>
+        </p:blipFill>
+        <p:spPr>
+          <a:xfrm>
+            <a:off x="2348479" y="9945068"/>
+            <a:ext cx="1836000" cy="1224000"/>
+          </a:xfrm>
+          <a:prstGeom prst="rect">
+            <a:avLst/>
+          </a:prstGeom>
+          <a:ln>
+            <a:solidFill>
+              <a:schemeClr val="tx1"/>
+            </a:solidFill>
+          </a:ln>
+        </p:spPr>
+      </p:pic>
+      <p:pic>
+        <p:nvPicPr>
+          <p:cNvPr id="13" name="그림 12" descr="텍스트, 도로, 나무, 실외이(가) 표시된 사진&#10;&#10;자동 생성된 설명">
+            <a:extLst>
+              <a:ext uri="{FF2B5EF4-FFF2-40B4-BE49-F238E27FC236}">
+                <a16:creationId xmlns:a16="http://schemas.microsoft.com/office/drawing/2014/main" id="{FCB372FF-5D51-451F-9A5F-C83FC53A9944}"/>
+              </a:ext>
+            </a:extLst>
+          </p:cNvPr>
+          <p:cNvPicPr>
+            <a:picLocks noChangeAspect="1"/>
+          </p:cNvPicPr>
+          <p:nvPr/>
+        </p:nvPicPr>
+        <p:blipFill>
+          <a:blip r:embed="rId5">
+            <a:extLst>
+              <a:ext uri="{28A0092B-C50C-407E-A947-70E740481C1C}">
+                <a14:useLocalDpi xmlns:a14="http://schemas.microsoft.com/office/drawing/2010/main" val="0"/>
+              </a:ext>
+            </a:extLst>
+          </a:blip>
+          <a:stretch>
+            <a:fillRect/>
+          </a:stretch>
+        </p:blipFill>
+        <p:spPr>
+          <a:xfrm>
+            <a:off x="2348479" y="8170908"/>
+            <a:ext cx="1836000" cy="1224000"/>
+          </a:xfrm>
+          <a:prstGeom prst="rect">
+            <a:avLst/>
+          </a:prstGeom>
+          <a:ln>
+            <a:solidFill>
+              <a:schemeClr val="tx1"/>
+            </a:solidFill>
+          </a:ln>
+        </p:spPr>
+      </p:pic>
+      <p:pic>
+        <p:nvPicPr>
+          <p:cNvPr id="14" name="그림 13">
+            <a:extLst>
+              <a:ext uri="{FF2B5EF4-FFF2-40B4-BE49-F238E27FC236}">
+                <a16:creationId xmlns:a16="http://schemas.microsoft.com/office/drawing/2014/main" id="{661605C5-05C9-CA7E-8233-CA61879519F3}"/>
+              </a:ext>
+            </a:extLst>
+          </p:cNvPr>
+          <p:cNvPicPr preferRelativeResize="0">
+            <a:picLocks/>
+          </p:cNvPicPr>
+          <p:nvPr/>
+        </p:nvPicPr>
+        <p:blipFill>
+          <a:blip r:embed="rId6">
+            <a:extLst>
+              <a:ext uri="{28A0092B-C50C-407E-A947-70E740481C1C}">
+                <a14:useLocalDpi xmlns:a14="http://schemas.microsoft.com/office/drawing/2010/main" val="0"/>
+              </a:ext>
+            </a:extLst>
+          </a:blip>
+          <a:stretch>
+            <a:fillRect/>
+          </a:stretch>
+        </p:blipFill>
+        <p:spPr>
+          <a:xfrm>
+            <a:off x="11022315" y="8167971"/>
+            <a:ext cx="1836000" cy="1224000"/>
+          </a:xfrm>
+          <a:prstGeom prst="rect">
+            <a:avLst/>
+          </a:prstGeom>
+          <a:ln>
+            <a:solidFill>
+              <a:schemeClr val="tx1"/>
+            </a:solidFill>
+          </a:ln>
+        </p:spPr>
+      </p:pic>
+      <p:cxnSp>
+        <p:nvCxnSpPr>
+          <p:cNvPr id="15" name="직선 화살표 연결선 14">
+            <a:extLst>
+              <a:ext uri="{FF2B5EF4-FFF2-40B4-BE49-F238E27FC236}">
+                <a16:creationId xmlns:a16="http://schemas.microsoft.com/office/drawing/2014/main" id="{77E12777-2CAB-BD3F-170A-B527058EDC94}"/>
+              </a:ext>
+            </a:extLst>
+          </p:cNvPr>
+          <p:cNvCxnSpPr>
+            <a:cxnSpLocks/>
+            <a:stCxn id="11" idx="3"/>
+            <a:endCxn id="9" idx="1"/>
           </p:cNvCxnSpPr>
           <p:nvPr/>
         </p:nvCxnSpPr>
@@ -7123,6 +10288,9 @@
             <a:avLst/>
           </a:prstGeom>
           <a:ln w="38100">
+            <a:solidFill>
+              <a:schemeClr val="tx1"/>
+            </a:solidFill>
             <a:tailEnd type="triangle"/>
           </a:ln>
         </p:spPr>
@@ -7143,17 +10311,17 @@
       </p:cxnSp>
       <p:cxnSp>
         <p:nvCxnSpPr>
-          <p:cNvPr id="72" name="직선 화살표 연결선 71">
-            <a:extLst>
-              <a:ext uri="{FF2B5EF4-FFF2-40B4-BE49-F238E27FC236}">
-                <a16:creationId xmlns:a16="http://schemas.microsoft.com/office/drawing/2014/main" id="{AB1CE72B-585E-4C82-3D96-D5ED20F04C53}"/>
+          <p:cNvPr id="16" name="직선 화살표 연결선 15">
+            <a:extLst>
+              <a:ext uri="{FF2B5EF4-FFF2-40B4-BE49-F238E27FC236}">
+                <a16:creationId xmlns:a16="http://schemas.microsoft.com/office/drawing/2014/main" id="{C4506AFE-E578-30D7-6038-8BF0F7D09D06}"/>
               </a:ext>
             </a:extLst>
           </p:cNvPr>
           <p:cNvCxnSpPr>
             <a:cxnSpLocks/>
-            <a:stCxn id="63" idx="3"/>
-            <a:endCxn id="59" idx="1"/>
+            <a:stCxn id="9" idx="3"/>
+            <a:endCxn id="3" idx="1"/>
           </p:cNvCxnSpPr>
           <p:nvPr/>
         </p:nvCxnSpPr>
@@ -7166,6 +10334,117 @@
             <a:avLst/>
           </a:prstGeom>
           <a:ln w="38100">
+            <a:solidFill>
+              <a:schemeClr val="tx1"/>
+            </a:solidFill>
+            <a:tailEnd type="triangle"/>
+          </a:ln>
+        </p:spPr>
+        <p:style>
+          <a:lnRef idx="3">
+            <a:schemeClr val="accent2"/>
+          </a:lnRef>
+          <a:fillRef idx="0">
+            <a:schemeClr val="accent2"/>
+          </a:fillRef>
+          <a:effectRef idx="2">
+            <a:schemeClr val="accent2"/>
+          </a:effectRef>
+          <a:fontRef idx="minor">
+            <a:schemeClr val="tx1"/>
+          </a:fontRef>
+        </p:style>
+      </p:cxnSp>
+      <p:sp>
+        <p:nvSpPr>
+          <p:cNvPr id="17" name="순서도: 판단 16">
+            <a:extLst>
+              <a:ext uri="{FF2B5EF4-FFF2-40B4-BE49-F238E27FC236}">
+                <a16:creationId xmlns:a16="http://schemas.microsoft.com/office/drawing/2014/main" id="{A136762E-DC15-B500-4F98-5295B2172D98}"/>
+              </a:ext>
+            </a:extLst>
+          </p:cNvPr>
+          <p:cNvSpPr/>
+          <p:nvPr/>
+        </p:nvSpPr>
+        <p:spPr>
+          <a:xfrm>
+            <a:off x="15415470" y="8360462"/>
+            <a:ext cx="3439416" cy="2685467"/>
+          </a:xfrm>
+          <a:prstGeom prst="flowChartDecision">
+            <a:avLst/>
+          </a:prstGeom>
+        </p:spPr>
+        <p:style>
+          <a:lnRef idx="2">
+            <a:schemeClr val="dk1"/>
+          </a:lnRef>
+          <a:fillRef idx="1">
+            <a:schemeClr val="lt1"/>
+          </a:fillRef>
+          <a:effectRef idx="0">
+            <a:schemeClr val="dk1"/>
+          </a:effectRef>
+          <a:fontRef idx="minor">
+            <a:schemeClr val="dk1"/>
+          </a:fontRef>
+        </p:style>
+        <p:txBody>
+          <a:bodyPr rtlCol="0" anchor="ctr"/>
+          <a:lstStyle/>
+          <a:p>
+            <a:pPr algn="ctr"/>
+            <a:r>
+              <a:rPr lang="en-US" altLang="ko-KR" sz="2400" dirty="0">
+                <a:latin typeface="Times New Roman" panose="02020603050405020304" pitchFamily="18" charset="0"/>
+                <a:ea typeface="+mj-ea"/>
+                <a:cs typeface="Times New Roman" panose="02020603050405020304" pitchFamily="18" charset="0"/>
+              </a:rPr>
+              <a:t> Training</a:t>
+            </a:r>
+          </a:p>
+          <a:p>
+            <a:pPr algn="ctr"/>
+            <a:r>
+              <a:rPr lang="en-US" altLang="ko-KR" sz="2400" dirty="0">
+                <a:latin typeface="Times New Roman" panose="02020603050405020304" pitchFamily="18" charset="0"/>
+                <a:ea typeface="+mj-ea"/>
+                <a:cs typeface="Times New Roman" panose="02020603050405020304" pitchFamily="18" charset="0"/>
+              </a:rPr>
+              <a:t>CNN Model</a:t>
+            </a:r>
+          </a:p>
+        </p:txBody>
+      </p:sp>
+      <p:cxnSp>
+        <p:nvCxnSpPr>
+          <p:cNvPr id="18" name="직선 화살표 연결선 17">
+            <a:extLst>
+              <a:ext uri="{FF2B5EF4-FFF2-40B4-BE49-F238E27FC236}">
+                <a16:creationId xmlns:a16="http://schemas.microsoft.com/office/drawing/2014/main" id="{3EFC45DE-0E69-A08D-1640-134A70C3C267}"/>
+              </a:ext>
+            </a:extLst>
+          </p:cNvPr>
+          <p:cNvCxnSpPr>
+            <a:cxnSpLocks/>
+            <a:stCxn id="3" idx="3"/>
+            <a:endCxn id="17" idx="1"/>
+          </p:cNvCxnSpPr>
+          <p:nvPr/>
+        </p:nvCxnSpPr>
+        <p:spPr>
+          <a:xfrm>
+            <a:off x="13122550" y="9703196"/>
+            <a:ext cx="2292920" cy="0"/>
+          </a:xfrm>
+          <a:prstGeom prst="straightConnector1">
+            <a:avLst/>
+          </a:prstGeom>
+          <a:ln w="38100">
+            <a:solidFill>
+              <a:schemeClr val="tx1"/>
+            </a:solidFill>
             <a:tailEnd type="triangle"/>
           </a:ln>
         </p:spPr>
@@ -7186,207 +10465,23 @@
       </p:cxnSp>
       <p:cxnSp>
         <p:nvCxnSpPr>
-          <p:cNvPr id="77" name="직선 화살표 연결선 76">
-            <a:extLst>
-              <a:ext uri="{FF2B5EF4-FFF2-40B4-BE49-F238E27FC236}">
-                <a16:creationId xmlns:a16="http://schemas.microsoft.com/office/drawing/2014/main" id="{1B14274D-DFA4-284D-2635-99F14DE788C0}"/>
+          <p:cNvPr id="19" name="직선 화살표 연결선 18">
+            <a:extLst>
+              <a:ext uri="{FF2B5EF4-FFF2-40B4-BE49-F238E27FC236}">
+                <a16:creationId xmlns:a16="http://schemas.microsoft.com/office/drawing/2014/main" id="{15FB4CC1-553B-0C6F-1106-109E0AEB7E9C}"/>
               </a:ext>
             </a:extLst>
           </p:cNvPr>
           <p:cNvCxnSpPr>
             <a:cxnSpLocks/>
-            <a:stCxn id="54" idx="3"/>
-            <a:endCxn id="21" idx="1"/>
-          </p:cNvCxnSpPr>
-          <p:nvPr/>
-        </p:nvCxnSpPr>
-        <p:spPr>
-          <a:xfrm flipV="1">
-            <a:off x="13122550" y="5016169"/>
-            <a:ext cx="2559002" cy="1"/>
-          </a:xfrm>
-          <a:prstGeom prst="straightConnector1">
-            <a:avLst/>
-          </a:prstGeom>
-          <a:ln w="38100">
-            <a:tailEnd type="triangle"/>
-          </a:ln>
-        </p:spPr>
-        <p:style>
-          <a:lnRef idx="1">
-            <a:schemeClr val="accent1"/>
-          </a:lnRef>
-          <a:fillRef idx="0">
-            <a:schemeClr val="accent1"/>
-          </a:fillRef>
-          <a:effectRef idx="0">
-            <a:schemeClr val="accent1"/>
-          </a:effectRef>
-          <a:fontRef idx="minor">
-            <a:schemeClr val="tx1"/>
-          </a:fontRef>
-        </p:style>
-      </p:cxnSp>
-      <p:sp>
-        <p:nvSpPr>
-          <p:cNvPr id="87" name="순서도: 판단 86">
-            <a:extLst>
-              <a:ext uri="{FF2B5EF4-FFF2-40B4-BE49-F238E27FC236}">
-                <a16:creationId xmlns:a16="http://schemas.microsoft.com/office/drawing/2014/main" id="{13A93642-E52E-180F-B9A2-BF9BDF416866}"/>
-              </a:ext>
-            </a:extLst>
-          </p:cNvPr>
-          <p:cNvSpPr/>
-          <p:nvPr/>
-        </p:nvSpPr>
-        <p:spPr>
-          <a:xfrm>
-            <a:off x="15415470" y="8360462"/>
-            <a:ext cx="3439416" cy="2685467"/>
-          </a:xfrm>
-          <a:prstGeom prst="flowChartDecision">
-            <a:avLst/>
-          </a:prstGeom>
-        </p:spPr>
-        <p:style>
-          <a:lnRef idx="2">
-            <a:schemeClr val="dk1"/>
-          </a:lnRef>
-          <a:fillRef idx="1">
-            <a:schemeClr val="lt1"/>
-          </a:fillRef>
-          <a:effectRef idx="0">
-            <a:schemeClr val="dk1"/>
-          </a:effectRef>
-          <a:fontRef idx="minor">
-            <a:schemeClr val="dk1"/>
-          </a:fontRef>
-        </p:style>
-        <p:txBody>
-          <a:bodyPr rtlCol="0" anchor="ctr"/>
-          <a:lstStyle/>
-          <a:p>
-            <a:pPr algn="ctr"/>
-            <a:r>
-              <a:rPr lang="en-US" altLang="ko-KR" sz="2400" dirty="0">
-                <a:latin typeface="Times New Roman" panose="02020603050405020304" pitchFamily="18" charset="0"/>
-                <a:cs typeface="Times New Roman" panose="02020603050405020304" pitchFamily="18" charset="0"/>
-              </a:rPr>
-              <a:t>Test</a:t>
-            </a:r>
-            <a:endParaRPr lang="ko-KR" altLang="en-US" sz="2400" dirty="0">
-              <a:latin typeface="Times New Roman" panose="02020603050405020304" pitchFamily="18" charset="0"/>
-              <a:cs typeface="Times New Roman" panose="02020603050405020304" pitchFamily="18" charset="0"/>
-            </a:endParaRPr>
-          </a:p>
-        </p:txBody>
-      </p:sp>
-      <p:cxnSp>
-        <p:nvCxnSpPr>
-          <p:cNvPr id="94" name="직선 화살표 연결선 93">
-            <a:extLst>
-              <a:ext uri="{FF2B5EF4-FFF2-40B4-BE49-F238E27FC236}">
-                <a16:creationId xmlns:a16="http://schemas.microsoft.com/office/drawing/2014/main" id="{1A49A4DA-5BB6-B1DB-0DC4-DFD483DFA3B4}"/>
-              </a:ext>
-            </a:extLst>
-          </p:cNvPr>
-          <p:cNvCxnSpPr>
-            <a:cxnSpLocks/>
-            <a:stCxn id="59" idx="3"/>
-            <a:endCxn id="87" idx="1"/>
-          </p:cNvCxnSpPr>
-          <p:nvPr/>
-        </p:nvCxnSpPr>
-        <p:spPr>
-          <a:xfrm>
-            <a:off x="13122550" y="9703196"/>
-            <a:ext cx="2292920" cy="0"/>
-          </a:xfrm>
-          <a:prstGeom prst="straightConnector1">
-            <a:avLst/>
-          </a:prstGeom>
-          <a:ln w="38100">
-            <a:tailEnd type="triangle"/>
-          </a:ln>
-        </p:spPr>
-        <p:style>
-          <a:lnRef idx="3">
-            <a:schemeClr val="accent2"/>
-          </a:lnRef>
-          <a:fillRef idx="0">
-            <a:schemeClr val="accent2"/>
-          </a:fillRef>
-          <a:effectRef idx="2">
-            <a:schemeClr val="accent2"/>
-          </a:effectRef>
-          <a:fontRef idx="minor">
-            <a:schemeClr val="tx1"/>
-          </a:fontRef>
-        </p:style>
-      </p:cxnSp>
-      <p:sp>
-        <p:nvSpPr>
-          <p:cNvPr id="102" name="TextBox 101">
-            <a:extLst>
-              <a:ext uri="{FF2B5EF4-FFF2-40B4-BE49-F238E27FC236}">
-                <a16:creationId xmlns:a16="http://schemas.microsoft.com/office/drawing/2014/main" id="{38001FFA-E77E-733C-9E97-7549D77696A0}"/>
-              </a:ext>
-            </a:extLst>
-          </p:cNvPr>
-          <p:cNvSpPr txBox="1"/>
-          <p:nvPr/>
-        </p:nvSpPr>
-        <p:spPr>
-          <a:xfrm>
-            <a:off x="19778972" y="11169068"/>
-            <a:ext cx="2919664" cy="553998"/>
-          </a:xfrm>
-          <a:prstGeom prst="rect">
-            <a:avLst/>
-          </a:prstGeom>
-          <a:noFill/>
-        </p:spPr>
-        <p:txBody>
-          <a:bodyPr wrap="square" rtlCol="0">
-            <a:spAutoFit/>
-          </a:bodyPr>
-          <a:lstStyle/>
-          <a:p>
-            <a:pPr algn="ctr"/>
-            <a:r>
-              <a:rPr lang="en-US" altLang="ko-KR" sz="3000" dirty="0">
-                <a:latin typeface="Times New Roman" panose="02020603050405020304" pitchFamily="18" charset="0"/>
-                <a:cs typeface="Times New Roman" panose="02020603050405020304" pitchFamily="18" charset="0"/>
-              </a:rPr>
-              <a:t>Safe</a:t>
-            </a:r>
-            <a:endParaRPr lang="ko-KR" altLang="en-US" sz="3000" dirty="0">
-              <a:latin typeface="Times New Roman" panose="02020603050405020304" pitchFamily="18" charset="0"/>
-              <a:cs typeface="Times New Roman" panose="02020603050405020304" pitchFamily="18" charset="0"/>
-            </a:endParaRPr>
-          </a:p>
-        </p:txBody>
-      </p:sp>
-      <p:cxnSp>
-        <p:nvCxnSpPr>
-          <p:cNvPr id="104" name="직선 화살표 연결선 103">
-            <a:extLst>
-              <a:ext uri="{FF2B5EF4-FFF2-40B4-BE49-F238E27FC236}">
-                <a16:creationId xmlns:a16="http://schemas.microsoft.com/office/drawing/2014/main" id="{3335D21F-0C6E-03FD-B206-945AFF7145BF}"/>
-              </a:ext>
-            </a:extLst>
-          </p:cNvPr>
-          <p:cNvCxnSpPr>
-            <a:cxnSpLocks/>
-            <a:stCxn id="87" idx="3"/>
-            <a:endCxn id="10" idx="1"/>
+            <a:stCxn id="17" idx="3"/>
           </p:cNvCxnSpPr>
           <p:nvPr/>
         </p:nvCxnSpPr>
         <p:spPr>
           <a:xfrm flipV="1">
             <a:off x="18854886" y="9703195"/>
-            <a:ext cx="924086" cy="1"/>
+            <a:ext cx="577030" cy="1"/>
           </a:xfrm>
           <a:prstGeom prst="straightConnector1">
             <a:avLst/>
@@ -7412,26 +10507,26 @@
       </p:cxnSp>
       <p:cxnSp>
         <p:nvCxnSpPr>
-          <p:cNvPr id="108" name="직선 화살표 연결선 107">
-            <a:extLst>
-              <a:ext uri="{FF2B5EF4-FFF2-40B4-BE49-F238E27FC236}">
-                <a16:creationId xmlns:a16="http://schemas.microsoft.com/office/drawing/2014/main" id="{61A8A86A-E394-0728-76DB-A2C232E1812C}"/>
+          <p:cNvPr id="20" name="직선 화살표 연결선 19">
+            <a:extLst>
+              <a:ext uri="{FF2B5EF4-FFF2-40B4-BE49-F238E27FC236}">
+                <a16:creationId xmlns:a16="http://schemas.microsoft.com/office/drawing/2014/main" id="{0F6394B5-123B-65C0-F7C1-6BC2ECFF6285}"/>
               </a:ext>
             </a:extLst>
           </p:cNvPr>
           <p:cNvCxnSpPr>
             <a:cxnSpLocks/>
-            <a:stCxn id="87" idx="2"/>
-            <a:endCxn id="102" idx="1"/>
+            <a:stCxn id="17" idx="2"/>
+            <a:endCxn id="10" idx="0"/>
           </p:cNvCxnSpPr>
           <p:nvPr/>
         </p:nvCxnSpPr>
         <p:spPr>
-          <a:xfrm rot="16200000" flipH="1">
-            <a:off x="18257006" y="9924101"/>
-            <a:ext cx="400138" cy="2643794"/>
-          </a:xfrm>
-          <a:prstGeom prst="bentConnector2">
+          <a:xfrm>
+            <a:off x="17135178" y="11045929"/>
+            <a:ext cx="6206" cy="486410"/>
+          </a:xfrm>
+          <a:prstGeom prst="straightConnector1">
             <a:avLst/>
           </a:prstGeom>
           <a:ln w="38100">
@@ -7455,10 +10550,10 @@
       </p:cxnSp>
       <p:sp>
         <p:nvSpPr>
-          <p:cNvPr id="115" name="TextBox 114">
-            <a:extLst>
-              <a:ext uri="{FF2B5EF4-FFF2-40B4-BE49-F238E27FC236}">
-                <a16:creationId xmlns:a16="http://schemas.microsoft.com/office/drawing/2014/main" id="{DF732439-C5E4-21C2-347F-E105E5745EDF}"/>
+          <p:cNvPr id="21" name="TextBox 20">
+            <a:extLst>
+              <a:ext uri="{FF2B5EF4-FFF2-40B4-BE49-F238E27FC236}">
+                <a16:creationId xmlns:a16="http://schemas.microsoft.com/office/drawing/2014/main" id="{82170DEB-0014-F34F-5B51-ECB465C21862}"/>
               </a:ext>
             </a:extLst>
           </p:cNvPr>
@@ -7467,7 +10562,7 @@
         </p:nvSpPr>
         <p:spPr>
           <a:xfrm>
-            <a:off x="19778972" y="10297632"/>
+            <a:off x="19431916" y="9426196"/>
             <a:ext cx="2919664" cy="553998"/>
           </a:xfrm>
           <a:prstGeom prst="rect">
@@ -7481,409 +10576,12 @@
           </a:bodyPr>
           <a:lstStyle/>
           <a:p>
-            <a:pPr algn="ctr"/>
             <a:r>
               <a:rPr lang="en-US" altLang="ko-KR" sz="3000" dirty="0">
                 <a:latin typeface="Times New Roman" panose="02020603050405020304" pitchFamily="18" charset="0"/>
                 <a:cs typeface="Times New Roman" panose="02020603050405020304" pitchFamily="18" charset="0"/>
               </a:rPr>
-              <a:t>OR</a:t>
-            </a:r>
-          </a:p>
-        </p:txBody>
-      </p:sp>
-      <p:sp>
-        <p:nvSpPr>
-          <p:cNvPr id="3" name="직사각형 2">
-            <a:extLst>
-              <a:ext uri="{FF2B5EF4-FFF2-40B4-BE49-F238E27FC236}">
-                <a16:creationId xmlns:a16="http://schemas.microsoft.com/office/drawing/2014/main" id="{63E10D05-83EF-F201-9BEF-B5A7ACA0D101}"/>
-              </a:ext>
-            </a:extLst>
-          </p:cNvPr>
-          <p:cNvSpPr/>
-          <p:nvPr/>
-        </p:nvSpPr>
-        <p:spPr>
-          <a:xfrm>
-            <a:off x="1732547" y="2671011"/>
-            <a:ext cx="720000" cy="720000"/>
-          </a:xfrm>
-          <a:prstGeom prst="rect">
-            <a:avLst/>
-          </a:prstGeom>
-          <a:ln/>
-        </p:spPr>
-        <p:style>
-          <a:lnRef idx="2">
-            <a:schemeClr val="dk1"/>
-          </a:lnRef>
-          <a:fillRef idx="1">
-            <a:schemeClr val="lt1"/>
-          </a:fillRef>
-          <a:effectRef idx="0">
-            <a:schemeClr val="dk1"/>
-          </a:effectRef>
-          <a:fontRef idx="minor">
-            <a:schemeClr val="dk1"/>
-          </a:fontRef>
-        </p:style>
-        <p:txBody>
-          <a:bodyPr rtlCol="0" anchor="ctr"/>
-          <a:lstStyle/>
-          <a:p>
-            <a:pPr algn="ctr"/>
-            <a:r>
-              <a:rPr lang="en-US" altLang="ko-KR" sz="2500" dirty="0">
-                <a:latin typeface="Times New Roman" panose="02020603050405020304" pitchFamily="18" charset="0"/>
-                <a:cs typeface="Times New Roman" panose="02020603050405020304" pitchFamily="18" charset="0"/>
-              </a:rPr>
-              <a:t>1</a:t>
-            </a:r>
-            <a:endParaRPr lang="ko-KR" altLang="en-US" sz="2500" dirty="0">
-              <a:latin typeface="Times New Roman" panose="02020603050405020304" pitchFamily="18" charset="0"/>
-              <a:cs typeface="Times New Roman" panose="02020603050405020304" pitchFamily="18" charset="0"/>
-            </a:endParaRPr>
-          </a:p>
-        </p:txBody>
-      </p:sp>
-      <p:sp>
-        <p:nvSpPr>
-          <p:cNvPr id="37" name="직사각형 36">
-            <a:extLst>
-              <a:ext uri="{FF2B5EF4-FFF2-40B4-BE49-F238E27FC236}">
-                <a16:creationId xmlns:a16="http://schemas.microsoft.com/office/drawing/2014/main" id="{0188A0E0-FC09-2735-16DA-629366A1F553}"/>
-              </a:ext>
-            </a:extLst>
-          </p:cNvPr>
-          <p:cNvSpPr/>
-          <p:nvPr/>
-        </p:nvSpPr>
-        <p:spPr>
-          <a:xfrm>
-            <a:off x="10398080" y="2567972"/>
-            <a:ext cx="720000" cy="720000"/>
-          </a:xfrm>
-          <a:prstGeom prst="rect">
-            <a:avLst/>
-          </a:prstGeom>
-          <a:ln/>
-        </p:spPr>
-        <p:style>
-          <a:lnRef idx="2">
-            <a:schemeClr val="dk1"/>
-          </a:lnRef>
-          <a:fillRef idx="1">
-            <a:schemeClr val="lt1"/>
-          </a:fillRef>
-          <a:effectRef idx="0">
-            <a:schemeClr val="dk1"/>
-          </a:effectRef>
-          <a:fontRef idx="minor">
-            <a:schemeClr val="dk1"/>
-          </a:fontRef>
-        </p:style>
-        <p:txBody>
-          <a:bodyPr rtlCol="0" anchor="ctr"/>
-          <a:lstStyle/>
-          <a:p>
-            <a:pPr algn="ctr"/>
-            <a:r>
-              <a:rPr lang="en-US" altLang="ko-KR" sz="2500" dirty="0">
-                <a:latin typeface="Times New Roman" panose="02020603050405020304" pitchFamily="18" charset="0"/>
-                <a:cs typeface="Times New Roman" panose="02020603050405020304" pitchFamily="18" charset="0"/>
-              </a:rPr>
-              <a:t>2</a:t>
-            </a:r>
-            <a:endParaRPr lang="ko-KR" altLang="en-US" sz="2500" dirty="0">
-              <a:latin typeface="Times New Roman" panose="02020603050405020304" pitchFamily="18" charset="0"/>
-              <a:cs typeface="Times New Roman" panose="02020603050405020304" pitchFamily="18" charset="0"/>
-            </a:endParaRPr>
-          </a:p>
-        </p:txBody>
-      </p:sp>
-      <p:sp>
-        <p:nvSpPr>
-          <p:cNvPr id="38" name="직사각형 37">
-            <a:extLst>
-              <a:ext uri="{FF2B5EF4-FFF2-40B4-BE49-F238E27FC236}">
-                <a16:creationId xmlns:a16="http://schemas.microsoft.com/office/drawing/2014/main" id="{C36ADDFD-730B-06A5-8C4D-67FBD8CF5BB2}"/>
-              </a:ext>
-            </a:extLst>
-          </p:cNvPr>
-          <p:cNvSpPr/>
-          <p:nvPr/>
-        </p:nvSpPr>
-        <p:spPr>
-          <a:xfrm>
-            <a:off x="15407594" y="2584444"/>
-            <a:ext cx="720000" cy="720000"/>
-          </a:xfrm>
-          <a:prstGeom prst="rect">
-            <a:avLst/>
-          </a:prstGeom>
-          <a:ln/>
-        </p:spPr>
-        <p:style>
-          <a:lnRef idx="2">
-            <a:schemeClr val="dk1"/>
-          </a:lnRef>
-          <a:fillRef idx="1">
-            <a:schemeClr val="lt1"/>
-          </a:fillRef>
-          <a:effectRef idx="0">
-            <a:schemeClr val="dk1"/>
-          </a:effectRef>
-          <a:fontRef idx="minor">
-            <a:schemeClr val="dk1"/>
-          </a:fontRef>
-        </p:style>
-        <p:txBody>
-          <a:bodyPr rtlCol="0" anchor="ctr"/>
-          <a:lstStyle/>
-          <a:p>
-            <a:pPr algn="ctr"/>
-            <a:r>
-              <a:rPr lang="en-US" altLang="ko-KR" sz="2500" dirty="0">
-                <a:latin typeface="Times New Roman" panose="02020603050405020304" pitchFamily="18" charset="0"/>
-                <a:cs typeface="Times New Roman" panose="02020603050405020304" pitchFamily="18" charset="0"/>
-              </a:rPr>
-              <a:t>3</a:t>
-            </a:r>
-            <a:endParaRPr lang="ko-KR" altLang="en-US" sz="2500" dirty="0">
-              <a:latin typeface="Times New Roman" panose="02020603050405020304" pitchFamily="18" charset="0"/>
-              <a:cs typeface="Times New Roman" panose="02020603050405020304" pitchFamily="18" charset="0"/>
-            </a:endParaRPr>
-          </a:p>
-        </p:txBody>
-      </p:sp>
-      <p:sp>
-        <p:nvSpPr>
-          <p:cNvPr id="39" name="직사각형 38">
-            <a:extLst>
-              <a:ext uri="{FF2B5EF4-FFF2-40B4-BE49-F238E27FC236}">
-                <a16:creationId xmlns:a16="http://schemas.microsoft.com/office/drawing/2014/main" id="{CD6563CE-99A3-6F62-0CBD-81EF20EF07B9}"/>
-              </a:ext>
-            </a:extLst>
-          </p:cNvPr>
-          <p:cNvSpPr/>
-          <p:nvPr/>
-        </p:nvSpPr>
-        <p:spPr>
-          <a:xfrm>
-            <a:off x="15407594" y="8167971"/>
-            <a:ext cx="720000" cy="720000"/>
-          </a:xfrm>
-          <a:prstGeom prst="rect">
-            <a:avLst/>
-          </a:prstGeom>
-          <a:ln/>
-        </p:spPr>
-        <p:style>
-          <a:lnRef idx="2">
-            <a:schemeClr val="dk1"/>
-          </a:lnRef>
-          <a:fillRef idx="1">
-            <a:schemeClr val="lt1"/>
-          </a:fillRef>
-          <a:effectRef idx="0">
-            <a:schemeClr val="dk1"/>
-          </a:effectRef>
-          <a:fontRef idx="minor">
-            <a:schemeClr val="dk1"/>
-          </a:fontRef>
-        </p:style>
-        <p:txBody>
-          <a:bodyPr rtlCol="0" anchor="ctr"/>
-          <a:lstStyle/>
-          <a:p>
-            <a:pPr algn="ctr"/>
-            <a:r>
-              <a:rPr lang="en-US" altLang="ko-KR" sz="2500" dirty="0">
-                <a:latin typeface="Times New Roman" panose="02020603050405020304" pitchFamily="18" charset="0"/>
-                <a:cs typeface="Times New Roman" panose="02020603050405020304" pitchFamily="18" charset="0"/>
-              </a:rPr>
-              <a:t>4</a:t>
-            </a:r>
-            <a:endParaRPr lang="ko-KR" altLang="en-US" sz="2500" dirty="0">
-              <a:latin typeface="Times New Roman" panose="02020603050405020304" pitchFamily="18" charset="0"/>
-              <a:cs typeface="Times New Roman" panose="02020603050405020304" pitchFamily="18" charset="0"/>
-            </a:endParaRPr>
-          </a:p>
-        </p:txBody>
-      </p:sp>
-      <p:sp>
-        <p:nvSpPr>
-          <p:cNvPr id="41" name="왼쪽 중괄호 40">
-            <a:extLst>
-              <a:ext uri="{FF2B5EF4-FFF2-40B4-BE49-F238E27FC236}">
-                <a16:creationId xmlns:a16="http://schemas.microsoft.com/office/drawing/2014/main" id="{8FEE1976-99B3-6BA2-C1F3-B06E407F0856}"/>
-              </a:ext>
-            </a:extLst>
-          </p:cNvPr>
-          <p:cNvSpPr/>
-          <p:nvPr/>
-        </p:nvSpPr>
-        <p:spPr>
-          <a:xfrm rot="16200000">
-            <a:off x="8375080" y="6519700"/>
-            <a:ext cx="400140" cy="13664888"/>
-          </a:xfrm>
-          <a:prstGeom prst="leftBrace">
-            <a:avLst>
-              <a:gd name="adj1" fmla="val 235807"/>
-              <a:gd name="adj2" fmla="val 50000"/>
-            </a:avLst>
-          </a:prstGeom>
-        </p:spPr>
-        <p:style>
-          <a:lnRef idx="1">
-            <a:schemeClr val="dk1"/>
-          </a:lnRef>
-          <a:fillRef idx="0">
-            <a:schemeClr val="dk1"/>
-          </a:fillRef>
-          <a:effectRef idx="0">
-            <a:schemeClr val="dk1"/>
-          </a:effectRef>
-          <a:fontRef idx="minor">
-            <a:schemeClr val="tx1"/>
-          </a:fontRef>
-        </p:style>
-        <p:txBody>
-          <a:bodyPr rtlCol="0" anchor="ctr"/>
-          <a:lstStyle/>
-          <a:p>
-            <a:pPr algn="ctr"/>
-            <a:endParaRPr lang="ko-KR" altLang="en-US"/>
-          </a:p>
-        </p:txBody>
-      </p:sp>
-      <p:sp>
-        <p:nvSpPr>
-          <p:cNvPr id="42" name="왼쪽 중괄호 41">
-            <a:extLst>
-              <a:ext uri="{FF2B5EF4-FFF2-40B4-BE49-F238E27FC236}">
-                <a16:creationId xmlns:a16="http://schemas.microsoft.com/office/drawing/2014/main" id="{1E8EA4FD-9C27-F808-05B9-2D16FB343ED3}"/>
-              </a:ext>
-            </a:extLst>
-          </p:cNvPr>
-          <p:cNvSpPr/>
-          <p:nvPr/>
-        </p:nvSpPr>
-        <p:spPr>
-          <a:xfrm rot="16200000">
-            <a:off x="18715444" y="10011410"/>
-            <a:ext cx="314370" cy="6595693"/>
-          </a:xfrm>
-          <a:prstGeom prst="leftBrace">
-            <a:avLst>
-              <a:gd name="adj1" fmla="val 174544"/>
-              <a:gd name="adj2" fmla="val 50000"/>
-            </a:avLst>
-          </a:prstGeom>
-        </p:spPr>
-        <p:style>
-          <a:lnRef idx="1">
-            <a:schemeClr val="dk1"/>
-          </a:lnRef>
-          <a:fillRef idx="0">
-            <a:schemeClr val="dk1"/>
-          </a:fillRef>
-          <a:effectRef idx="0">
-            <a:schemeClr val="dk1"/>
-          </a:effectRef>
-          <a:fontRef idx="minor">
-            <a:schemeClr val="tx1"/>
-          </a:fontRef>
-        </p:style>
-        <p:txBody>
-          <a:bodyPr rtlCol="0" anchor="ctr"/>
-          <a:lstStyle/>
-          <a:p>
-            <a:pPr algn="ctr"/>
-            <a:endParaRPr lang="ko-KR" altLang="en-US"/>
-          </a:p>
-        </p:txBody>
-      </p:sp>
-      <p:sp>
-        <p:nvSpPr>
-          <p:cNvPr id="43" name="TextBox 42">
-            <a:extLst>
-              <a:ext uri="{FF2B5EF4-FFF2-40B4-BE49-F238E27FC236}">
-                <a16:creationId xmlns:a16="http://schemas.microsoft.com/office/drawing/2014/main" id="{A25B6488-BA5D-1828-FC91-2C8605AE8200}"/>
-              </a:ext>
-            </a:extLst>
-          </p:cNvPr>
-          <p:cNvSpPr txBox="1"/>
-          <p:nvPr/>
-        </p:nvSpPr>
-        <p:spPr>
-          <a:xfrm>
-            <a:off x="6990190" y="13636147"/>
-            <a:ext cx="3169920" cy="430887"/>
-          </a:xfrm>
-          <a:prstGeom prst="rect">
-            <a:avLst/>
-          </a:prstGeom>
-          <a:noFill/>
-        </p:spPr>
-        <p:txBody>
-          <a:bodyPr wrap="square" rtlCol="0">
-            <a:spAutoFit/>
-          </a:bodyPr>
-          <a:lstStyle/>
-          <a:p>
-            <a:pPr algn="ctr"/>
-            <a:r>
-              <a:rPr lang="en-US" altLang="ko-KR" sz="2200" dirty="0">
-                <a:latin typeface="Times New Roman" panose="02020603050405020304" pitchFamily="18" charset="0"/>
-                <a:cs typeface="Times New Roman" panose="02020603050405020304" pitchFamily="18" charset="0"/>
-              </a:rPr>
-              <a:t>Data stage</a:t>
-            </a:r>
-            <a:endParaRPr lang="ko-KR" altLang="en-US" sz="2200" dirty="0">
-              <a:latin typeface="Times New Roman" panose="02020603050405020304" pitchFamily="18" charset="0"/>
-              <a:cs typeface="Times New Roman" panose="02020603050405020304" pitchFamily="18" charset="0"/>
-            </a:endParaRPr>
-          </a:p>
-        </p:txBody>
-      </p:sp>
-      <p:sp>
-        <p:nvSpPr>
-          <p:cNvPr id="44" name="TextBox 43">
-            <a:extLst>
-              <a:ext uri="{FF2B5EF4-FFF2-40B4-BE49-F238E27FC236}">
-                <a16:creationId xmlns:a16="http://schemas.microsoft.com/office/drawing/2014/main" id="{DBDED023-0952-9774-5364-BC122464093D}"/>
-              </a:ext>
-            </a:extLst>
-          </p:cNvPr>
-          <p:cNvSpPr txBox="1"/>
-          <p:nvPr/>
-        </p:nvSpPr>
-        <p:spPr>
-          <a:xfrm>
-            <a:off x="17287669" y="13636147"/>
-            <a:ext cx="3169920" cy="430887"/>
-          </a:xfrm>
-          <a:prstGeom prst="rect">
-            <a:avLst/>
-          </a:prstGeom>
-          <a:noFill/>
-        </p:spPr>
-        <p:txBody>
-          <a:bodyPr wrap="square" rtlCol="0">
-            <a:spAutoFit/>
-          </a:bodyPr>
-          <a:lstStyle/>
-          <a:p>
-            <a:pPr algn="ctr"/>
-            <a:r>
-              <a:rPr lang="en-US" altLang="ko-KR" sz="2200" dirty="0">
-                <a:latin typeface="Times New Roman" panose="02020603050405020304" pitchFamily="18" charset="0"/>
-                <a:cs typeface="Times New Roman" panose="02020603050405020304" pitchFamily="18" charset="0"/>
-              </a:rPr>
-              <a:t>Learning &amp; Test stage</a:t>
+              <a:t>   Safety  </a:t>
             </a:r>
           </a:p>
         </p:txBody>
@@ -7891,7 +10589,7 @@
     </p:spTree>
     <p:extLst>
       <p:ext uri="{BB962C8B-B14F-4D97-AF65-F5344CB8AC3E}">
-        <p14:creationId xmlns:p14="http://schemas.microsoft.com/office/powerpoint/2010/main" val="3463881268"/>
+        <p14:creationId xmlns:p14="http://schemas.microsoft.com/office/powerpoint/2010/main" val="3807656113"/>
       </p:ext>
     </p:extLst>
   </p:cSld>

--- a/최종 정리본/etc/컨퍼런스 논문 구조도에 쓰인 사진/컨퍼런스 구조도.pptx
+++ b/최종 정리본/etc/컨퍼런스 논문 구조도에 쓰인 사진/컨퍼런스 구조도.pptx
@@ -11,6 +11,7 @@
     <p:sldId id="261" r:id="rId5"/>
     <p:sldId id="260" r:id="rId6"/>
     <p:sldId id="259" r:id="rId7"/>
+    <p:sldId id="262" r:id="rId8"/>
   </p:sldIdLst>
   <p:sldSz cx="35999738" cy="14400213"/>
   <p:notesSz cx="6858000" cy="9144000"/>
@@ -248,7 +249,7 @@
           <a:p>
             <a:fld id="{88CA5724-AAEB-4004-8D3F-C05D4DBBD399}" type="datetimeFigureOut">
               <a:rPr lang="ko-KR" altLang="en-US" smtClean="0"/>
-              <a:t>2022-09-01</a:t>
+              <a:t>2022-09-18</a:t>
             </a:fld>
             <a:endParaRPr lang="ko-KR" altLang="en-US"/>
           </a:p>
@@ -418,7 +419,7 @@
           <a:p>
             <a:fld id="{88CA5724-AAEB-4004-8D3F-C05D4DBBD399}" type="datetimeFigureOut">
               <a:rPr lang="ko-KR" altLang="en-US" smtClean="0"/>
-              <a:t>2022-09-01</a:t>
+              <a:t>2022-09-18</a:t>
             </a:fld>
             <a:endParaRPr lang="ko-KR" altLang="en-US"/>
           </a:p>
@@ -598,7 +599,7 @@
           <a:p>
             <a:fld id="{88CA5724-AAEB-4004-8D3F-C05D4DBBD399}" type="datetimeFigureOut">
               <a:rPr lang="ko-KR" altLang="en-US" smtClean="0"/>
-              <a:t>2022-09-01</a:t>
+              <a:t>2022-09-18</a:t>
             </a:fld>
             <a:endParaRPr lang="ko-KR" altLang="en-US"/>
           </a:p>
@@ -768,7 +769,7 @@
           <a:p>
             <a:fld id="{88CA5724-AAEB-4004-8D3F-C05D4DBBD399}" type="datetimeFigureOut">
               <a:rPr lang="ko-KR" altLang="en-US" smtClean="0"/>
-              <a:t>2022-09-01</a:t>
+              <a:t>2022-09-18</a:t>
             </a:fld>
             <a:endParaRPr lang="ko-KR" altLang="en-US"/>
           </a:p>
@@ -1014,7 +1015,7 @@
           <a:p>
             <a:fld id="{88CA5724-AAEB-4004-8D3F-C05D4DBBD399}" type="datetimeFigureOut">
               <a:rPr lang="ko-KR" altLang="en-US" smtClean="0"/>
-              <a:t>2022-09-01</a:t>
+              <a:t>2022-09-18</a:t>
             </a:fld>
             <a:endParaRPr lang="ko-KR" altLang="en-US"/>
           </a:p>
@@ -1246,7 +1247,7 @@
           <a:p>
             <a:fld id="{88CA5724-AAEB-4004-8D3F-C05D4DBBD399}" type="datetimeFigureOut">
               <a:rPr lang="ko-KR" altLang="en-US" smtClean="0"/>
-              <a:t>2022-09-01</a:t>
+              <a:t>2022-09-18</a:t>
             </a:fld>
             <a:endParaRPr lang="ko-KR" altLang="en-US"/>
           </a:p>
@@ -1613,7 +1614,7 @@
           <a:p>
             <a:fld id="{88CA5724-AAEB-4004-8D3F-C05D4DBBD399}" type="datetimeFigureOut">
               <a:rPr lang="ko-KR" altLang="en-US" smtClean="0"/>
-              <a:t>2022-09-01</a:t>
+              <a:t>2022-09-18</a:t>
             </a:fld>
             <a:endParaRPr lang="ko-KR" altLang="en-US"/>
           </a:p>
@@ -1731,7 +1732,7 @@
           <a:p>
             <a:fld id="{88CA5724-AAEB-4004-8D3F-C05D4DBBD399}" type="datetimeFigureOut">
               <a:rPr lang="ko-KR" altLang="en-US" smtClean="0"/>
-              <a:t>2022-09-01</a:t>
+              <a:t>2022-09-18</a:t>
             </a:fld>
             <a:endParaRPr lang="ko-KR" altLang="en-US"/>
           </a:p>
@@ -1826,7 +1827,7 @@
           <a:p>
             <a:fld id="{88CA5724-AAEB-4004-8D3F-C05D4DBBD399}" type="datetimeFigureOut">
               <a:rPr lang="ko-KR" altLang="en-US" smtClean="0"/>
-              <a:t>2022-09-01</a:t>
+              <a:t>2022-09-18</a:t>
             </a:fld>
             <a:endParaRPr lang="ko-KR" altLang="en-US"/>
           </a:p>
@@ -2103,7 +2104,7 @@
           <a:p>
             <a:fld id="{88CA5724-AAEB-4004-8D3F-C05D4DBBD399}" type="datetimeFigureOut">
               <a:rPr lang="ko-KR" altLang="en-US" smtClean="0"/>
-              <a:t>2022-09-01</a:t>
+              <a:t>2022-09-18</a:t>
             </a:fld>
             <a:endParaRPr lang="ko-KR" altLang="en-US"/>
           </a:p>
@@ -2360,7 +2361,7 @@
           <a:p>
             <a:fld id="{88CA5724-AAEB-4004-8D3F-C05D4DBBD399}" type="datetimeFigureOut">
               <a:rPr lang="ko-KR" altLang="en-US" smtClean="0"/>
-              <a:t>2022-09-01</a:t>
+              <a:t>2022-09-18</a:t>
             </a:fld>
             <a:endParaRPr lang="ko-KR" altLang="en-US"/>
           </a:p>
@@ -2573,7 +2574,7 @@
           <a:p>
             <a:fld id="{88CA5724-AAEB-4004-8D3F-C05D4DBBD399}" type="datetimeFigureOut">
               <a:rPr lang="ko-KR" altLang="en-US" smtClean="0"/>
-              <a:t>2022-09-01</a:t>
+              <a:t>2022-09-18</a:t>
             </a:fld>
             <a:endParaRPr lang="ko-KR" altLang="en-US"/>
           </a:p>
@@ -10599,6 +10600,1521 @@
 </p:sld>
 </file>
 
+<file path=ppt/slides/slide7.xml><?xml version="1.0" encoding="utf-8"?>
+<p:sld xmlns:a="http://schemas.openxmlformats.org/drawingml/2006/main" xmlns:r="http://schemas.openxmlformats.org/officeDocument/2006/relationships" xmlns:p="http://schemas.openxmlformats.org/presentationml/2006/main">
+  <p:cSld>
+    <p:spTree>
+      <p:nvGrpSpPr>
+        <p:cNvPr id="1" name=""/>
+        <p:cNvGrpSpPr/>
+        <p:nvPr/>
+      </p:nvGrpSpPr>
+      <p:grpSpPr>
+        <a:xfrm>
+          <a:off x="0" y="0"/>
+          <a:ext cx="0" cy="0"/>
+          <a:chOff x="0" y="0"/>
+          <a:chExt cx="0" cy="0"/>
+        </a:xfrm>
+      </p:grpSpPr>
+      <p:sp>
+        <p:nvSpPr>
+          <p:cNvPr id="5" name="직사각형 4">
+            <a:extLst>
+              <a:ext uri="{FF2B5EF4-FFF2-40B4-BE49-F238E27FC236}">
+                <a16:creationId xmlns:a16="http://schemas.microsoft.com/office/drawing/2014/main" id="{C0B97D00-6B1C-27D5-B15B-7CE43AA4757D}"/>
+              </a:ext>
+            </a:extLst>
+          </p:cNvPr>
+          <p:cNvSpPr>
+            <a:spLocks/>
+          </p:cNvSpPr>
+          <p:nvPr/>
+        </p:nvSpPr>
+        <p:spPr>
+          <a:xfrm>
+            <a:off x="2245965" y="1641924"/>
+            <a:ext cx="2880000" cy="4320000"/>
+          </a:xfrm>
+          <a:prstGeom prst="rect">
+            <a:avLst/>
+          </a:prstGeom>
+          <a:ln w="38100"/>
+        </p:spPr>
+        <p:style>
+          <a:lnRef idx="2">
+            <a:schemeClr val="dk1"/>
+          </a:lnRef>
+          <a:fillRef idx="1">
+            <a:schemeClr val="lt1"/>
+          </a:fillRef>
+          <a:effectRef idx="0">
+            <a:schemeClr val="dk1"/>
+          </a:effectRef>
+          <a:fontRef idx="minor">
+            <a:schemeClr val="dk1"/>
+          </a:fontRef>
+        </p:style>
+        <p:txBody>
+          <a:bodyPr rtlCol="0" anchor="ctr"/>
+          <a:lstStyle/>
+          <a:p>
+            <a:pPr algn="ctr"/>
+            <a:endParaRPr lang="ko-KR" altLang="en-US" dirty="0"/>
+          </a:p>
+        </p:txBody>
+      </p:sp>
+      <p:sp>
+        <p:nvSpPr>
+          <p:cNvPr id="8" name="직사각형 7">
+            <a:extLst>
+              <a:ext uri="{FF2B5EF4-FFF2-40B4-BE49-F238E27FC236}">
+                <a16:creationId xmlns:a16="http://schemas.microsoft.com/office/drawing/2014/main" id="{E3FB87B9-9863-0500-92F0-55E54C4E9F23}"/>
+              </a:ext>
+            </a:extLst>
+          </p:cNvPr>
+          <p:cNvSpPr>
+            <a:spLocks/>
+          </p:cNvSpPr>
+          <p:nvPr/>
+        </p:nvSpPr>
+        <p:spPr>
+          <a:xfrm>
+            <a:off x="7558193" y="1641924"/>
+            <a:ext cx="10800000" cy="4320000"/>
+          </a:xfrm>
+          <a:prstGeom prst="rect">
+            <a:avLst/>
+          </a:prstGeom>
+          <a:ln w="38100"/>
+        </p:spPr>
+        <p:style>
+          <a:lnRef idx="2">
+            <a:schemeClr val="dk1"/>
+          </a:lnRef>
+          <a:fillRef idx="1">
+            <a:schemeClr val="lt1"/>
+          </a:fillRef>
+          <a:effectRef idx="0">
+            <a:schemeClr val="dk1"/>
+          </a:effectRef>
+          <a:fontRef idx="minor">
+            <a:schemeClr val="dk1"/>
+          </a:fontRef>
+        </p:style>
+        <p:txBody>
+          <a:bodyPr rtlCol="0" anchor="ctr"/>
+          <a:lstStyle/>
+          <a:p>
+            <a:pPr algn="ctr"/>
+            <a:endParaRPr lang="ko-KR" altLang="en-US" dirty="0"/>
+          </a:p>
+        </p:txBody>
+      </p:sp>
+      <p:sp>
+        <p:nvSpPr>
+          <p:cNvPr id="9" name="직사각형 8">
+            <a:extLst>
+              <a:ext uri="{FF2B5EF4-FFF2-40B4-BE49-F238E27FC236}">
+                <a16:creationId xmlns:a16="http://schemas.microsoft.com/office/drawing/2014/main" id="{FC875818-8EEB-F053-C7DE-C8B0645782A4}"/>
+              </a:ext>
+            </a:extLst>
+          </p:cNvPr>
+          <p:cNvSpPr>
+            <a:spLocks/>
+          </p:cNvSpPr>
+          <p:nvPr/>
+        </p:nvSpPr>
+        <p:spPr>
+          <a:xfrm>
+            <a:off x="7926724" y="2110064"/>
+            <a:ext cx="2880000" cy="1440000"/>
+          </a:xfrm>
+          <a:prstGeom prst="rect">
+            <a:avLst/>
+          </a:prstGeom>
+          <a:ln w="38100"/>
+        </p:spPr>
+        <p:style>
+          <a:lnRef idx="2">
+            <a:schemeClr val="dk1"/>
+          </a:lnRef>
+          <a:fillRef idx="1">
+            <a:schemeClr val="lt1"/>
+          </a:fillRef>
+          <a:effectRef idx="0">
+            <a:schemeClr val="dk1"/>
+          </a:effectRef>
+          <a:fontRef idx="minor">
+            <a:schemeClr val="dk1"/>
+          </a:fontRef>
+        </p:style>
+        <p:txBody>
+          <a:bodyPr rtlCol="0" anchor="ctr"/>
+          <a:lstStyle/>
+          <a:p>
+            <a:pPr algn="ctr"/>
+            <a:r>
+              <a:rPr lang="en-US" altLang="ko-KR" sz="2000" dirty="0"/>
+              <a:t>Mask R-CNN</a:t>
+            </a:r>
+            <a:endParaRPr lang="ko-KR" altLang="en-US" sz="2000" dirty="0"/>
+          </a:p>
+        </p:txBody>
+      </p:sp>
+      <p:sp>
+        <p:nvSpPr>
+          <p:cNvPr id="10" name="직사각형 9">
+            <a:extLst>
+              <a:ext uri="{FF2B5EF4-FFF2-40B4-BE49-F238E27FC236}">
+                <a16:creationId xmlns:a16="http://schemas.microsoft.com/office/drawing/2014/main" id="{0B5A022B-99ED-4543-DE7A-8BC7146FFAEC}"/>
+              </a:ext>
+            </a:extLst>
+          </p:cNvPr>
+          <p:cNvSpPr>
+            <a:spLocks/>
+          </p:cNvSpPr>
+          <p:nvPr/>
+        </p:nvSpPr>
+        <p:spPr>
+          <a:xfrm>
+            <a:off x="7926724" y="4035994"/>
+            <a:ext cx="2880000" cy="1440000"/>
+          </a:xfrm>
+          <a:prstGeom prst="rect">
+            <a:avLst/>
+          </a:prstGeom>
+          <a:ln w="38100"/>
+        </p:spPr>
+        <p:style>
+          <a:lnRef idx="2">
+            <a:schemeClr val="dk1"/>
+          </a:lnRef>
+          <a:fillRef idx="1">
+            <a:schemeClr val="lt1"/>
+          </a:fillRef>
+          <a:effectRef idx="0">
+            <a:schemeClr val="dk1"/>
+          </a:effectRef>
+          <a:fontRef idx="minor">
+            <a:schemeClr val="dk1"/>
+          </a:fontRef>
+        </p:style>
+        <p:txBody>
+          <a:bodyPr rtlCol="0" anchor="ctr"/>
+          <a:lstStyle/>
+          <a:p>
+            <a:pPr algn="ctr"/>
+            <a:r>
+              <a:rPr lang="en-US" altLang="ko-KR" dirty="0"/>
+              <a:t>Crosswalk Detection Algorithm</a:t>
+            </a:r>
+            <a:endParaRPr lang="ko-KR" altLang="en-US" dirty="0"/>
+          </a:p>
+        </p:txBody>
+      </p:sp>
+      <p:sp>
+        <p:nvSpPr>
+          <p:cNvPr id="12" name="직사각형 11">
+            <a:extLst>
+              <a:ext uri="{FF2B5EF4-FFF2-40B4-BE49-F238E27FC236}">
+                <a16:creationId xmlns:a16="http://schemas.microsoft.com/office/drawing/2014/main" id="{E31B14CB-4230-3E01-2EDA-A432C61941EC}"/>
+              </a:ext>
+            </a:extLst>
+          </p:cNvPr>
+          <p:cNvSpPr/>
+          <p:nvPr/>
+        </p:nvSpPr>
+        <p:spPr>
+          <a:xfrm>
+            <a:off x="2605965" y="2110064"/>
+            <a:ext cx="2160000" cy="1440000"/>
+          </a:xfrm>
+          <a:prstGeom prst="rect">
+            <a:avLst/>
+          </a:prstGeom>
+        </p:spPr>
+        <p:style>
+          <a:lnRef idx="2">
+            <a:schemeClr val="accent1">
+              <a:shade val="50000"/>
+            </a:schemeClr>
+          </a:lnRef>
+          <a:fillRef idx="1">
+            <a:schemeClr val="accent1"/>
+          </a:fillRef>
+          <a:effectRef idx="0">
+            <a:schemeClr val="accent1"/>
+          </a:effectRef>
+          <a:fontRef idx="minor">
+            <a:schemeClr val="lt1"/>
+          </a:fontRef>
+        </p:style>
+        <p:txBody>
+          <a:bodyPr rtlCol="0" anchor="ctr"/>
+          <a:lstStyle/>
+          <a:p>
+            <a:pPr algn="ctr"/>
+            <a:endParaRPr lang="ko-KR" altLang="en-US"/>
+          </a:p>
+        </p:txBody>
+      </p:sp>
+      <p:sp>
+        <p:nvSpPr>
+          <p:cNvPr id="13" name="직사각형 12">
+            <a:extLst>
+              <a:ext uri="{FF2B5EF4-FFF2-40B4-BE49-F238E27FC236}">
+                <a16:creationId xmlns:a16="http://schemas.microsoft.com/office/drawing/2014/main" id="{61F138F1-522D-9AD6-3D75-1470849A80A2}"/>
+              </a:ext>
+            </a:extLst>
+          </p:cNvPr>
+          <p:cNvSpPr/>
+          <p:nvPr/>
+        </p:nvSpPr>
+        <p:spPr>
+          <a:xfrm>
+            <a:off x="2605965" y="4035994"/>
+            <a:ext cx="2160000" cy="1440000"/>
+          </a:xfrm>
+          <a:prstGeom prst="rect">
+            <a:avLst/>
+          </a:prstGeom>
+        </p:spPr>
+        <p:style>
+          <a:lnRef idx="2">
+            <a:schemeClr val="accent1">
+              <a:shade val="50000"/>
+            </a:schemeClr>
+          </a:lnRef>
+          <a:fillRef idx="1">
+            <a:schemeClr val="accent1"/>
+          </a:fillRef>
+          <a:effectRef idx="0">
+            <a:schemeClr val="accent1"/>
+          </a:effectRef>
+          <a:fontRef idx="minor">
+            <a:schemeClr val="lt1"/>
+          </a:fontRef>
+        </p:style>
+        <p:txBody>
+          <a:bodyPr rtlCol="0" anchor="ctr"/>
+          <a:lstStyle/>
+          <a:p>
+            <a:pPr algn="ctr"/>
+            <a:endParaRPr lang="ko-KR" altLang="en-US"/>
+          </a:p>
+        </p:txBody>
+      </p:sp>
+      <p:sp>
+        <p:nvSpPr>
+          <p:cNvPr id="14" name="직사각형 13">
+            <a:extLst>
+              <a:ext uri="{FF2B5EF4-FFF2-40B4-BE49-F238E27FC236}">
+                <a16:creationId xmlns:a16="http://schemas.microsoft.com/office/drawing/2014/main" id="{D7AF6051-59E4-F1F2-85C8-087613669FFE}"/>
+              </a:ext>
+            </a:extLst>
+          </p:cNvPr>
+          <p:cNvSpPr/>
+          <p:nvPr/>
+        </p:nvSpPr>
+        <p:spPr>
+          <a:xfrm>
+            <a:off x="12422458" y="2110064"/>
+            <a:ext cx="2160000" cy="1440000"/>
+          </a:xfrm>
+          <a:prstGeom prst="rect">
+            <a:avLst/>
+          </a:prstGeom>
+        </p:spPr>
+        <p:style>
+          <a:lnRef idx="2">
+            <a:schemeClr val="accent1">
+              <a:shade val="50000"/>
+            </a:schemeClr>
+          </a:lnRef>
+          <a:fillRef idx="1">
+            <a:schemeClr val="accent1"/>
+          </a:fillRef>
+          <a:effectRef idx="0">
+            <a:schemeClr val="accent1"/>
+          </a:effectRef>
+          <a:fontRef idx="minor">
+            <a:schemeClr val="lt1"/>
+          </a:fontRef>
+        </p:style>
+        <p:txBody>
+          <a:bodyPr rtlCol="0" anchor="ctr"/>
+          <a:lstStyle/>
+          <a:p>
+            <a:pPr algn="ctr"/>
+            <a:endParaRPr lang="ko-KR" altLang="en-US"/>
+          </a:p>
+        </p:txBody>
+      </p:sp>
+      <p:sp>
+        <p:nvSpPr>
+          <p:cNvPr id="15" name="직사각형 14">
+            <a:extLst>
+              <a:ext uri="{FF2B5EF4-FFF2-40B4-BE49-F238E27FC236}">
+                <a16:creationId xmlns:a16="http://schemas.microsoft.com/office/drawing/2014/main" id="{0DC465A7-94C6-3B5D-9C9D-95160F817E09}"/>
+              </a:ext>
+            </a:extLst>
+          </p:cNvPr>
+          <p:cNvSpPr/>
+          <p:nvPr/>
+        </p:nvSpPr>
+        <p:spPr>
+          <a:xfrm>
+            <a:off x="12422458" y="4035994"/>
+            <a:ext cx="2160000" cy="1440000"/>
+          </a:xfrm>
+          <a:prstGeom prst="rect">
+            <a:avLst/>
+          </a:prstGeom>
+        </p:spPr>
+        <p:style>
+          <a:lnRef idx="2">
+            <a:schemeClr val="accent1">
+              <a:shade val="50000"/>
+            </a:schemeClr>
+          </a:lnRef>
+          <a:fillRef idx="1">
+            <a:schemeClr val="accent1"/>
+          </a:fillRef>
+          <a:effectRef idx="0">
+            <a:schemeClr val="accent1"/>
+          </a:effectRef>
+          <a:fontRef idx="minor">
+            <a:schemeClr val="lt1"/>
+          </a:fontRef>
+        </p:style>
+        <p:txBody>
+          <a:bodyPr rtlCol="0" anchor="ctr"/>
+          <a:lstStyle/>
+          <a:p>
+            <a:pPr algn="ctr"/>
+            <a:endParaRPr lang="ko-KR" altLang="en-US"/>
+          </a:p>
+        </p:txBody>
+      </p:sp>
+      <p:cxnSp>
+        <p:nvCxnSpPr>
+          <p:cNvPr id="16" name="직선 화살표 연결선 15">
+            <a:extLst>
+              <a:ext uri="{FF2B5EF4-FFF2-40B4-BE49-F238E27FC236}">
+                <a16:creationId xmlns:a16="http://schemas.microsoft.com/office/drawing/2014/main" id="{58D9812B-C8DC-056C-02BD-60B5C65FDAC1}"/>
+              </a:ext>
+            </a:extLst>
+          </p:cNvPr>
+          <p:cNvCxnSpPr>
+            <a:cxnSpLocks/>
+            <a:stCxn id="5" idx="3"/>
+            <a:endCxn id="8" idx="1"/>
+          </p:cNvCxnSpPr>
+          <p:nvPr/>
+        </p:nvCxnSpPr>
+        <p:spPr>
+          <a:xfrm>
+            <a:off x="5125965" y="3801924"/>
+            <a:ext cx="2432228" cy="0"/>
+          </a:xfrm>
+          <a:prstGeom prst="straightConnector1">
+            <a:avLst/>
+          </a:prstGeom>
+          <a:ln w="38100">
+            <a:solidFill>
+              <a:schemeClr val="tx1"/>
+            </a:solidFill>
+            <a:tailEnd type="triangle"/>
+          </a:ln>
+        </p:spPr>
+        <p:style>
+          <a:lnRef idx="3">
+            <a:schemeClr val="accent2"/>
+          </a:lnRef>
+          <a:fillRef idx="0">
+            <a:schemeClr val="accent2"/>
+          </a:fillRef>
+          <a:effectRef idx="2">
+            <a:schemeClr val="accent2"/>
+          </a:effectRef>
+          <a:fontRef idx="minor">
+            <a:schemeClr val="tx1"/>
+          </a:fontRef>
+        </p:style>
+      </p:cxnSp>
+      <p:cxnSp>
+        <p:nvCxnSpPr>
+          <p:cNvPr id="19" name="직선 화살표 연결선 18">
+            <a:extLst>
+              <a:ext uri="{FF2B5EF4-FFF2-40B4-BE49-F238E27FC236}">
+                <a16:creationId xmlns:a16="http://schemas.microsoft.com/office/drawing/2014/main" id="{732029F9-D95A-463F-20F0-AF0067FD0D6A}"/>
+              </a:ext>
+            </a:extLst>
+          </p:cNvPr>
+          <p:cNvCxnSpPr>
+            <a:cxnSpLocks/>
+            <a:stCxn id="10" idx="3"/>
+          </p:cNvCxnSpPr>
+          <p:nvPr/>
+        </p:nvCxnSpPr>
+        <p:spPr>
+          <a:xfrm>
+            <a:off x="10806724" y="4755994"/>
+            <a:ext cx="1615734" cy="0"/>
+          </a:xfrm>
+          <a:prstGeom prst="straightConnector1">
+            <a:avLst/>
+          </a:prstGeom>
+          <a:ln w="38100">
+            <a:solidFill>
+              <a:schemeClr val="tx1"/>
+            </a:solidFill>
+            <a:tailEnd type="triangle"/>
+          </a:ln>
+        </p:spPr>
+        <p:style>
+          <a:lnRef idx="3">
+            <a:schemeClr val="accent2"/>
+          </a:lnRef>
+          <a:fillRef idx="0">
+            <a:schemeClr val="accent2"/>
+          </a:fillRef>
+          <a:effectRef idx="2">
+            <a:schemeClr val="accent2"/>
+          </a:effectRef>
+          <a:fontRef idx="minor">
+            <a:schemeClr val="tx1"/>
+          </a:fontRef>
+        </p:style>
+      </p:cxnSp>
+      <p:cxnSp>
+        <p:nvCxnSpPr>
+          <p:cNvPr id="22" name="직선 화살표 연결선 21">
+            <a:extLst>
+              <a:ext uri="{FF2B5EF4-FFF2-40B4-BE49-F238E27FC236}">
+                <a16:creationId xmlns:a16="http://schemas.microsoft.com/office/drawing/2014/main" id="{B5F6E66E-44AD-F5E2-E9D3-EBAA8A1ED257}"/>
+              </a:ext>
+            </a:extLst>
+          </p:cNvPr>
+          <p:cNvCxnSpPr>
+            <a:cxnSpLocks/>
+            <a:stCxn id="9" idx="3"/>
+            <a:endCxn id="14" idx="1"/>
+          </p:cNvCxnSpPr>
+          <p:nvPr/>
+        </p:nvCxnSpPr>
+        <p:spPr>
+          <a:xfrm>
+            <a:off x="10806724" y="2830064"/>
+            <a:ext cx="1615734" cy="0"/>
+          </a:xfrm>
+          <a:prstGeom prst="straightConnector1">
+            <a:avLst/>
+          </a:prstGeom>
+          <a:ln w="38100">
+            <a:solidFill>
+              <a:schemeClr val="tx1"/>
+            </a:solidFill>
+            <a:tailEnd type="triangle"/>
+          </a:ln>
+        </p:spPr>
+        <p:style>
+          <a:lnRef idx="3">
+            <a:schemeClr val="accent2"/>
+          </a:lnRef>
+          <a:fillRef idx="0">
+            <a:schemeClr val="accent2"/>
+          </a:fillRef>
+          <a:effectRef idx="2">
+            <a:schemeClr val="accent2"/>
+          </a:effectRef>
+          <a:fontRef idx="minor">
+            <a:schemeClr val="tx1"/>
+          </a:fontRef>
+        </p:style>
+      </p:cxnSp>
+      <p:sp>
+        <p:nvSpPr>
+          <p:cNvPr id="43" name="순서도: 논리합 42">
+            <a:extLst>
+              <a:ext uri="{FF2B5EF4-FFF2-40B4-BE49-F238E27FC236}">
+                <a16:creationId xmlns:a16="http://schemas.microsoft.com/office/drawing/2014/main" id="{0A65C6F5-3AAD-8B6C-E4CE-34FA382ACD13}"/>
+              </a:ext>
+            </a:extLst>
+          </p:cNvPr>
+          <p:cNvSpPr/>
+          <p:nvPr/>
+        </p:nvSpPr>
+        <p:spPr>
+          <a:xfrm>
+            <a:off x="16474686" y="3261924"/>
+            <a:ext cx="1080000" cy="1080000"/>
+          </a:xfrm>
+          <a:prstGeom prst="flowChartOr">
+            <a:avLst/>
+          </a:prstGeom>
+          <a:ln w="38100"/>
+        </p:spPr>
+        <p:style>
+          <a:lnRef idx="2">
+            <a:schemeClr val="dk1"/>
+          </a:lnRef>
+          <a:fillRef idx="1">
+            <a:schemeClr val="lt1"/>
+          </a:fillRef>
+          <a:effectRef idx="0">
+            <a:schemeClr val="dk1"/>
+          </a:effectRef>
+          <a:fontRef idx="minor">
+            <a:schemeClr val="dk1"/>
+          </a:fontRef>
+        </p:style>
+        <p:txBody>
+          <a:bodyPr rtlCol="0" anchor="ctr"/>
+          <a:lstStyle/>
+          <a:p>
+            <a:pPr algn="ctr"/>
+            <a:endParaRPr lang="ko-KR" altLang="en-US"/>
+          </a:p>
+        </p:txBody>
+      </p:sp>
+      <p:cxnSp>
+        <p:nvCxnSpPr>
+          <p:cNvPr id="48" name="연결선: 꺾임 47">
+            <a:extLst>
+              <a:ext uri="{FF2B5EF4-FFF2-40B4-BE49-F238E27FC236}">
+                <a16:creationId xmlns:a16="http://schemas.microsoft.com/office/drawing/2014/main" id="{5201EE12-9FCC-3B95-697B-9BC842EEC60A}"/>
+              </a:ext>
+            </a:extLst>
+          </p:cNvPr>
+          <p:cNvCxnSpPr>
+            <a:stCxn id="14" idx="3"/>
+            <a:endCxn id="43" idx="0"/>
+          </p:cNvCxnSpPr>
+          <p:nvPr/>
+        </p:nvCxnSpPr>
+        <p:spPr>
+          <a:xfrm>
+            <a:off x="14582458" y="2830064"/>
+            <a:ext cx="2432228" cy="431860"/>
+          </a:xfrm>
+          <a:prstGeom prst="bentConnector2">
+            <a:avLst/>
+          </a:prstGeom>
+          <a:ln w="38100">
+            <a:solidFill>
+              <a:schemeClr val="tx1"/>
+            </a:solidFill>
+            <a:tailEnd type="triangle"/>
+          </a:ln>
+        </p:spPr>
+        <p:style>
+          <a:lnRef idx="3">
+            <a:schemeClr val="accent2"/>
+          </a:lnRef>
+          <a:fillRef idx="0">
+            <a:schemeClr val="accent2"/>
+          </a:fillRef>
+          <a:effectRef idx="2">
+            <a:schemeClr val="accent2"/>
+          </a:effectRef>
+          <a:fontRef idx="minor">
+            <a:schemeClr val="tx1"/>
+          </a:fontRef>
+        </p:style>
+      </p:cxnSp>
+      <p:cxnSp>
+        <p:nvCxnSpPr>
+          <p:cNvPr id="49" name="연결선: 꺾임 48">
+            <a:extLst>
+              <a:ext uri="{FF2B5EF4-FFF2-40B4-BE49-F238E27FC236}">
+                <a16:creationId xmlns:a16="http://schemas.microsoft.com/office/drawing/2014/main" id="{D003449E-7D58-B9EA-CE06-B40BB6D5EF56}"/>
+              </a:ext>
+            </a:extLst>
+          </p:cNvPr>
+          <p:cNvCxnSpPr>
+            <a:cxnSpLocks/>
+            <a:stCxn id="15" idx="3"/>
+            <a:endCxn id="43" idx="4"/>
+          </p:cNvCxnSpPr>
+          <p:nvPr/>
+        </p:nvCxnSpPr>
+        <p:spPr>
+          <a:xfrm flipV="1">
+            <a:off x="14582458" y="4341924"/>
+            <a:ext cx="2432228" cy="414070"/>
+          </a:xfrm>
+          <a:prstGeom prst="bentConnector2">
+            <a:avLst/>
+          </a:prstGeom>
+          <a:ln w="38100">
+            <a:solidFill>
+              <a:schemeClr val="tx1"/>
+            </a:solidFill>
+            <a:tailEnd type="triangle"/>
+          </a:ln>
+        </p:spPr>
+        <p:style>
+          <a:lnRef idx="3">
+            <a:schemeClr val="accent2"/>
+          </a:lnRef>
+          <a:fillRef idx="0">
+            <a:schemeClr val="accent2"/>
+          </a:fillRef>
+          <a:effectRef idx="2">
+            <a:schemeClr val="accent2"/>
+          </a:effectRef>
+          <a:fontRef idx="minor">
+            <a:schemeClr val="tx1"/>
+          </a:fontRef>
+        </p:style>
+      </p:cxnSp>
+      <p:cxnSp>
+        <p:nvCxnSpPr>
+          <p:cNvPr id="59" name="직선 화살표 연결선 58">
+            <a:extLst>
+              <a:ext uri="{FF2B5EF4-FFF2-40B4-BE49-F238E27FC236}">
+                <a16:creationId xmlns:a16="http://schemas.microsoft.com/office/drawing/2014/main" id="{C19179FF-DB57-8781-EEF7-72CA2AF889B3}"/>
+              </a:ext>
+            </a:extLst>
+          </p:cNvPr>
+          <p:cNvCxnSpPr>
+            <a:cxnSpLocks/>
+            <a:stCxn id="8" idx="3"/>
+            <a:endCxn id="65" idx="1"/>
+          </p:cNvCxnSpPr>
+          <p:nvPr/>
+        </p:nvCxnSpPr>
+        <p:spPr>
+          <a:xfrm>
+            <a:off x="18358193" y="3801924"/>
+            <a:ext cx="1662080" cy="0"/>
+          </a:xfrm>
+          <a:prstGeom prst="straightConnector1">
+            <a:avLst/>
+          </a:prstGeom>
+          <a:ln w="38100">
+            <a:solidFill>
+              <a:schemeClr val="tx1"/>
+            </a:solidFill>
+            <a:tailEnd type="triangle"/>
+          </a:ln>
+        </p:spPr>
+        <p:style>
+          <a:lnRef idx="3">
+            <a:schemeClr val="accent2"/>
+          </a:lnRef>
+          <a:fillRef idx="0">
+            <a:schemeClr val="accent2"/>
+          </a:fillRef>
+          <a:effectRef idx="2">
+            <a:schemeClr val="accent2"/>
+          </a:effectRef>
+          <a:fontRef idx="minor">
+            <a:schemeClr val="tx1"/>
+          </a:fontRef>
+        </p:style>
+      </p:cxnSp>
+      <p:sp>
+        <p:nvSpPr>
+          <p:cNvPr id="65" name="직사각형 64">
+            <a:extLst>
+              <a:ext uri="{FF2B5EF4-FFF2-40B4-BE49-F238E27FC236}">
+                <a16:creationId xmlns:a16="http://schemas.microsoft.com/office/drawing/2014/main" id="{51AC6370-2C99-86B0-0636-12D54DB978A4}"/>
+              </a:ext>
+            </a:extLst>
+          </p:cNvPr>
+          <p:cNvSpPr>
+            <a:spLocks/>
+          </p:cNvSpPr>
+          <p:nvPr/>
+        </p:nvSpPr>
+        <p:spPr>
+          <a:xfrm>
+            <a:off x="20020273" y="1641924"/>
+            <a:ext cx="2880000" cy="4320000"/>
+          </a:xfrm>
+          <a:prstGeom prst="rect">
+            <a:avLst/>
+          </a:prstGeom>
+          <a:ln w="38100"/>
+        </p:spPr>
+        <p:style>
+          <a:lnRef idx="2">
+            <a:schemeClr val="dk1"/>
+          </a:lnRef>
+          <a:fillRef idx="1">
+            <a:schemeClr val="lt1"/>
+          </a:fillRef>
+          <a:effectRef idx="0">
+            <a:schemeClr val="dk1"/>
+          </a:effectRef>
+          <a:fontRef idx="minor">
+            <a:schemeClr val="dk1"/>
+          </a:fontRef>
+        </p:style>
+        <p:txBody>
+          <a:bodyPr rtlCol="0" anchor="ctr"/>
+          <a:lstStyle/>
+          <a:p>
+            <a:pPr algn="ctr"/>
+            <a:endParaRPr lang="ko-KR" altLang="en-US" dirty="0"/>
+          </a:p>
+        </p:txBody>
+      </p:sp>
+      <p:sp>
+        <p:nvSpPr>
+          <p:cNvPr id="66" name="직사각형 65">
+            <a:extLst>
+              <a:ext uri="{FF2B5EF4-FFF2-40B4-BE49-F238E27FC236}">
+                <a16:creationId xmlns:a16="http://schemas.microsoft.com/office/drawing/2014/main" id="{FE6838B2-E4A9-A39D-8AC3-DE786A65DE29}"/>
+              </a:ext>
+            </a:extLst>
+          </p:cNvPr>
+          <p:cNvSpPr/>
+          <p:nvPr/>
+        </p:nvSpPr>
+        <p:spPr>
+          <a:xfrm>
+            <a:off x="20380273" y="2110064"/>
+            <a:ext cx="2160000" cy="1440000"/>
+          </a:xfrm>
+          <a:prstGeom prst="rect">
+            <a:avLst/>
+          </a:prstGeom>
+        </p:spPr>
+        <p:style>
+          <a:lnRef idx="2">
+            <a:schemeClr val="accent1">
+              <a:shade val="50000"/>
+            </a:schemeClr>
+          </a:lnRef>
+          <a:fillRef idx="1">
+            <a:schemeClr val="accent1"/>
+          </a:fillRef>
+          <a:effectRef idx="0">
+            <a:schemeClr val="accent1"/>
+          </a:effectRef>
+          <a:fontRef idx="minor">
+            <a:schemeClr val="lt1"/>
+          </a:fontRef>
+        </p:style>
+        <p:txBody>
+          <a:bodyPr rtlCol="0" anchor="ctr"/>
+          <a:lstStyle/>
+          <a:p>
+            <a:pPr algn="ctr"/>
+            <a:endParaRPr lang="ko-KR" altLang="en-US"/>
+          </a:p>
+        </p:txBody>
+      </p:sp>
+      <p:sp>
+        <p:nvSpPr>
+          <p:cNvPr id="67" name="직사각형 66">
+            <a:extLst>
+              <a:ext uri="{FF2B5EF4-FFF2-40B4-BE49-F238E27FC236}">
+                <a16:creationId xmlns:a16="http://schemas.microsoft.com/office/drawing/2014/main" id="{FC772DE0-0662-69D5-4CB6-4395C391A645}"/>
+              </a:ext>
+            </a:extLst>
+          </p:cNvPr>
+          <p:cNvSpPr/>
+          <p:nvPr/>
+        </p:nvSpPr>
+        <p:spPr>
+          <a:xfrm>
+            <a:off x="20380273" y="4035994"/>
+            <a:ext cx="2160000" cy="1440000"/>
+          </a:xfrm>
+          <a:prstGeom prst="rect">
+            <a:avLst/>
+          </a:prstGeom>
+        </p:spPr>
+        <p:style>
+          <a:lnRef idx="2">
+            <a:schemeClr val="accent1">
+              <a:shade val="50000"/>
+            </a:schemeClr>
+          </a:lnRef>
+          <a:fillRef idx="1">
+            <a:schemeClr val="accent1"/>
+          </a:fillRef>
+          <a:effectRef idx="0">
+            <a:schemeClr val="accent1"/>
+          </a:effectRef>
+          <a:fontRef idx="minor">
+            <a:schemeClr val="lt1"/>
+          </a:fontRef>
+        </p:style>
+        <p:txBody>
+          <a:bodyPr rtlCol="0" anchor="ctr"/>
+          <a:lstStyle/>
+          <a:p>
+            <a:pPr algn="ctr"/>
+            <a:endParaRPr lang="ko-KR" altLang="en-US"/>
+          </a:p>
+        </p:txBody>
+      </p:sp>
+      <p:sp>
+        <p:nvSpPr>
+          <p:cNvPr id="72" name="직사각형 71">
+            <a:extLst>
+              <a:ext uri="{FF2B5EF4-FFF2-40B4-BE49-F238E27FC236}">
+                <a16:creationId xmlns:a16="http://schemas.microsoft.com/office/drawing/2014/main" id="{26091429-F197-BE45-1DBF-C84050468716}"/>
+              </a:ext>
+            </a:extLst>
+          </p:cNvPr>
+          <p:cNvSpPr>
+            <a:spLocks/>
+          </p:cNvSpPr>
+          <p:nvPr/>
+        </p:nvSpPr>
+        <p:spPr>
+          <a:xfrm>
+            <a:off x="24562353" y="2361924"/>
+            <a:ext cx="2880000" cy="2880000"/>
+          </a:xfrm>
+          <a:prstGeom prst="rect">
+            <a:avLst/>
+          </a:prstGeom>
+          <a:ln w="38100"/>
+        </p:spPr>
+        <p:style>
+          <a:lnRef idx="2">
+            <a:schemeClr val="dk1"/>
+          </a:lnRef>
+          <a:fillRef idx="1">
+            <a:schemeClr val="lt1"/>
+          </a:fillRef>
+          <a:effectRef idx="0">
+            <a:schemeClr val="dk1"/>
+          </a:effectRef>
+          <a:fontRef idx="minor">
+            <a:schemeClr val="dk1"/>
+          </a:fontRef>
+        </p:style>
+        <p:txBody>
+          <a:bodyPr rtlCol="0" anchor="ctr"/>
+          <a:lstStyle/>
+          <a:p>
+            <a:pPr algn="ctr"/>
+            <a:r>
+              <a:rPr lang="en-US" altLang="ko-KR" sz="3000" dirty="0"/>
+              <a:t>Training</a:t>
+            </a:r>
+          </a:p>
+          <a:p>
+            <a:pPr algn="ctr"/>
+            <a:r>
+              <a:rPr lang="en-US" altLang="ko-KR" sz="3000" dirty="0"/>
+              <a:t>CNN</a:t>
+            </a:r>
+            <a:endParaRPr lang="ko-KR" altLang="en-US" sz="3000" dirty="0"/>
+          </a:p>
+        </p:txBody>
+      </p:sp>
+      <p:cxnSp>
+        <p:nvCxnSpPr>
+          <p:cNvPr id="74" name="직선 화살표 연결선 73">
+            <a:extLst>
+              <a:ext uri="{FF2B5EF4-FFF2-40B4-BE49-F238E27FC236}">
+                <a16:creationId xmlns:a16="http://schemas.microsoft.com/office/drawing/2014/main" id="{B898B575-CA9A-A17C-2608-3E0B66E6FD75}"/>
+              </a:ext>
+            </a:extLst>
+          </p:cNvPr>
+          <p:cNvCxnSpPr>
+            <a:cxnSpLocks/>
+            <a:stCxn id="65" idx="3"/>
+            <a:endCxn id="72" idx="1"/>
+          </p:cNvCxnSpPr>
+          <p:nvPr/>
+        </p:nvCxnSpPr>
+        <p:spPr>
+          <a:xfrm>
+            <a:off x="22900273" y="3801924"/>
+            <a:ext cx="1662080" cy="0"/>
+          </a:xfrm>
+          <a:prstGeom prst="straightConnector1">
+            <a:avLst/>
+          </a:prstGeom>
+          <a:ln w="38100">
+            <a:solidFill>
+              <a:schemeClr val="tx1"/>
+            </a:solidFill>
+            <a:tailEnd type="triangle"/>
+          </a:ln>
+        </p:spPr>
+        <p:style>
+          <a:lnRef idx="3">
+            <a:schemeClr val="accent2"/>
+          </a:lnRef>
+          <a:fillRef idx="0">
+            <a:schemeClr val="accent2"/>
+          </a:fillRef>
+          <a:effectRef idx="2">
+            <a:schemeClr val="accent2"/>
+          </a:effectRef>
+          <a:fontRef idx="minor">
+            <a:schemeClr val="tx1"/>
+          </a:fontRef>
+        </p:style>
+      </p:cxnSp>
+      <p:sp>
+        <p:nvSpPr>
+          <p:cNvPr id="79" name="다이아몬드 78">
+            <a:extLst>
+              <a:ext uri="{FF2B5EF4-FFF2-40B4-BE49-F238E27FC236}">
+                <a16:creationId xmlns:a16="http://schemas.microsoft.com/office/drawing/2014/main" id="{2AED3743-910D-3A30-F80F-A9B31F0A1B71}"/>
+              </a:ext>
+            </a:extLst>
+          </p:cNvPr>
+          <p:cNvSpPr/>
+          <p:nvPr/>
+        </p:nvSpPr>
+        <p:spPr>
+          <a:xfrm>
+            <a:off x="19660273" y="8503360"/>
+            <a:ext cx="3600000" cy="2880000"/>
+          </a:xfrm>
+          <a:prstGeom prst="diamond">
+            <a:avLst/>
+          </a:prstGeom>
+          <a:ln w="38100"/>
+        </p:spPr>
+        <p:style>
+          <a:lnRef idx="2">
+            <a:schemeClr val="dk1"/>
+          </a:lnRef>
+          <a:fillRef idx="1">
+            <a:schemeClr val="lt1"/>
+          </a:fillRef>
+          <a:effectRef idx="0">
+            <a:schemeClr val="dk1"/>
+          </a:effectRef>
+          <a:fontRef idx="minor">
+            <a:schemeClr val="dk1"/>
+          </a:fontRef>
+        </p:style>
+        <p:txBody>
+          <a:bodyPr rtlCol="0" anchor="ctr"/>
+          <a:lstStyle/>
+          <a:p>
+            <a:pPr algn="ctr"/>
+            <a:r>
+              <a:rPr lang="en-US" altLang="ko-KR" sz="3000" dirty="0"/>
+              <a:t>Validation</a:t>
+            </a:r>
+            <a:endParaRPr lang="ko-KR" altLang="en-US" sz="3000" dirty="0"/>
+          </a:p>
+        </p:txBody>
+      </p:sp>
+      <p:sp>
+        <p:nvSpPr>
+          <p:cNvPr id="80" name="TextBox 79">
+            <a:extLst>
+              <a:ext uri="{FF2B5EF4-FFF2-40B4-BE49-F238E27FC236}">
+                <a16:creationId xmlns:a16="http://schemas.microsoft.com/office/drawing/2014/main" id="{7878F9F3-175D-AEF2-AAB2-12E15C625700}"/>
+              </a:ext>
+            </a:extLst>
+          </p:cNvPr>
+          <p:cNvSpPr txBox="1"/>
+          <p:nvPr/>
+        </p:nvSpPr>
+        <p:spPr>
+          <a:xfrm>
+            <a:off x="23452169" y="9666360"/>
+            <a:ext cx="2919664" cy="553998"/>
+          </a:xfrm>
+          <a:prstGeom prst="rect">
+            <a:avLst/>
+          </a:prstGeom>
+          <a:noFill/>
+        </p:spPr>
+        <p:txBody>
+          <a:bodyPr wrap="square" rtlCol="0">
+            <a:spAutoFit/>
+          </a:bodyPr>
+          <a:lstStyle/>
+          <a:p>
+            <a:pPr algn="ctr"/>
+            <a:r>
+              <a:rPr lang="en-US" altLang="ko-KR" sz="3000" dirty="0">
+                <a:latin typeface="Times New Roman" panose="02020603050405020304" pitchFamily="18" charset="0"/>
+                <a:cs typeface="Times New Roman" panose="02020603050405020304" pitchFamily="18" charset="0"/>
+              </a:rPr>
+              <a:t>Danger</a:t>
+            </a:r>
+          </a:p>
+        </p:txBody>
+      </p:sp>
+      <p:sp>
+        <p:nvSpPr>
+          <p:cNvPr id="81" name="TextBox 80">
+            <a:extLst>
+              <a:ext uri="{FF2B5EF4-FFF2-40B4-BE49-F238E27FC236}">
+                <a16:creationId xmlns:a16="http://schemas.microsoft.com/office/drawing/2014/main" id="{1721485D-B874-2988-9647-1349682A343E}"/>
+              </a:ext>
+            </a:extLst>
+          </p:cNvPr>
+          <p:cNvSpPr txBox="1"/>
+          <p:nvPr/>
+        </p:nvSpPr>
+        <p:spPr>
+          <a:xfrm>
+            <a:off x="20000441" y="11789636"/>
+            <a:ext cx="2919664" cy="553998"/>
+          </a:xfrm>
+          <a:prstGeom prst="rect">
+            <a:avLst/>
+          </a:prstGeom>
+          <a:noFill/>
+        </p:spPr>
+        <p:txBody>
+          <a:bodyPr wrap="square" rtlCol="0">
+            <a:spAutoFit/>
+          </a:bodyPr>
+          <a:lstStyle/>
+          <a:p>
+            <a:pPr algn="ctr"/>
+            <a:r>
+              <a:rPr lang="en-US" altLang="ko-KR" sz="3000" dirty="0">
+                <a:latin typeface="Times New Roman" panose="02020603050405020304" pitchFamily="18" charset="0"/>
+                <a:cs typeface="Times New Roman" panose="02020603050405020304" pitchFamily="18" charset="0"/>
+              </a:rPr>
+              <a:t>Safety  </a:t>
+            </a:r>
+          </a:p>
+        </p:txBody>
+      </p:sp>
+      <p:cxnSp>
+        <p:nvCxnSpPr>
+          <p:cNvPr id="82" name="직선 화살표 연결선 81">
+            <a:extLst>
+              <a:ext uri="{FF2B5EF4-FFF2-40B4-BE49-F238E27FC236}">
+                <a16:creationId xmlns:a16="http://schemas.microsoft.com/office/drawing/2014/main" id="{E4C94FD0-E78A-D578-38BE-908CA7D0C67B}"/>
+              </a:ext>
+            </a:extLst>
+          </p:cNvPr>
+          <p:cNvCxnSpPr>
+            <a:cxnSpLocks/>
+            <a:stCxn id="79" idx="2"/>
+            <a:endCxn id="81" idx="0"/>
+          </p:cNvCxnSpPr>
+          <p:nvPr/>
+        </p:nvCxnSpPr>
+        <p:spPr>
+          <a:xfrm>
+            <a:off x="21460273" y="11383360"/>
+            <a:ext cx="0" cy="406276"/>
+          </a:xfrm>
+          <a:prstGeom prst="straightConnector1">
+            <a:avLst/>
+          </a:prstGeom>
+          <a:ln w="38100">
+            <a:tailEnd type="triangle"/>
+          </a:ln>
+        </p:spPr>
+        <p:style>
+          <a:lnRef idx="1">
+            <a:schemeClr val="dk1"/>
+          </a:lnRef>
+          <a:fillRef idx="0">
+            <a:schemeClr val="dk1"/>
+          </a:fillRef>
+          <a:effectRef idx="0">
+            <a:schemeClr val="dk1"/>
+          </a:effectRef>
+          <a:fontRef idx="minor">
+            <a:schemeClr val="tx1"/>
+          </a:fontRef>
+        </p:style>
+      </p:cxnSp>
+      <p:cxnSp>
+        <p:nvCxnSpPr>
+          <p:cNvPr id="85" name="직선 화살표 연결선 84">
+            <a:extLst>
+              <a:ext uri="{FF2B5EF4-FFF2-40B4-BE49-F238E27FC236}">
+                <a16:creationId xmlns:a16="http://schemas.microsoft.com/office/drawing/2014/main" id="{288949DD-8341-FADD-8111-04B2730700B5}"/>
+              </a:ext>
+            </a:extLst>
+          </p:cNvPr>
+          <p:cNvCxnSpPr>
+            <a:cxnSpLocks/>
+            <a:stCxn id="79" idx="3"/>
+          </p:cNvCxnSpPr>
+          <p:nvPr/>
+        </p:nvCxnSpPr>
+        <p:spPr>
+          <a:xfrm flipV="1">
+            <a:off x="23260273" y="9943359"/>
+            <a:ext cx="900000" cy="1"/>
+          </a:xfrm>
+          <a:prstGeom prst="straightConnector1">
+            <a:avLst/>
+          </a:prstGeom>
+          <a:ln w="38100">
+            <a:tailEnd type="triangle"/>
+          </a:ln>
+        </p:spPr>
+        <p:style>
+          <a:lnRef idx="1">
+            <a:schemeClr val="dk1"/>
+          </a:lnRef>
+          <a:fillRef idx="0">
+            <a:schemeClr val="dk1"/>
+          </a:fillRef>
+          <a:effectRef idx="0">
+            <a:schemeClr val="dk1"/>
+          </a:effectRef>
+          <a:fontRef idx="minor">
+            <a:schemeClr val="tx1"/>
+          </a:fontRef>
+        </p:style>
+      </p:cxnSp>
+      <p:cxnSp>
+        <p:nvCxnSpPr>
+          <p:cNvPr id="90" name="직선 화살표 연결선 89">
+            <a:extLst>
+              <a:ext uri="{FF2B5EF4-FFF2-40B4-BE49-F238E27FC236}">
+                <a16:creationId xmlns:a16="http://schemas.microsoft.com/office/drawing/2014/main" id="{54E00737-CD0B-0AAA-88A1-D7C66CA56F5C}"/>
+              </a:ext>
+            </a:extLst>
+          </p:cNvPr>
+          <p:cNvCxnSpPr>
+            <a:cxnSpLocks/>
+            <a:stCxn id="65" idx="2"/>
+            <a:endCxn id="79" idx="0"/>
+          </p:cNvCxnSpPr>
+          <p:nvPr/>
+        </p:nvCxnSpPr>
+        <p:spPr>
+          <a:xfrm>
+            <a:off x="21460273" y="5961924"/>
+            <a:ext cx="0" cy="2541436"/>
+          </a:xfrm>
+          <a:prstGeom prst="straightConnector1">
+            <a:avLst/>
+          </a:prstGeom>
+          <a:ln w="38100">
+            <a:solidFill>
+              <a:schemeClr val="tx1"/>
+            </a:solidFill>
+            <a:tailEnd type="triangle"/>
+          </a:ln>
+        </p:spPr>
+        <p:style>
+          <a:lnRef idx="3">
+            <a:schemeClr val="accent2"/>
+          </a:lnRef>
+          <a:fillRef idx="0">
+            <a:schemeClr val="accent2"/>
+          </a:fillRef>
+          <a:effectRef idx="2">
+            <a:schemeClr val="accent2"/>
+          </a:effectRef>
+          <a:fontRef idx="minor">
+            <a:schemeClr val="tx1"/>
+          </a:fontRef>
+        </p:style>
+      </p:cxnSp>
+      <p:sp>
+        <p:nvSpPr>
+          <p:cNvPr id="93" name="직사각형 92">
+            <a:extLst>
+              <a:ext uri="{FF2B5EF4-FFF2-40B4-BE49-F238E27FC236}">
+                <a16:creationId xmlns:a16="http://schemas.microsoft.com/office/drawing/2014/main" id="{A787948C-E774-AF13-0C49-A96D0A24CDD4}"/>
+              </a:ext>
+            </a:extLst>
+          </p:cNvPr>
+          <p:cNvSpPr>
+            <a:spLocks/>
+          </p:cNvSpPr>
+          <p:nvPr/>
+        </p:nvSpPr>
+        <p:spPr>
+          <a:xfrm>
+            <a:off x="7476724" y="8503360"/>
+            <a:ext cx="5760000" cy="2880000"/>
+          </a:xfrm>
+          <a:prstGeom prst="rect">
+            <a:avLst/>
+          </a:prstGeom>
+          <a:ln w="38100"/>
+        </p:spPr>
+        <p:style>
+          <a:lnRef idx="2">
+            <a:schemeClr val="dk1"/>
+          </a:lnRef>
+          <a:fillRef idx="1">
+            <a:schemeClr val="lt1"/>
+          </a:fillRef>
+          <a:effectRef idx="0">
+            <a:schemeClr val="dk1"/>
+          </a:effectRef>
+          <a:fontRef idx="minor">
+            <a:schemeClr val="dk1"/>
+          </a:fontRef>
+        </p:style>
+        <p:txBody>
+          <a:bodyPr rtlCol="0" anchor="ctr"/>
+          <a:lstStyle/>
+          <a:p>
+            <a:pPr algn="ctr"/>
+            <a:r>
+              <a:rPr lang="en-US" altLang="ko-KR" sz="3000" dirty="0"/>
+              <a:t>Mask R-CNN</a:t>
+            </a:r>
+          </a:p>
+          <a:p>
+            <a:pPr algn="ctr"/>
+            <a:r>
+              <a:rPr lang="en-US" altLang="ko-KR" sz="3000" dirty="0"/>
+              <a:t>+</a:t>
+            </a:r>
+          </a:p>
+          <a:p>
+            <a:pPr algn="ctr"/>
+            <a:r>
+              <a:rPr lang="en-US" altLang="ko-KR" sz="3000" dirty="0"/>
+              <a:t> Crosswalk Detection Algorithm</a:t>
+            </a:r>
+            <a:endParaRPr lang="ko-KR" altLang="en-US" sz="3000" dirty="0"/>
+          </a:p>
+        </p:txBody>
+      </p:sp>
+      <p:sp>
+        <p:nvSpPr>
+          <p:cNvPr id="108" name="직사각형 107">
+            <a:extLst>
+              <a:ext uri="{FF2B5EF4-FFF2-40B4-BE49-F238E27FC236}">
+                <a16:creationId xmlns:a16="http://schemas.microsoft.com/office/drawing/2014/main" id="{598A0E8D-3162-A4A0-1E1E-1BBEBA18F63A}"/>
+              </a:ext>
+            </a:extLst>
+          </p:cNvPr>
+          <p:cNvSpPr/>
+          <p:nvPr/>
+        </p:nvSpPr>
+        <p:spPr>
+          <a:xfrm>
+            <a:off x="14873498" y="8503360"/>
+            <a:ext cx="3600000" cy="2880000"/>
+          </a:xfrm>
+          <a:prstGeom prst="rect">
+            <a:avLst/>
+          </a:prstGeom>
+        </p:spPr>
+        <p:style>
+          <a:lnRef idx="2">
+            <a:schemeClr val="accent1">
+              <a:shade val="50000"/>
+            </a:schemeClr>
+          </a:lnRef>
+          <a:fillRef idx="1">
+            <a:schemeClr val="accent1"/>
+          </a:fillRef>
+          <a:effectRef idx="0">
+            <a:schemeClr val="accent1"/>
+          </a:effectRef>
+          <a:fontRef idx="minor">
+            <a:schemeClr val="lt1"/>
+          </a:fontRef>
+        </p:style>
+        <p:txBody>
+          <a:bodyPr rtlCol="0" anchor="ctr"/>
+          <a:lstStyle/>
+          <a:p>
+            <a:pPr algn="ctr"/>
+            <a:endParaRPr lang="ko-KR" altLang="en-US"/>
+          </a:p>
+        </p:txBody>
+      </p:sp>
+      <p:sp>
+        <p:nvSpPr>
+          <p:cNvPr id="109" name="직사각형 108">
+            <a:extLst>
+              <a:ext uri="{FF2B5EF4-FFF2-40B4-BE49-F238E27FC236}">
+                <a16:creationId xmlns:a16="http://schemas.microsoft.com/office/drawing/2014/main" id="{464744E2-4980-F9AF-8FF2-DA8BB4B5005C}"/>
+              </a:ext>
+            </a:extLst>
+          </p:cNvPr>
+          <p:cNvSpPr/>
+          <p:nvPr/>
+        </p:nvSpPr>
+        <p:spPr>
+          <a:xfrm>
+            <a:off x="2239950" y="8503360"/>
+            <a:ext cx="3600000" cy="2880000"/>
+          </a:xfrm>
+          <a:prstGeom prst="rect">
+            <a:avLst/>
+          </a:prstGeom>
+        </p:spPr>
+        <p:style>
+          <a:lnRef idx="2">
+            <a:schemeClr val="accent1">
+              <a:shade val="50000"/>
+            </a:schemeClr>
+          </a:lnRef>
+          <a:fillRef idx="1">
+            <a:schemeClr val="accent1"/>
+          </a:fillRef>
+          <a:effectRef idx="0">
+            <a:schemeClr val="accent1"/>
+          </a:effectRef>
+          <a:fontRef idx="minor">
+            <a:schemeClr val="lt1"/>
+          </a:fontRef>
+        </p:style>
+        <p:txBody>
+          <a:bodyPr rtlCol="0" anchor="ctr"/>
+          <a:lstStyle/>
+          <a:p>
+            <a:pPr algn="ctr"/>
+            <a:endParaRPr lang="ko-KR" altLang="en-US"/>
+          </a:p>
+        </p:txBody>
+      </p:sp>
+      <p:cxnSp>
+        <p:nvCxnSpPr>
+          <p:cNvPr id="110" name="직선 화살표 연결선 109">
+            <a:extLst>
+              <a:ext uri="{FF2B5EF4-FFF2-40B4-BE49-F238E27FC236}">
+                <a16:creationId xmlns:a16="http://schemas.microsoft.com/office/drawing/2014/main" id="{F4228B32-1E59-C07A-C84D-1260965070B0}"/>
+              </a:ext>
+            </a:extLst>
+          </p:cNvPr>
+          <p:cNvCxnSpPr>
+            <a:cxnSpLocks/>
+            <a:stCxn id="109" idx="3"/>
+          </p:cNvCxnSpPr>
+          <p:nvPr/>
+        </p:nvCxnSpPr>
+        <p:spPr>
+          <a:xfrm flipV="1">
+            <a:off x="5839950" y="9943359"/>
+            <a:ext cx="1636774" cy="1"/>
+          </a:xfrm>
+          <a:prstGeom prst="straightConnector1">
+            <a:avLst/>
+          </a:prstGeom>
+          <a:ln w="38100">
+            <a:tailEnd type="triangle"/>
+          </a:ln>
+        </p:spPr>
+        <p:style>
+          <a:lnRef idx="1">
+            <a:schemeClr val="dk1"/>
+          </a:lnRef>
+          <a:fillRef idx="0">
+            <a:schemeClr val="dk1"/>
+          </a:fillRef>
+          <a:effectRef idx="0">
+            <a:schemeClr val="dk1"/>
+          </a:effectRef>
+          <a:fontRef idx="minor">
+            <a:schemeClr val="tx1"/>
+          </a:fontRef>
+        </p:style>
+      </p:cxnSp>
+      <p:cxnSp>
+        <p:nvCxnSpPr>
+          <p:cNvPr id="113" name="직선 화살표 연결선 112">
+            <a:extLst>
+              <a:ext uri="{FF2B5EF4-FFF2-40B4-BE49-F238E27FC236}">
+                <a16:creationId xmlns:a16="http://schemas.microsoft.com/office/drawing/2014/main" id="{2DB2E215-39EC-FCA3-1FE5-9F2423D3C96B}"/>
+              </a:ext>
+            </a:extLst>
+          </p:cNvPr>
+          <p:cNvCxnSpPr>
+            <a:cxnSpLocks/>
+            <a:stCxn id="93" idx="3"/>
+            <a:endCxn id="108" idx="1"/>
+          </p:cNvCxnSpPr>
+          <p:nvPr/>
+        </p:nvCxnSpPr>
+        <p:spPr>
+          <a:xfrm>
+            <a:off x="13236724" y="9943360"/>
+            <a:ext cx="1636774" cy="0"/>
+          </a:xfrm>
+          <a:prstGeom prst="straightConnector1">
+            <a:avLst/>
+          </a:prstGeom>
+          <a:ln w="38100">
+            <a:tailEnd type="triangle"/>
+          </a:ln>
+        </p:spPr>
+        <p:style>
+          <a:lnRef idx="1">
+            <a:schemeClr val="dk1"/>
+          </a:lnRef>
+          <a:fillRef idx="0">
+            <a:schemeClr val="dk1"/>
+          </a:fillRef>
+          <a:effectRef idx="0">
+            <a:schemeClr val="dk1"/>
+          </a:effectRef>
+          <a:fontRef idx="minor">
+            <a:schemeClr val="tx1"/>
+          </a:fontRef>
+        </p:style>
+      </p:cxnSp>
+      <p:cxnSp>
+        <p:nvCxnSpPr>
+          <p:cNvPr id="116" name="직선 화살표 연결선 115">
+            <a:extLst>
+              <a:ext uri="{FF2B5EF4-FFF2-40B4-BE49-F238E27FC236}">
+                <a16:creationId xmlns:a16="http://schemas.microsoft.com/office/drawing/2014/main" id="{E5B7B927-4426-79B5-A7DB-879AE9607F1A}"/>
+              </a:ext>
+            </a:extLst>
+          </p:cNvPr>
+          <p:cNvCxnSpPr>
+            <a:cxnSpLocks/>
+            <a:stCxn id="108" idx="3"/>
+            <a:endCxn id="79" idx="1"/>
+          </p:cNvCxnSpPr>
+          <p:nvPr/>
+        </p:nvCxnSpPr>
+        <p:spPr>
+          <a:xfrm>
+            <a:off x="18473498" y="9943360"/>
+            <a:ext cx="1186775" cy="0"/>
+          </a:xfrm>
+          <a:prstGeom prst="straightConnector1">
+            <a:avLst/>
+          </a:prstGeom>
+          <a:ln w="38100">
+            <a:tailEnd type="triangle"/>
+          </a:ln>
+        </p:spPr>
+        <p:style>
+          <a:lnRef idx="1">
+            <a:schemeClr val="dk1"/>
+          </a:lnRef>
+          <a:fillRef idx="0">
+            <a:schemeClr val="dk1"/>
+          </a:fillRef>
+          <a:effectRef idx="0">
+            <a:schemeClr val="dk1"/>
+          </a:effectRef>
+          <a:fontRef idx="minor">
+            <a:schemeClr val="tx1"/>
+          </a:fontRef>
+        </p:style>
+      </p:cxnSp>
+    </p:spTree>
+    <p:extLst>
+      <p:ext uri="{BB962C8B-B14F-4D97-AF65-F5344CB8AC3E}">
+        <p14:creationId xmlns:p14="http://schemas.microsoft.com/office/powerpoint/2010/main" val="18564765"/>
+      </p:ext>
+    </p:extLst>
+  </p:cSld>
+  <p:clrMapOvr>
+    <a:masterClrMapping/>
+  </p:clrMapOvr>
+</p:sld>
+</file>
+
 <file path=ppt/theme/theme1.xml><?xml version="1.0" encoding="utf-8"?>
 <a:theme xmlns:a="http://schemas.openxmlformats.org/drawingml/2006/main" name="Office 테마">
   <a:themeElements>
